--- a/Slides/PH223_Lecture_38.pptx
+++ b/Slides/PH223_Lecture_38.pptx
@@ -30,9 +30,12 @@
     <p:sldId id="1359" r:id="rId24"/>
     <p:sldId id="1360" r:id="rId25"/>
     <p:sldId id="1361" r:id="rId26"/>
-    <p:sldId id="1354" r:id="rId27"/>
-    <p:sldId id="1355" r:id="rId28"/>
-    <p:sldId id="269" r:id="rId29"/>
+    <p:sldId id="1364" r:id="rId27"/>
+    <p:sldId id="1362" r:id="rId28"/>
+    <p:sldId id="1363" r:id="rId29"/>
+    <p:sldId id="1354" r:id="rId30"/>
+    <p:sldId id="1355" r:id="rId31"/>
+    <p:sldId id="269" r:id="rId32"/>
   </p:sldIdLst>
   <p:sldSz cx="9144000" cy="6858000" type="screen4x3"/>
   <p:notesSz cx="6858000" cy="9144000"/>
@@ -153,7 +156,7 @@
 <file path=ppt/revisionInfo.xml><?xml version="1.0" encoding="utf-8"?>
 <p1510:revInfo xmlns:a="http://schemas.openxmlformats.org/drawingml/2006/main" xmlns:r="http://schemas.openxmlformats.org/officeDocument/2006/relationships" xmlns:p1510="http://schemas.microsoft.com/office/powerpoint/2015/10/main">
   <p1510:revLst>
-    <p1510:client id="{B4A9AA7A-36C4-4253-9F30-870559C52118}" v="485" dt="2023-11-14T01:18:35.072"/>
+    <p1510:client id="{888A41E6-12C7-4C81-96C2-E2307B7AD065}" v="118" dt="2024-03-15T21:23:35.077"/>
   </p1510:revLst>
 </p1510:revInfo>
 </file>
@@ -353,6 +356,90 @@
       </pc:sldChg>
     </pc:docChg>
   </pc:docChgLst>
+  <pc:docChgLst>
+    <pc:chgData name="Lines, Todd" userId="afaf7c3a-e8aa-4568-882a-02ad8f9e19b0" providerId="ADAL" clId="{888A41E6-12C7-4C81-96C2-E2307B7AD065}"/>
+    <pc:docChg chg="custSel addSld modSld">
+      <pc:chgData name="Lines, Todd" userId="afaf7c3a-e8aa-4568-882a-02ad8f9e19b0" providerId="ADAL" clId="{888A41E6-12C7-4C81-96C2-E2307B7AD065}" dt="2024-03-15T21:23:35.077" v="332"/>
+      <pc:docMkLst>
+        <pc:docMk/>
+      </pc:docMkLst>
+      <pc:sldChg chg="modSp mod">
+        <pc:chgData name="Lines, Todd" userId="afaf7c3a-e8aa-4568-882a-02ad8f9e19b0" providerId="ADAL" clId="{888A41E6-12C7-4C81-96C2-E2307B7AD065}" dt="2024-03-15T21:11:24.111" v="2" actId="20577"/>
+        <pc:sldMkLst>
+          <pc:docMk/>
+          <pc:sldMk cId="0" sldId="1322"/>
+        </pc:sldMkLst>
+        <pc:spChg chg="mod">
+          <ac:chgData name="Lines, Todd" userId="afaf7c3a-e8aa-4568-882a-02ad8f9e19b0" providerId="ADAL" clId="{888A41E6-12C7-4C81-96C2-E2307B7AD065}" dt="2024-03-15T21:11:24.111" v="2" actId="20577"/>
+          <ac:spMkLst>
+            <pc:docMk/>
+            <pc:sldMk cId="0" sldId="1322"/>
+            <ac:spMk id="3" creationId="{00000000-0000-0000-0000-000000000000}"/>
+          </ac:spMkLst>
+        </pc:spChg>
+      </pc:sldChg>
+      <pc:sldChg chg="modSp mod">
+        <pc:chgData name="Lines, Todd" userId="afaf7c3a-e8aa-4568-882a-02ad8f9e19b0" providerId="ADAL" clId="{888A41E6-12C7-4C81-96C2-E2307B7AD065}" dt="2024-03-15T21:11:54.816" v="3" actId="20577"/>
+        <pc:sldMkLst>
+          <pc:docMk/>
+          <pc:sldMk cId="2844050977" sldId="1358"/>
+        </pc:sldMkLst>
+        <pc:spChg chg="mod">
+          <ac:chgData name="Lines, Todd" userId="afaf7c3a-e8aa-4568-882a-02ad8f9e19b0" providerId="ADAL" clId="{888A41E6-12C7-4C81-96C2-E2307B7AD065}" dt="2024-03-15T21:11:54.816" v="3" actId="20577"/>
+          <ac:spMkLst>
+            <pc:docMk/>
+            <pc:sldMk cId="2844050977" sldId="1358"/>
+            <ac:spMk id="3" creationId="{00000000-0000-0000-0000-000000000000}"/>
+          </ac:spMkLst>
+        </pc:spChg>
+      </pc:sldChg>
+      <pc:sldChg chg="modSp add mod">
+        <pc:chgData name="Lines, Todd" userId="afaf7c3a-e8aa-4568-882a-02ad8f9e19b0" providerId="ADAL" clId="{888A41E6-12C7-4C81-96C2-E2307B7AD065}" dt="2024-03-15T21:23:30.764" v="331"/>
+        <pc:sldMkLst>
+          <pc:docMk/>
+          <pc:sldMk cId="43698682" sldId="1362"/>
+        </pc:sldMkLst>
+        <pc:spChg chg="mod">
+          <ac:chgData name="Lines, Todd" userId="afaf7c3a-e8aa-4568-882a-02ad8f9e19b0" providerId="ADAL" clId="{888A41E6-12C7-4C81-96C2-E2307B7AD065}" dt="2024-03-15T21:23:30.764" v="331"/>
+          <ac:spMkLst>
+            <pc:docMk/>
+            <pc:sldMk cId="43698682" sldId="1362"/>
+            <ac:spMk id="3" creationId="{881C12D7-91E3-AC48-F833-D6BE914B2CC6}"/>
+          </ac:spMkLst>
+        </pc:spChg>
+      </pc:sldChg>
+      <pc:sldChg chg="modSp add">
+        <pc:chgData name="Lines, Todd" userId="afaf7c3a-e8aa-4568-882a-02ad8f9e19b0" providerId="ADAL" clId="{888A41E6-12C7-4C81-96C2-E2307B7AD065}" dt="2024-03-15T21:23:35.077" v="332"/>
+        <pc:sldMkLst>
+          <pc:docMk/>
+          <pc:sldMk cId="3504388593" sldId="1363"/>
+        </pc:sldMkLst>
+        <pc:spChg chg="mod">
+          <ac:chgData name="Lines, Todd" userId="afaf7c3a-e8aa-4568-882a-02ad8f9e19b0" providerId="ADAL" clId="{888A41E6-12C7-4C81-96C2-E2307B7AD065}" dt="2024-03-15T21:23:35.077" v="332"/>
+          <ac:spMkLst>
+            <pc:docMk/>
+            <pc:sldMk cId="3504388593" sldId="1363"/>
+            <ac:spMk id="3" creationId="{9A409A19-FC82-B2F4-FC4D-8FA986582CDB}"/>
+          </ac:spMkLst>
+        </pc:spChg>
+      </pc:sldChg>
+      <pc:sldChg chg="modSp add mod">
+        <pc:chgData name="Lines, Todd" userId="afaf7c3a-e8aa-4568-882a-02ad8f9e19b0" providerId="ADAL" clId="{888A41E6-12C7-4C81-96C2-E2307B7AD065}" dt="2024-03-15T21:23:24.746" v="330" actId="20578"/>
+        <pc:sldMkLst>
+          <pc:docMk/>
+          <pc:sldMk cId="3153378643" sldId="1364"/>
+        </pc:sldMkLst>
+        <pc:spChg chg="mod">
+          <ac:chgData name="Lines, Todd" userId="afaf7c3a-e8aa-4568-882a-02ad8f9e19b0" providerId="ADAL" clId="{888A41E6-12C7-4C81-96C2-E2307B7AD065}" dt="2024-03-15T21:23:24.746" v="330" actId="20578"/>
+          <ac:spMkLst>
+            <pc:docMk/>
+            <pc:sldMk cId="3153378643" sldId="1364"/>
+            <ac:spMk id="3" creationId="{ED652076-6811-FB52-9BCF-F4383E1CC012}"/>
+          </ac:spMkLst>
+        </pc:spChg>
+      </pc:sldChg>
+    </pc:docChg>
+  </pc:docChgLst>
 </pc:chgInfo>
 </file>
 
@@ -536,7 +623,7 @@
             <a:fld id="{DD9FD3F8-3B48-4A13-A6DE-1CEF4E89E992}" type="datetimeFigureOut">
               <a:rPr lang="en-US" smtClean="0"/>
               <a:pPr/>
-              <a:t>11/13/2023</a:t>
+              <a:t>3/15/2024</a:t>
             </a:fld>
             <a:endParaRPr lang="en-US"/>
           </a:p>
@@ -701,7 +788,7 @@
             <a:fld id="{DD9FD3F8-3B48-4A13-A6DE-1CEF4E89E992}" type="datetimeFigureOut">
               <a:rPr lang="en-US" smtClean="0"/>
               <a:pPr/>
-              <a:t>11/13/2023</a:t>
+              <a:t>3/15/2024</a:t>
             </a:fld>
             <a:endParaRPr lang="en-US"/>
           </a:p>
@@ -876,7 +963,7 @@
             <a:fld id="{DD9FD3F8-3B48-4A13-A6DE-1CEF4E89E992}" type="datetimeFigureOut">
               <a:rPr lang="en-US" smtClean="0"/>
               <a:pPr/>
-              <a:t>11/13/2023</a:t>
+              <a:t>3/15/2024</a:t>
             </a:fld>
             <a:endParaRPr lang="en-US"/>
           </a:p>
@@ -1041,7 +1128,7 @@
             <a:fld id="{DD9FD3F8-3B48-4A13-A6DE-1CEF4E89E992}" type="datetimeFigureOut">
               <a:rPr lang="en-US" smtClean="0"/>
               <a:pPr/>
-              <a:t>11/13/2023</a:t>
+              <a:t>3/15/2024</a:t>
             </a:fld>
             <a:endParaRPr lang="en-US"/>
           </a:p>
@@ -1283,7 +1370,7 @@
             <a:fld id="{DD9FD3F8-3B48-4A13-A6DE-1CEF4E89E992}" type="datetimeFigureOut">
               <a:rPr lang="en-US" smtClean="0"/>
               <a:pPr/>
-              <a:t>11/13/2023</a:t>
+              <a:t>3/15/2024</a:t>
             </a:fld>
             <a:endParaRPr lang="en-US"/>
           </a:p>
@@ -1565,7 +1652,7 @@
             <a:fld id="{DD9FD3F8-3B48-4A13-A6DE-1CEF4E89E992}" type="datetimeFigureOut">
               <a:rPr lang="en-US" smtClean="0"/>
               <a:pPr/>
-              <a:t>11/13/2023</a:t>
+              <a:t>3/15/2024</a:t>
             </a:fld>
             <a:endParaRPr lang="en-US"/>
           </a:p>
@@ -1981,7 +2068,7 @@
             <a:fld id="{DD9FD3F8-3B48-4A13-A6DE-1CEF4E89E992}" type="datetimeFigureOut">
               <a:rPr lang="en-US" smtClean="0"/>
               <a:pPr/>
-              <a:t>11/13/2023</a:t>
+              <a:t>3/15/2024</a:t>
             </a:fld>
             <a:endParaRPr lang="en-US"/>
           </a:p>
@@ -2095,7 +2182,7 @@
             <a:fld id="{DD9FD3F8-3B48-4A13-A6DE-1CEF4E89E992}" type="datetimeFigureOut">
               <a:rPr lang="en-US" smtClean="0"/>
               <a:pPr/>
-              <a:t>11/13/2023</a:t>
+              <a:t>3/15/2024</a:t>
             </a:fld>
             <a:endParaRPr lang="en-US"/>
           </a:p>
@@ -2187,7 +2274,7 @@
             <a:fld id="{DD9FD3F8-3B48-4A13-A6DE-1CEF4E89E992}" type="datetimeFigureOut">
               <a:rPr lang="en-US" smtClean="0"/>
               <a:pPr/>
-              <a:t>11/13/2023</a:t>
+              <a:t>3/15/2024</a:t>
             </a:fld>
             <a:endParaRPr lang="en-US"/>
           </a:p>
@@ -2459,7 +2546,7 @@
             <a:fld id="{DD9FD3F8-3B48-4A13-A6DE-1CEF4E89E992}" type="datetimeFigureOut">
               <a:rPr lang="en-US" smtClean="0"/>
               <a:pPr/>
-              <a:t>11/13/2023</a:t>
+              <a:t>3/15/2024</a:t>
             </a:fld>
             <a:endParaRPr lang="en-US"/>
           </a:p>
@@ -2708,7 +2795,7 @@
             <a:fld id="{DD9FD3F8-3B48-4A13-A6DE-1CEF4E89E992}" type="datetimeFigureOut">
               <a:rPr lang="en-US" smtClean="0"/>
               <a:pPr/>
-              <a:t>11/13/2023</a:t>
+              <a:t>3/15/2024</a:t>
             </a:fld>
             <a:endParaRPr lang="en-US"/>
           </a:p>
@@ -2916,7 +3003,7 @@
             <a:fld id="{DD9FD3F8-3B48-4A13-A6DE-1CEF4E89E992}" type="datetimeFigureOut">
               <a:rPr lang="en-US" smtClean="0"/>
               <a:pPr/>
-              <a:t>11/13/2023</a:t>
+              <a:t>3/15/2024</a:t>
             </a:fld>
             <a:endParaRPr lang="en-US"/>
           </a:p>
@@ -6367,7 +6454,7 @@
             </a:pPr>
             <a:r>
               <a:rPr lang="en-US" dirty="0"/>
-              <a:t>No where in the universe</a:t>
+              <a:t>Nowhere in the universe</a:t>
             </a:r>
           </a:p>
           <a:p>
@@ -11302,7 +11389,7 @@
             </a:pPr>
             <a:r>
               <a:rPr lang="en-US" dirty="0"/>
-              <a:t>No where in the universe</a:t>
+              <a:t>Nowhere in the universe</a:t>
             </a:r>
           </a:p>
           <a:p>
@@ -11445,8 +11532,8 @@
           </a:p>
         </p:txBody>
       </p:sp>
-      <mc:AlternateContent xmlns:mc="http://schemas.openxmlformats.org/markup-compatibility/2006">
-        <mc:Choice xmlns:a14="http://schemas.microsoft.com/office/drawing/2010/main" Requires="a14">
+      <mc:AlternateContent xmlns:mc="http://schemas.openxmlformats.org/markup-compatibility/2006" xmlns:a14="http://schemas.microsoft.com/office/drawing/2010/main">
+        <mc:Choice Requires="a14">
           <p:sp>
             <p:nvSpPr>
               <p:cNvPr id="3" name="Content Placeholder 2">
@@ -11712,7 +11799,7 @@
             </p:txBody>
           </p:sp>
         </mc:Choice>
-        <mc:Fallback>
+        <mc:Fallback xmlns="">
           <p:sp>
             <p:nvSpPr>
               <p:cNvPr id="3" name="Content Placeholder 2">
@@ -11810,8 +11897,8 @@
           </a:p>
         </p:txBody>
       </p:sp>
-      <mc:AlternateContent xmlns:mc="http://schemas.openxmlformats.org/markup-compatibility/2006">
-        <mc:Choice xmlns:a14="http://schemas.microsoft.com/office/drawing/2010/main" Requires="a14">
+      <mc:AlternateContent xmlns:mc="http://schemas.openxmlformats.org/markup-compatibility/2006" xmlns:a14="http://schemas.microsoft.com/office/drawing/2010/main">
+        <mc:Choice Requires="a14">
           <p:sp>
             <p:nvSpPr>
               <p:cNvPr id="3" name="Content Placeholder 2">
@@ -12107,7 +12194,7 @@
             </p:txBody>
           </p:sp>
         </mc:Choice>
-        <mc:Fallback>
+        <mc:Fallback xmlns="">
           <p:sp>
             <p:nvSpPr>
               <p:cNvPr id="3" name="Content Placeholder 2">
@@ -12205,8 +12292,8 @@
           </a:p>
         </p:txBody>
       </p:sp>
-      <mc:AlternateContent xmlns:mc="http://schemas.openxmlformats.org/markup-compatibility/2006">
-        <mc:Choice xmlns:a14="http://schemas.microsoft.com/office/drawing/2010/main" Requires="a14">
+      <mc:AlternateContent xmlns:mc="http://schemas.openxmlformats.org/markup-compatibility/2006" xmlns:a14="http://schemas.microsoft.com/office/drawing/2010/main">
+        <mc:Choice Requires="a14">
           <p:sp>
             <p:nvSpPr>
               <p:cNvPr id="3" name="Content Placeholder 2">
@@ -12595,7 +12682,7 @@
             </p:txBody>
           </p:sp>
         </mc:Choice>
-        <mc:Fallback>
+        <mc:Fallback xmlns="">
           <p:sp>
             <p:nvSpPr>
               <p:cNvPr id="3" name="Content Placeholder 2">
@@ -12693,8 +12780,8 @@
           </a:p>
         </p:txBody>
       </p:sp>
-      <mc:AlternateContent xmlns:mc="http://schemas.openxmlformats.org/markup-compatibility/2006">
-        <mc:Choice xmlns:a14="http://schemas.microsoft.com/office/drawing/2010/main" Requires="a14">
+      <mc:AlternateContent xmlns:mc="http://schemas.openxmlformats.org/markup-compatibility/2006" xmlns:a14="http://schemas.microsoft.com/office/drawing/2010/main">
+        <mc:Choice Requires="a14">
           <p:sp>
             <p:nvSpPr>
               <p:cNvPr id="3" name="Content Placeholder 2">
@@ -12920,7 +13007,7 @@
             </p:txBody>
           </p:sp>
         </mc:Choice>
-        <mc:Fallback>
+        <mc:Fallback xmlns="">
           <p:sp>
             <p:nvSpPr>
               <p:cNvPr id="3" name="Content Placeholder 2">
@@ -12978,7 +13065,13 @@
   <p:cSld>
     <p:spTree>
       <p:nvGrpSpPr>
-        <p:cNvPr id="1" name=""/>
+        <p:cNvPr id="1" name="">
+          <a:extLst>
+            <a:ext uri="{FF2B5EF4-FFF2-40B4-BE49-F238E27FC236}">
+              <a16:creationId xmlns:a16="http://schemas.microsoft.com/office/drawing/2014/main" id="{783A82A0-B6E6-032E-E78B-DDC0212E6A44}"/>
+            </a:ext>
+          </a:extLst>
+        </p:cNvPr>
         <p:cNvGrpSpPr/>
         <p:nvPr/>
       </p:nvGrpSpPr>
@@ -12992,7 +13085,13 @@
       </p:grpSpPr>
       <p:sp>
         <p:nvSpPr>
-          <p:cNvPr id="2" name="Title 1"/>
+          <p:cNvPr id="2" name="Title 1">
+            <a:extLst>
+              <a:ext uri="{FF2B5EF4-FFF2-40B4-BE49-F238E27FC236}">
+                <a16:creationId xmlns:a16="http://schemas.microsoft.com/office/drawing/2014/main" id="{F28FA10B-9FB2-D581-3CF9-5F192B5960AC}"/>
+              </a:ext>
+            </a:extLst>
+          </p:cNvPr>
           <p:cNvSpPr>
             <a:spLocks noGrp="1"/>
           </p:cNvSpPr>
@@ -13000,795 +13099,482 @@
             <p:ph type="title"/>
           </p:nvPr>
         </p:nvSpPr>
-        <p:spPr>
-          <a:xfrm>
-            <a:off x="383204" y="266224"/>
-            <a:ext cx="8229600" cy="1143000"/>
-          </a:xfrm>
-        </p:spPr>
+        <p:spPr/>
         <p:txBody>
           <a:bodyPr/>
           <a:lstStyle/>
           <a:p>
             <a:r>
               <a:rPr lang="en-US" dirty="0"/>
-              <a:t>Question 223.38.7</a:t>
+              <a:t>Question</a:t>
             </a:r>
           </a:p>
         </p:txBody>
       </p:sp>
-      <p:sp>
-        <p:nvSpPr>
-          <p:cNvPr id="3" name="Content Placeholder 2"/>
-          <p:cNvSpPr>
-            <a:spLocks noGrp="1"/>
-          </p:cNvSpPr>
-          <p:nvPr>
-            <p:ph idx="1"/>
-          </p:nvPr>
-        </p:nvSpPr>
-        <p:spPr>
-          <a:xfrm>
-            <a:off x="457200" y="3441700"/>
-            <a:ext cx="8077200" cy="3416300"/>
-          </a:xfrm>
-        </p:spPr>
-        <p:txBody>
-          <a:bodyPr>
-            <a:normAutofit/>
-          </a:bodyPr>
-          <a:lstStyle/>
-          <a:p>
-            <a:pPr>
-              <a:buNone/>
-            </a:pPr>
-            <a:r>
-              <a:rPr lang="en-US" dirty="0"/>
-              <a:t>Suppose we accelerate a proton and send it in the z-direction to a speed of 1.0×10⁷m /s. Is there a magnetic field at point P? </a:t>
-            </a:r>
-          </a:p>
-          <a:p>
-            <a:pPr marL="514350" indent="-514350">
-              <a:buAutoNum type="alphaLcParenR"/>
-            </a:pPr>
-            <a:r>
-              <a:rPr lang="en-US" dirty="0"/>
-              <a:t>Yes</a:t>
-            </a:r>
-          </a:p>
-          <a:p>
-            <a:pPr marL="514350" indent="-514350">
-              <a:buAutoNum type="alphaLcParenR"/>
-            </a:pPr>
-            <a:r>
-              <a:rPr lang="en-US" dirty="0"/>
-              <a:t>No</a:t>
-            </a:r>
-          </a:p>
-          <a:p>
-            <a:pPr marL="514350" indent="-514350">
-              <a:buAutoNum type="arabicPeriod"/>
-            </a:pPr>
-            <a:endParaRPr lang="en-US" dirty="0"/>
-          </a:p>
-          <a:p>
-            <a:pPr marL="514350" indent="-514350">
-              <a:buAutoNum type="arabicPeriod"/>
-            </a:pPr>
-            <a:endParaRPr lang="en-US" dirty="0"/>
-          </a:p>
-        </p:txBody>
-      </p:sp>
-      <p:sp>
-        <p:nvSpPr>
-          <p:cNvPr id="4" name="Slide Number Placeholder 3"/>
-          <p:cNvSpPr>
-            <a:spLocks noGrp="1"/>
-          </p:cNvSpPr>
-          <p:nvPr>
-            <p:ph type="sldNum" sz="quarter" idx="12"/>
-          </p:nvPr>
-        </p:nvSpPr>
-        <p:spPr/>
-        <p:txBody>
-          <a:bodyPr/>
-          <a:lstStyle/>
-          <a:p>
-            <a:pPr>
-              <a:defRPr/>
-            </a:pPr>
-            <a:fld id="{64137B81-8888-4253-92EC-0AED2A590749}" type="slidenum">
-              <a:rPr lang="en-US" smtClean="0"/>
-              <a:pPr>
-                <a:defRPr/>
-              </a:pPr>
-              <a:t>26</a:t>
-            </a:fld>
-            <a:endParaRPr lang="en-US"/>
-          </a:p>
-        </p:txBody>
-      </p:sp>
-      <p:cxnSp>
-        <p:nvCxnSpPr>
-          <p:cNvPr id="6" name="Straight Arrow Connector 5"/>
-          <p:cNvCxnSpPr>
-            <a:endCxn id="17" idx="4"/>
-          </p:cNvCxnSpPr>
-          <p:nvPr/>
-        </p:nvCxnSpPr>
-        <p:spPr>
-          <a:xfrm flipV="1">
-            <a:off x="3690284" y="1634252"/>
-            <a:ext cx="7620" cy="822960"/>
-          </a:xfrm>
-          <a:prstGeom prst="straightConnector1">
-            <a:avLst/>
-          </a:prstGeom>
-          <a:ln w="28575">
-            <a:solidFill>
-              <a:schemeClr val="tx1"/>
-            </a:solidFill>
-            <a:tailEnd type="arrow"/>
-          </a:ln>
-        </p:spPr>
-        <p:style>
-          <a:lnRef idx="1">
-            <a:schemeClr val="accent1"/>
-          </a:lnRef>
-          <a:fillRef idx="0">
-            <a:schemeClr val="accent1"/>
-          </a:fillRef>
-          <a:effectRef idx="0">
-            <a:schemeClr val="accent1"/>
-          </a:effectRef>
-          <a:fontRef idx="minor">
-            <a:schemeClr val="tx1"/>
-          </a:fontRef>
-        </p:style>
-      </p:cxnSp>
-      <p:cxnSp>
-        <p:nvCxnSpPr>
-          <p:cNvPr id="7" name="Straight Connector 6"/>
-          <p:cNvCxnSpPr/>
-          <p:nvPr/>
-        </p:nvCxnSpPr>
-        <p:spPr>
-          <a:xfrm>
-            <a:off x="1861484" y="2487692"/>
-            <a:ext cx="5532120" cy="0"/>
-          </a:xfrm>
-          <a:prstGeom prst="line">
-            <a:avLst/>
-          </a:prstGeom>
-          <a:ln>
-            <a:solidFill>
-              <a:schemeClr val="tx1"/>
-            </a:solidFill>
-            <a:prstDash val="lgDash"/>
-          </a:ln>
-        </p:spPr>
-        <p:style>
-          <a:lnRef idx="1">
-            <a:schemeClr val="accent1"/>
-          </a:lnRef>
-          <a:fillRef idx="0">
-            <a:schemeClr val="accent1"/>
-          </a:fillRef>
-          <a:effectRef idx="0">
-            <a:schemeClr val="accent1"/>
-          </a:effectRef>
-          <a:fontRef idx="minor">
-            <a:schemeClr val="tx1"/>
-          </a:fontRef>
-        </p:style>
-      </p:cxnSp>
-      <p:sp>
-        <p:nvSpPr>
-          <p:cNvPr id="8" name="Oval 7"/>
-          <p:cNvSpPr/>
-          <p:nvPr/>
-        </p:nvSpPr>
-        <p:spPr>
-          <a:xfrm>
-            <a:off x="3537884" y="2289572"/>
-            <a:ext cx="335280" cy="365760"/>
-          </a:xfrm>
-          <a:prstGeom prst="ellipse">
-            <a:avLst/>
-          </a:prstGeom>
-          <a:solidFill>
-            <a:srgbClr val="FFC000"/>
-          </a:solidFill>
-          <a:ln>
-            <a:noFill/>
-          </a:ln>
-        </p:spPr>
-        <p:style>
-          <a:lnRef idx="2">
-            <a:schemeClr val="accent1">
-              <a:shade val="50000"/>
-            </a:schemeClr>
-          </a:lnRef>
-          <a:fillRef idx="1">
-            <a:schemeClr val="accent1"/>
-          </a:fillRef>
-          <a:effectRef idx="0">
-            <a:schemeClr val="accent1"/>
-          </a:effectRef>
-          <a:fontRef idx="minor">
-            <a:schemeClr val="lt1"/>
-          </a:fontRef>
-        </p:style>
-        <p:txBody>
-          <a:bodyPr rtlCol="0" anchor="ctr"/>
-          <a:lstStyle/>
-          <a:p>
-            <a:pPr algn="ctr"/>
-            <a:endParaRPr lang="en-US"/>
-          </a:p>
-        </p:txBody>
-      </p:sp>
-      <p:sp>
-        <p:nvSpPr>
-          <p:cNvPr id="9" name="TextBox 8"/>
-          <p:cNvSpPr txBox="1"/>
-          <p:nvPr/>
-        </p:nvSpPr>
-        <p:spPr>
-          <a:xfrm>
-            <a:off x="7454564" y="2320052"/>
-            <a:ext cx="1293752" cy="369332"/>
-          </a:xfrm>
-          <a:prstGeom prst="rect">
-            <a:avLst/>
-          </a:prstGeom>
-          <a:noFill/>
-        </p:spPr>
-        <p:txBody>
-          <a:bodyPr wrap="none" rtlCol="0">
-            <a:spAutoFit/>
-          </a:bodyPr>
-          <a:lstStyle/>
-          <a:p>
-            <a:r>
-              <a:rPr lang="en-US" dirty="0"/>
-              <a:t>Proton Path</a:t>
-            </a:r>
-          </a:p>
-        </p:txBody>
-      </p:sp>
-      <p:cxnSp>
-        <p:nvCxnSpPr>
-          <p:cNvPr id="10" name="Straight Arrow Connector 9"/>
-          <p:cNvCxnSpPr/>
-          <p:nvPr/>
-        </p:nvCxnSpPr>
-        <p:spPr>
-          <a:xfrm>
-            <a:off x="779444" y="2502932"/>
-            <a:ext cx="914400" cy="0"/>
-          </a:xfrm>
-          <a:prstGeom prst="straightConnector1">
-            <a:avLst/>
-          </a:prstGeom>
-          <a:ln>
-            <a:tailEnd type="arrow"/>
-          </a:ln>
-        </p:spPr>
-        <p:style>
-          <a:lnRef idx="1">
-            <a:schemeClr val="accent1"/>
-          </a:lnRef>
-          <a:fillRef idx="0">
-            <a:schemeClr val="accent1"/>
-          </a:fillRef>
-          <a:effectRef idx="0">
-            <a:schemeClr val="accent1"/>
-          </a:effectRef>
-          <a:fontRef idx="minor">
-            <a:schemeClr val="tx1"/>
-          </a:fontRef>
-        </p:style>
-      </p:cxnSp>
-      <p:cxnSp>
-        <p:nvCxnSpPr>
-          <p:cNvPr id="11" name="Straight Arrow Connector 10"/>
-          <p:cNvCxnSpPr/>
-          <p:nvPr/>
-        </p:nvCxnSpPr>
-        <p:spPr>
-          <a:xfrm rot="16200000">
-            <a:off x="322244" y="2030492"/>
-            <a:ext cx="914400" cy="0"/>
-          </a:xfrm>
-          <a:prstGeom prst="straightConnector1">
-            <a:avLst/>
-          </a:prstGeom>
-          <a:ln>
-            <a:tailEnd type="arrow"/>
-          </a:ln>
-        </p:spPr>
-        <p:style>
-          <a:lnRef idx="1">
-            <a:schemeClr val="accent1"/>
-          </a:lnRef>
-          <a:fillRef idx="0">
-            <a:schemeClr val="accent1"/>
-          </a:fillRef>
-          <a:effectRef idx="0">
-            <a:schemeClr val="accent1"/>
-          </a:effectRef>
-          <a:fontRef idx="minor">
-            <a:schemeClr val="tx1"/>
-          </a:fontRef>
-        </p:style>
-      </p:cxnSp>
-      <p:cxnSp>
-        <p:nvCxnSpPr>
-          <p:cNvPr id="12" name="Straight Arrow Connector 11"/>
-          <p:cNvCxnSpPr/>
-          <p:nvPr/>
-        </p:nvCxnSpPr>
-        <p:spPr>
-          <a:xfrm flipH="1">
-            <a:off x="337484" y="2502932"/>
-            <a:ext cx="426720" cy="381000"/>
-          </a:xfrm>
-          <a:prstGeom prst="straightConnector1">
-            <a:avLst/>
-          </a:prstGeom>
-          <a:ln>
-            <a:tailEnd type="arrow"/>
-          </a:ln>
-        </p:spPr>
-        <p:style>
-          <a:lnRef idx="1">
-            <a:schemeClr val="accent1"/>
-          </a:lnRef>
-          <a:fillRef idx="0">
-            <a:schemeClr val="accent1"/>
-          </a:fillRef>
-          <a:effectRef idx="0">
-            <a:schemeClr val="accent1"/>
-          </a:effectRef>
-          <a:fontRef idx="minor">
-            <a:schemeClr val="tx1"/>
-          </a:fontRef>
-        </p:style>
-      </p:cxnSp>
-      <p:sp>
-        <p:nvSpPr>
-          <p:cNvPr id="13" name="TextBox 12"/>
-          <p:cNvSpPr txBox="1"/>
-          <p:nvPr/>
-        </p:nvSpPr>
-        <p:spPr>
-          <a:xfrm>
-            <a:off x="1510964" y="2487692"/>
-            <a:ext cx="276038" cy="369332"/>
-          </a:xfrm>
-          <a:prstGeom prst="rect">
-            <a:avLst/>
-          </a:prstGeom>
-          <a:noFill/>
-        </p:spPr>
-        <p:txBody>
-          <a:bodyPr wrap="none" rtlCol="0">
-            <a:spAutoFit/>
-          </a:bodyPr>
-          <a:lstStyle/>
-          <a:p>
-            <a:r>
-              <a:rPr lang="en-US" dirty="0"/>
-              <a:t>z</a:t>
-            </a:r>
-          </a:p>
-        </p:txBody>
-      </p:sp>
-      <p:sp>
-        <p:nvSpPr>
-          <p:cNvPr id="14" name="TextBox 13"/>
-          <p:cNvSpPr txBox="1"/>
-          <p:nvPr/>
-        </p:nvSpPr>
-        <p:spPr>
-          <a:xfrm>
-            <a:off x="489884" y="1344692"/>
-            <a:ext cx="284052" cy="369332"/>
-          </a:xfrm>
-          <a:prstGeom prst="rect">
-            <a:avLst/>
-          </a:prstGeom>
-          <a:noFill/>
-        </p:spPr>
-        <p:txBody>
-          <a:bodyPr wrap="none" rtlCol="0">
-            <a:spAutoFit/>
-          </a:bodyPr>
-          <a:lstStyle/>
-          <a:p>
-            <a:r>
-              <a:rPr lang="en-US" dirty="0"/>
-              <a:t>x</a:t>
-            </a:r>
-          </a:p>
-        </p:txBody>
-      </p:sp>
-      <p:sp>
-        <p:nvSpPr>
-          <p:cNvPr id="15" name="TextBox 14"/>
-          <p:cNvSpPr txBox="1"/>
-          <p:nvPr/>
-        </p:nvSpPr>
-        <p:spPr>
-          <a:xfrm>
-            <a:off x="63164" y="2533412"/>
-            <a:ext cx="288862" cy="369332"/>
-          </a:xfrm>
-          <a:prstGeom prst="rect">
-            <a:avLst/>
-          </a:prstGeom>
-          <a:noFill/>
-        </p:spPr>
-        <p:txBody>
-          <a:bodyPr wrap="none" rtlCol="0">
-            <a:spAutoFit/>
-          </a:bodyPr>
-          <a:lstStyle/>
-          <a:p>
-            <a:r>
-              <a:rPr lang="en-US" dirty="0"/>
-              <a:t>y</a:t>
-            </a:r>
-          </a:p>
-        </p:txBody>
-      </p:sp>
-      <p:cxnSp>
-        <p:nvCxnSpPr>
-          <p:cNvPr id="16" name="Straight Arrow Connector 15"/>
-          <p:cNvCxnSpPr>
-            <a:stCxn id="8" idx="6"/>
-          </p:cNvCxnSpPr>
-          <p:nvPr/>
-        </p:nvCxnSpPr>
-        <p:spPr>
-          <a:xfrm>
-            <a:off x="3873164" y="2472452"/>
-            <a:ext cx="624840" cy="0"/>
-          </a:xfrm>
-          <a:prstGeom prst="straightConnector1">
-            <a:avLst/>
-          </a:prstGeom>
-          <a:ln w="28575">
-            <a:solidFill>
-              <a:srgbClr val="FF0000"/>
-            </a:solidFill>
-            <a:tailEnd type="arrow"/>
-          </a:ln>
-        </p:spPr>
-        <p:style>
-          <a:lnRef idx="1">
-            <a:schemeClr val="accent1"/>
-          </a:lnRef>
-          <a:fillRef idx="0">
-            <a:schemeClr val="accent1"/>
-          </a:fillRef>
-          <a:effectRef idx="0">
-            <a:schemeClr val="accent1"/>
-          </a:effectRef>
-          <a:fontRef idx="minor">
-            <a:schemeClr val="tx1"/>
-          </a:fontRef>
-        </p:style>
-      </p:cxnSp>
-      <p:sp>
-        <p:nvSpPr>
-          <p:cNvPr id="17" name="Oval 16"/>
-          <p:cNvSpPr/>
-          <p:nvPr/>
-        </p:nvSpPr>
-        <p:spPr>
-          <a:xfrm>
-            <a:off x="3644564" y="1512332"/>
-            <a:ext cx="106680" cy="121920"/>
-          </a:xfrm>
-          <a:prstGeom prst="ellipse">
-            <a:avLst/>
-          </a:prstGeom>
-          <a:solidFill>
-            <a:schemeClr val="tx1"/>
-          </a:solidFill>
-          <a:ln>
-            <a:noFill/>
-          </a:ln>
-        </p:spPr>
-        <p:style>
-          <a:lnRef idx="2">
-            <a:schemeClr val="accent1">
-              <a:shade val="50000"/>
-            </a:schemeClr>
-          </a:lnRef>
-          <a:fillRef idx="1">
-            <a:schemeClr val="accent1"/>
-          </a:fillRef>
-          <a:effectRef idx="0">
-            <a:schemeClr val="accent1"/>
-          </a:effectRef>
-          <a:fontRef idx="minor">
-            <a:schemeClr val="lt1"/>
-          </a:fontRef>
-        </p:style>
-        <p:txBody>
-          <a:bodyPr rtlCol="0" anchor="ctr"/>
-          <a:lstStyle/>
-          <a:p>
-            <a:pPr algn="ctr"/>
-            <a:endParaRPr lang="en-US"/>
-          </a:p>
-        </p:txBody>
-      </p:sp>
-      <p:sp>
-        <p:nvSpPr>
-          <p:cNvPr id="18" name="TextBox 17"/>
-          <p:cNvSpPr txBox="1"/>
-          <p:nvPr/>
-        </p:nvSpPr>
-        <p:spPr>
-          <a:xfrm>
-            <a:off x="3827444" y="1344692"/>
-            <a:ext cx="1005853" cy="369332"/>
-          </a:xfrm>
-          <a:prstGeom prst="rect">
-            <a:avLst/>
-          </a:prstGeom>
-          <a:noFill/>
-        </p:spPr>
-        <p:txBody>
-          <a:bodyPr wrap="none" rtlCol="0">
-            <a:spAutoFit/>
-          </a:bodyPr>
-          <a:lstStyle/>
-          <a:p>
-            <a:r>
-              <a:rPr lang="en-US" dirty="0"/>
-              <a:t>Detector</a:t>
-            </a:r>
-          </a:p>
-        </p:txBody>
-      </p:sp>
-      <p:sp>
-        <p:nvSpPr>
-          <p:cNvPr id="19" name="TextBox 18"/>
-          <p:cNvSpPr txBox="1"/>
-          <p:nvPr/>
-        </p:nvSpPr>
-        <p:spPr>
-          <a:xfrm>
-            <a:off x="3309284" y="2731532"/>
-            <a:ext cx="819904" cy="369332"/>
-          </a:xfrm>
-          <a:prstGeom prst="rect">
-            <a:avLst/>
-          </a:prstGeom>
-          <a:noFill/>
-        </p:spPr>
-        <p:txBody>
-          <a:bodyPr wrap="none" rtlCol="0">
-            <a:spAutoFit/>
-          </a:bodyPr>
-          <a:lstStyle/>
-          <a:p>
-            <a:r>
-              <a:rPr lang="en-US" dirty="0"/>
-              <a:t>Proton</a:t>
-            </a:r>
-          </a:p>
-        </p:txBody>
-      </p:sp>
-      <p:cxnSp>
-        <p:nvCxnSpPr>
-          <p:cNvPr id="20" name="Straight Arrow Connector 19"/>
-          <p:cNvCxnSpPr/>
-          <p:nvPr/>
-        </p:nvCxnSpPr>
-        <p:spPr>
-          <a:xfrm>
-            <a:off x="2897804" y="1573292"/>
-            <a:ext cx="0" cy="914400"/>
-          </a:xfrm>
-          <a:prstGeom prst="straightConnector1">
-            <a:avLst/>
-          </a:prstGeom>
-          <a:ln>
-            <a:headEnd type="arrow"/>
-            <a:tailEnd type="arrow"/>
-          </a:ln>
-        </p:spPr>
-        <p:style>
-          <a:lnRef idx="1">
-            <a:schemeClr val="accent1"/>
-          </a:lnRef>
-          <a:fillRef idx="0">
-            <a:schemeClr val="accent1"/>
-          </a:fillRef>
-          <a:effectRef idx="0">
-            <a:schemeClr val="accent1"/>
-          </a:effectRef>
-          <a:fontRef idx="minor">
-            <a:schemeClr val="tx1"/>
-          </a:fontRef>
-        </p:style>
-      </p:cxnSp>
-      <p:sp>
-        <p:nvSpPr>
-          <p:cNvPr id="21" name="TextBox 20"/>
-          <p:cNvSpPr txBox="1"/>
-          <p:nvPr/>
-        </p:nvSpPr>
-        <p:spPr>
-          <a:xfrm>
-            <a:off x="2242484" y="1878092"/>
-            <a:ext cx="670376" cy="369332"/>
-          </a:xfrm>
-          <a:prstGeom prst="rect">
-            <a:avLst/>
-          </a:prstGeom>
-          <a:noFill/>
-        </p:spPr>
-        <p:txBody>
-          <a:bodyPr wrap="none" rtlCol="0">
-            <a:spAutoFit/>
-          </a:bodyPr>
-          <a:lstStyle/>
-          <a:p>
-            <a:r>
-              <a:rPr lang="en-US" dirty="0"/>
-              <a:t>1mm</a:t>
-            </a:r>
-          </a:p>
-        </p:txBody>
-      </p:sp>
-      <p:sp>
-        <p:nvSpPr>
-          <p:cNvPr id="22" name="TextBox 21"/>
-          <p:cNvSpPr txBox="1"/>
-          <p:nvPr/>
-        </p:nvSpPr>
-        <p:spPr>
-          <a:xfrm>
-            <a:off x="4086524" y="2076212"/>
-            <a:ext cx="288862" cy="369332"/>
-          </a:xfrm>
-          <a:prstGeom prst="rect">
-            <a:avLst/>
-          </a:prstGeom>
-          <a:noFill/>
-        </p:spPr>
-        <p:txBody>
-          <a:bodyPr wrap="none" rtlCol="0">
-            <a:spAutoFit/>
-          </a:bodyPr>
-          <a:lstStyle/>
-          <a:p>
-            <a:r>
-              <a:rPr lang="en-US" dirty="0">
-                <a:solidFill>
-                  <a:srgbClr val="FF0000"/>
-                </a:solidFill>
-              </a:rPr>
-              <a:t>v</a:t>
-            </a:r>
-          </a:p>
-        </p:txBody>
-      </p:sp>
-      <p:sp>
-        <p:nvSpPr>
-          <p:cNvPr id="23" name="TextBox 22"/>
-          <p:cNvSpPr txBox="1"/>
-          <p:nvPr/>
-        </p:nvSpPr>
-        <p:spPr>
-          <a:xfrm>
-            <a:off x="3400724" y="1801892"/>
-            <a:ext cx="264816" cy="369332"/>
-          </a:xfrm>
-          <a:prstGeom prst="rect">
-            <a:avLst/>
-          </a:prstGeom>
-          <a:noFill/>
-        </p:spPr>
-        <p:txBody>
-          <a:bodyPr wrap="none" rtlCol="0">
-            <a:spAutoFit/>
-          </a:bodyPr>
-          <a:lstStyle/>
-          <a:p>
-            <a:r>
-              <a:rPr lang="en-US" dirty="0"/>
-              <a:t>r</a:t>
-            </a:r>
-          </a:p>
-        </p:txBody>
-      </p:sp>
-      <p:sp>
-        <p:nvSpPr>
-          <p:cNvPr id="24" name="Oval 23"/>
-          <p:cNvSpPr/>
-          <p:nvPr/>
-        </p:nvSpPr>
-        <p:spPr>
-          <a:xfrm>
-            <a:off x="5422564" y="1524000"/>
-            <a:ext cx="106680" cy="121920"/>
-          </a:xfrm>
-          <a:prstGeom prst="ellipse">
-            <a:avLst/>
-          </a:prstGeom>
-          <a:solidFill>
-            <a:schemeClr val="tx1"/>
-          </a:solidFill>
-          <a:ln>
-            <a:noFill/>
-          </a:ln>
-        </p:spPr>
-        <p:style>
-          <a:lnRef idx="2">
-            <a:schemeClr val="accent1">
-              <a:shade val="50000"/>
-            </a:schemeClr>
-          </a:lnRef>
-          <a:fillRef idx="1">
-            <a:schemeClr val="accent1"/>
-          </a:fillRef>
-          <a:effectRef idx="0">
-            <a:schemeClr val="accent1"/>
-          </a:effectRef>
-          <a:fontRef idx="minor">
-            <a:schemeClr val="lt1"/>
-          </a:fontRef>
-        </p:style>
-        <p:txBody>
-          <a:bodyPr rtlCol="0" anchor="ctr"/>
-          <a:lstStyle/>
-          <a:p>
-            <a:pPr algn="ctr"/>
-            <a:endParaRPr lang="en-US"/>
-          </a:p>
-        </p:txBody>
-      </p:sp>
-      <p:sp>
-        <p:nvSpPr>
-          <p:cNvPr id="25" name="TextBox 24"/>
-          <p:cNvSpPr txBox="1"/>
-          <p:nvPr/>
-        </p:nvSpPr>
-        <p:spPr>
-          <a:xfrm>
-            <a:off x="5605444" y="1356360"/>
-            <a:ext cx="338554" cy="369332"/>
-          </a:xfrm>
-          <a:prstGeom prst="rect">
-            <a:avLst/>
-          </a:prstGeom>
-          <a:noFill/>
-        </p:spPr>
-        <p:txBody>
-          <a:bodyPr wrap="none" rtlCol="0">
-            <a:spAutoFit/>
-          </a:bodyPr>
-          <a:lstStyle/>
-          <a:p>
-            <a:r>
-              <a:rPr lang="en-US" dirty="0"/>
-              <a:t>P</a:t>
-            </a:r>
-          </a:p>
-        </p:txBody>
-      </p:sp>
+      <mc:AlternateContent xmlns:mc="http://schemas.openxmlformats.org/markup-compatibility/2006">
+        <mc:Choice xmlns:a14="http://schemas.microsoft.com/office/drawing/2010/main" Requires="a14">
+          <p:sp>
+            <p:nvSpPr>
+              <p:cNvPr id="3" name="Content Placeholder 2">
+                <a:extLst>
+                  <a:ext uri="{FF2B5EF4-FFF2-40B4-BE49-F238E27FC236}">
+                    <a16:creationId xmlns:a16="http://schemas.microsoft.com/office/drawing/2014/main" id="{ED652076-6811-FB52-9BCF-F4383E1CC012}"/>
+                  </a:ext>
+                </a:extLst>
+              </p:cNvPr>
+              <p:cNvSpPr>
+                <a:spLocks noGrp="1"/>
+              </p:cNvSpPr>
+              <p:nvPr>
+                <p:ph idx="1"/>
+              </p:nvPr>
+            </p:nvSpPr>
+            <p:spPr/>
+            <p:txBody>
+              <a:bodyPr>
+                <a:normAutofit/>
+              </a:bodyPr>
+              <a:lstStyle/>
+              <a:p>
+                <a:pPr marL="0" indent="0">
+                  <a:buNone/>
+                </a:pPr>
+                <a:r>
+                  <a:rPr lang="en-US" dirty="0"/>
+                  <a:t>The </a:t>
+                </a:r>
+                <a:r>
+                  <a:rPr lang="en-US" dirty="0" err="1"/>
+                  <a:t>Biot</a:t>
+                </a:r>
+                <a:r>
+                  <a:rPr lang="en-US" dirty="0"/>
+                  <a:t>-Savart law tells us that </a:t>
+                </a:r>
+                <a:endParaRPr lang="en-US" b="0" i="1" dirty="0">
+                  <a:latin typeface="Cambria Math" panose="02040503050406030204" pitchFamily="18" charset="0"/>
+                </a:endParaRPr>
+              </a:p>
+              <a:p>
+                <a:pPr marL="0" indent="0">
+                  <a:buNone/>
+                </a:pPr>
+                <a14:m>
+                  <m:oMathPara xmlns:m="http://schemas.openxmlformats.org/officeDocument/2006/math">
+                    <m:oMathParaPr>
+                      <m:jc m:val="centerGroup"/>
+                    </m:oMathParaPr>
+                    <m:oMath xmlns:m="http://schemas.openxmlformats.org/officeDocument/2006/math">
+                      <m:acc>
+                        <m:accPr>
+                          <m:chr m:val="⃗"/>
+                          <m:ctrlPr>
+                            <a:rPr lang="en-US" i="1" smtClean="0">
+                              <a:latin typeface="Cambria Math" panose="02040503050406030204" pitchFamily="18" charset="0"/>
+                            </a:rPr>
+                          </m:ctrlPr>
+                        </m:accPr>
+                        <m:e>
+                          <m:r>
+                            <a:rPr lang="en-US" i="1">
+                              <a:latin typeface="Cambria Math" panose="02040503050406030204" pitchFamily="18" charset="0"/>
+                            </a:rPr>
+                            <m:t>𝐵</m:t>
+                          </m:r>
+                        </m:e>
+                      </m:acc>
+                      <m:r>
+                        <a:rPr lang="en-US" i="1">
+                          <a:latin typeface="Cambria Math" panose="02040503050406030204" pitchFamily="18" charset="0"/>
+                        </a:rPr>
+                        <m:t>=</m:t>
+                      </m:r>
+                      <m:f>
+                        <m:fPr>
+                          <m:ctrlPr>
+                            <a:rPr lang="en-US" i="1">
+                              <a:latin typeface="Cambria Math" panose="02040503050406030204" pitchFamily="18" charset="0"/>
+                            </a:rPr>
+                          </m:ctrlPr>
+                        </m:fPr>
+                        <m:num>
+                          <m:sSub>
+                            <m:sSubPr>
+                              <m:ctrlPr>
+                                <a:rPr lang="en-US" i="1">
+                                  <a:latin typeface="Cambria Math" panose="02040503050406030204" pitchFamily="18" charset="0"/>
+                                </a:rPr>
+                              </m:ctrlPr>
+                            </m:sSubPr>
+                            <m:e>
+                              <m:r>
+                                <a:rPr lang="en-US" i="1">
+                                  <a:latin typeface="Cambria Math" panose="02040503050406030204" pitchFamily="18" charset="0"/>
+                                  <a:ea typeface="Cambria Math" panose="02040503050406030204" pitchFamily="18" charset="0"/>
+                                </a:rPr>
+                                <m:t>𝜇</m:t>
+                              </m:r>
+                            </m:e>
+                            <m:sub>
+                              <m:r>
+                                <a:rPr lang="en-US" i="1">
+                                  <a:latin typeface="Cambria Math" panose="02040503050406030204" pitchFamily="18" charset="0"/>
+                                </a:rPr>
+                                <m:t>𝑜</m:t>
+                              </m:r>
+                            </m:sub>
+                          </m:sSub>
+                        </m:num>
+                        <m:den>
+                          <m:r>
+                            <a:rPr lang="en-US" i="1">
+                              <a:latin typeface="Cambria Math" panose="02040503050406030204" pitchFamily="18" charset="0"/>
+                            </a:rPr>
+                            <m:t>4</m:t>
+                          </m:r>
+                          <m:r>
+                            <a:rPr lang="en-US" i="1">
+                              <a:latin typeface="Cambria Math" panose="02040503050406030204" pitchFamily="18" charset="0"/>
+                              <a:ea typeface="Cambria Math" panose="02040503050406030204" pitchFamily="18" charset="0"/>
+                            </a:rPr>
+                            <m:t>𝜋</m:t>
+                          </m:r>
+                        </m:den>
+                      </m:f>
+                      <m:f>
+                        <m:fPr>
+                          <m:ctrlPr>
+                            <a:rPr lang="en-US" i="1">
+                              <a:latin typeface="Cambria Math" panose="02040503050406030204" pitchFamily="18" charset="0"/>
+                            </a:rPr>
+                          </m:ctrlPr>
+                        </m:fPr>
+                        <m:num>
+                          <m:r>
+                            <a:rPr lang="en-US" i="1">
+                              <a:latin typeface="Cambria Math" panose="02040503050406030204" pitchFamily="18" charset="0"/>
+                            </a:rPr>
+                            <m:t>𝑞</m:t>
+                          </m:r>
+                          <m:acc>
+                            <m:accPr>
+                              <m:chr m:val="⃗"/>
+                              <m:ctrlPr>
+                                <a:rPr lang="en-US" i="1">
+                                  <a:latin typeface="Cambria Math" panose="02040503050406030204" pitchFamily="18" charset="0"/>
+                                </a:rPr>
+                              </m:ctrlPr>
+                            </m:accPr>
+                            <m:e>
+                              <m:r>
+                                <a:rPr lang="en-US" i="1">
+                                  <a:latin typeface="Cambria Math" panose="02040503050406030204" pitchFamily="18" charset="0"/>
+                                </a:rPr>
+                                <m:t>𝑣</m:t>
+                              </m:r>
+                            </m:e>
+                          </m:acc>
+                          <m:r>
+                            <a:rPr lang="en-US" i="1">
+                              <a:latin typeface="Cambria Math" panose="02040503050406030204" pitchFamily="18" charset="0"/>
+                              <a:ea typeface="Cambria Math" panose="02040503050406030204" pitchFamily="18" charset="0"/>
+                            </a:rPr>
+                            <m:t>×</m:t>
+                          </m:r>
+                          <m:acc>
+                            <m:accPr>
+                              <m:chr m:val="̂"/>
+                              <m:ctrlPr>
+                                <a:rPr lang="en-US" i="1">
+                                  <a:latin typeface="Cambria Math" panose="02040503050406030204" pitchFamily="18" charset="0"/>
+                                  <a:ea typeface="Cambria Math" panose="02040503050406030204" pitchFamily="18" charset="0"/>
+                                </a:rPr>
+                              </m:ctrlPr>
+                            </m:accPr>
+                            <m:e>
+                              <m:r>
+                                <a:rPr lang="en-US" i="1">
+                                  <a:latin typeface="Cambria Math" panose="02040503050406030204" pitchFamily="18" charset="0"/>
+                                  <a:ea typeface="Cambria Math" panose="02040503050406030204" pitchFamily="18" charset="0"/>
+                                </a:rPr>
+                                <m:t>𝑟</m:t>
+                              </m:r>
+                            </m:e>
+                          </m:acc>
+                        </m:num>
+                        <m:den>
+                          <m:sSup>
+                            <m:sSupPr>
+                              <m:ctrlPr>
+                                <a:rPr lang="en-US" i="1">
+                                  <a:latin typeface="Cambria Math" panose="02040503050406030204" pitchFamily="18" charset="0"/>
+                                </a:rPr>
+                              </m:ctrlPr>
+                            </m:sSupPr>
+                            <m:e>
+                              <m:r>
+                                <a:rPr lang="en-US" i="1">
+                                  <a:latin typeface="Cambria Math" panose="02040503050406030204" pitchFamily="18" charset="0"/>
+                                </a:rPr>
+                                <m:t>𝑟</m:t>
+                              </m:r>
+                            </m:e>
+                            <m:sup>
+                              <m:r>
+                                <a:rPr lang="en-US" i="1">
+                                  <a:latin typeface="Cambria Math" panose="02040503050406030204" pitchFamily="18" charset="0"/>
+                                </a:rPr>
+                                <m:t>2</m:t>
+                              </m:r>
+                            </m:sup>
+                          </m:sSup>
+                        </m:den>
+                      </m:f>
+                    </m:oMath>
+                  </m:oMathPara>
+                </a14:m>
+                <a:endParaRPr lang="en-US" dirty="0"/>
+              </a:p>
+              <a:p>
+                <a:pPr marL="0" indent="0">
+                  <a:buNone/>
+                </a:pPr>
+                <a:r>
+                  <a:rPr lang="en-US" dirty="0"/>
+                  <a:t>What is the “</a:t>
+                </a:r>
+                <a14:m>
+                  <m:oMath xmlns:m="http://schemas.openxmlformats.org/officeDocument/2006/math">
+                    <m:acc>
+                      <m:accPr>
+                        <m:chr m:val="⃗"/>
+                        <m:ctrlPr>
+                          <a:rPr lang="en-US" i="1">
+                            <a:latin typeface="Cambria Math" panose="02040503050406030204" pitchFamily="18" charset="0"/>
+                          </a:rPr>
+                        </m:ctrlPr>
+                      </m:accPr>
+                      <m:e>
+                        <m:r>
+                          <a:rPr lang="en-US" i="1">
+                            <a:latin typeface="Cambria Math" panose="02040503050406030204" pitchFamily="18" charset="0"/>
+                          </a:rPr>
+                          <m:t>𝑣</m:t>
+                        </m:r>
+                      </m:e>
+                    </m:acc>
+                    <m:r>
+                      <a:rPr lang="en-US" i="1">
+                        <a:latin typeface="Cambria Math" panose="02040503050406030204" pitchFamily="18" charset="0"/>
+                        <a:ea typeface="Cambria Math" panose="02040503050406030204" pitchFamily="18" charset="0"/>
+                      </a:rPr>
+                      <m:t>×</m:t>
+                    </m:r>
+                    <m:acc>
+                      <m:accPr>
+                        <m:chr m:val="̂"/>
+                        <m:ctrlPr>
+                          <a:rPr lang="en-US" i="1">
+                            <a:latin typeface="Cambria Math" panose="02040503050406030204" pitchFamily="18" charset="0"/>
+                            <a:ea typeface="Cambria Math" panose="02040503050406030204" pitchFamily="18" charset="0"/>
+                          </a:rPr>
+                        </m:ctrlPr>
+                      </m:accPr>
+                      <m:e>
+                        <m:r>
+                          <a:rPr lang="en-US" i="1">
+                            <a:latin typeface="Cambria Math" panose="02040503050406030204" pitchFamily="18" charset="0"/>
+                            <a:ea typeface="Cambria Math" panose="02040503050406030204" pitchFamily="18" charset="0"/>
+                          </a:rPr>
+                          <m:t>𝑟</m:t>
+                        </m:r>
+                      </m:e>
+                    </m:acc>
+                  </m:oMath>
+                </a14:m>
+                <a:r>
+                  <a:rPr lang="en-US" dirty="0"/>
+                  <a:t>” part?</a:t>
+                </a:r>
+              </a:p>
+              <a:p>
+                <a:pPr marL="514350" indent="-514350">
+                  <a:buFont typeface="+mj-lt"/>
+                  <a:buAutoNum type="alphaLcParenR"/>
+                </a:pPr>
+                <a:r>
+                  <a:rPr lang="en-US" dirty="0"/>
+                  <a:t>nothing special, just </a:t>
+                </a:r>
+                <a14:m>
+                  <m:oMath xmlns:m="http://schemas.openxmlformats.org/officeDocument/2006/math">
+                    <m:acc>
+                      <m:accPr>
+                        <m:chr m:val="⃗"/>
+                        <m:ctrlPr>
+                          <a:rPr lang="en-US" b="0" i="1" smtClean="0">
+                            <a:latin typeface="Cambria Math" panose="02040503050406030204" pitchFamily="18" charset="0"/>
+                          </a:rPr>
+                        </m:ctrlPr>
+                      </m:accPr>
+                      <m:e>
+                        <m:r>
+                          <a:rPr lang="en-US" b="0" i="1" smtClean="0">
+                            <a:latin typeface="Cambria Math" panose="02040503050406030204" pitchFamily="18" charset="0"/>
+                          </a:rPr>
+                          <m:t>𝑣</m:t>
+                        </m:r>
+                      </m:e>
+                    </m:acc>
+                    <m:r>
+                      <a:rPr lang="en-US" b="0" i="1" smtClean="0">
+                        <a:latin typeface="Cambria Math" panose="02040503050406030204" pitchFamily="18" charset="0"/>
+                        <a:ea typeface="Cambria Math" panose="02040503050406030204" pitchFamily="18" charset="0"/>
+                      </a:rPr>
+                      <m:t>×</m:t>
+                    </m:r>
+                    <m:acc>
+                      <m:accPr>
+                        <m:chr m:val="̂"/>
+                        <m:ctrlPr>
+                          <a:rPr lang="en-US" b="0" i="1" smtClean="0">
+                            <a:latin typeface="Cambria Math" panose="02040503050406030204" pitchFamily="18" charset="0"/>
+                            <a:ea typeface="Cambria Math" panose="02040503050406030204" pitchFamily="18" charset="0"/>
+                          </a:rPr>
+                        </m:ctrlPr>
+                      </m:accPr>
+                      <m:e>
+                        <m:r>
+                          <a:rPr lang="en-US" b="0" i="1" smtClean="0">
+                            <a:latin typeface="Cambria Math" panose="02040503050406030204" pitchFamily="18" charset="0"/>
+                            <a:ea typeface="Cambria Math" panose="02040503050406030204" pitchFamily="18" charset="0"/>
+                          </a:rPr>
+                          <m:t>𝑟</m:t>
+                        </m:r>
+                      </m:e>
+                    </m:acc>
+                  </m:oMath>
+                </a14:m>
+                <a:r>
+                  <a:rPr lang="en-US" dirty="0"/>
+                  <a:t> </a:t>
+                </a:r>
+              </a:p>
+              <a:p>
+                <a:pPr marL="514350" indent="-514350">
+                  <a:buFont typeface="+mj-lt"/>
+                  <a:buAutoNum type="alphaLcParenR"/>
+                </a:pPr>
+                <a:r>
+                  <a:rPr lang="en-US" b="0" i="1" dirty="0">
+                    <a:latin typeface="Cambria Math" panose="02040503050406030204" pitchFamily="18" charset="0"/>
+                  </a:rPr>
+                  <a:t> </a:t>
+                </a:r>
+                <a14:m>
+                  <m:oMath xmlns:m="http://schemas.openxmlformats.org/officeDocument/2006/math">
+                    <m:r>
+                      <a:rPr lang="en-US" b="0" i="1" smtClean="0">
+                        <a:latin typeface="Cambria Math" panose="02040503050406030204" pitchFamily="18" charset="0"/>
+                      </a:rPr>
+                      <m:t>𝑣</m:t>
+                    </m:r>
+                    <m:func>
+                      <m:funcPr>
+                        <m:ctrlPr>
+                          <a:rPr lang="en-US" b="0" i="1" smtClean="0">
+                            <a:latin typeface="Cambria Math" panose="02040503050406030204" pitchFamily="18" charset="0"/>
+                          </a:rPr>
+                        </m:ctrlPr>
+                      </m:funcPr>
+                      <m:fName>
+                        <m:r>
+                          <m:rPr>
+                            <m:sty m:val="p"/>
+                          </m:rPr>
+                          <a:rPr lang="en-US" b="0" i="0" smtClean="0">
+                            <a:latin typeface="Cambria Math" panose="02040503050406030204" pitchFamily="18" charset="0"/>
+                          </a:rPr>
+                          <m:t>sin</m:t>
+                        </m:r>
+                      </m:fName>
+                      <m:e>
+                        <m:r>
+                          <a:rPr lang="en-US" b="0" i="1" smtClean="0">
+                            <a:latin typeface="Cambria Math" panose="02040503050406030204" pitchFamily="18" charset="0"/>
+                            <a:ea typeface="Cambria Math" panose="02040503050406030204" pitchFamily="18" charset="0"/>
+                          </a:rPr>
+                          <m:t>𝜃</m:t>
+                        </m:r>
+                      </m:e>
+                    </m:func>
+                  </m:oMath>
+                </a14:m>
+                <a:endParaRPr lang="en-US" dirty="0"/>
+              </a:p>
+              <a:p>
+                <a:pPr marL="514350" indent="-514350">
+                  <a:buFont typeface="+mj-lt"/>
+                  <a:buAutoNum type="alphaLcParenR"/>
+                </a:pPr>
+                <a:r>
+                  <a:rPr lang="en-US" dirty="0"/>
+                  <a:t>distance from one end of a wire to the other</a:t>
+                </a:r>
+              </a:p>
+              <a:p>
+                <a:pPr marL="0" indent="0">
+                  <a:buNone/>
+                </a:pPr>
+                <a:endParaRPr lang="en-US" dirty="0"/>
+              </a:p>
+            </p:txBody>
+          </p:sp>
+        </mc:Choice>
+        <mc:Fallback>
+          <p:sp>
+            <p:nvSpPr>
+              <p:cNvPr id="3" name="Content Placeholder 2">
+                <a:extLst>
+                  <a:ext uri="{FF2B5EF4-FFF2-40B4-BE49-F238E27FC236}">
+                    <a16:creationId xmlns:a16="http://schemas.microsoft.com/office/drawing/2014/main" id="{ED652076-6811-FB52-9BCF-F4383E1CC012}"/>
+                  </a:ext>
+                </a:extLst>
+              </p:cNvPr>
+              <p:cNvSpPr>
+                <a:spLocks noGrp="1" noRot="1" noChangeAspect="1" noMove="1" noResize="1" noEditPoints="1" noAdjustHandles="1" noChangeArrowheads="1" noChangeShapeType="1" noTextEdit="1"/>
+              </p:cNvSpPr>
+              <p:nvPr>
+                <p:ph idx="1"/>
+              </p:nvPr>
+            </p:nvSpPr>
+            <p:spPr>
+              <a:blipFill>
+                <a:blip r:embed="rId2"/>
+                <a:stretch>
+                  <a:fillRect l="-1926" t="-1617"/>
+                </a:stretch>
+              </a:blipFill>
+            </p:spPr>
+            <p:txBody>
+              <a:bodyPr/>
+              <a:lstStyle/>
+              <a:p>
+                <a:r>
+                  <a:rPr lang="en-US">
+                    <a:noFill/>
+                  </a:rPr>
+                  <a:t> </a:t>
+                </a:r>
+              </a:p>
+            </p:txBody>
+          </p:sp>
+        </mc:Fallback>
+      </mc:AlternateContent>
     </p:spTree>
     <p:extLst>
       <p:ext uri="{BB962C8B-B14F-4D97-AF65-F5344CB8AC3E}">
-        <p14:creationId xmlns:p14="http://schemas.microsoft.com/office/powerpoint/2010/main" val="1779550301"/>
+        <p14:creationId xmlns:p14="http://schemas.microsoft.com/office/powerpoint/2010/main" val="3153378643"/>
       </p:ext>
     </p:extLst>
   </p:cSld>
@@ -13799,6 +13585,812 @@
 </file>
 
 <file path=ppt/slides/slide27.xml><?xml version="1.0" encoding="utf-8"?>
+<p:sld xmlns:a="http://schemas.openxmlformats.org/drawingml/2006/main" xmlns:r="http://schemas.openxmlformats.org/officeDocument/2006/relationships" xmlns:p="http://schemas.openxmlformats.org/presentationml/2006/main">
+  <p:cSld>
+    <p:spTree>
+      <p:nvGrpSpPr>
+        <p:cNvPr id="1" name="">
+          <a:extLst>
+            <a:ext uri="{FF2B5EF4-FFF2-40B4-BE49-F238E27FC236}">
+              <a16:creationId xmlns:a16="http://schemas.microsoft.com/office/drawing/2014/main" id="{735AEDF7-37C8-830D-1F9C-E9E5E7C5B13A}"/>
+            </a:ext>
+          </a:extLst>
+        </p:cNvPr>
+        <p:cNvGrpSpPr/>
+        <p:nvPr/>
+      </p:nvGrpSpPr>
+      <p:grpSpPr>
+        <a:xfrm>
+          <a:off x="0" y="0"/>
+          <a:ext cx="0" cy="0"/>
+          <a:chOff x="0" y="0"/>
+          <a:chExt cx="0" cy="0"/>
+        </a:xfrm>
+      </p:grpSpPr>
+      <p:sp>
+        <p:nvSpPr>
+          <p:cNvPr id="2" name="Title 1">
+            <a:extLst>
+              <a:ext uri="{FF2B5EF4-FFF2-40B4-BE49-F238E27FC236}">
+                <a16:creationId xmlns:a16="http://schemas.microsoft.com/office/drawing/2014/main" id="{1571561A-5807-D9F2-AF41-9F0C73C85A27}"/>
+              </a:ext>
+            </a:extLst>
+          </p:cNvPr>
+          <p:cNvSpPr>
+            <a:spLocks noGrp="1"/>
+          </p:cNvSpPr>
+          <p:nvPr>
+            <p:ph type="title"/>
+          </p:nvPr>
+        </p:nvSpPr>
+        <p:spPr/>
+        <p:txBody>
+          <a:bodyPr/>
+          <a:lstStyle/>
+          <a:p>
+            <a:r>
+              <a:rPr lang="en-US" dirty="0"/>
+              <a:t>Question</a:t>
+            </a:r>
+          </a:p>
+        </p:txBody>
+      </p:sp>
+      <mc:AlternateContent xmlns:mc="http://schemas.openxmlformats.org/markup-compatibility/2006">
+        <mc:Choice xmlns:a14="http://schemas.microsoft.com/office/drawing/2010/main" Requires="a14">
+          <p:sp>
+            <p:nvSpPr>
+              <p:cNvPr id="3" name="Content Placeholder 2">
+                <a:extLst>
+                  <a:ext uri="{FF2B5EF4-FFF2-40B4-BE49-F238E27FC236}">
+                    <a16:creationId xmlns:a16="http://schemas.microsoft.com/office/drawing/2014/main" id="{881C12D7-91E3-AC48-F833-D6BE914B2CC6}"/>
+                  </a:ext>
+                </a:extLst>
+              </p:cNvPr>
+              <p:cNvSpPr>
+                <a:spLocks noGrp="1"/>
+              </p:cNvSpPr>
+              <p:nvPr>
+                <p:ph idx="1"/>
+              </p:nvPr>
+            </p:nvSpPr>
+            <p:spPr/>
+            <p:txBody>
+              <a:bodyPr>
+                <a:normAutofit fontScale="92500" lnSpcReduction="10000"/>
+              </a:bodyPr>
+              <a:lstStyle/>
+              <a:p>
+                <a:pPr marL="0" indent="0">
+                  <a:buNone/>
+                </a:pPr>
+                <a:r>
+                  <a:rPr lang="en-US" dirty="0"/>
+                  <a:t>The </a:t>
+                </a:r>
+                <a:r>
+                  <a:rPr lang="en-US" dirty="0" err="1"/>
+                  <a:t>Biot</a:t>
+                </a:r>
+                <a:r>
+                  <a:rPr lang="en-US" dirty="0"/>
+                  <a:t>-Savart law tells us that </a:t>
+                </a:r>
+                <a:endParaRPr lang="en-US" b="0" i="1" dirty="0">
+                  <a:latin typeface="Cambria Math" panose="02040503050406030204" pitchFamily="18" charset="0"/>
+                </a:endParaRPr>
+              </a:p>
+              <a:p>
+                <a:pPr marL="0" indent="0">
+                  <a:buNone/>
+                </a:pPr>
+                <a14:m>
+                  <m:oMathPara xmlns:m="http://schemas.openxmlformats.org/officeDocument/2006/math">
+                    <m:oMathParaPr>
+                      <m:jc m:val="centerGroup"/>
+                    </m:oMathParaPr>
+                    <m:oMath xmlns:m="http://schemas.openxmlformats.org/officeDocument/2006/math">
+                      <m:acc>
+                        <m:accPr>
+                          <m:chr m:val="⃗"/>
+                          <m:ctrlPr>
+                            <a:rPr lang="en-US" i="1">
+                              <a:latin typeface="Cambria Math" panose="02040503050406030204" pitchFamily="18" charset="0"/>
+                            </a:rPr>
+                          </m:ctrlPr>
+                        </m:accPr>
+                        <m:e>
+                          <m:r>
+                            <a:rPr lang="en-US" i="1">
+                              <a:latin typeface="Cambria Math" panose="02040503050406030204" pitchFamily="18" charset="0"/>
+                            </a:rPr>
+                            <m:t>𝐵</m:t>
+                          </m:r>
+                        </m:e>
+                      </m:acc>
+                      <m:r>
+                        <a:rPr lang="en-US" i="1">
+                          <a:latin typeface="Cambria Math" panose="02040503050406030204" pitchFamily="18" charset="0"/>
+                        </a:rPr>
+                        <m:t>=</m:t>
+                      </m:r>
+                      <m:f>
+                        <m:fPr>
+                          <m:ctrlPr>
+                            <a:rPr lang="en-US" i="1">
+                              <a:latin typeface="Cambria Math" panose="02040503050406030204" pitchFamily="18" charset="0"/>
+                            </a:rPr>
+                          </m:ctrlPr>
+                        </m:fPr>
+                        <m:num>
+                          <m:sSub>
+                            <m:sSubPr>
+                              <m:ctrlPr>
+                                <a:rPr lang="en-US" i="1">
+                                  <a:latin typeface="Cambria Math" panose="02040503050406030204" pitchFamily="18" charset="0"/>
+                                </a:rPr>
+                              </m:ctrlPr>
+                            </m:sSubPr>
+                            <m:e>
+                              <m:r>
+                                <a:rPr lang="en-US" i="1">
+                                  <a:latin typeface="Cambria Math" panose="02040503050406030204" pitchFamily="18" charset="0"/>
+                                  <a:ea typeface="Cambria Math" panose="02040503050406030204" pitchFamily="18" charset="0"/>
+                                </a:rPr>
+                                <m:t>𝜇</m:t>
+                              </m:r>
+                            </m:e>
+                            <m:sub>
+                              <m:r>
+                                <a:rPr lang="en-US" i="1">
+                                  <a:latin typeface="Cambria Math" panose="02040503050406030204" pitchFamily="18" charset="0"/>
+                                </a:rPr>
+                                <m:t>𝑜</m:t>
+                              </m:r>
+                            </m:sub>
+                          </m:sSub>
+                        </m:num>
+                        <m:den>
+                          <m:r>
+                            <a:rPr lang="en-US" i="1">
+                              <a:latin typeface="Cambria Math" panose="02040503050406030204" pitchFamily="18" charset="0"/>
+                            </a:rPr>
+                            <m:t>4</m:t>
+                          </m:r>
+                          <m:r>
+                            <a:rPr lang="en-US" i="1">
+                              <a:latin typeface="Cambria Math" panose="02040503050406030204" pitchFamily="18" charset="0"/>
+                              <a:ea typeface="Cambria Math" panose="02040503050406030204" pitchFamily="18" charset="0"/>
+                            </a:rPr>
+                            <m:t>𝜋</m:t>
+                          </m:r>
+                        </m:den>
+                      </m:f>
+                      <m:f>
+                        <m:fPr>
+                          <m:ctrlPr>
+                            <a:rPr lang="en-US" i="1">
+                              <a:latin typeface="Cambria Math" panose="02040503050406030204" pitchFamily="18" charset="0"/>
+                            </a:rPr>
+                          </m:ctrlPr>
+                        </m:fPr>
+                        <m:num>
+                          <m:r>
+                            <a:rPr lang="en-US" i="1">
+                              <a:latin typeface="Cambria Math" panose="02040503050406030204" pitchFamily="18" charset="0"/>
+                            </a:rPr>
+                            <m:t>𝑞</m:t>
+                          </m:r>
+                          <m:acc>
+                            <m:accPr>
+                              <m:chr m:val="⃗"/>
+                              <m:ctrlPr>
+                                <a:rPr lang="en-US" i="1">
+                                  <a:latin typeface="Cambria Math" panose="02040503050406030204" pitchFamily="18" charset="0"/>
+                                </a:rPr>
+                              </m:ctrlPr>
+                            </m:accPr>
+                            <m:e>
+                              <m:r>
+                                <a:rPr lang="en-US" i="1">
+                                  <a:latin typeface="Cambria Math" panose="02040503050406030204" pitchFamily="18" charset="0"/>
+                                </a:rPr>
+                                <m:t>𝑣</m:t>
+                              </m:r>
+                            </m:e>
+                          </m:acc>
+                          <m:r>
+                            <a:rPr lang="en-US" i="1">
+                              <a:latin typeface="Cambria Math" panose="02040503050406030204" pitchFamily="18" charset="0"/>
+                              <a:ea typeface="Cambria Math" panose="02040503050406030204" pitchFamily="18" charset="0"/>
+                            </a:rPr>
+                            <m:t>×</m:t>
+                          </m:r>
+                          <m:acc>
+                            <m:accPr>
+                              <m:chr m:val="̂"/>
+                              <m:ctrlPr>
+                                <a:rPr lang="en-US" i="1">
+                                  <a:latin typeface="Cambria Math" panose="02040503050406030204" pitchFamily="18" charset="0"/>
+                                  <a:ea typeface="Cambria Math" panose="02040503050406030204" pitchFamily="18" charset="0"/>
+                                </a:rPr>
+                              </m:ctrlPr>
+                            </m:accPr>
+                            <m:e>
+                              <m:r>
+                                <a:rPr lang="en-US" i="1">
+                                  <a:latin typeface="Cambria Math" panose="02040503050406030204" pitchFamily="18" charset="0"/>
+                                  <a:ea typeface="Cambria Math" panose="02040503050406030204" pitchFamily="18" charset="0"/>
+                                </a:rPr>
+                                <m:t>𝑟</m:t>
+                              </m:r>
+                            </m:e>
+                          </m:acc>
+                        </m:num>
+                        <m:den>
+                          <m:sSup>
+                            <m:sSupPr>
+                              <m:ctrlPr>
+                                <a:rPr lang="en-US" i="1">
+                                  <a:latin typeface="Cambria Math" panose="02040503050406030204" pitchFamily="18" charset="0"/>
+                                </a:rPr>
+                              </m:ctrlPr>
+                            </m:sSupPr>
+                            <m:e>
+                              <m:r>
+                                <a:rPr lang="en-US" i="1">
+                                  <a:latin typeface="Cambria Math" panose="02040503050406030204" pitchFamily="18" charset="0"/>
+                                </a:rPr>
+                                <m:t>𝑟</m:t>
+                              </m:r>
+                            </m:e>
+                            <m:sup>
+                              <m:r>
+                                <a:rPr lang="en-US" i="1">
+                                  <a:latin typeface="Cambria Math" panose="02040503050406030204" pitchFamily="18" charset="0"/>
+                                </a:rPr>
+                                <m:t>2</m:t>
+                              </m:r>
+                            </m:sup>
+                          </m:sSup>
+                        </m:den>
+                      </m:f>
+                    </m:oMath>
+                  </m:oMathPara>
+                </a14:m>
+                <a:endParaRPr lang="en-US" dirty="0"/>
+              </a:p>
+              <a:p>
+                <a:pPr marL="0" indent="0">
+                  <a:buNone/>
+                </a:pPr>
+                <a:r>
+                  <a:rPr lang="en-US" dirty="0"/>
+                  <a:t>What is the “r” part?</a:t>
+                </a:r>
+              </a:p>
+              <a:p>
+                <a:pPr marL="514350" indent="-514350">
+                  <a:buFont typeface="+mj-lt"/>
+                  <a:buAutoNum type="alphaLcParenR"/>
+                </a:pPr>
+                <a:r>
+                  <a:rPr lang="en-US" dirty="0"/>
+                  <a:t> the distance from the charge to a point where we want to find the field.</a:t>
+                </a:r>
+              </a:p>
+              <a:p>
+                <a:pPr marL="514350" indent="-514350">
+                  <a:buFont typeface="+mj-lt"/>
+                  <a:buAutoNum type="alphaLcParenR"/>
+                </a:pPr>
+                <a:r>
+                  <a:rPr lang="en-US" dirty="0"/>
+                  <a:t> the distance from the center of the circle</a:t>
+                </a:r>
+              </a:p>
+              <a:p>
+                <a:pPr marL="514350" indent="-514350">
+                  <a:buFont typeface="+mj-lt"/>
+                  <a:buAutoNum type="alphaLcParenR"/>
+                </a:pPr>
+                <a:r>
+                  <a:rPr lang="en-US" dirty="0"/>
+                  <a:t> a dumb constant</a:t>
+                </a:r>
+              </a:p>
+              <a:p>
+                <a:pPr marL="514350" indent="-514350">
+                  <a:buFont typeface="+mj-lt"/>
+                  <a:buAutoNum type="alphaLcParenR"/>
+                </a:pPr>
+                <a:r>
+                  <a:rPr lang="en-US" dirty="0"/>
+                  <a:t> distance from one end of a wire to the other</a:t>
+                </a:r>
+              </a:p>
+              <a:p>
+                <a:pPr marL="0" indent="0">
+                  <a:buNone/>
+                </a:pPr>
+                <a:endParaRPr lang="en-US" dirty="0"/>
+              </a:p>
+            </p:txBody>
+          </p:sp>
+        </mc:Choice>
+        <mc:Fallback>
+          <p:sp>
+            <p:nvSpPr>
+              <p:cNvPr id="3" name="Content Placeholder 2">
+                <a:extLst>
+                  <a:ext uri="{FF2B5EF4-FFF2-40B4-BE49-F238E27FC236}">
+                    <a16:creationId xmlns:a16="http://schemas.microsoft.com/office/drawing/2014/main" id="{881C12D7-91E3-AC48-F833-D6BE914B2CC6}"/>
+                  </a:ext>
+                </a:extLst>
+              </p:cNvPr>
+              <p:cNvSpPr>
+                <a:spLocks noGrp="1" noRot="1" noChangeAspect="1" noMove="1" noResize="1" noEditPoints="1" noAdjustHandles="1" noChangeArrowheads="1" noChangeShapeType="1" noTextEdit="1"/>
+              </p:cNvSpPr>
+              <p:nvPr>
+                <p:ph idx="1"/>
+              </p:nvPr>
+            </p:nvSpPr>
+            <p:spPr>
+              <a:blipFill>
+                <a:blip r:embed="rId2"/>
+                <a:stretch>
+                  <a:fillRect l="-1778" t="-2695"/>
+                </a:stretch>
+              </a:blipFill>
+            </p:spPr>
+            <p:txBody>
+              <a:bodyPr/>
+              <a:lstStyle/>
+              <a:p>
+                <a:r>
+                  <a:rPr lang="en-US">
+                    <a:noFill/>
+                  </a:rPr>
+                  <a:t> </a:t>
+                </a:r>
+              </a:p>
+            </p:txBody>
+          </p:sp>
+        </mc:Fallback>
+      </mc:AlternateContent>
+    </p:spTree>
+    <p:extLst>
+      <p:ext uri="{BB962C8B-B14F-4D97-AF65-F5344CB8AC3E}">
+        <p14:creationId xmlns:p14="http://schemas.microsoft.com/office/powerpoint/2010/main" val="43698682"/>
+      </p:ext>
+    </p:extLst>
+  </p:cSld>
+  <p:clrMapOvr>
+    <a:masterClrMapping/>
+  </p:clrMapOvr>
+</p:sld>
+</file>
+
+<file path=ppt/slides/slide28.xml><?xml version="1.0" encoding="utf-8"?>
+<p:sld xmlns:a="http://schemas.openxmlformats.org/drawingml/2006/main" xmlns:r="http://schemas.openxmlformats.org/officeDocument/2006/relationships" xmlns:p="http://schemas.openxmlformats.org/presentationml/2006/main">
+  <p:cSld>
+    <p:spTree>
+      <p:nvGrpSpPr>
+        <p:cNvPr id="1" name="">
+          <a:extLst>
+            <a:ext uri="{FF2B5EF4-FFF2-40B4-BE49-F238E27FC236}">
+              <a16:creationId xmlns:a16="http://schemas.microsoft.com/office/drawing/2014/main" id="{932CD0D3-DA7C-BF49-EEA4-65EC6C3ED8B6}"/>
+            </a:ext>
+          </a:extLst>
+        </p:cNvPr>
+        <p:cNvGrpSpPr/>
+        <p:nvPr/>
+      </p:nvGrpSpPr>
+      <p:grpSpPr>
+        <a:xfrm>
+          <a:off x="0" y="0"/>
+          <a:ext cx="0" cy="0"/>
+          <a:chOff x="0" y="0"/>
+          <a:chExt cx="0" cy="0"/>
+        </a:xfrm>
+      </p:grpSpPr>
+      <p:sp>
+        <p:nvSpPr>
+          <p:cNvPr id="2" name="Title 1">
+            <a:extLst>
+              <a:ext uri="{FF2B5EF4-FFF2-40B4-BE49-F238E27FC236}">
+                <a16:creationId xmlns:a16="http://schemas.microsoft.com/office/drawing/2014/main" id="{631DC9C5-B558-7169-AEE8-61A0B09B6C12}"/>
+              </a:ext>
+            </a:extLst>
+          </p:cNvPr>
+          <p:cNvSpPr>
+            <a:spLocks noGrp="1"/>
+          </p:cNvSpPr>
+          <p:nvPr>
+            <p:ph type="title"/>
+          </p:nvPr>
+        </p:nvSpPr>
+        <p:spPr/>
+        <p:txBody>
+          <a:bodyPr/>
+          <a:lstStyle/>
+          <a:p>
+            <a:r>
+              <a:rPr lang="en-US" dirty="0"/>
+              <a:t>Question</a:t>
+            </a:r>
+          </a:p>
+        </p:txBody>
+      </p:sp>
+      <mc:AlternateContent xmlns:mc="http://schemas.openxmlformats.org/markup-compatibility/2006">
+        <mc:Choice xmlns:a14="http://schemas.microsoft.com/office/drawing/2010/main" Requires="a14">
+          <p:sp>
+            <p:nvSpPr>
+              <p:cNvPr id="3" name="Content Placeholder 2">
+                <a:extLst>
+                  <a:ext uri="{FF2B5EF4-FFF2-40B4-BE49-F238E27FC236}">
+                    <a16:creationId xmlns:a16="http://schemas.microsoft.com/office/drawing/2014/main" id="{9A409A19-FC82-B2F4-FC4D-8FA986582CDB}"/>
+                  </a:ext>
+                </a:extLst>
+              </p:cNvPr>
+              <p:cNvSpPr>
+                <a:spLocks noGrp="1"/>
+              </p:cNvSpPr>
+              <p:nvPr>
+                <p:ph idx="1"/>
+              </p:nvPr>
+            </p:nvSpPr>
+            <p:spPr/>
+            <p:txBody>
+              <a:bodyPr>
+                <a:normAutofit fontScale="92500" lnSpcReduction="10000"/>
+              </a:bodyPr>
+              <a:lstStyle/>
+              <a:p>
+                <a:pPr marL="0" indent="0">
+                  <a:buNone/>
+                </a:pPr>
+                <a:r>
+                  <a:rPr lang="en-US" dirty="0"/>
+                  <a:t>The </a:t>
+                </a:r>
+                <a:r>
+                  <a:rPr lang="en-US" dirty="0" err="1"/>
+                  <a:t>Biot</a:t>
+                </a:r>
+                <a:r>
+                  <a:rPr lang="en-US" dirty="0"/>
+                  <a:t>-Savart law tells us that </a:t>
+                </a:r>
+                <a:endParaRPr lang="en-US" b="0" i="1" dirty="0">
+                  <a:latin typeface="Cambria Math" panose="02040503050406030204" pitchFamily="18" charset="0"/>
+                </a:endParaRPr>
+              </a:p>
+              <a:p>
+                <a:pPr marL="0" indent="0">
+                  <a:buNone/>
+                </a:pPr>
+                <a14:m>
+                  <m:oMathPara xmlns:m="http://schemas.openxmlformats.org/officeDocument/2006/math">
+                    <m:oMathParaPr>
+                      <m:jc m:val="centerGroup"/>
+                    </m:oMathParaPr>
+                    <m:oMath xmlns:m="http://schemas.openxmlformats.org/officeDocument/2006/math">
+                      <m:acc>
+                        <m:accPr>
+                          <m:chr m:val="⃗"/>
+                          <m:ctrlPr>
+                            <a:rPr lang="en-US" i="1">
+                              <a:latin typeface="Cambria Math" panose="02040503050406030204" pitchFamily="18" charset="0"/>
+                            </a:rPr>
+                          </m:ctrlPr>
+                        </m:accPr>
+                        <m:e>
+                          <m:r>
+                            <a:rPr lang="en-US" i="1">
+                              <a:latin typeface="Cambria Math" panose="02040503050406030204" pitchFamily="18" charset="0"/>
+                            </a:rPr>
+                            <m:t>𝐵</m:t>
+                          </m:r>
+                        </m:e>
+                      </m:acc>
+                      <m:r>
+                        <a:rPr lang="en-US" i="1">
+                          <a:latin typeface="Cambria Math" panose="02040503050406030204" pitchFamily="18" charset="0"/>
+                        </a:rPr>
+                        <m:t>=</m:t>
+                      </m:r>
+                      <m:f>
+                        <m:fPr>
+                          <m:ctrlPr>
+                            <a:rPr lang="en-US" i="1">
+                              <a:latin typeface="Cambria Math" panose="02040503050406030204" pitchFamily="18" charset="0"/>
+                            </a:rPr>
+                          </m:ctrlPr>
+                        </m:fPr>
+                        <m:num>
+                          <m:sSub>
+                            <m:sSubPr>
+                              <m:ctrlPr>
+                                <a:rPr lang="en-US" i="1">
+                                  <a:latin typeface="Cambria Math" panose="02040503050406030204" pitchFamily="18" charset="0"/>
+                                </a:rPr>
+                              </m:ctrlPr>
+                            </m:sSubPr>
+                            <m:e>
+                              <m:r>
+                                <a:rPr lang="en-US" i="1">
+                                  <a:latin typeface="Cambria Math" panose="02040503050406030204" pitchFamily="18" charset="0"/>
+                                  <a:ea typeface="Cambria Math" panose="02040503050406030204" pitchFamily="18" charset="0"/>
+                                </a:rPr>
+                                <m:t>𝜇</m:t>
+                              </m:r>
+                            </m:e>
+                            <m:sub>
+                              <m:r>
+                                <a:rPr lang="en-US" i="1">
+                                  <a:latin typeface="Cambria Math" panose="02040503050406030204" pitchFamily="18" charset="0"/>
+                                </a:rPr>
+                                <m:t>𝑜</m:t>
+                              </m:r>
+                            </m:sub>
+                          </m:sSub>
+                        </m:num>
+                        <m:den>
+                          <m:r>
+                            <a:rPr lang="en-US" i="1">
+                              <a:latin typeface="Cambria Math" panose="02040503050406030204" pitchFamily="18" charset="0"/>
+                            </a:rPr>
+                            <m:t>4</m:t>
+                          </m:r>
+                          <m:r>
+                            <a:rPr lang="en-US" i="1">
+                              <a:latin typeface="Cambria Math" panose="02040503050406030204" pitchFamily="18" charset="0"/>
+                              <a:ea typeface="Cambria Math" panose="02040503050406030204" pitchFamily="18" charset="0"/>
+                            </a:rPr>
+                            <m:t>𝜋</m:t>
+                          </m:r>
+                        </m:den>
+                      </m:f>
+                      <m:f>
+                        <m:fPr>
+                          <m:ctrlPr>
+                            <a:rPr lang="en-US" i="1">
+                              <a:latin typeface="Cambria Math" panose="02040503050406030204" pitchFamily="18" charset="0"/>
+                            </a:rPr>
+                          </m:ctrlPr>
+                        </m:fPr>
+                        <m:num>
+                          <m:r>
+                            <a:rPr lang="en-US" i="1">
+                              <a:latin typeface="Cambria Math" panose="02040503050406030204" pitchFamily="18" charset="0"/>
+                            </a:rPr>
+                            <m:t>𝑞</m:t>
+                          </m:r>
+                          <m:acc>
+                            <m:accPr>
+                              <m:chr m:val="⃗"/>
+                              <m:ctrlPr>
+                                <a:rPr lang="en-US" i="1">
+                                  <a:latin typeface="Cambria Math" panose="02040503050406030204" pitchFamily="18" charset="0"/>
+                                </a:rPr>
+                              </m:ctrlPr>
+                            </m:accPr>
+                            <m:e>
+                              <m:r>
+                                <a:rPr lang="en-US" i="1">
+                                  <a:latin typeface="Cambria Math" panose="02040503050406030204" pitchFamily="18" charset="0"/>
+                                </a:rPr>
+                                <m:t>𝑣</m:t>
+                              </m:r>
+                            </m:e>
+                          </m:acc>
+                          <m:r>
+                            <a:rPr lang="en-US" i="1">
+                              <a:latin typeface="Cambria Math" panose="02040503050406030204" pitchFamily="18" charset="0"/>
+                              <a:ea typeface="Cambria Math" panose="02040503050406030204" pitchFamily="18" charset="0"/>
+                            </a:rPr>
+                            <m:t>×</m:t>
+                          </m:r>
+                          <m:acc>
+                            <m:accPr>
+                              <m:chr m:val="̂"/>
+                              <m:ctrlPr>
+                                <a:rPr lang="en-US" i="1">
+                                  <a:latin typeface="Cambria Math" panose="02040503050406030204" pitchFamily="18" charset="0"/>
+                                  <a:ea typeface="Cambria Math" panose="02040503050406030204" pitchFamily="18" charset="0"/>
+                                </a:rPr>
+                              </m:ctrlPr>
+                            </m:accPr>
+                            <m:e>
+                              <m:r>
+                                <a:rPr lang="en-US" i="1">
+                                  <a:latin typeface="Cambria Math" panose="02040503050406030204" pitchFamily="18" charset="0"/>
+                                  <a:ea typeface="Cambria Math" panose="02040503050406030204" pitchFamily="18" charset="0"/>
+                                </a:rPr>
+                                <m:t>𝑟</m:t>
+                              </m:r>
+                            </m:e>
+                          </m:acc>
+                        </m:num>
+                        <m:den>
+                          <m:sSup>
+                            <m:sSupPr>
+                              <m:ctrlPr>
+                                <a:rPr lang="en-US" i="1">
+                                  <a:latin typeface="Cambria Math" panose="02040503050406030204" pitchFamily="18" charset="0"/>
+                                </a:rPr>
+                              </m:ctrlPr>
+                            </m:sSupPr>
+                            <m:e>
+                              <m:r>
+                                <a:rPr lang="en-US" i="1">
+                                  <a:latin typeface="Cambria Math" panose="02040503050406030204" pitchFamily="18" charset="0"/>
+                                </a:rPr>
+                                <m:t>𝑟</m:t>
+                              </m:r>
+                            </m:e>
+                            <m:sup>
+                              <m:r>
+                                <a:rPr lang="en-US" i="1">
+                                  <a:latin typeface="Cambria Math" panose="02040503050406030204" pitchFamily="18" charset="0"/>
+                                </a:rPr>
+                                <m:t>2</m:t>
+                              </m:r>
+                            </m:sup>
+                          </m:sSup>
+                        </m:den>
+                      </m:f>
+                    </m:oMath>
+                  </m:oMathPara>
+                </a14:m>
+                <a:endParaRPr lang="en-US" dirty="0"/>
+              </a:p>
+              <a:p>
+                <a:pPr marL="0" indent="0">
+                  <a:buNone/>
+                </a:pPr>
+                <a:r>
+                  <a:rPr lang="en-US" dirty="0"/>
+                  <a:t>What is the “</a:t>
+                </a:r>
+                <a14:m>
+                  <m:oMath xmlns:m="http://schemas.openxmlformats.org/officeDocument/2006/math">
+                    <m:sSub>
+                      <m:sSubPr>
+                        <m:ctrlPr>
+                          <a:rPr lang="en-US" i="1" dirty="0" smtClean="0">
+                            <a:latin typeface="Cambria Math" panose="02040503050406030204" pitchFamily="18" charset="0"/>
+                          </a:rPr>
+                        </m:ctrlPr>
+                      </m:sSubPr>
+                      <m:e>
+                        <m:r>
+                          <a:rPr lang="en-US" i="1" dirty="0" smtClean="0">
+                            <a:latin typeface="Cambria Math" panose="02040503050406030204" pitchFamily="18" charset="0"/>
+                            <a:ea typeface="Cambria Math" panose="02040503050406030204" pitchFamily="18" charset="0"/>
+                          </a:rPr>
+                          <m:t>𝜇</m:t>
+                        </m:r>
+                      </m:e>
+                      <m:sub>
+                        <m:r>
+                          <a:rPr lang="en-US" b="0" i="1" dirty="0" smtClean="0">
+                            <a:latin typeface="Cambria Math" panose="02040503050406030204" pitchFamily="18" charset="0"/>
+                          </a:rPr>
+                          <m:t>𝑜</m:t>
+                        </m:r>
+                      </m:sub>
+                    </m:sSub>
+                  </m:oMath>
+                </a14:m>
+                <a:r>
+                  <a:rPr lang="en-US" dirty="0"/>
+                  <a:t>” part?</a:t>
+                </a:r>
+              </a:p>
+              <a:p>
+                <a:pPr marL="514350" indent="-514350">
+                  <a:buFont typeface="+mj-lt"/>
+                  <a:buAutoNum type="alphaLcParenR"/>
+                </a:pPr>
+                <a:r>
+                  <a:rPr lang="en-US" dirty="0"/>
+                  <a:t> the distance from the charge to a point where we want to find the field.</a:t>
+                </a:r>
+              </a:p>
+              <a:p>
+                <a:pPr marL="514350" indent="-514350">
+                  <a:buFont typeface="+mj-lt"/>
+                  <a:buAutoNum type="alphaLcParenR"/>
+                </a:pPr>
+                <a:r>
+                  <a:rPr lang="en-US" dirty="0"/>
+                  <a:t> the distance from the center of the circle</a:t>
+                </a:r>
+              </a:p>
+              <a:p>
+                <a:pPr marL="514350" indent="-514350">
+                  <a:buFont typeface="+mj-lt"/>
+                  <a:buAutoNum type="alphaLcParenR"/>
+                </a:pPr>
+                <a:r>
+                  <a:rPr lang="en-US" dirty="0"/>
+                  <a:t> a dumb constant</a:t>
+                </a:r>
+              </a:p>
+              <a:p>
+                <a:pPr marL="514350" indent="-514350">
+                  <a:buFont typeface="+mj-lt"/>
+                  <a:buAutoNum type="alphaLcParenR"/>
+                </a:pPr>
+                <a:r>
+                  <a:rPr lang="en-US" dirty="0"/>
+                  <a:t> distance from one end of a wire to the other</a:t>
+                </a:r>
+              </a:p>
+              <a:p>
+                <a:pPr marL="0" indent="0">
+                  <a:buNone/>
+                </a:pPr>
+                <a:endParaRPr lang="en-US" dirty="0"/>
+              </a:p>
+            </p:txBody>
+          </p:sp>
+        </mc:Choice>
+        <mc:Fallback>
+          <p:sp>
+            <p:nvSpPr>
+              <p:cNvPr id="3" name="Content Placeholder 2">
+                <a:extLst>
+                  <a:ext uri="{FF2B5EF4-FFF2-40B4-BE49-F238E27FC236}">
+                    <a16:creationId xmlns:a16="http://schemas.microsoft.com/office/drawing/2014/main" id="{9A409A19-FC82-B2F4-FC4D-8FA986582CDB}"/>
+                  </a:ext>
+                </a:extLst>
+              </p:cNvPr>
+              <p:cNvSpPr>
+                <a:spLocks noGrp="1" noRot="1" noChangeAspect="1" noMove="1" noResize="1" noEditPoints="1" noAdjustHandles="1" noChangeArrowheads="1" noChangeShapeType="1" noTextEdit="1"/>
+              </p:cNvSpPr>
+              <p:nvPr>
+                <p:ph idx="1"/>
+              </p:nvPr>
+            </p:nvSpPr>
+            <p:spPr>
+              <a:blipFill>
+                <a:blip r:embed="rId2"/>
+                <a:stretch>
+                  <a:fillRect l="-1778" t="-2695"/>
+                </a:stretch>
+              </a:blipFill>
+            </p:spPr>
+            <p:txBody>
+              <a:bodyPr/>
+              <a:lstStyle/>
+              <a:p>
+                <a:r>
+                  <a:rPr lang="en-US">
+                    <a:noFill/>
+                  </a:rPr>
+                  <a:t> </a:t>
+                </a:r>
+              </a:p>
+            </p:txBody>
+          </p:sp>
+        </mc:Fallback>
+      </mc:AlternateContent>
+    </p:spTree>
+    <p:extLst>
+      <p:ext uri="{BB962C8B-B14F-4D97-AF65-F5344CB8AC3E}">
+        <p14:creationId xmlns:p14="http://schemas.microsoft.com/office/powerpoint/2010/main" val="3504388593"/>
+      </p:ext>
+    </p:extLst>
+  </p:cSld>
+  <p:clrMapOvr>
+    <a:masterClrMapping/>
+  </p:clrMapOvr>
+</p:sld>
+</file>
+
+<file path=ppt/slides/slide29.xml><?xml version="1.0" encoding="utf-8"?>
 <p:sld xmlns:a="http://schemas.openxmlformats.org/drawingml/2006/main" xmlns:r="http://schemas.openxmlformats.org/officeDocument/2006/relationships" xmlns:p="http://schemas.openxmlformats.org/presentationml/2006/main">
   <p:cSld>
     <p:spTree>
@@ -13837,7 +14429,7 @@
           <a:p>
             <a:r>
               <a:rPr lang="en-US" dirty="0"/>
-              <a:t>Question 223.38.8</a:t>
+              <a:t>Question 223.38.7</a:t>
             </a:r>
           </a:p>
         </p:txBody>
@@ -13860,7 +14452,7 @@
         </p:spPr>
         <p:txBody>
           <a:bodyPr>
-            <a:normAutofit fontScale="92500" lnSpcReduction="10000"/>
+            <a:normAutofit/>
           </a:bodyPr>
           <a:lstStyle/>
           <a:p>
@@ -13869,7 +14461,7 @@
             </a:pPr>
             <a:r>
               <a:rPr lang="en-US" dirty="0"/>
-              <a:t>Suppose we accelerate a proton and send it in the z-direction to a speed of 1.0×10⁷m /s. Is the magnetic field at point P stronger or weaker than the field at the detector? </a:t>
+              <a:t>Suppose we accelerate a proton and send it in the z-direction to a speed of 1.0×10⁷m /s. Is there a magnetic field at point P? </a:t>
             </a:r>
           </a:p>
           <a:p>
@@ -13878,7 +14470,7 @@
             </a:pPr>
             <a:r>
               <a:rPr lang="en-US" dirty="0"/>
-              <a:t>Stronger</a:t>
+              <a:t>Yes</a:t>
             </a:r>
           </a:p>
           <a:p>
@@ -13887,16 +14479,7 @@
             </a:pPr>
             <a:r>
               <a:rPr lang="en-US" dirty="0"/>
-              <a:t>Weaker</a:t>
-            </a:r>
-          </a:p>
-          <a:p>
-            <a:pPr marL="514350" indent="-514350">
-              <a:buAutoNum type="alphaLcParenR"/>
-            </a:pPr>
-            <a:r>
-              <a:rPr lang="en-US" dirty="0"/>
-              <a:t>Neither, there is no B-field at P</a:t>
+              <a:t>No</a:t>
             </a:r>
           </a:p>
           <a:p>
@@ -13936,7 +14519,7 @@
               <a:pPr>
                 <a:defRPr/>
               </a:pPr>
-              <a:t>27</a:t>
+              <a:t>29</a:t>
             </a:fld>
             <a:endParaRPr lang="en-US"/>
           </a:p>
@@ -14622,636 +15205,9 @@
     </p:spTree>
     <p:extLst>
       <p:ext uri="{BB962C8B-B14F-4D97-AF65-F5344CB8AC3E}">
-        <p14:creationId xmlns:p14="http://schemas.microsoft.com/office/powerpoint/2010/main" val="1722648248"/>
+        <p14:creationId xmlns:p14="http://schemas.microsoft.com/office/powerpoint/2010/main" val="1779550301"/>
       </p:ext>
     </p:extLst>
-  </p:cSld>
-  <p:clrMapOvr>
-    <a:masterClrMapping/>
-  </p:clrMapOvr>
-</p:sld>
-</file>
-
-<file path=ppt/slides/slide28.xml><?xml version="1.0" encoding="utf-8"?>
-<p:sld xmlns:a="http://schemas.openxmlformats.org/drawingml/2006/main" xmlns:r="http://schemas.openxmlformats.org/officeDocument/2006/relationships" xmlns:p="http://schemas.openxmlformats.org/presentationml/2006/main">
-  <p:cSld>
-    <p:spTree>
-      <p:nvGrpSpPr>
-        <p:cNvPr id="1" name=""/>
-        <p:cNvGrpSpPr/>
-        <p:nvPr/>
-      </p:nvGrpSpPr>
-      <p:grpSpPr>
-        <a:xfrm>
-          <a:off x="0" y="0"/>
-          <a:ext cx="0" cy="0"/>
-          <a:chOff x="0" y="0"/>
-          <a:chExt cx="0" cy="0"/>
-        </a:xfrm>
-      </p:grpSpPr>
-      <p:cxnSp>
-        <p:nvCxnSpPr>
-          <p:cNvPr id="30" name="Straight Arrow Connector 29"/>
-          <p:cNvCxnSpPr>
-            <a:endCxn id="22" idx="4"/>
-          </p:cNvCxnSpPr>
-          <p:nvPr/>
-        </p:nvCxnSpPr>
-        <p:spPr>
-          <a:xfrm flipV="1">
-            <a:off x="3627120" y="731520"/>
-            <a:ext cx="7620" cy="822960"/>
-          </a:xfrm>
-          <a:prstGeom prst="straightConnector1">
-            <a:avLst/>
-          </a:prstGeom>
-          <a:ln w="28575">
-            <a:solidFill>
-              <a:schemeClr val="tx1"/>
-            </a:solidFill>
-            <a:tailEnd type="arrow"/>
-          </a:ln>
-        </p:spPr>
-        <p:style>
-          <a:lnRef idx="1">
-            <a:schemeClr val="accent1"/>
-          </a:lnRef>
-          <a:fillRef idx="0">
-            <a:schemeClr val="accent1"/>
-          </a:fillRef>
-          <a:effectRef idx="0">
-            <a:schemeClr val="accent1"/>
-          </a:effectRef>
-          <a:fontRef idx="minor">
-            <a:schemeClr val="tx1"/>
-          </a:fontRef>
-        </p:style>
-      </p:cxnSp>
-      <p:cxnSp>
-        <p:nvCxnSpPr>
-          <p:cNvPr id="5" name="Straight Connector 4"/>
-          <p:cNvCxnSpPr/>
-          <p:nvPr/>
-        </p:nvCxnSpPr>
-        <p:spPr>
-          <a:xfrm>
-            <a:off x="1798320" y="1584960"/>
-            <a:ext cx="5532120" cy="0"/>
-          </a:xfrm>
-          <a:prstGeom prst="line">
-            <a:avLst/>
-          </a:prstGeom>
-          <a:ln>
-            <a:solidFill>
-              <a:schemeClr val="tx1"/>
-            </a:solidFill>
-            <a:prstDash val="lgDash"/>
-          </a:ln>
-        </p:spPr>
-        <p:style>
-          <a:lnRef idx="1">
-            <a:schemeClr val="accent1"/>
-          </a:lnRef>
-          <a:fillRef idx="0">
-            <a:schemeClr val="accent1"/>
-          </a:fillRef>
-          <a:effectRef idx="0">
-            <a:schemeClr val="accent1"/>
-          </a:effectRef>
-          <a:fontRef idx="minor">
-            <a:schemeClr val="tx1"/>
-          </a:fontRef>
-        </p:style>
-      </p:cxnSp>
-      <p:sp>
-        <p:nvSpPr>
-          <p:cNvPr id="7" name="Oval 6"/>
-          <p:cNvSpPr/>
-          <p:nvPr/>
-        </p:nvSpPr>
-        <p:spPr>
-          <a:xfrm>
-            <a:off x="3474720" y="1386840"/>
-            <a:ext cx="335280" cy="365760"/>
-          </a:xfrm>
-          <a:prstGeom prst="ellipse">
-            <a:avLst/>
-          </a:prstGeom>
-          <a:solidFill>
-            <a:srgbClr val="FFC000"/>
-          </a:solidFill>
-          <a:ln>
-            <a:noFill/>
-          </a:ln>
-        </p:spPr>
-        <p:style>
-          <a:lnRef idx="2">
-            <a:schemeClr val="accent1">
-              <a:shade val="50000"/>
-            </a:schemeClr>
-          </a:lnRef>
-          <a:fillRef idx="1">
-            <a:schemeClr val="accent1"/>
-          </a:fillRef>
-          <a:effectRef idx="0">
-            <a:schemeClr val="accent1"/>
-          </a:effectRef>
-          <a:fontRef idx="minor">
-            <a:schemeClr val="lt1"/>
-          </a:fontRef>
-        </p:style>
-        <p:txBody>
-          <a:bodyPr rtlCol="0" anchor="ctr"/>
-          <a:lstStyle/>
-          <a:p>
-            <a:pPr algn="ctr"/>
-            <a:endParaRPr lang="en-US"/>
-          </a:p>
-        </p:txBody>
-      </p:sp>
-      <p:sp>
-        <p:nvSpPr>
-          <p:cNvPr id="8" name="TextBox 7"/>
-          <p:cNvSpPr txBox="1"/>
-          <p:nvPr/>
-        </p:nvSpPr>
-        <p:spPr>
-          <a:xfrm>
-            <a:off x="7391400" y="1417320"/>
-            <a:ext cx="1293752" cy="369332"/>
-          </a:xfrm>
-          <a:prstGeom prst="rect">
-            <a:avLst/>
-          </a:prstGeom>
-          <a:noFill/>
-        </p:spPr>
-        <p:txBody>
-          <a:bodyPr wrap="none" rtlCol="0">
-            <a:spAutoFit/>
-          </a:bodyPr>
-          <a:lstStyle/>
-          <a:p>
-            <a:r>
-              <a:rPr lang="en-US" dirty="0"/>
-              <a:t>Proton Path</a:t>
-            </a:r>
-          </a:p>
-        </p:txBody>
-      </p:sp>
-      <p:cxnSp>
-        <p:nvCxnSpPr>
-          <p:cNvPr id="12" name="Straight Arrow Connector 11"/>
-          <p:cNvCxnSpPr/>
-          <p:nvPr/>
-        </p:nvCxnSpPr>
-        <p:spPr>
-          <a:xfrm>
-            <a:off x="716280" y="1600200"/>
-            <a:ext cx="914400" cy="0"/>
-          </a:xfrm>
-          <a:prstGeom prst="straightConnector1">
-            <a:avLst/>
-          </a:prstGeom>
-          <a:ln>
-            <a:tailEnd type="arrow"/>
-          </a:ln>
-        </p:spPr>
-        <p:style>
-          <a:lnRef idx="1">
-            <a:schemeClr val="accent1"/>
-          </a:lnRef>
-          <a:fillRef idx="0">
-            <a:schemeClr val="accent1"/>
-          </a:fillRef>
-          <a:effectRef idx="0">
-            <a:schemeClr val="accent1"/>
-          </a:effectRef>
-          <a:fontRef idx="minor">
-            <a:schemeClr val="tx1"/>
-          </a:fontRef>
-        </p:style>
-      </p:cxnSp>
-      <p:cxnSp>
-        <p:nvCxnSpPr>
-          <p:cNvPr id="14" name="Straight Arrow Connector 13"/>
-          <p:cNvCxnSpPr/>
-          <p:nvPr/>
-        </p:nvCxnSpPr>
-        <p:spPr>
-          <a:xfrm rot="16200000">
-            <a:off x="259080" y="1127760"/>
-            <a:ext cx="914400" cy="0"/>
-          </a:xfrm>
-          <a:prstGeom prst="straightConnector1">
-            <a:avLst/>
-          </a:prstGeom>
-          <a:ln>
-            <a:tailEnd type="arrow"/>
-          </a:ln>
-        </p:spPr>
-        <p:style>
-          <a:lnRef idx="1">
-            <a:schemeClr val="accent1"/>
-          </a:lnRef>
-          <a:fillRef idx="0">
-            <a:schemeClr val="accent1"/>
-          </a:fillRef>
-          <a:effectRef idx="0">
-            <a:schemeClr val="accent1"/>
-          </a:effectRef>
-          <a:fontRef idx="minor">
-            <a:schemeClr val="tx1"/>
-          </a:fontRef>
-        </p:style>
-      </p:cxnSp>
-      <p:cxnSp>
-        <p:nvCxnSpPr>
-          <p:cNvPr id="15" name="Straight Arrow Connector 14"/>
-          <p:cNvCxnSpPr/>
-          <p:nvPr/>
-        </p:nvCxnSpPr>
-        <p:spPr>
-          <a:xfrm flipH="1">
-            <a:off x="274320" y="1600200"/>
-            <a:ext cx="426720" cy="381000"/>
-          </a:xfrm>
-          <a:prstGeom prst="straightConnector1">
-            <a:avLst/>
-          </a:prstGeom>
-          <a:ln>
-            <a:tailEnd type="arrow"/>
-          </a:ln>
-        </p:spPr>
-        <p:style>
-          <a:lnRef idx="1">
-            <a:schemeClr val="accent1"/>
-          </a:lnRef>
-          <a:fillRef idx="0">
-            <a:schemeClr val="accent1"/>
-          </a:fillRef>
-          <a:effectRef idx="0">
-            <a:schemeClr val="accent1"/>
-          </a:effectRef>
-          <a:fontRef idx="minor">
-            <a:schemeClr val="tx1"/>
-          </a:fontRef>
-        </p:style>
-      </p:cxnSp>
-      <p:sp>
-        <p:nvSpPr>
-          <p:cNvPr id="17" name="TextBox 16"/>
-          <p:cNvSpPr txBox="1"/>
-          <p:nvPr/>
-        </p:nvSpPr>
-        <p:spPr>
-          <a:xfrm>
-            <a:off x="1447800" y="1584960"/>
-            <a:ext cx="276038" cy="369332"/>
-          </a:xfrm>
-          <a:prstGeom prst="rect">
-            <a:avLst/>
-          </a:prstGeom>
-          <a:noFill/>
-        </p:spPr>
-        <p:txBody>
-          <a:bodyPr wrap="none" rtlCol="0">
-            <a:spAutoFit/>
-          </a:bodyPr>
-          <a:lstStyle/>
-          <a:p>
-            <a:r>
-              <a:rPr lang="en-US" dirty="0"/>
-              <a:t>z</a:t>
-            </a:r>
-          </a:p>
-        </p:txBody>
-      </p:sp>
-      <p:sp>
-        <p:nvSpPr>
-          <p:cNvPr id="18" name="TextBox 17"/>
-          <p:cNvSpPr txBox="1"/>
-          <p:nvPr/>
-        </p:nvSpPr>
-        <p:spPr>
-          <a:xfrm>
-            <a:off x="426720" y="441960"/>
-            <a:ext cx="284052" cy="369332"/>
-          </a:xfrm>
-          <a:prstGeom prst="rect">
-            <a:avLst/>
-          </a:prstGeom>
-          <a:noFill/>
-        </p:spPr>
-        <p:txBody>
-          <a:bodyPr wrap="none" rtlCol="0">
-            <a:spAutoFit/>
-          </a:bodyPr>
-          <a:lstStyle/>
-          <a:p>
-            <a:r>
-              <a:rPr lang="en-US" dirty="0"/>
-              <a:t>x</a:t>
-            </a:r>
-          </a:p>
-        </p:txBody>
-      </p:sp>
-      <p:sp>
-        <p:nvSpPr>
-          <p:cNvPr id="19" name="TextBox 18"/>
-          <p:cNvSpPr txBox="1"/>
-          <p:nvPr/>
-        </p:nvSpPr>
-        <p:spPr>
-          <a:xfrm>
-            <a:off x="0" y="1630680"/>
-            <a:ext cx="288862" cy="369332"/>
-          </a:xfrm>
-          <a:prstGeom prst="rect">
-            <a:avLst/>
-          </a:prstGeom>
-          <a:noFill/>
-        </p:spPr>
-        <p:txBody>
-          <a:bodyPr wrap="none" rtlCol="0">
-            <a:spAutoFit/>
-          </a:bodyPr>
-          <a:lstStyle/>
-          <a:p>
-            <a:r>
-              <a:rPr lang="en-US" dirty="0"/>
-              <a:t>y</a:t>
-            </a:r>
-          </a:p>
-        </p:txBody>
-      </p:sp>
-      <p:cxnSp>
-        <p:nvCxnSpPr>
-          <p:cNvPr id="21" name="Straight Arrow Connector 20"/>
-          <p:cNvCxnSpPr>
-            <a:stCxn id="7" idx="6"/>
-          </p:cNvCxnSpPr>
-          <p:nvPr/>
-        </p:nvCxnSpPr>
-        <p:spPr>
-          <a:xfrm>
-            <a:off x="3810000" y="1569720"/>
-            <a:ext cx="624840" cy="0"/>
-          </a:xfrm>
-          <a:prstGeom prst="straightConnector1">
-            <a:avLst/>
-          </a:prstGeom>
-          <a:ln w="28575">
-            <a:solidFill>
-              <a:srgbClr val="FF0000"/>
-            </a:solidFill>
-            <a:tailEnd type="arrow"/>
-          </a:ln>
-        </p:spPr>
-        <p:style>
-          <a:lnRef idx="1">
-            <a:schemeClr val="accent1"/>
-          </a:lnRef>
-          <a:fillRef idx="0">
-            <a:schemeClr val="accent1"/>
-          </a:fillRef>
-          <a:effectRef idx="0">
-            <a:schemeClr val="accent1"/>
-          </a:effectRef>
-          <a:fontRef idx="minor">
-            <a:schemeClr val="tx1"/>
-          </a:fontRef>
-        </p:style>
-      </p:cxnSp>
-      <p:sp>
-        <p:nvSpPr>
-          <p:cNvPr id="22" name="Oval 21"/>
-          <p:cNvSpPr/>
-          <p:nvPr/>
-        </p:nvSpPr>
-        <p:spPr>
-          <a:xfrm>
-            <a:off x="3581400" y="609600"/>
-            <a:ext cx="106680" cy="121920"/>
-          </a:xfrm>
-          <a:prstGeom prst="ellipse">
-            <a:avLst/>
-          </a:prstGeom>
-          <a:solidFill>
-            <a:schemeClr val="tx1"/>
-          </a:solidFill>
-          <a:ln>
-            <a:noFill/>
-          </a:ln>
-        </p:spPr>
-        <p:style>
-          <a:lnRef idx="2">
-            <a:schemeClr val="accent1">
-              <a:shade val="50000"/>
-            </a:schemeClr>
-          </a:lnRef>
-          <a:fillRef idx="1">
-            <a:schemeClr val="accent1"/>
-          </a:fillRef>
-          <a:effectRef idx="0">
-            <a:schemeClr val="accent1"/>
-          </a:effectRef>
-          <a:fontRef idx="minor">
-            <a:schemeClr val="lt1"/>
-          </a:fontRef>
-        </p:style>
-        <p:txBody>
-          <a:bodyPr rtlCol="0" anchor="ctr"/>
-          <a:lstStyle/>
-          <a:p>
-            <a:pPr algn="ctr"/>
-            <a:endParaRPr lang="en-US"/>
-          </a:p>
-        </p:txBody>
-      </p:sp>
-      <p:sp>
-        <p:nvSpPr>
-          <p:cNvPr id="23" name="TextBox 22"/>
-          <p:cNvSpPr txBox="1"/>
-          <p:nvPr/>
-        </p:nvSpPr>
-        <p:spPr>
-          <a:xfrm>
-            <a:off x="3764280" y="441960"/>
-            <a:ext cx="1005853" cy="369332"/>
-          </a:xfrm>
-          <a:prstGeom prst="rect">
-            <a:avLst/>
-          </a:prstGeom>
-          <a:noFill/>
-        </p:spPr>
-        <p:txBody>
-          <a:bodyPr wrap="none" rtlCol="0">
-            <a:spAutoFit/>
-          </a:bodyPr>
-          <a:lstStyle/>
-          <a:p>
-            <a:r>
-              <a:rPr lang="en-US" dirty="0"/>
-              <a:t>Detector</a:t>
-            </a:r>
-          </a:p>
-        </p:txBody>
-      </p:sp>
-      <p:sp>
-        <p:nvSpPr>
-          <p:cNvPr id="24" name="TextBox 23"/>
-          <p:cNvSpPr txBox="1"/>
-          <p:nvPr/>
-        </p:nvSpPr>
-        <p:spPr>
-          <a:xfrm>
-            <a:off x="3246120" y="1828800"/>
-            <a:ext cx="819904" cy="369332"/>
-          </a:xfrm>
-          <a:prstGeom prst="rect">
-            <a:avLst/>
-          </a:prstGeom>
-          <a:noFill/>
-        </p:spPr>
-        <p:txBody>
-          <a:bodyPr wrap="none" rtlCol="0">
-            <a:spAutoFit/>
-          </a:bodyPr>
-          <a:lstStyle/>
-          <a:p>
-            <a:r>
-              <a:rPr lang="en-US" dirty="0"/>
-              <a:t>Proton</a:t>
-            </a:r>
-          </a:p>
-        </p:txBody>
-      </p:sp>
-      <p:cxnSp>
-        <p:nvCxnSpPr>
-          <p:cNvPr id="26" name="Straight Arrow Connector 25"/>
-          <p:cNvCxnSpPr/>
-          <p:nvPr/>
-        </p:nvCxnSpPr>
-        <p:spPr>
-          <a:xfrm>
-            <a:off x="2834640" y="670560"/>
-            <a:ext cx="0" cy="914400"/>
-          </a:xfrm>
-          <a:prstGeom prst="straightConnector1">
-            <a:avLst/>
-          </a:prstGeom>
-          <a:ln>
-            <a:headEnd type="arrow"/>
-            <a:tailEnd type="arrow"/>
-          </a:ln>
-        </p:spPr>
-        <p:style>
-          <a:lnRef idx="1">
-            <a:schemeClr val="accent1"/>
-          </a:lnRef>
-          <a:fillRef idx="0">
-            <a:schemeClr val="accent1"/>
-          </a:fillRef>
-          <a:effectRef idx="0">
-            <a:schemeClr val="accent1"/>
-          </a:effectRef>
-          <a:fontRef idx="minor">
-            <a:schemeClr val="tx1"/>
-          </a:fontRef>
-        </p:style>
-      </p:cxnSp>
-      <p:sp>
-        <p:nvSpPr>
-          <p:cNvPr id="27" name="TextBox 26"/>
-          <p:cNvSpPr txBox="1"/>
-          <p:nvPr/>
-        </p:nvSpPr>
-        <p:spPr>
-          <a:xfrm>
-            <a:off x="2179320" y="975360"/>
-            <a:ext cx="670376" cy="369332"/>
-          </a:xfrm>
-          <a:prstGeom prst="rect">
-            <a:avLst/>
-          </a:prstGeom>
-          <a:noFill/>
-        </p:spPr>
-        <p:txBody>
-          <a:bodyPr wrap="none" rtlCol="0">
-            <a:spAutoFit/>
-          </a:bodyPr>
-          <a:lstStyle/>
-          <a:p>
-            <a:r>
-              <a:rPr lang="en-US" dirty="0"/>
-              <a:t>1mm</a:t>
-            </a:r>
-          </a:p>
-        </p:txBody>
-      </p:sp>
-      <p:sp>
-        <p:nvSpPr>
-          <p:cNvPr id="31" name="TextBox 30"/>
-          <p:cNvSpPr txBox="1"/>
-          <p:nvPr/>
-        </p:nvSpPr>
-        <p:spPr>
-          <a:xfrm>
-            <a:off x="4023360" y="1173480"/>
-            <a:ext cx="288862" cy="369332"/>
-          </a:xfrm>
-          <a:prstGeom prst="rect">
-            <a:avLst/>
-          </a:prstGeom>
-          <a:noFill/>
-        </p:spPr>
-        <p:txBody>
-          <a:bodyPr wrap="none" rtlCol="0">
-            <a:spAutoFit/>
-          </a:bodyPr>
-          <a:lstStyle/>
-          <a:p>
-            <a:r>
-              <a:rPr lang="en-US" dirty="0">
-                <a:solidFill>
-                  <a:srgbClr val="FF0000"/>
-                </a:solidFill>
-              </a:rPr>
-              <a:t>v</a:t>
-            </a:r>
-          </a:p>
-        </p:txBody>
-      </p:sp>
-      <p:sp>
-        <p:nvSpPr>
-          <p:cNvPr id="32" name="TextBox 31"/>
-          <p:cNvSpPr txBox="1"/>
-          <p:nvPr/>
-        </p:nvSpPr>
-        <p:spPr>
-          <a:xfrm>
-            <a:off x="3337560" y="899160"/>
-            <a:ext cx="264816" cy="369332"/>
-          </a:xfrm>
-          <a:prstGeom prst="rect">
-            <a:avLst/>
-          </a:prstGeom>
-          <a:noFill/>
-        </p:spPr>
-        <p:txBody>
-          <a:bodyPr wrap="none" rtlCol="0">
-            <a:spAutoFit/>
-          </a:bodyPr>
-          <a:lstStyle/>
-          <a:p>
-            <a:r>
-              <a:rPr lang="en-US" dirty="0"/>
-              <a:t>r</a:t>
-            </a:r>
-          </a:p>
-        </p:txBody>
-      </p:sp>
-    </p:spTree>
   </p:cSld>
   <p:clrMapOvr>
     <a:masterClrMapping/>
@@ -15309,6 +15265,1467 @@
           <a:effectLst/>
         </p:spPr>
       </p:pic>
+    </p:spTree>
+  </p:cSld>
+  <p:clrMapOvr>
+    <a:masterClrMapping/>
+  </p:clrMapOvr>
+</p:sld>
+</file>
+
+<file path=ppt/slides/slide30.xml><?xml version="1.0" encoding="utf-8"?>
+<p:sld xmlns:a="http://schemas.openxmlformats.org/drawingml/2006/main" xmlns:r="http://schemas.openxmlformats.org/officeDocument/2006/relationships" xmlns:p="http://schemas.openxmlformats.org/presentationml/2006/main">
+  <p:cSld>
+    <p:spTree>
+      <p:nvGrpSpPr>
+        <p:cNvPr id="1" name=""/>
+        <p:cNvGrpSpPr/>
+        <p:nvPr/>
+      </p:nvGrpSpPr>
+      <p:grpSpPr>
+        <a:xfrm>
+          <a:off x="0" y="0"/>
+          <a:ext cx="0" cy="0"/>
+          <a:chOff x="0" y="0"/>
+          <a:chExt cx="0" cy="0"/>
+        </a:xfrm>
+      </p:grpSpPr>
+      <p:sp>
+        <p:nvSpPr>
+          <p:cNvPr id="2" name="Title 1"/>
+          <p:cNvSpPr>
+            <a:spLocks noGrp="1"/>
+          </p:cNvSpPr>
+          <p:nvPr>
+            <p:ph type="title"/>
+          </p:nvPr>
+        </p:nvSpPr>
+        <p:spPr>
+          <a:xfrm>
+            <a:off x="383204" y="266224"/>
+            <a:ext cx="8229600" cy="1143000"/>
+          </a:xfrm>
+        </p:spPr>
+        <p:txBody>
+          <a:bodyPr/>
+          <a:lstStyle/>
+          <a:p>
+            <a:r>
+              <a:rPr lang="en-US" dirty="0"/>
+              <a:t>Question 223.38.8</a:t>
+            </a:r>
+          </a:p>
+        </p:txBody>
+      </p:sp>
+      <p:sp>
+        <p:nvSpPr>
+          <p:cNvPr id="3" name="Content Placeholder 2"/>
+          <p:cNvSpPr>
+            <a:spLocks noGrp="1"/>
+          </p:cNvSpPr>
+          <p:nvPr>
+            <p:ph idx="1"/>
+          </p:nvPr>
+        </p:nvSpPr>
+        <p:spPr>
+          <a:xfrm>
+            <a:off x="457200" y="3441700"/>
+            <a:ext cx="8077200" cy="3416300"/>
+          </a:xfrm>
+        </p:spPr>
+        <p:txBody>
+          <a:bodyPr>
+            <a:normAutofit fontScale="92500" lnSpcReduction="10000"/>
+          </a:bodyPr>
+          <a:lstStyle/>
+          <a:p>
+            <a:pPr>
+              <a:buNone/>
+            </a:pPr>
+            <a:r>
+              <a:rPr lang="en-US" dirty="0"/>
+              <a:t>Suppose we accelerate a proton and send it in the z-direction to a speed of 1.0×10⁷m /s. Is the magnetic field at point P stronger or weaker than the field at the detector? </a:t>
+            </a:r>
+          </a:p>
+          <a:p>
+            <a:pPr marL="514350" indent="-514350">
+              <a:buAutoNum type="alphaLcParenR"/>
+            </a:pPr>
+            <a:r>
+              <a:rPr lang="en-US" dirty="0"/>
+              <a:t>Stronger</a:t>
+            </a:r>
+          </a:p>
+          <a:p>
+            <a:pPr marL="514350" indent="-514350">
+              <a:buAutoNum type="alphaLcParenR"/>
+            </a:pPr>
+            <a:r>
+              <a:rPr lang="en-US" dirty="0"/>
+              <a:t>Weaker</a:t>
+            </a:r>
+          </a:p>
+          <a:p>
+            <a:pPr marL="514350" indent="-514350">
+              <a:buAutoNum type="alphaLcParenR"/>
+            </a:pPr>
+            <a:r>
+              <a:rPr lang="en-US" dirty="0"/>
+              <a:t>Neither, there is no B-field at P</a:t>
+            </a:r>
+          </a:p>
+          <a:p>
+            <a:pPr marL="514350" indent="-514350">
+              <a:buAutoNum type="arabicPeriod"/>
+            </a:pPr>
+            <a:endParaRPr lang="en-US" dirty="0"/>
+          </a:p>
+          <a:p>
+            <a:pPr marL="514350" indent="-514350">
+              <a:buAutoNum type="arabicPeriod"/>
+            </a:pPr>
+            <a:endParaRPr lang="en-US" dirty="0"/>
+          </a:p>
+        </p:txBody>
+      </p:sp>
+      <p:sp>
+        <p:nvSpPr>
+          <p:cNvPr id="4" name="Slide Number Placeholder 3"/>
+          <p:cNvSpPr>
+            <a:spLocks noGrp="1"/>
+          </p:cNvSpPr>
+          <p:nvPr>
+            <p:ph type="sldNum" sz="quarter" idx="12"/>
+          </p:nvPr>
+        </p:nvSpPr>
+        <p:spPr/>
+        <p:txBody>
+          <a:bodyPr/>
+          <a:lstStyle/>
+          <a:p>
+            <a:pPr>
+              <a:defRPr/>
+            </a:pPr>
+            <a:fld id="{64137B81-8888-4253-92EC-0AED2A590749}" type="slidenum">
+              <a:rPr lang="en-US" smtClean="0"/>
+              <a:pPr>
+                <a:defRPr/>
+              </a:pPr>
+              <a:t>30</a:t>
+            </a:fld>
+            <a:endParaRPr lang="en-US"/>
+          </a:p>
+        </p:txBody>
+      </p:sp>
+      <p:cxnSp>
+        <p:nvCxnSpPr>
+          <p:cNvPr id="6" name="Straight Arrow Connector 5"/>
+          <p:cNvCxnSpPr>
+            <a:endCxn id="17" idx="4"/>
+          </p:cNvCxnSpPr>
+          <p:nvPr/>
+        </p:nvCxnSpPr>
+        <p:spPr>
+          <a:xfrm flipV="1">
+            <a:off x="3690284" y="1634252"/>
+            <a:ext cx="7620" cy="822960"/>
+          </a:xfrm>
+          <a:prstGeom prst="straightConnector1">
+            <a:avLst/>
+          </a:prstGeom>
+          <a:ln w="28575">
+            <a:solidFill>
+              <a:schemeClr val="tx1"/>
+            </a:solidFill>
+            <a:tailEnd type="arrow"/>
+          </a:ln>
+        </p:spPr>
+        <p:style>
+          <a:lnRef idx="1">
+            <a:schemeClr val="accent1"/>
+          </a:lnRef>
+          <a:fillRef idx="0">
+            <a:schemeClr val="accent1"/>
+          </a:fillRef>
+          <a:effectRef idx="0">
+            <a:schemeClr val="accent1"/>
+          </a:effectRef>
+          <a:fontRef idx="minor">
+            <a:schemeClr val="tx1"/>
+          </a:fontRef>
+        </p:style>
+      </p:cxnSp>
+      <p:cxnSp>
+        <p:nvCxnSpPr>
+          <p:cNvPr id="7" name="Straight Connector 6"/>
+          <p:cNvCxnSpPr/>
+          <p:nvPr/>
+        </p:nvCxnSpPr>
+        <p:spPr>
+          <a:xfrm>
+            <a:off x="1861484" y="2487692"/>
+            <a:ext cx="5532120" cy="0"/>
+          </a:xfrm>
+          <a:prstGeom prst="line">
+            <a:avLst/>
+          </a:prstGeom>
+          <a:ln>
+            <a:solidFill>
+              <a:schemeClr val="tx1"/>
+            </a:solidFill>
+            <a:prstDash val="lgDash"/>
+          </a:ln>
+        </p:spPr>
+        <p:style>
+          <a:lnRef idx="1">
+            <a:schemeClr val="accent1"/>
+          </a:lnRef>
+          <a:fillRef idx="0">
+            <a:schemeClr val="accent1"/>
+          </a:fillRef>
+          <a:effectRef idx="0">
+            <a:schemeClr val="accent1"/>
+          </a:effectRef>
+          <a:fontRef idx="minor">
+            <a:schemeClr val="tx1"/>
+          </a:fontRef>
+        </p:style>
+      </p:cxnSp>
+      <p:sp>
+        <p:nvSpPr>
+          <p:cNvPr id="8" name="Oval 7"/>
+          <p:cNvSpPr/>
+          <p:nvPr/>
+        </p:nvSpPr>
+        <p:spPr>
+          <a:xfrm>
+            <a:off x="3537884" y="2289572"/>
+            <a:ext cx="335280" cy="365760"/>
+          </a:xfrm>
+          <a:prstGeom prst="ellipse">
+            <a:avLst/>
+          </a:prstGeom>
+          <a:solidFill>
+            <a:srgbClr val="FFC000"/>
+          </a:solidFill>
+          <a:ln>
+            <a:noFill/>
+          </a:ln>
+        </p:spPr>
+        <p:style>
+          <a:lnRef idx="2">
+            <a:schemeClr val="accent1">
+              <a:shade val="50000"/>
+            </a:schemeClr>
+          </a:lnRef>
+          <a:fillRef idx="1">
+            <a:schemeClr val="accent1"/>
+          </a:fillRef>
+          <a:effectRef idx="0">
+            <a:schemeClr val="accent1"/>
+          </a:effectRef>
+          <a:fontRef idx="minor">
+            <a:schemeClr val="lt1"/>
+          </a:fontRef>
+        </p:style>
+        <p:txBody>
+          <a:bodyPr rtlCol="0" anchor="ctr"/>
+          <a:lstStyle/>
+          <a:p>
+            <a:pPr algn="ctr"/>
+            <a:endParaRPr lang="en-US"/>
+          </a:p>
+        </p:txBody>
+      </p:sp>
+      <p:sp>
+        <p:nvSpPr>
+          <p:cNvPr id="9" name="TextBox 8"/>
+          <p:cNvSpPr txBox="1"/>
+          <p:nvPr/>
+        </p:nvSpPr>
+        <p:spPr>
+          <a:xfrm>
+            <a:off x="7454564" y="2320052"/>
+            <a:ext cx="1293752" cy="369332"/>
+          </a:xfrm>
+          <a:prstGeom prst="rect">
+            <a:avLst/>
+          </a:prstGeom>
+          <a:noFill/>
+        </p:spPr>
+        <p:txBody>
+          <a:bodyPr wrap="none" rtlCol="0">
+            <a:spAutoFit/>
+          </a:bodyPr>
+          <a:lstStyle/>
+          <a:p>
+            <a:r>
+              <a:rPr lang="en-US" dirty="0"/>
+              <a:t>Proton Path</a:t>
+            </a:r>
+          </a:p>
+        </p:txBody>
+      </p:sp>
+      <p:cxnSp>
+        <p:nvCxnSpPr>
+          <p:cNvPr id="10" name="Straight Arrow Connector 9"/>
+          <p:cNvCxnSpPr/>
+          <p:nvPr/>
+        </p:nvCxnSpPr>
+        <p:spPr>
+          <a:xfrm>
+            <a:off x="779444" y="2502932"/>
+            <a:ext cx="914400" cy="0"/>
+          </a:xfrm>
+          <a:prstGeom prst="straightConnector1">
+            <a:avLst/>
+          </a:prstGeom>
+          <a:ln>
+            <a:tailEnd type="arrow"/>
+          </a:ln>
+        </p:spPr>
+        <p:style>
+          <a:lnRef idx="1">
+            <a:schemeClr val="accent1"/>
+          </a:lnRef>
+          <a:fillRef idx="0">
+            <a:schemeClr val="accent1"/>
+          </a:fillRef>
+          <a:effectRef idx="0">
+            <a:schemeClr val="accent1"/>
+          </a:effectRef>
+          <a:fontRef idx="minor">
+            <a:schemeClr val="tx1"/>
+          </a:fontRef>
+        </p:style>
+      </p:cxnSp>
+      <p:cxnSp>
+        <p:nvCxnSpPr>
+          <p:cNvPr id="11" name="Straight Arrow Connector 10"/>
+          <p:cNvCxnSpPr/>
+          <p:nvPr/>
+        </p:nvCxnSpPr>
+        <p:spPr>
+          <a:xfrm rot="16200000">
+            <a:off x="322244" y="2030492"/>
+            <a:ext cx="914400" cy="0"/>
+          </a:xfrm>
+          <a:prstGeom prst="straightConnector1">
+            <a:avLst/>
+          </a:prstGeom>
+          <a:ln>
+            <a:tailEnd type="arrow"/>
+          </a:ln>
+        </p:spPr>
+        <p:style>
+          <a:lnRef idx="1">
+            <a:schemeClr val="accent1"/>
+          </a:lnRef>
+          <a:fillRef idx="0">
+            <a:schemeClr val="accent1"/>
+          </a:fillRef>
+          <a:effectRef idx="0">
+            <a:schemeClr val="accent1"/>
+          </a:effectRef>
+          <a:fontRef idx="minor">
+            <a:schemeClr val="tx1"/>
+          </a:fontRef>
+        </p:style>
+      </p:cxnSp>
+      <p:cxnSp>
+        <p:nvCxnSpPr>
+          <p:cNvPr id="12" name="Straight Arrow Connector 11"/>
+          <p:cNvCxnSpPr/>
+          <p:nvPr/>
+        </p:nvCxnSpPr>
+        <p:spPr>
+          <a:xfrm flipH="1">
+            <a:off x="337484" y="2502932"/>
+            <a:ext cx="426720" cy="381000"/>
+          </a:xfrm>
+          <a:prstGeom prst="straightConnector1">
+            <a:avLst/>
+          </a:prstGeom>
+          <a:ln>
+            <a:tailEnd type="arrow"/>
+          </a:ln>
+        </p:spPr>
+        <p:style>
+          <a:lnRef idx="1">
+            <a:schemeClr val="accent1"/>
+          </a:lnRef>
+          <a:fillRef idx="0">
+            <a:schemeClr val="accent1"/>
+          </a:fillRef>
+          <a:effectRef idx="0">
+            <a:schemeClr val="accent1"/>
+          </a:effectRef>
+          <a:fontRef idx="minor">
+            <a:schemeClr val="tx1"/>
+          </a:fontRef>
+        </p:style>
+      </p:cxnSp>
+      <p:sp>
+        <p:nvSpPr>
+          <p:cNvPr id="13" name="TextBox 12"/>
+          <p:cNvSpPr txBox="1"/>
+          <p:nvPr/>
+        </p:nvSpPr>
+        <p:spPr>
+          <a:xfrm>
+            <a:off x="1510964" y="2487692"/>
+            <a:ext cx="276038" cy="369332"/>
+          </a:xfrm>
+          <a:prstGeom prst="rect">
+            <a:avLst/>
+          </a:prstGeom>
+          <a:noFill/>
+        </p:spPr>
+        <p:txBody>
+          <a:bodyPr wrap="none" rtlCol="0">
+            <a:spAutoFit/>
+          </a:bodyPr>
+          <a:lstStyle/>
+          <a:p>
+            <a:r>
+              <a:rPr lang="en-US" dirty="0"/>
+              <a:t>z</a:t>
+            </a:r>
+          </a:p>
+        </p:txBody>
+      </p:sp>
+      <p:sp>
+        <p:nvSpPr>
+          <p:cNvPr id="14" name="TextBox 13"/>
+          <p:cNvSpPr txBox="1"/>
+          <p:nvPr/>
+        </p:nvSpPr>
+        <p:spPr>
+          <a:xfrm>
+            <a:off x="489884" y="1344692"/>
+            <a:ext cx="284052" cy="369332"/>
+          </a:xfrm>
+          <a:prstGeom prst="rect">
+            <a:avLst/>
+          </a:prstGeom>
+          <a:noFill/>
+        </p:spPr>
+        <p:txBody>
+          <a:bodyPr wrap="none" rtlCol="0">
+            <a:spAutoFit/>
+          </a:bodyPr>
+          <a:lstStyle/>
+          <a:p>
+            <a:r>
+              <a:rPr lang="en-US" dirty="0"/>
+              <a:t>x</a:t>
+            </a:r>
+          </a:p>
+        </p:txBody>
+      </p:sp>
+      <p:sp>
+        <p:nvSpPr>
+          <p:cNvPr id="15" name="TextBox 14"/>
+          <p:cNvSpPr txBox="1"/>
+          <p:nvPr/>
+        </p:nvSpPr>
+        <p:spPr>
+          <a:xfrm>
+            <a:off x="63164" y="2533412"/>
+            <a:ext cx="288862" cy="369332"/>
+          </a:xfrm>
+          <a:prstGeom prst="rect">
+            <a:avLst/>
+          </a:prstGeom>
+          <a:noFill/>
+        </p:spPr>
+        <p:txBody>
+          <a:bodyPr wrap="none" rtlCol="0">
+            <a:spAutoFit/>
+          </a:bodyPr>
+          <a:lstStyle/>
+          <a:p>
+            <a:r>
+              <a:rPr lang="en-US" dirty="0"/>
+              <a:t>y</a:t>
+            </a:r>
+          </a:p>
+        </p:txBody>
+      </p:sp>
+      <p:cxnSp>
+        <p:nvCxnSpPr>
+          <p:cNvPr id="16" name="Straight Arrow Connector 15"/>
+          <p:cNvCxnSpPr>
+            <a:stCxn id="8" idx="6"/>
+          </p:cNvCxnSpPr>
+          <p:nvPr/>
+        </p:nvCxnSpPr>
+        <p:spPr>
+          <a:xfrm>
+            <a:off x="3873164" y="2472452"/>
+            <a:ext cx="624840" cy="0"/>
+          </a:xfrm>
+          <a:prstGeom prst="straightConnector1">
+            <a:avLst/>
+          </a:prstGeom>
+          <a:ln w="28575">
+            <a:solidFill>
+              <a:srgbClr val="FF0000"/>
+            </a:solidFill>
+            <a:tailEnd type="arrow"/>
+          </a:ln>
+        </p:spPr>
+        <p:style>
+          <a:lnRef idx="1">
+            <a:schemeClr val="accent1"/>
+          </a:lnRef>
+          <a:fillRef idx="0">
+            <a:schemeClr val="accent1"/>
+          </a:fillRef>
+          <a:effectRef idx="0">
+            <a:schemeClr val="accent1"/>
+          </a:effectRef>
+          <a:fontRef idx="minor">
+            <a:schemeClr val="tx1"/>
+          </a:fontRef>
+        </p:style>
+      </p:cxnSp>
+      <p:sp>
+        <p:nvSpPr>
+          <p:cNvPr id="17" name="Oval 16"/>
+          <p:cNvSpPr/>
+          <p:nvPr/>
+        </p:nvSpPr>
+        <p:spPr>
+          <a:xfrm>
+            <a:off x="3644564" y="1512332"/>
+            <a:ext cx="106680" cy="121920"/>
+          </a:xfrm>
+          <a:prstGeom prst="ellipse">
+            <a:avLst/>
+          </a:prstGeom>
+          <a:solidFill>
+            <a:schemeClr val="tx1"/>
+          </a:solidFill>
+          <a:ln>
+            <a:noFill/>
+          </a:ln>
+        </p:spPr>
+        <p:style>
+          <a:lnRef idx="2">
+            <a:schemeClr val="accent1">
+              <a:shade val="50000"/>
+            </a:schemeClr>
+          </a:lnRef>
+          <a:fillRef idx="1">
+            <a:schemeClr val="accent1"/>
+          </a:fillRef>
+          <a:effectRef idx="0">
+            <a:schemeClr val="accent1"/>
+          </a:effectRef>
+          <a:fontRef idx="minor">
+            <a:schemeClr val="lt1"/>
+          </a:fontRef>
+        </p:style>
+        <p:txBody>
+          <a:bodyPr rtlCol="0" anchor="ctr"/>
+          <a:lstStyle/>
+          <a:p>
+            <a:pPr algn="ctr"/>
+            <a:endParaRPr lang="en-US"/>
+          </a:p>
+        </p:txBody>
+      </p:sp>
+      <p:sp>
+        <p:nvSpPr>
+          <p:cNvPr id="18" name="TextBox 17"/>
+          <p:cNvSpPr txBox="1"/>
+          <p:nvPr/>
+        </p:nvSpPr>
+        <p:spPr>
+          <a:xfrm>
+            <a:off x="3827444" y="1344692"/>
+            <a:ext cx="1005853" cy="369332"/>
+          </a:xfrm>
+          <a:prstGeom prst="rect">
+            <a:avLst/>
+          </a:prstGeom>
+          <a:noFill/>
+        </p:spPr>
+        <p:txBody>
+          <a:bodyPr wrap="none" rtlCol="0">
+            <a:spAutoFit/>
+          </a:bodyPr>
+          <a:lstStyle/>
+          <a:p>
+            <a:r>
+              <a:rPr lang="en-US" dirty="0"/>
+              <a:t>Detector</a:t>
+            </a:r>
+          </a:p>
+        </p:txBody>
+      </p:sp>
+      <p:sp>
+        <p:nvSpPr>
+          <p:cNvPr id="19" name="TextBox 18"/>
+          <p:cNvSpPr txBox="1"/>
+          <p:nvPr/>
+        </p:nvSpPr>
+        <p:spPr>
+          <a:xfrm>
+            <a:off x="3309284" y="2731532"/>
+            <a:ext cx="819904" cy="369332"/>
+          </a:xfrm>
+          <a:prstGeom prst="rect">
+            <a:avLst/>
+          </a:prstGeom>
+          <a:noFill/>
+        </p:spPr>
+        <p:txBody>
+          <a:bodyPr wrap="none" rtlCol="0">
+            <a:spAutoFit/>
+          </a:bodyPr>
+          <a:lstStyle/>
+          <a:p>
+            <a:r>
+              <a:rPr lang="en-US" dirty="0"/>
+              <a:t>Proton</a:t>
+            </a:r>
+          </a:p>
+        </p:txBody>
+      </p:sp>
+      <p:cxnSp>
+        <p:nvCxnSpPr>
+          <p:cNvPr id="20" name="Straight Arrow Connector 19"/>
+          <p:cNvCxnSpPr/>
+          <p:nvPr/>
+        </p:nvCxnSpPr>
+        <p:spPr>
+          <a:xfrm>
+            <a:off x="2897804" y="1573292"/>
+            <a:ext cx="0" cy="914400"/>
+          </a:xfrm>
+          <a:prstGeom prst="straightConnector1">
+            <a:avLst/>
+          </a:prstGeom>
+          <a:ln>
+            <a:headEnd type="arrow"/>
+            <a:tailEnd type="arrow"/>
+          </a:ln>
+        </p:spPr>
+        <p:style>
+          <a:lnRef idx="1">
+            <a:schemeClr val="accent1"/>
+          </a:lnRef>
+          <a:fillRef idx="0">
+            <a:schemeClr val="accent1"/>
+          </a:fillRef>
+          <a:effectRef idx="0">
+            <a:schemeClr val="accent1"/>
+          </a:effectRef>
+          <a:fontRef idx="minor">
+            <a:schemeClr val="tx1"/>
+          </a:fontRef>
+        </p:style>
+      </p:cxnSp>
+      <p:sp>
+        <p:nvSpPr>
+          <p:cNvPr id="21" name="TextBox 20"/>
+          <p:cNvSpPr txBox="1"/>
+          <p:nvPr/>
+        </p:nvSpPr>
+        <p:spPr>
+          <a:xfrm>
+            <a:off x="2242484" y="1878092"/>
+            <a:ext cx="670376" cy="369332"/>
+          </a:xfrm>
+          <a:prstGeom prst="rect">
+            <a:avLst/>
+          </a:prstGeom>
+          <a:noFill/>
+        </p:spPr>
+        <p:txBody>
+          <a:bodyPr wrap="none" rtlCol="0">
+            <a:spAutoFit/>
+          </a:bodyPr>
+          <a:lstStyle/>
+          <a:p>
+            <a:r>
+              <a:rPr lang="en-US" dirty="0"/>
+              <a:t>1mm</a:t>
+            </a:r>
+          </a:p>
+        </p:txBody>
+      </p:sp>
+      <p:sp>
+        <p:nvSpPr>
+          <p:cNvPr id="22" name="TextBox 21"/>
+          <p:cNvSpPr txBox="1"/>
+          <p:nvPr/>
+        </p:nvSpPr>
+        <p:spPr>
+          <a:xfrm>
+            <a:off x="4086524" y="2076212"/>
+            <a:ext cx="288862" cy="369332"/>
+          </a:xfrm>
+          <a:prstGeom prst="rect">
+            <a:avLst/>
+          </a:prstGeom>
+          <a:noFill/>
+        </p:spPr>
+        <p:txBody>
+          <a:bodyPr wrap="none" rtlCol="0">
+            <a:spAutoFit/>
+          </a:bodyPr>
+          <a:lstStyle/>
+          <a:p>
+            <a:r>
+              <a:rPr lang="en-US" dirty="0">
+                <a:solidFill>
+                  <a:srgbClr val="FF0000"/>
+                </a:solidFill>
+              </a:rPr>
+              <a:t>v</a:t>
+            </a:r>
+          </a:p>
+        </p:txBody>
+      </p:sp>
+      <p:sp>
+        <p:nvSpPr>
+          <p:cNvPr id="23" name="TextBox 22"/>
+          <p:cNvSpPr txBox="1"/>
+          <p:nvPr/>
+        </p:nvSpPr>
+        <p:spPr>
+          <a:xfrm>
+            <a:off x="3400724" y="1801892"/>
+            <a:ext cx="264816" cy="369332"/>
+          </a:xfrm>
+          <a:prstGeom prst="rect">
+            <a:avLst/>
+          </a:prstGeom>
+          <a:noFill/>
+        </p:spPr>
+        <p:txBody>
+          <a:bodyPr wrap="none" rtlCol="0">
+            <a:spAutoFit/>
+          </a:bodyPr>
+          <a:lstStyle/>
+          <a:p>
+            <a:r>
+              <a:rPr lang="en-US" dirty="0"/>
+              <a:t>r</a:t>
+            </a:r>
+          </a:p>
+        </p:txBody>
+      </p:sp>
+      <p:sp>
+        <p:nvSpPr>
+          <p:cNvPr id="24" name="Oval 23"/>
+          <p:cNvSpPr/>
+          <p:nvPr/>
+        </p:nvSpPr>
+        <p:spPr>
+          <a:xfrm>
+            <a:off x="5422564" y="1524000"/>
+            <a:ext cx="106680" cy="121920"/>
+          </a:xfrm>
+          <a:prstGeom prst="ellipse">
+            <a:avLst/>
+          </a:prstGeom>
+          <a:solidFill>
+            <a:schemeClr val="tx1"/>
+          </a:solidFill>
+          <a:ln>
+            <a:noFill/>
+          </a:ln>
+        </p:spPr>
+        <p:style>
+          <a:lnRef idx="2">
+            <a:schemeClr val="accent1">
+              <a:shade val="50000"/>
+            </a:schemeClr>
+          </a:lnRef>
+          <a:fillRef idx="1">
+            <a:schemeClr val="accent1"/>
+          </a:fillRef>
+          <a:effectRef idx="0">
+            <a:schemeClr val="accent1"/>
+          </a:effectRef>
+          <a:fontRef idx="minor">
+            <a:schemeClr val="lt1"/>
+          </a:fontRef>
+        </p:style>
+        <p:txBody>
+          <a:bodyPr rtlCol="0" anchor="ctr"/>
+          <a:lstStyle/>
+          <a:p>
+            <a:pPr algn="ctr"/>
+            <a:endParaRPr lang="en-US"/>
+          </a:p>
+        </p:txBody>
+      </p:sp>
+      <p:sp>
+        <p:nvSpPr>
+          <p:cNvPr id="25" name="TextBox 24"/>
+          <p:cNvSpPr txBox="1"/>
+          <p:nvPr/>
+        </p:nvSpPr>
+        <p:spPr>
+          <a:xfrm>
+            <a:off x="5605444" y="1356360"/>
+            <a:ext cx="338554" cy="369332"/>
+          </a:xfrm>
+          <a:prstGeom prst="rect">
+            <a:avLst/>
+          </a:prstGeom>
+          <a:noFill/>
+        </p:spPr>
+        <p:txBody>
+          <a:bodyPr wrap="none" rtlCol="0">
+            <a:spAutoFit/>
+          </a:bodyPr>
+          <a:lstStyle/>
+          <a:p>
+            <a:r>
+              <a:rPr lang="en-US" dirty="0"/>
+              <a:t>P</a:t>
+            </a:r>
+          </a:p>
+        </p:txBody>
+      </p:sp>
+    </p:spTree>
+    <p:extLst>
+      <p:ext uri="{BB962C8B-B14F-4D97-AF65-F5344CB8AC3E}">
+        <p14:creationId xmlns:p14="http://schemas.microsoft.com/office/powerpoint/2010/main" val="1722648248"/>
+      </p:ext>
+    </p:extLst>
+  </p:cSld>
+  <p:clrMapOvr>
+    <a:masterClrMapping/>
+  </p:clrMapOvr>
+</p:sld>
+</file>
+
+<file path=ppt/slides/slide31.xml><?xml version="1.0" encoding="utf-8"?>
+<p:sld xmlns:a="http://schemas.openxmlformats.org/drawingml/2006/main" xmlns:r="http://schemas.openxmlformats.org/officeDocument/2006/relationships" xmlns:p="http://schemas.openxmlformats.org/presentationml/2006/main">
+  <p:cSld>
+    <p:spTree>
+      <p:nvGrpSpPr>
+        <p:cNvPr id="1" name=""/>
+        <p:cNvGrpSpPr/>
+        <p:nvPr/>
+      </p:nvGrpSpPr>
+      <p:grpSpPr>
+        <a:xfrm>
+          <a:off x="0" y="0"/>
+          <a:ext cx="0" cy="0"/>
+          <a:chOff x="0" y="0"/>
+          <a:chExt cx="0" cy="0"/>
+        </a:xfrm>
+      </p:grpSpPr>
+      <p:cxnSp>
+        <p:nvCxnSpPr>
+          <p:cNvPr id="30" name="Straight Arrow Connector 29"/>
+          <p:cNvCxnSpPr>
+            <a:endCxn id="22" idx="4"/>
+          </p:cNvCxnSpPr>
+          <p:nvPr/>
+        </p:nvCxnSpPr>
+        <p:spPr>
+          <a:xfrm flipV="1">
+            <a:off x="3627120" y="731520"/>
+            <a:ext cx="7620" cy="822960"/>
+          </a:xfrm>
+          <a:prstGeom prst="straightConnector1">
+            <a:avLst/>
+          </a:prstGeom>
+          <a:ln w="28575">
+            <a:solidFill>
+              <a:schemeClr val="tx1"/>
+            </a:solidFill>
+            <a:tailEnd type="arrow"/>
+          </a:ln>
+        </p:spPr>
+        <p:style>
+          <a:lnRef idx="1">
+            <a:schemeClr val="accent1"/>
+          </a:lnRef>
+          <a:fillRef idx="0">
+            <a:schemeClr val="accent1"/>
+          </a:fillRef>
+          <a:effectRef idx="0">
+            <a:schemeClr val="accent1"/>
+          </a:effectRef>
+          <a:fontRef idx="minor">
+            <a:schemeClr val="tx1"/>
+          </a:fontRef>
+        </p:style>
+      </p:cxnSp>
+      <p:cxnSp>
+        <p:nvCxnSpPr>
+          <p:cNvPr id="5" name="Straight Connector 4"/>
+          <p:cNvCxnSpPr/>
+          <p:nvPr/>
+        </p:nvCxnSpPr>
+        <p:spPr>
+          <a:xfrm>
+            <a:off x="1798320" y="1584960"/>
+            <a:ext cx="5532120" cy="0"/>
+          </a:xfrm>
+          <a:prstGeom prst="line">
+            <a:avLst/>
+          </a:prstGeom>
+          <a:ln>
+            <a:solidFill>
+              <a:schemeClr val="tx1"/>
+            </a:solidFill>
+            <a:prstDash val="lgDash"/>
+          </a:ln>
+        </p:spPr>
+        <p:style>
+          <a:lnRef idx="1">
+            <a:schemeClr val="accent1"/>
+          </a:lnRef>
+          <a:fillRef idx="0">
+            <a:schemeClr val="accent1"/>
+          </a:fillRef>
+          <a:effectRef idx="0">
+            <a:schemeClr val="accent1"/>
+          </a:effectRef>
+          <a:fontRef idx="minor">
+            <a:schemeClr val="tx1"/>
+          </a:fontRef>
+        </p:style>
+      </p:cxnSp>
+      <p:sp>
+        <p:nvSpPr>
+          <p:cNvPr id="7" name="Oval 6"/>
+          <p:cNvSpPr/>
+          <p:nvPr/>
+        </p:nvSpPr>
+        <p:spPr>
+          <a:xfrm>
+            <a:off x="3474720" y="1386840"/>
+            <a:ext cx="335280" cy="365760"/>
+          </a:xfrm>
+          <a:prstGeom prst="ellipse">
+            <a:avLst/>
+          </a:prstGeom>
+          <a:solidFill>
+            <a:srgbClr val="FFC000"/>
+          </a:solidFill>
+          <a:ln>
+            <a:noFill/>
+          </a:ln>
+        </p:spPr>
+        <p:style>
+          <a:lnRef idx="2">
+            <a:schemeClr val="accent1">
+              <a:shade val="50000"/>
+            </a:schemeClr>
+          </a:lnRef>
+          <a:fillRef idx="1">
+            <a:schemeClr val="accent1"/>
+          </a:fillRef>
+          <a:effectRef idx="0">
+            <a:schemeClr val="accent1"/>
+          </a:effectRef>
+          <a:fontRef idx="minor">
+            <a:schemeClr val="lt1"/>
+          </a:fontRef>
+        </p:style>
+        <p:txBody>
+          <a:bodyPr rtlCol="0" anchor="ctr"/>
+          <a:lstStyle/>
+          <a:p>
+            <a:pPr algn="ctr"/>
+            <a:endParaRPr lang="en-US"/>
+          </a:p>
+        </p:txBody>
+      </p:sp>
+      <p:sp>
+        <p:nvSpPr>
+          <p:cNvPr id="8" name="TextBox 7"/>
+          <p:cNvSpPr txBox="1"/>
+          <p:nvPr/>
+        </p:nvSpPr>
+        <p:spPr>
+          <a:xfrm>
+            <a:off x="7391400" y="1417320"/>
+            <a:ext cx="1293752" cy="369332"/>
+          </a:xfrm>
+          <a:prstGeom prst="rect">
+            <a:avLst/>
+          </a:prstGeom>
+          <a:noFill/>
+        </p:spPr>
+        <p:txBody>
+          <a:bodyPr wrap="none" rtlCol="0">
+            <a:spAutoFit/>
+          </a:bodyPr>
+          <a:lstStyle/>
+          <a:p>
+            <a:r>
+              <a:rPr lang="en-US" dirty="0"/>
+              <a:t>Proton Path</a:t>
+            </a:r>
+          </a:p>
+        </p:txBody>
+      </p:sp>
+      <p:cxnSp>
+        <p:nvCxnSpPr>
+          <p:cNvPr id="12" name="Straight Arrow Connector 11"/>
+          <p:cNvCxnSpPr/>
+          <p:nvPr/>
+        </p:nvCxnSpPr>
+        <p:spPr>
+          <a:xfrm>
+            <a:off x="716280" y="1600200"/>
+            <a:ext cx="914400" cy="0"/>
+          </a:xfrm>
+          <a:prstGeom prst="straightConnector1">
+            <a:avLst/>
+          </a:prstGeom>
+          <a:ln>
+            <a:tailEnd type="arrow"/>
+          </a:ln>
+        </p:spPr>
+        <p:style>
+          <a:lnRef idx="1">
+            <a:schemeClr val="accent1"/>
+          </a:lnRef>
+          <a:fillRef idx="0">
+            <a:schemeClr val="accent1"/>
+          </a:fillRef>
+          <a:effectRef idx="0">
+            <a:schemeClr val="accent1"/>
+          </a:effectRef>
+          <a:fontRef idx="minor">
+            <a:schemeClr val="tx1"/>
+          </a:fontRef>
+        </p:style>
+      </p:cxnSp>
+      <p:cxnSp>
+        <p:nvCxnSpPr>
+          <p:cNvPr id="14" name="Straight Arrow Connector 13"/>
+          <p:cNvCxnSpPr/>
+          <p:nvPr/>
+        </p:nvCxnSpPr>
+        <p:spPr>
+          <a:xfrm rot="16200000">
+            <a:off x="259080" y="1127760"/>
+            <a:ext cx="914400" cy="0"/>
+          </a:xfrm>
+          <a:prstGeom prst="straightConnector1">
+            <a:avLst/>
+          </a:prstGeom>
+          <a:ln>
+            <a:tailEnd type="arrow"/>
+          </a:ln>
+        </p:spPr>
+        <p:style>
+          <a:lnRef idx="1">
+            <a:schemeClr val="accent1"/>
+          </a:lnRef>
+          <a:fillRef idx="0">
+            <a:schemeClr val="accent1"/>
+          </a:fillRef>
+          <a:effectRef idx="0">
+            <a:schemeClr val="accent1"/>
+          </a:effectRef>
+          <a:fontRef idx="minor">
+            <a:schemeClr val="tx1"/>
+          </a:fontRef>
+        </p:style>
+      </p:cxnSp>
+      <p:cxnSp>
+        <p:nvCxnSpPr>
+          <p:cNvPr id="15" name="Straight Arrow Connector 14"/>
+          <p:cNvCxnSpPr/>
+          <p:nvPr/>
+        </p:nvCxnSpPr>
+        <p:spPr>
+          <a:xfrm flipH="1">
+            <a:off x="274320" y="1600200"/>
+            <a:ext cx="426720" cy="381000"/>
+          </a:xfrm>
+          <a:prstGeom prst="straightConnector1">
+            <a:avLst/>
+          </a:prstGeom>
+          <a:ln>
+            <a:tailEnd type="arrow"/>
+          </a:ln>
+        </p:spPr>
+        <p:style>
+          <a:lnRef idx="1">
+            <a:schemeClr val="accent1"/>
+          </a:lnRef>
+          <a:fillRef idx="0">
+            <a:schemeClr val="accent1"/>
+          </a:fillRef>
+          <a:effectRef idx="0">
+            <a:schemeClr val="accent1"/>
+          </a:effectRef>
+          <a:fontRef idx="minor">
+            <a:schemeClr val="tx1"/>
+          </a:fontRef>
+        </p:style>
+      </p:cxnSp>
+      <p:sp>
+        <p:nvSpPr>
+          <p:cNvPr id="17" name="TextBox 16"/>
+          <p:cNvSpPr txBox="1"/>
+          <p:nvPr/>
+        </p:nvSpPr>
+        <p:spPr>
+          <a:xfrm>
+            <a:off x="1447800" y="1584960"/>
+            <a:ext cx="276038" cy="369332"/>
+          </a:xfrm>
+          <a:prstGeom prst="rect">
+            <a:avLst/>
+          </a:prstGeom>
+          <a:noFill/>
+        </p:spPr>
+        <p:txBody>
+          <a:bodyPr wrap="none" rtlCol="0">
+            <a:spAutoFit/>
+          </a:bodyPr>
+          <a:lstStyle/>
+          <a:p>
+            <a:r>
+              <a:rPr lang="en-US" dirty="0"/>
+              <a:t>z</a:t>
+            </a:r>
+          </a:p>
+        </p:txBody>
+      </p:sp>
+      <p:sp>
+        <p:nvSpPr>
+          <p:cNvPr id="18" name="TextBox 17"/>
+          <p:cNvSpPr txBox="1"/>
+          <p:nvPr/>
+        </p:nvSpPr>
+        <p:spPr>
+          <a:xfrm>
+            <a:off x="426720" y="441960"/>
+            <a:ext cx="284052" cy="369332"/>
+          </a:xfrm>
+          <a:prstGeom prst="rect">
+            <a:avLst/>
+          </a:prstGeom>
+          <a:noFill/>
+        </p:spPr>
+        <p:txBody>
+          <a:bodyPr wrap="none" rtlCol="0">
+            <a:spAutoFit/>
+          </a:bodyPr>
+          <a:lstStyle/>
+          <a:p>
+            <a:r>
+              <a:rPr lang="en-US" dirty="0"/>
+              <a:t>x</a:t>
+            </a:r>
+          </a:p>
+        </p:txBody>
+      </p:sp>
+      <p:sp>
+        <p:nvSpPr>
+          <p:cNvPr id="19" name="TextBox 18"/>
+          <p:cNvSpPr txBox="1"/>
+          <p:nvPr/>
+        </p:nvSpPr>
+        <p:spPr>
+          <a:xfrm>
+            <a:off x="0" y="1630680"/>
+            <a:ext cx="288862" cy="369332"/>
+          </a:xfrm>
+          <a:prstGeom prst="rect">
+            <a:avLst/>
+          </a:prstGeom>
+          <a:noFill/>
+        </p:spPr>
+        <p:txBody>
+          <a:bodyPr wrap="none" rtlCol="0">
+            <a:spAutoFit/>
+          </a:bodyPr>
+          <a:lstStyle/>
+          <a:p>
+            <a:r>
+              <a:rPr lang="en-US" dirty="0"/>
+              <a:t>y</a:t>
+            </a:r>
+          </a:p>
+        </p:txBody>
+      </p:sp>
+      <p:cxnSp>
+        <p:nvCxnSpPr>
+          <p:cNvPr id="21" name="Straight Arrow Connector 20"/>
+          <p:cNvCxnSpPr>
+            <a:stCxn id="7" idx="6"/>
+          </p:cNvCxnSpPr>
+          <p:nvPr/>
+        </p:nvCxnSpPr>
+        <p:spPr>
+          <a:xfrm>
+            <a:off x="3810000" y="1569720"/>
+            <a:ext cx="624840" cy="0"/>
+          </a:xfrm>
+          <a:prstGeom prst="straightConnector1">
+            <a:avLst/>
+          </a:prstGeom>
+          <a:ln w="28575">
+            <a:solidFill>
+              <a:srgbClr val="FF0000"/>
+            </a:solidFill>
+            <a:tailEnd type="arrow"/>
+          </a:ln>
+        </p:spPr>
+        <p:style>
+          <a:lnRef idx="1">
+            <a:schemeClr val="accent1"/>
+          </a:lnRef>
+          <a:fillRef idx="0">
+            <a:schemeClr val="accent1"/>
+          </a:fillRef>
+          <a:effectRef idx="0">
+            <a:schemeClr val="accent1"/>
+          </a:effectRef>
+          <a:fontRef idx="minor">
+            <a:schemeClr val="tx1"/>
+          </a:fontRef>
+        </p:style>
+      </p:cxnSp>
+      <p:sp>
+        <p:nvSpPr>
+          <p:cNvPr id="22" name="Oval 21"/>
+          <p:cNvSpPr/>
+          <p:nvPr/>
+        </p:nvSpPr>
+        <p:spPr>
+          <a:xfrm>
+            <a:off x="3581400" y="609600"/>
+            <a:ext cx="106680" cy="121920"/>
+          </a:xfrm>
+          <a:prstGeom prst="ellipse">
+            <a:avLst/>
+          </a:prstGeom>
+          <a:solidFill>
+            <a:schemeClr val="tx1"/>
+          </a:solidFill>
+          <a:ln>
+            <a:noFill/>
+          </a:ln>
+        </p:spPr>
+        <p:style>
+          <a:lnRef idx="2">
+            <a:schemeClr val="accent1">
+              <a:shade val="50000"/>
+            </a:schemeClr>
+          </a:lnRef>
+          <a:fillRef idx="1">
+            <a:schemeClr val="accent1"/>
+          </a:fillRef>
+          <a:effectRef idx="0">
+            <a:schemeClr val="accent1"/>
+          </a:effectRef>
+          <a:fontRef idx="minor">
+            <a:schemeClr val="lt1"/>
+          </a:fontRef>
+        </p:style>
+        <p:txBody>
+          <a:bodyPr rtlCol="0" anchor="ctr"/>
+          <a:lstStyle/>
+          <a:p>
+            <a:pPr algn="ctr"/>
+            <a:endParaRPr lang="en-US"/>
+          </a:p>
+        </p:txBody>
+      </p:sp>
+      <p:sp>
+        <p:nvSpPr>
+          <p:cNvPr id="23" name="TextBox 22"/>
+          <p:cNvSpPr txBox="1"/>
+          <p:nvPr/>
+        </p:nvSpPr>
+        <p:spPr>
+          <a:xfrm>
+            <a:off x="3764280" y="441960"/>
+            <a:ext cx="1005853" cy="369332"/>
+          </a:xfrm>
+          <a:prstGeom prst="rect">
+            <a:avLst/>
+          </a:prstGeom>
+          <a:noFill/>
+        </p:spPr>
+        <p:txBody>
+          <a:bodyPr wrap="none" rtlCol="0">
+            <a:spAutoFit/>
+          </a:bodyPr>
+          <a:lstStyle/>
+          <a:p>
+            <a:r>
+              <a:rPr lang="en-US" dirty="0"/>
+              <a:t>Detector</a:t>
+            </a:r>
+          </a:p>
+        </p:txBody>
+      </p:sp>
+      <p:sp>
+        <p:nvSpPr>
+          <p:cNvPr id="24" name="TextBox 23"/>
+          <p:cNvSpPr txBox="1"/>
+          <p:nvPr/>
+        </p:nvSpPr>
+        <p:spPr>
+          <a:xfrm>
+            <a:off x="3246120" y="1828800"/>
+            <a:ext cx="819904" cy="369332"/>
+          </a:xfrm>
+          <a:prstGeom prst="rect">
+            <a:avLst/>
+          </a:prstGeom>
+          <a:noFill/>
+        </p:spPr>
+        <p:txBody>
+          <a:bodyPr wrap="none" rtlCol="0">
+            <a:spAutoFit/>
+          </a:bodyPr>
+          <a:lstStyle/>
+          <a:p>
+            <a:r>
+              <a:rPr lang="en-US" dirty="0"/>
+              <a:t>Proton</a:t>
+            </a:r>
+          </a:p>
+        </p:txBody>
+      </p:sp>
+      <p:cxnSp>
+        <p:nvCxnSpPr>
+          <p:cNvPr id="26" name="Straight Arrow Connector 25"/>
+          <p:cNvCxnSpPr/>
+          <p:nvPr/>
+        </p:nvCxnSpPr>
+        <p:spPr>
+          <a:xfrm>
+            <a:off x="2834640" y="670560"/>
+            <a:ext cx="0" cy="914400"/>
+          </a:xfrm>
+          <a:prstGeom prst="straightConnector1">
+            <a:avLst/>
+          </a:prstGeom>
+          <a:ln>
+            <a:headEnd type="arrow"/>
+            <a:tailEnd type="arrow"/>
+          </a:ln>
+        </p:spPr>
+        <p:style>
+          <a:lnRef idx="1">
+            <a:schemeClr val="accent1"/>
+          </a:lnRef>
+          <a:fillRef idx="0">
+            <a:schemeClr val="accent1"/>
+          </a:fillRef>
+          <a:effectRef idx="0">
+            <a:schemeClr val="accent1"/>
+          </a:effectRef>
+          <a:fontRef idx="minor">
+            <a:schemeClr val="tx1"/>
+          </a:fontRef>
+        </p:style>
+      </p:cxnSp>
+      <p:sp>
+        <p:nvSpPr>
+          <p:cNvPr id="27" name="TextBox 26"/>
+          <p:cNvSpPr txBox="1"/>
+          <p:nvPr/>
+        </p:nvSpPr>
+        <p:spPr>
+          <a:xfrm>
+            <a:off x="2179320" y="975360"/>
+            <a:ext cx="670376" cy="369332"/>
+          </a:xfrm>
+          <a:prstGeom prst="rect">
+            <a:avLst/>
+          </a:prstGeom>
+          <a:noFill/>
+        </p:spPr>
+        <p:txBody>
+          <a:bodyPr wrap="none" rtlCol="0">
+            <a:spAutoFit/>
+          </a:bodyPr>
+          <a:lstStyle/>
+          <a:p>
+            <a:r>
+              <a:rPr lang="en-US" dirty="0"/>
+              <a:t>1mm</a:t>
+            </a:r>
+          </a:p>
+        </p:txBody>
+      </p:sp>
+      <p:sp>
+        <p:nvSpPr>
+          <p:cNvPr id="31" name="TextBox 30"/>
+          <p:cNvSpPr txBox="1"/>
+          <p:nvPr/>
+        </p:nvSpPr>
+        <p:spPr>
+          <a:xfrm>
+            <a:off x="4023360" y="1173480"/>
+            <a:ext cx="288862" cy="369332"/>
+          </a:xfrm>
+          <a:prstGeom prst="rect">
+            <a:avLst/>
+          </a:prstGeom>
+          <a:noFill/>
+        </p:spPr>
+        <p:txBody>
+          <a:bodyPr wrap="none" rtlCol="0">
+            <a:spAutoFit/>
+          </a:bodyPr>
+          <a:lstStyle/>
+          <a:p>
+            <a:r>
+              <a:rPr lang="en-US" dirty="0">
+                <a:solidFill>
+                  <a:srgbClr val="FF0000"/>
+                </a:solidFill>
+              </a:rPr>
+              <a:t>v</a:t>
+            </a:r>
+          </a:p>
+        </p:txBody>
+      </p:sp>
+      <p:sp>
+        <p:nvSpPr>
+          <p:cNvPr id="32" name="TextBox 31"/>
+          <p:cNvSpPr txBox="1"/>
+          <p:nvPr/>
+        </p:nvSpPr>
+        <p:spPr>
+          <a:xfrm>
+            <a:off x="3337560" y="899160"/>
+            <a:ext cx="264816" cy="369332"/>
+          </a:xfrm>
+          <a:prstGeom prst="rect">
+            <a:avLst/>
+          </a:prstGeom>
+          <a:noFill/>
+        </p:spPr>
+        <p:txBody>
+          <a:bodyPr wrap="none" rtlCol="0">
+            <a:spAutoFit/>
+          </a:bodyPr>
+          <a:lstStyle/>
+          <a:p>
+            <a:r>
+              <a:rPr lang="en-US" dirty="0"/>
+              <a:t>r</a:t>
+            </a:r>
+          </a:p>
+        </p:txBody>
+      </p:sp>
     </p:spTree>
   </p:cSld>
   <p:clrMapOvr>

--- a/Slides/PH223_Lecture_38.pptx
+++ b/Slides/PH223_Lecture_38.pptx
@@ -6,36 +6,39 @@
   </p:sldMasterIdLst>
   <p:sldIdLst>
     <p:sldId id="256" r:id="rId2"/>
-    <p:sldId id="1319" r:id="rId3"/>
-    <p:sldId id="257" r:id="rId4"/>
-    <p:sldId id="258" r:id="rId5"/>
-    <p:sldId id="268" r:id="rId6"/>
-    <p:sldId id="259" r:id="rId7"/>
-    <p:sldId id="1320" r:id="rId8"/>
-    <p:sldId id="1356" r:id="rId9"/>
-    <p:sldId id="260" r:id="rId10"/>
-    <p:sldId id="261" r:id="rId11"/>
-    <p:sldId id="262" r:id="rId12"/>
-    <p:sldId id="263" r:id="rId13"/>
-    <p:sldId id="1321" r:id="rId14"/>
-    <p:sldId id="264" r:id="rId15"/>
-    <p:sldId id="1322" r:id="rId16"/>
-    <p:sldId id="265" r:id="rId17"/>
-    <p:sldId id="266" r:id="rId18"/>
-    <p:sldId id="267" r:id="rId19"/>
-    <p:sldId id="1323" r:id="rId20"/>
-    <p:sldId id="1324" r:id="rId21"/>
-    <p:sldId id="1358" r:id="rId22"/>
-    <p:sldId id="1357" r:id="rId23"/>
-    <p:sldId id="1359" r:id="rId24"/>
-    <p:sldId id="1360" r:id="rId25"/>
-    <p:sldId id="1361" r:id="rId26"/>
-    <p:sldId id="1364" r:id="rId27"/>
-    <p:sldId id="1362" r:id="rId28"/>
-    <p:sldId id="1363" r:id="rId29"/>
-    <p:sldId id="1354" r:id="rId30"/>
-    <p:sldId id="1355" r:id="rId31"/>
-    <p:sldId id="269" r:id="rId32"/>
+    <p:sldId id="1442" r:id="rId3"/>
+    <p:sldId id="1443" r:id="rId4"/>
+    <p:sldId id="1441" r:id="rId5"/>
+    <p:sldId id="1319" r:id="rId6"/>
+    <p:sldId id="257" r:id="rId7"/>
+    <p:sldId id="258" r:id="rId8"/>
+    <p:sldId id="268" r:id="rId9"/>
+    <p:sldId id="259" r:id="rId10"/>
+    <p:sldId id="1320" r:id="rId11"/>
+    <p:sldId id="1356" r:id="rId12"/>
+    <p:sldId id="260" r:id="rId13"/>
+    <p:sldId id="261" r:id="rId14"/>
+    <p:sldId id="262" r:id="rId15"/>
+    <p:sldId id="263" r:id="rId16"/>
+    <p:sldId id="1321" r:id="rId17"/>
+    <p:sldId id="264" r:id="rId18"/>
+    <p:sldId id="1322" r:id="rId19"/>
+    <p:sldId id="265" r:id="rId20"/>
+    <p:sldId id="266" r:id="rId21"/>
+    <p:sldId id="267" r:id="rId22"/>
+    <p:sldId id="1323" r:id="rId23"/>
+    <p:sldId id="1324" r:id="rId24"/>
+    <p:sldId id="1358" r:id="rId25"/>
+    <p:sldId id="1357" r:id="rId26"/>
+    <p:sldId id="1359" r:id="rId27"/>
+    <p:sldId id="1360" r:id="rId28"/>
+    <p:sldId id="1361" r:id="rId29"/>
+    <p:sldId id="1364" r:id="rId30"/>
+    <p:sldId id="1362" r:id="rId31"/>
+    <p:sldId id="1363" r:id="rId32"/>
+    <p:sldId id="1354" r:id="rId33"/>
+    <p:sldId id="1355" r:id="rId34"/>
+    <p:sldId id="269" r:id="rId35"/>
   </p:sldIdLst>
   <p:sldSz cx="9144000" cy="6858000" type="screen4x3"/>
   <p:notesSz cx="6858000" cy="9144000"/>
@@ -156,13 +159,43 @@
 <file path=ppt/revisionInfo.xml><?xml version="1.0" encoding="utf-8"?>
 <p1510:revInfo xmlns:a="http://schemas.openxmlformats.org/drawingml/2006/main" xmlns:r="http://schemas.openxmlformats.org/officeDocument/2006/relationships" xmlns:p1510="http://schemas.microsoft.com/office/powerpoint/2015/10/main">
   <p1510:revLst>
-    <p1510:client id="{888A41E6-12C7-4C81-96C2-E2307B7AD065}" v="118" dt="2024-03-15T21:23:35.077"/>
+    <p1510:client id="{4D499ABC-C9F5-4322-BB0B-2AACCA5FB5F6}" v="1" dt="2024-06-27T17:15:45.363"/>
   </p1510:revLst>
 </p1510:revInfo>
 </file>
 
 <file path=ppt/changesInfos/changesInfo1.xml><?xml version="1.0" encoding="utf-8"?>
 <pc:chgInfo xmlns:a="http://schemas.openxmlformats.org/drawingml/2006/main" xmlns:r="http://schemas.openxmlformats.org/officeDocument/2006/relationships" xmlns:ac="http://schemas.microsoft.com/office/drawing/2013/main/command" xmlns:pc="http://schemas.microsoft.com/office/powerpoint/2013/main/command">
+  <pc:docChgLst>
+    <pc:chgData name="Lines, Todd" userId="afaf7c3a-e8aa-4568-882a-02ad8f9e19b0" providerId="ADAL" clId="{4D499ABC-C9F5-4322-BB0B-2AACCA5FB5F6}"/>
+    <pc:docChg chg="addSld modSld">
+      <pc:chgData name="Lines, Todd" userId="afaf7c3a-e8aa-4568-882a-02ad8f9e19b0" providerId="ADAL" clId="{4D499ABC-C9F5-4322-BB0B-2AACCA5FB5F6}" dt="2024-06-27T17:15:45.363" v="0"/>
+      <pc:docMkLst>
+        <pc:docMk/>
+      </pc:docMkLst>
+      <pc:sldChg chg="add">
+        <pc:chgData name="Lines, Todd" userId="afaf7c3a-e8aa-4568-882a-02ad8f9e19b0" providerId="ADAL" clId="{4D499ABC-C9F5-4322-BB0B-2AACCA5FB5F6}" dt="2024-06-27T17:15:45.363" v="0"/>
+        <pc:sldMkLst>
+          <pc:docMk/>
+          <pc:sldMk cId="3770458863" sldId="1441"/>
+        </pc:sldMkLst>
+      </pc:sldChg>
+      <pc:sldChg chg="add">
+        <pc:chgData name="Lines, Todd" userId="afaf7c3a-e8aa-4568-882a-02ad8f9e19b0" providerId="ADAL" clId="{4D499ABC-C9F5-4322-BB0B-2AACCA5FB5F6}" dt="2024-06-27T17:15:45.363" v="0"/>
+        <pc:sldMkLst>
+          <pc:docMk/>
+          <pc:sldMk cId="3452187060" sldId="1442"/>
+        </pc:sldMkLst>
+      </pc:sldChg>
+      <pc:sldChg chg="add">
+        <pc:chgData name="Lines, Todd" userId="afaf7c3a-e8aa-4568-882a-02ad8f9e19b0" providerId="ADAL" clId="{4D499ABC-C9F5-4322-BB0B-2AACCA5FB5F6}" dt="2024-06-27T17:15:45.363" v="0"/>
+        <pc:sldMkLst>
+          <pc:docMk/>
+          <pc:sldMk cId="3828300500" sldId="1443"/>
+        </pc:sldMkLst>
+      </pc:sldChg>
+    </pc:docChg>
+  </pc:docChgLst>
   <pc:docChgLst>
     <pc:chgData name="Lines, Todd" userId="afaf7c3a-e8aa-4568-882a-02ad8f9e19b0" providerId="ADAL" clId="{B4A9AA7A-36C4-4253-9F30-870559C52118}"/>
     <pc:docChg chg="custSel addSld delSld modSld sldOrd">
@@ -623,7 +656,7 @@
             <a:fld id="{DD9FD3F8-3B48-4A13-A6DE-1CEF4E89E992}" type="datetimeFigureOut">
               <a:rPr lang="en-US" smtClean="0"/>
               <a:pPr/>
-              <a:t>3/15/2024</a:t>
+              <a:t>6/27/2024</a:t>
             </a:fld>
             <a:endParaRPr lang="en-US"/>
           </a:p>
@@ -788,7 +821,7 @@
             <a:fld id="{DD9FD3F8-3B48-4A13-A6DE-1CEF4E89E992}" type="datetimeFigureOut">
               <a:rPr lang="en-US" smtClean="0"/>
               <a:pPr/>
-              <a:t>3/15/2024</a:t>
+              <a:t>6/27/2024</a:t>
             </a:fld>
             <a:endParaRPr lang="en-US"/>
           </a:p>
@@ -963,7 +996,7 @@
             <a:fld id="{DD9FD3F8-3B48-4A13-A6DE-1CEF4E89E992}" type="datetimeFigureOut">
               <a:rPr lang="en-US" smtClean="0"/>
               <a:pPr/>
-              <a:t>3/15/2024</a:t>
+              <a:t>6/27/2024</a:t>
             </a:fld>
             <a:endParaRPr lang="en-US"/>
           </a:p>
@@ -1128,7 +1161,7 @@
             <a:fld id="{DD9FD3F8-3B48-4A13-A6DE-1CEF4E89E992}" type="datetimeFigureOut">
               <a:rPr lang="en-US" smtClean="0"/>
               <a:pPr/>
-              <a:t>3/15/2024</a:t>
+              <a:t>6/27/2024</a:t>
             </a:fld>
             <a:endParaRPr lang="en-US"/>
           </a:p>
@@ -1370,7 +1403,7 @@
             <a:fld id="{DD9FD3F8-3B48-4A13-A6DE-1CEF4E89E992}" type="datetimeFigureOut">
               <a:rPr lang="en-US" smtClean="0"/>
               <a:pPr/>
-              <a:t>3/15/2024</a:t>
+              <a:t>6/27/2024</a:t>
             </a:fld>
             <a:endParaRPr lang="en-US"/>
           </a:p>
@@ -1652,7 +1685,7 @@
             <a:fld id="{DD9FD3F8-3B48-4A13-A6DE-1CEF4E89E992}" type="datetimeFigureOut">
               <a:rPr lang="en-US" smtClean="0"/>
               <a:pPr/>
-              <a:t>3/15/2024</a:t>
+              <a:t>6/27/2024</a:t>
             </a:fld>
             <a:endParaRPr lang="en-US"/>
           </a:p>
@@ -2068,7 +2101,7 @@
             <a:fld id="{DD9FD3F8-3B48-4A13-A6DE-1CEF4E89E992}" type="datetimeFigureOut">
               <a:rPr lang="en-US" smtClean="0"/>
               <a:pPr/>
-              <a:t>3/15/2024</a:t>
+              <a:t>6/27/2024</a:t>
             </a:fld>
             <a:endParaRPr lang="en-US"/>
           </a:p>
@@ -2182,7 +2215,7 @@
             <a:fld id="{DD9FD3F8-3B48-4A13-A6DE-1CEF4E89E992}" type="datetimeFigureOut">
               <a:rPr lang="en-US" smtClean="0"/>
               <a:pPr/>
-              <a:t>3/15/2024</a:t>
+              <a:t>6/27/2024</a:t>
             </a:fld>
             <a:endParaRPr lang="en-US"/>
           </a:p>
@@ -2274,7 +2307,7 @@
             <a:fld id="{DD9FD3F8-3B48-4A13-A6DE-1CEF4E89E992}" type="datetimeFigureOut">
               <a:rPr lang="en-US" smtClean="0"/>
               <a:pPr/>
-              <a:t>3/15/2024</a:t>
+              <a:t>6/27/2024</a:t>
             </a:fld>
             <a:endParaRPr lang="en-US"/>
           </a:p>
@@ -2546,7 +2579,7 @@
             <a:fld id="{DD9FD3F8-3B48-4A13-A6DE-1CEF4E89E992}" type="datetimeFigureOut">
               <a:rPr lang="en-US" smtClean="0"/>
               <a:pPr/>
-              <a:t>3/15/2024</a:t>
+              <a:t>6/27/2024</a:t>
             </a:fld>
             <a:endParaRPr lang="en-US"/>
           </a:p>
@@ -2795,7 +2828,7 @@
             <a:fld id="{DD9FD3F8-3B48-4A13-A6DE-1CEF4E89E992}" type="datetimeFigureOut">
               <a:rPr lang="en-US" smtClean="0"/>
               <a:pPr/>
-              <a:t>3/15/2024</a:t>
+              <a:t>6/27/2024</a:t>
             </a:fld>
             <a:endParaRPr lang="en-US"/>
           </a:p>
@@ -3003,7 +3036,7 @@
             <a:fld id="{DD9FD3F8-3B48-4A13-A6DE-1CEF4E89E992}" type="datetimeFigureOut">
               <a:rPr lang="en-US" smtClean="0"/>
               <a:pPr/>
-              <a:t>3/15/2024</a:t>
+              <a:t>6/27/2024</a:t>
             </a:fld>
             <a:endParaRPr lang="en-US"/>
           </a:p>
@@ -3442,14 +3475,412 @@
       </p:grpSpPr>
       <p:sp>
         <p:nvSpPr>
+          <p:cNvPr id="2" name="Title 1"/>
+          <p:cNvSpPr>
+            <a:spLocks noGrp="1"/>
+          </p:cNvSpPr>
+          <p:nvPr>
+            <p:ph type="title"/>
+          </p:nvPr>
+        </p:nvSpPr>
+        <p:spPr/>
+        <p:txBody>
+          <a:bodyPr/>
+          <a:lstStyle/>
+          <a:p>
+            <a:r>
+              <a:rPr lang="en-US" dirty="0"/>
+              <a:t>Question 223.38.2</a:t>
+            </a:r>
+          </a:p>
+        </p:txBody>
+      </p:sp>
+      <p:sp>
+        <p:nvSpPr>
+          <p:cNvPr id="3" name="Content Placeholder 2"/>
+          <p:cNvSpPr>
+            <a:spLocks noGrp="1"/>
+          </p:cNvSpPr>
+          <p:nvPr>
+            <p:ph idx="1"/>
+          </p:nvPr>
+        </p:nvSpPr>
+        <p:spPr>
+          <a:xfrm>
+            <a:off x="457200" y="1600200"/>
+            <a:ext cx="6781800" cy="4525963"/>
+          </a:xfrm>
+        </p:spPr>
+        <p:txBody>
+          <a:bodyPr>
+            <a:normAutofit fontScale="92500" lnSpcReduction="20000"/>
+          </a:bodyPr>
+          <a:lstStyle/>
+          <a:p>
+            <a:pPr>
+              <a:buNone/>
+            </a:pPr>
+            <a:r>
+              <a:rPr lang="en-US" dirty="0"/>
+              <a:t>The magnetic field due </a:t>
+            </a:r>
+          </a:p>
+          <a:p>
+            <a:pPr>
+              <a:buNone/>
+            </a:pPr>
+            <a:r>
+              <a:rPr lang="en-US" dirty="0"/>
+              <a:t>to a long straight wire is </a:t>
+            </a:r>
+          </a:p>
+          <a:p>
+            <a:pPr>
+              <a:buNone/>
+            </a:pPr>
+            <a:r>
+              <a:rPr lang="en-US" dirty="0"/>
+              <a:t>shown. The blue circle means</a:t>
+            </a:r>
+          </a:p>
+          <a:p>
+            <a:pPr marL="514350" indent="-514350">
+              <a:buNone/>
+            </a:pPr>
+            <a:r>
+              <a:rPr lang="en-US" dirty="0"/>
+              <a:t>a)   The magnetic field forms </a:t>
+            </a:r>
+          </a:p>
+          <a:p>
+            <a:pPr marL="514350" indent="-514350">
+              <a:buNone/>
+            </a:pPr>
+            <a:r>
+              <a:rPr lang="en-US" dirty="0"/>
+              <a:t>	a complete loop around </a:t>
+            </a:r>
+          </a:p>
+          <a:p>
+            <a:pPr marL="514350" indent="-514350">
+              <a:buNone/>
+            </a:pPr>
+            <a:r>
+              <a:rPr lang="en-US" dirty="0"/>
+              <a:t>	the wire</a:t>
+            </a:r>
+          </a:p>
+          <a:p>
+            <a:pPr marL="514350" indent="-514350">
+              <a:buNone/>
+            </a:pPr>
+            <a:r>
+              <a:rPr lang="en-US" dirty="0"/>
+              <a:t>b)   The magnetic field circulates around the wire</a:t>
+            </a:r>
+          </a:p>
+          <a:p>
+            <a:pPr marL="514350" indent="-514350">
+              <a:buNone/>
+            </a:pPr>
+            <a:r>
+              <a:rPr lang="en-US" dirty="0"/>
+              <a:t>c)    The magnetic field is tangent to the circle at every point on the circle</a:t>
+            </a:r>
+          </a:p>
+          <a:p>
+            <a:pPr marL="514350" indent="-514350">
+              <a:buAutoNum type="arabicPeriod"/>
+            </a:pPr>
+            <a:endParaRPr lang="en-US" dirty="0"/>
+          </a:p>
+          <a:p>
+            <a:pPr marL="514350" indent="-514350">
+              <a:buAutoNum type="arabicPeriod"/>
+            </a:pPr>
+            <a:endParaRPr lang="en-US" dirty="0"/>
+          </a:p>
+        </p:txBody>
+      </p:sp>
+      <p:sp>
+        <p:nvSpPr>
+          <p:cNvPr id="4" name="Slide Number Placeholder 3"/>
+          <p:cNvSpPr>
+            <a:spLocks noGrp="1"/>
+          </p:cNvSpPr>
+          <p:nvPr>
+            <p:ph type="sldNum" sz="quarter" idx="12"/>
+          </p:nvPr>
+        </p:nvSpPr>
+        <p:spPr/>
+        <p:txBody>
+          <a:bodyPr/>
+          <a:lstStyle/>
+          <a:p>
+            <a:pPr>
+              <a:defRPr/>
+            </a:pPr>
+            <a:fld id="{64137B81-8888-4253-92EC-0AED2A590749}" type="slidenum">
+              <a:rPr lang="en-US" smtClean="0"/>
+              <a:pPr>
+                <a:defRPr/>
+              </a:pPr>
+              <a:t>10</a:t>
+            </a:fld>
+            <a:endParaRPr lang="en-US"/>
+          </a:p>
+        </p:txBody>
+      </p:sp>
+      <p:pic>
+        <p:nvPicPr>
+          <p:cNvPr id="4932610" name="Picture 2"/>
+          <p:cNvPicPr>
+            <a:picLocks noChangeAspect="1" noChangeArrowheads="1"/>
+          </p:cNvPicPr>
+          <p:nvPr/>
+        </p:nvPicPr>
+        <p:blipFill>
+          <a:blip r:embed="rId2" cstate="print"/>
+          <a:srcRect/>
+          <a:stretch>
+            <a:fillRect/>
+          </a:stretch>
+        </p:blipFill>
+        <p:spPr bwMode="auto">
+          <a:xfrm>
+            <a:off x="5900738" y="1241108"/>
+            <a:ext cx="2524125" cy="2638425"/>
+          </a:xfrm>
+          <a:prstGeom prst="rect">
+            <a:avLst/>
+          </a:prstGeom>
+          <a:noFill/>
+          <a:ln w="9525">
+            <a:noFill/>
+            <a:miter lim="800000"/>
+            <a:headEnd/>
+            <a:tailEnd/>
+          </a:ln>
+          <a:effectLst/>
+        </p:spPr>
+      </p:pic>
+    </p:spTree>
+  </p:cSld>
+  <p:clrMapOvr>
+    <a:masterClrMapping/>
+  </p:clrMapOvr>
+</p:sld>
+</file>
+
+<file path=ppt/slides/slide11.xml><?xml version="1.0" encoding="utf-8"?>
+<p:sld xmlns:a="http://schemas.openxmlformats.org/drawingml/2006/main" xmlns:r="http://schemas.openxmlformats.org/officeDocument/2006/relationships" xmlns:p="http://schemas.openxmlformats.org/presentationml/2006/main">
+  <p:cSld>
+    <p:spTree>
+      <p:nvGrpSpPr>
+        <p:cNvPr id="1" name=""/>
+        <p:cNvGrpSpPr/>
+        <p:nvPr/>
+      </p:nvGrpSpPr>
+      <p:grpSpPr>
+        <a:xfrm>
+          <a:off x="0" y="0"/>
+          <a:ext cx="0" cy="0"/>
+          <a:chOff x="0" y="0"/>
+          <a:chExt cx="0" cy="0"/>
+        </a:xfrm>
+      </p:grpSpPr>
+      <p:sp>
+        <p:nvSpPr>
+          <p:cNvPr id="2" name="Title 1"/>
+          <p:cNvSpPr>
+            <a:spLocks noGrp="1"/>
+          </p:cNvSpPr>
+          <p:nvPr>
+            <p:ph type="title"/>
+          </p:nvPr>
+        </p:nvSpPr>
+        <p:spPr/>
+        <p:txBody>
+          <a:bodyPr/>
+          <a:lstStyle/>
+          <a:p>
+            <a:r>
+              <a:rPr lang="en-US" dirty="0"/>
+              <a:t>Question 223.38.2.1</a:t>
+            </a:r>
+          </a:p>
+        </p:txBody>
+      </p:sp>
+      <p:sp>
+        <p:nvSpPr>
+          <p:cNvPr id="3" name="Content Placeholder 2"/>
+          <p:cNvSpPr>
+            <a:spLocks noGrp="1"/>
+          </p:cNvSpPr>
+          <p:nvPr>
+            <p:ph idx="1"/>
+          </p:nvPr>
+        </p:nvSpPr>
+        <p:spPr>
+          <a:xfrm>
+            <a:off x="457200" y="1600200"/>
+            <a:ext cx="5632515" cy="4525963"/>
+          </a:xfrm>
+        </p:spPr>
+        <p:txBody>
+          <a:bodyPr>
+            <a:normAutofit/>
+          </a:bodyPr>
+          <a:lstStyle/>
+          <a:p>
+            <a:pPr>
+              <a:buNone/>
+            </a:pPr>
+            <a:r>
+              <a:rPr lang="en-US" dirty="0"/>
+              <a:t>What does it mean that the magnetic field forms loops around the wire?</a:t>
+            </a:r>
+          </a:p>
+          <a:p>
+            <a:pPr marL="514350" indent="-514350">
+              <a:buFont typeface="+mj-lt"/>
+              <a:buAutoNum type="alphaLcParenR"/>
+            </a:pPr>
+            <a:r>
+              <a:rPr lang="en-US" dirty="0"/>
+              <a:t>The magnetic field only exists along the circle.</a:t>
+            </a:r>
+          </a:p>
+          <a:p>
+            <a:pPr marL="514350" indent="-514350">
+              <a:buFont typeface="+mj-lt"/>
+              <a:buAutoNum type="alphaLcParenR"/>
+            </a:pPr>
+            <a:r>
+              <a:rPr lang="en-US" dirty="0"/>
+              <a:t>The magnitude of the B-field is constant at a given radius</a:t>
+            </a:r>
+          </a:p>
+          <a:p>
+            <a:pPr marL="514350" indent="-514350">
+              <a:buFont typeface="+mj-lt"/>
+              <a:buAutoNum type="alphaLcParenR"/>
+            </a:pPr>
+            <a:r>
+              <a:rPr lang="en-US" dirty="0"/>
+              <a:t>The magnetic field is toroidal.</a:t>
+            </a:r>
+          </a:p>
+          <a:p>
+            <a:pPr marL="514350" indent="-514350">
+              <a:buAutoNum type="arabicPeriod"/>
+            </a:pPr>
+            <a:endParaRPr lang="en-US" dirty="0"/>
+          </a:p>
+        </p:txBody>
+      </p:sp>
+      <p:sp>
+        <p:nvSpPr>
+          <p:cNvPr id="4" name="Slide Number Placeholder 3"/>
+          <p:cNvSpPr>
+            <a:spLocks noGrp="1"/>
+          </p:cNvSpPr>
+          <p:nvPr>
+            <p:ph type="sldNum" sz="quarter" idx="12"/>
+          </p:nvPr>
+        </p:nvSpPr>
+        <p:spPr/>
+        <p:txBody>
+          <a:bodyPr/>
+          <a:lstStyle/>
+          <a:p>
+            <a:pPr>
+              <a:defRPr/>
+            </a:pPr>
+            <a:fld id="{64137B81-8888-4253-92EC-0AED2A590749}" type="slidenum">
+              <a:rPr lang="en-US" smtClean="0"/>
+              <a:pPr>
+                <a:defRPr/>
+              </a:pPr>
+              <a:t>11</a:t>
+            </a:fld>
+            <a:endParaRPr lang="en-US"/>
+          </a:p>
+        </p:txBody>
+      </p:sp>
+      <p:pic>
+        <p:nvPicPr>
+          <p:cNvPr id="4932610" name="Picture 2"/>
+          <p:cNvPicPr>
+            <a:picLocks noChangeAspect="1" noChangeArrowheads="1"/>
+          </p:cNvPicPr>
+          <p:nvPr/>
+        </p:nvPicPr>
+        <p:blipFill>
+          <a:blip r:embed="rId2" cstate="print"/>
+          <a:srcRect/>
+          <a:stretch>
+            <a:fillRect/>
+          </a:stretch>
+        </p:blipFill>
+        <p:spPr bwMode="auto">
+          <a:xfrm>
+            <a:off x="6357937" y="1354410"/>
+            <a:ext cx="2524125" cy="2638425"/>
+          </a:xfrm>
+          <a:prstGeom prst="rect">
+            <a:avLst/>
+          </a:prstGeom>
+          <a:noFill/>
+          <a:ln w="9525">
+            <a:noFill/>
+            <a:miter lim="800000"/>
+            <a:headEnd/>
+            <a:tailEnd/>
+          </a:ln>
+          <a:effectLst/>
+        </p:spPr>
+      </p:pic>
+    </p:spTree>
+    <p:extLst>
+      <p:ext uri="{BB962C8B-B14F-4D97-AF65-F5344CB8AC3E}">
+        <p14:creationId xmlns:p14="http://schemas.microsoft.com/office/powerpoint/2010/main" val="1308381551"/>
+      </p:ext>
+    </p:extLst>
+  </p:cSld>
+  <p:clrMapOvr>
+    <a:masterClrMapping/>
+  </p:clrMapOvr>
+</p:sld>
+</file>
+
+<file path=ppt/slides/slide12.xml><?xml version="1.0" encoding="utf-8"?>
+<p:sld xmlns:a="http://schemas.openxmlformats.org/drawingml/2006/main" xmlns:r="http://schemas.openxmlformats.org/officeDocument/2006/relationships" xmlns:p="http://schemas.openxmlformats.org/presentationml/2006/main">
+  <p:cSld>
+    <p:spTree>
+      <p:nvGrpSpPr>
+        <p:cNvPr id="1" name=""/>
+        <p:cNvGrpSpPr/>
+        <p:nvPr/>
+      </p:nvGrpSpPr>
+      <p:grpSpPr>
+        <a:xfrm>
+          <a:off x="0" y="0"/>
+          <a:ext cx="0" cy="0"/>
+          <a:chOff x="0" y="0"/>
+          <a:chExt cx="0" cy="0"/>
+        </a:xfrm>
+      </p:grpSpPr>
+      <p:sp>
+        <p:nvSpPr>
           <p:cNvPr id="14" name="Freeform 13"/>
           <p:cNvSpPr/>
           <p:nvPr/>
         </p:nvSpPr>
         <p:spPr>
           <a:xfrm>
-            <a:off x="4476740" y="3810583"/>
-            <a:ext cx="186323" cy="329784"/>
+            <a:off x="4133973" y="3335114"/>
+            <a:ext cx="429650" cy="739900"/>
           </a:xfrm>
           <a:custGeom>
             <a:avLst/>
@@ -3549,8 +3980,8 @@
         </p:nvSpPr>
         <p:spPr>
           <a:xfrm>
-            <a:off x="4500239" y="1081790"/>
-            <a:ext cx="101741" cy="5776210"/>
+            <a:off x="4188160" y="839450"/>
+            <a:ext cx="269175" cy="5246556"/>
           </a:xfrm>
           <a:prstGeom prst="rect">
             <a:avLst/>
@@ -3627,8 +4058,8 @@
         </p:blipFill>
         <p:spPr>
           <a:xfrm>
-            <a:off x="4141862" y="3456432"/>
-            <a:ext cx="1343918" cy="838200"/>
+            <a:off x="3361764" y="2540544"/>
+            <a:ext cx="3098997" cy="1880577"/>
           </a:xfrm>
           <a:prstGeom prst="rect">
             <a:avLst/>
@@ -3651,8 +4082,8 @@
         </p:blipFill>
         <p:spPr>
           <a:xfrm>
-            <a:off x="3847480" y="3557016"/>
-            <a:ext cx="1343918" cy="838200"/>
+            <a:off x="2635114" y="2768315"/>
+            <a:ext cx="3098997" cy="1880577"/>
           </a:xfrm>
           <a:prstGeom prst="rect">
             <a:avLst/>
@@ -3661,27 +4092,21 @@
       </p:pic>
       <p:sp>
         <p:nvSpPr>
-          <p:cNvPr id="20" name="Arc 19"/>
+          <p:cNvPr id="19" name="Arc 18"/>
           <p:cNvSpPr/>
           <p:nvPr/>
         </p:nvSpPr>
         <p:spPr>
           <a:xfrm>
-            <a:off x="2008687" y="4542020"/>
-            <a:ext cx="5096655" cy="569626"/>
+            <a:off x="2188565" y="5523188"/>
+            <a:ext cx="4251673" cy="166685"/>
           </a:xfrm>
           <a:prstGeom prst="arc">
             <a:avLst>
-              <a:gd name="adj1" fmla="val 17638889"/>
-              <a:gd name="adj2" fmla="val 14658499"/>
+              <a:gd name="adj1" fmla="val 20584169"/>
+              <a:gd name="adj2" fmla="val 11804274"/>
             </a:avLst>
           </a:prstGeom>
-          <a:ln>
-            <a:solidFill>
-              <a:schemeClr val="tx2"/>
-            </a:solidFill>
-            <a:prstDash val="dash"/>
-          </a:ln>
         </p:spPr>
         <p:style>
           <a:lnRef idx="1">
@@ -3706,231 +4131,61 @@
           </a:p>
         </p:txBody>
       </p:sp>
+      <p:sp>
+        <p:nvSpPr>
+          <p:cNvPr id="27" name="Isosceles Triangle 26"/>
+          <p:cNvSpPr/>
+          <p:nvPr/>
+        </p:nvSpPr>
+        <p:spPr>
+          <a:xfrm rot="5400000" flipH="1">
+            <a:off x="5052114" y="5527823"/>
+            <a:ext cx="369950" cy="345665"/>
+          </a:xfrm>
+          <a:prstGeom prst="triangle">
+            <a:avLst/>
+          </a:prstGeom>
+          <a:solidFill>
+            <a:schemeClr val="accent1"/>
+          </a:solidFill>
+          <a:ln>
+            <a:noFill/>
+          </a:ln>
+        </p:spPr>
+        <p:style>
+          <a:lnRef idx="2">
+            <a:schemeClr val="accent1">
+              <a:shade val="50000"/>
+            </a:schemeClr>
+          </a:lnRef>
+          <a:fillRef idx="1">
+            <a:schemeClr val="accent1"/>
+          </a:fillRef>
+          <a:effectRef idx="0">
+            <a:schemeClr val="accent1"/>
+          </a:effectRef>
+          <a:fontRef idx="minor">
+            <a:schemeClr val="lt1"/>
+          </a:fontRef>
+        </p:style>
+        <p:txBody>
+          <a:bodyPr rtlCol="0" anchor="ctr"/>
+          <a:lstStyle/>
+          <a:p>
+            <a:pPr algn="ctr"/>
+            <a:endParaRPr lang="en-US"/>
+          </a:p>
+        </p:txBody>
+      </p:sp>
       <p:cxnSp>
         <p:nvCxnSpPr>
-          <p:cNvPr id="17" name="Straight Arrow Connector 16"/>
+          <p:cNvPr id="8" name="Straight Arrow Connector 7"/>
           <p:cNvCxnSpPr/>
           <p:nvPr/>
         </p:nvCxnSpPr>
         <p:spPr>
-          <a:xfrm>
-            <a:off x="2668249" y="5036695"/>
-            <a:ext cx="1094282" cy="149902"/>
-          </a:xfrm>
-          <a:prstGeom prst="straightConnector1">
-            <a:avLst/>
-          </a:prstGeom>
-          <a:ln>
-            <a:solidFill>
-              <a:schemeClr val="tx2"/>
-            </a:solidFill>
-            <a:tailEnd type="arrow"/>
-          </a:ln>
-        </p:spPr>
-        <p:style>
-          <a:lnRef idx="1">
-            <a:schemeClr val="accent1"/>
-          </a:lnRef>
-          <a:fillRef idx="0">
-            <a:schemeClr val="accent1"/>
-          </a:fillRef>
-          <a:effectRef idx="0">
-            <a:schemeClr val="accent1"/>
-          </a:effectRef>
-          <a:fontRef idx="minor">
-            <a:schemeClr val="tx1"/>
-          </a:fontRef>
-        </p:style>
-      </p:cxnSp>
-      <p:cxnSp>
-        <p:nvCxnSpPr>
-          <p:cNvPr id="24" name="Straight Arrow Connector 23"/>
-          <p:cNvCxnSpPr/>
-          <p:nvPr/>
-        </p:nvCxnSpPr>
-        <p:spPr>
-          <a:xfrm>
-            <a:off x="4514537" y="5114144"/>
-            <a:ext cx="1391588" cy="57463"/>
-          </a:xfrm>
-          <a:prstGeom prst="straightConnector1">
-            <a:avLst/>
-          </a:prstGeom>
-          <a:ln>
-            <a:solidFill>
-              <a:schemeClr val="tx2"/>
-            </a:solidFill>
-            <a:tailEnd type="arrow"/>
-          </a:ln>
-        </p:spPr>
-        <p:style>
-          <a:lnRef idx="1">
-            <a:schemeClr val="accent1"/>
-          </a:lnRef>
-          <a:fillRef idx="0">
-            <a:schemeClr val="accent1"/>
-          </a:fillRef>
-          <a:effectRef idx="0">
-            <a:schemeClr val="accent1"/>
-          </a:effectRef>
-          <a:fontRef idx="minor">
-            <a:schemeClr val="tx1"/>
-          </a:fontRef>
-        </p:style>
-      </p:cxnSp>
-      <p:cxnSp>
-        <p:nvCxnSpPr>
-          <p:cNvPr id="26" name="Straight Arrow Connector 25"/>
-          <p:cNvCxnSpPr/>
-          <p:nvPr/>
-        </p:nvCxnSpPr>
-        <p:spPr>
           <a:xfrm flipV="1">
-            <a:off x="6420787" y="4901784"/>
-            <a:ext cx="819462" cy="124917"/>
-          </a:xfrm>
-          <a:prstGeom prst="straightConnector1">
-            <a:avLst/>
-          </a:prstGeom>
-          <a:ln>
-            <a:solidFill>
-              <a:schemeClr val="tx2"/>
-            </a:solidFill>
-            <a:tailEnd type="arrow"/>
-          </a:ln>
-        </p:spPr>
-        <p:style>
-          <a:lnRef idx="1">
-            <a:schemeClr val="accent1"/>
-          </a:lnRef>
-          <a:fillRef idx="0">
-            <a:schemeClr val="accent1"/>
-          </a:fillRef>
-          <a:effectRef idx="0">
-            <a:schemeClr val="accent1"/>
-          </a:effectRef>
-          <a:fontRef idx="minor">
-            <a:schemeClr val="tx1"/>
-          </a:fontRef>
-        </p:style>
-      </p:cxnSp>
-      <p:cxnSp>
-        <p:nvCxnSpPr>
-          <p:cNvPr id="29" name="Straight Arrow Connector 28"/>
-          <p:cNvCxnSpPr/>
-          <p:nvPr/>
-        </p:nvCxnSpPr>
-        <p:spPr>
-          <a:xfrm rot="10800000">
-            <a:off x="5231568" y="4527030"/>
-            <a:ext cx="1071797" cy="97436"/>
-          </a:xfrm>
-          <a:prstGeom prst="straightConnector1">
-            <a:avLst/>
-          </a:prstGeom>
-          <a:ln>
-            <a:solidFill>
-              <a:schemeClr val="tx2"/>
-            </a:solidFill>
-            <a:tailEnd type="arrow"/>
-          </a:ln>
-        </p:spPr>
-        <p:style>
-          <a:lnRef idx="1">
-            <a:schemeClr val="accent1"/>
-          </a:lnRef>
-          <a:fillRef idx="0">
-            <a:schemeClr val="accent1"/>
-          </a:fillRef>
-          <a:effectRef idx="0">
-            <a:schemeClr val="accent1"/>
-          </a:effectRef>
-          <a:fontRef idx="minor">
-            <a:schemeClr val="tx1"/>
-          </a:fontRef>
-        </p:style>
-      </p:cxnSp>
-      <p:cxnSp>
-        <p:nvCxnSpPr>
-          <p:cNvPr id="31" name="Straight Arrow Connector 30"/>
-          <p:cNvCxnSpPr/>
-          <p:nvPr/>
-        </p:nvCxnSpPr>
-        <p:spPr>
-          <a:xfrm rot="10800000">
-            <a:off x="3312827" y="4512040"/>
-            <a:ext cx="1194219" cy="24985"/>
-          </a:xfrm>
-          <a:prstGeom prst="straightConnector1">
-            <a:avLst/>
-          </a:prstGeom>
-          <a:ln>
-            <a:solidFill>
-              <a:schemeClr val="tx2"/>
-            </a:solidFill>
-            <a:tailEnd type="arrow"/>
-          </a:ln>
-        </p:spPr>
-        <p:style>
-          <a:lnRef idx="1">
-            <a:schemeClr val="accent1"/>
-          </a:lnRef>
-          <a:fillRef idx="0">
-            <a:schemeClr val="accent1"/>
-          </a:fillRef>
-          <a:effectRef idx="0">
-            <a:schemeClr val="accent1"/>
-          </a:effectRef>
-          <a:fontRef idx="minor">
-            <a:schemeClr val="tx1"/>
-          </a:fontRef>
-        </p:style>
-      </p:cxnSp>
-      <p:cxnSp>
-        <p:nvCxnSpPr>
-          <p:cNvPr id="33" name="Straight Arrow Connector 32"/>
-          <p:cNvCxnSpPr/>
-          <p:nvPr/>
-        </p:nvCxnSpPr>
-        <p:spPr>
-          <a:xfrm rot="10800000" flipV="1">
-            <a:off x="1558978" y="4614474"/>
-            <a:ext cx="1196719" cy="182377"/>
-          </a:xfrm>
-          <a:prstGeom prst="straightConnector1">
-            <a:avLst/>
-          </a:prstGeom>
-          <a:ln>
-            <a:solidFill>
-              <a:schemeClr val="tx2"/>
-            </a:solidFill>
-            <a:tailEnd type="arrow"/>
-          </a:ln>
-        </p:spPr>
-        <p:style>
-          <a:lnRef idx="1">
-            <a:schemeClr val="accent1"/>
-          </a:lnRef>
-          <a:fillRef idx="0">
-            <a:schemeClr val="accent1"/>
-          </a:fillRef>
-          <a:effectRef idx="0">
-            <a:schemeClr val="accent1"/>
-          </a:effectRef>
-          <a:fontRef idx="minor">
-            <a:schemeClr val="tx1"/>
-          </a:fontRef>
-        </p:style>
-      </p:cxnSp>
-      <p:cxnSp>
-        <p:nvCxnSpPr>
-          <p:cNvPr id="16" name="Straight Arrow Connector 15"/>
-          <p:cNvCxnSpPr/>
-          <p:nvPr/>
-        </p:nvCxnSpPr>
-        <p:spPr>
-          <a:xfrm flipV="1">
-            <a:off x="4846320" y="1478280"/>
+            <a:off x="4770120" y="960120"/>
             <a:ext cx="15240" cy="548640"/>
           </a:xfrm>
           <a:prstGeom prst="straightConnector1">
@@ -3960,13 +4215,13 @@
       </p:cxnSp>
       <p:sp>
         <p:nvSpPr>
-          <p:cNvPr id="18" name="TextBox 17"/>
+          <p:cNvPr id="9" name="TextBox 8"/>
           <p:cNvSpPr txBox="1"/>
           <p:nvPr/>
         </p:nvSpPr>
         <p:spPr>
           <a:xfrm>
-            <a:off x="4983480" y="1615440"/>
+            <a:off x="4907280" y="1097280"/>
             <a:ext cx="320922" cy="584775"/>
           </a:xfrm>
           <a:prstGeom prst="rect">
@@ -4001,441 +4256,7 @@
 </p:sld>
 </file>
 
-<file path=ppt/slides/slide11.xml><?xml version="1.0" encoding="utf-8"?>
-<p:sld xmlns:a="http://schemas.openxmlformats.org/drawingml/2006/main" xmlns:r="http://schemas.openxmlformats.org/officeDocument/2006/relationships" xmlns:p="http://schemas.openxmlformats.org/presentationml/2006/main">
-  <p:cSld>
-    <p:spTree>
-      <p:nvGrpSpPr>
-        <p:cNvPr id="1" name=""/>
-        <p:cNvGrpSpPr/>
-        <p:nvPr/>
-      </p:nvGrpSpPr>
-      <p:grpSpPr>
-        <a:xfrm>
-          <a:off x="0" y="0"/>
-          <a:ext cx="0" cy="0"/>
-          <a:chOff x="0" y="0"/>
-          <a:chExt cx="0" cy="0"/>
-        </a:xfrm>
-      </p:grpSpPr>
-      <p:sp>
-        <p:nvSpPr>
-          <p:cNvPr id="15" name="Oval 14"/>
-          <p:cNvSpPr/>
-          <p:nvPr/>
-        </p:nvSpPr>
-        <p:spPr>
-          <a:xfrm>
-            <a:off x="4459574" y="3335311"/>
-            <a:ext cx="194872" cy="179882"/>
-          </a:xfrm>
-          <a:prstGeom prst="ellipse">
-            <a:avLst/>
-          </a:prstGeom>
-          <a:gradFill flip="none" rotWithShape="1">
-            <a:gsLst>
-              <a:gs pos="0">
-                <a:schemeClr val="bg1">
-                  <a:lumMod val="75000"/>
-                  <a:shade val="30000"/>
-                  <a:satMod val="115000"/>
-                </a:schemeClr>
-              </a:gs>
-              <a:gs pos="50000">
-                <a:schemeClr val="bg1">
-                  <a:lumMod val="75000"/>
-                  <a:shade val="67500"/>
-                  <a:satMod val="115000"/>
-                </a:schemeClr>
-              </a:gs>
-              <a:gs pos="100000">
-                <a:schemeClr val="bg1">
-                  <a:lumMod val="75000"/>
-                  <a:shade val="100000"/>
-                  <a:satMod val="115000"/>
-                </a:schemeClr>
-              </a:gs>
-            </a:gsLst>
-            <a:lin ang="2700000" scaled="1"/>
-            <a:tileRect/>
-          </a:gradFill>
-          <a:ln>
-            <a:noFill/>
-          </a:ln>
-        </p:spPr>
-        <p:style>
-          <a:lnRef idx="2">
-            <a:schemeClr val="accent1">
-              <a:shade val="50000"/>
-            </a:schemeClr>
-          </a:lnRef>
-          <a:fillRef idx="1">
-            <a:schemeClr val="accent1"/>
-          </a:fillRef>
-          <a:effectRef idx="0">
-            <a:schemeClr val="accent1"/>
-          </a:effectRef>
-          <a:fontRef idx="minor">
-            <a:schemeClr val="lt1"/>
-          </a:fontRef>
-        </p:style>
-        <p:txBody>
-          <a:bodyPr rtlCol="0" anchor="ctr"/>
-          <a:lstStyle/>
-          <a:p>
-            <a:pPr algn="ctr"/>
-            <a:endParaRPr lang="en-US"/>
-          </a:p>
-        </p:txBody>
-      </p:sp>
-      <p:sp>
-        <p:nvSpPr>
-          <p:cNvPr id="25" name="Oval 24"/>
-          <p:cNvSpPr/>
-          <p:nvPr/>
-        </p:nvSpPr>
-        <p:spPr>
-          <a:xfrm>
-            <a:off x="3267856" y="2098623"/>
-            <a:ext cx="2578308" cy="2608289"/>
-          </a:xfrm>
-          <a:prstGeom prst="ellipse">
-            <a:avLst/>
-          </a:prstGeom>
-          <a:noFill/>
-          <a:ln w="6350">
-            <a:prstDash val="dash"/>
-          </a:ln>
-        </p:spPr>
-        <p:style>
-          <a:lnRef idx="2">
-            <a:schemeClr val="accent1">
-              <a:shade val="50000"/>
-            </a:schemeClr>
-          </a:lnRef>
-          <a:fillRef idx="1">
-            <a:schemeClr val="accent1"/>
-          </a:fillRef>
-          <a:effectRef idx="0">
-            <a:schemeClr val="accent1"/>
-          </a:effectRef>
-          <a:fontRef idx="minor">
-            <a:schemeClr val="lt1"/>
-          </a:fontRef>
-        </p:style>
-        <p:txBody>
-          <a:bodyPr rtlCol="0" anchor="ctr"/>
-          <a:lstStyle/>
-          <a:p>
-            <a:pPr algn="ctr"/>
-            <a:endParaRPr lang="en-US"/>
-          </a:p>
-        </p:txBody>
-      </p:sp>
-      <p:cxnSp>
-        <p:nvCxnSpPr>
-          <p:cNvPr id="28" name="Straight Arrow Connector 27"/>
-          <p:cNvCxnSpPr>
-            <a:stCxn id="25" idx="4"/>
-          </p:cNvCxnSpPr>
-          <p:nvPr/>
-        </p:nvCxnSpPr>
-        <p:spPr>
-          <a:xfrm rot="16200000" flipH="1">
-            <a:off x="5029200" y="4234722"/>
-            <a:ext cx="14990" cy="959370"/>
-          </a:xfrm>
-          <a:prstGeom prst="straightConnector1">
-            <a:avLst/>
-          </a:prstGeom>
-          <a:ln>
-            <a:tailEnd type="arrow"/>
-          </a:ln>
-        </p:spPr>
-        <p:style>
-          <a:lnRef idx="1">
-            <a:schemeClr val="accent1"/>
-          </a:lnRef>
-          <a:fillRef idx="0">
-            <a:schemeClr val="accent1"/>
-          </a:fillRef>
-          <a:effectRef idx="0">
-            <a:schemeClr val="accent1"/>
-          </a:effectRef>
-          <a:fontRef idx="minor">
-            <a:schemeClr val="tx1"/>
-          </a:fontRef>
-        </p:style>
-      </p:cxnSp>
-      <p:cxnSp>
-        <p:nvCxnSpPr>
-          <p:cNvPr id="29" name="Straight Arrow Connector 28"/>
-          <p:cNvCxnSpPr/>
-          <p:nvPr/>
-        </p:nvCxnSpPr>
-        <p:spPr>
-          <a:xfrm rot="5400000" flipH="1" flipV="1">
-            <a:off x="5501390" y="3555169"/>
-            <a:ext cx="722027" cy="537147"/>
-          </a:xfrm>
-          <a:prstGeom prst="straightConnector1">
-            <a:avLst/>
-          </a:prstGeom>
-          <a:ln>
-            <a:tailEnd type="arrow"/>
-          </a:ln>
-        </p:spPr>
-        <p:style>
-          <a:lnRef idx="1">
-            <a:schemeClr val="accent1"/>
-          </a:lnRef>
-          <a:fillRef idx="0">
-            <a:schemeClr val="accent1"/>
-          </a:fillRef>
-          <a:effectRef idx="0">
-            <a:schemeClr val="accent1"/>
-          </a:effectRef>
-          <a:fontRef idx="minor">
-            <a:schemeClr val="tx1"/>
-          </a:fontRef>
-        </p:style>
-      </p:cxnSp>
-      <p:cxnSp>
-        <p:nvCxnSpPr>
-          <p:cNvPr id="31" name="Straight Arrow Connector 30"/>
-          <p:cNvCxnSpPr/>
-          <p:nvPr/>
-        </p:nvCxnSpPr>
-        <p:spPr>
-          <a:xfrm rot="16200000" flipV="1">
-            <a:off x="5358983" y="2945568"/>
-            <a:ext cx="979360" cy="4997"/>
-          </a:xfrm>
-          <a:prstGeom prst="straightConnector1">
-            <a:avLst/>
-          </a:prstGeom>
-          <a:ln>
-            <a:tailEnd type="arrow"/>
-          </a:ln>
-        </p:spPr>
-        <p:style>
-          <a:lnRef idx="1">
-            <a:schemeClr val="accent1"/>
-          </a:lnRef>
-          <a:fillRef idx="0">
-            <a:schemeClr val="accent1"/>
-          </a:fillRef>
-          <a:effectRef idx="0">
-            <a:schemeClr val="accent1"/>
-          </a:effectRef>
-          <a:fontRef idx="minor">
-            <a:schemeClr val="tx1"/>
-          </a:fontRef>
-        </p:style>
-      </p:cxnSp>
-      <p:cxnSp>
-        <p:nvCxnSpPr>
-          <p:cNvPr id="33" name="Straight Arrow Connector 32"/>
-          <p:cNvCxnSpPr/>
-          <p:nvPr/>
-        </p:nvCxnSpPr>
-        <p:spPr>
-          <a:xfrm rot="10800000">
-            <a:off x="4676932" y="1738860"/>
-            <a:ext cx="757007" cy="712035"/>
-          </a:xfrm>
-          <a:prstGeom prst="straightConnector1">
-            <a:avLst/>
-          </a:prstGeom>
-          <a:ln>
-            <a:tailEnd type="arrow"/>
-          </a:ln>
-        </p:spPr>
-        <p:style>
-          <a:lnRef idx="1">
-            <a:schemeClr val="accent1"/>
-          </a:lnRef>
-          <a:fillRef idx="0">
-            <a:schemeClr val="accent1"/>
-          </a:fillRef>
-          <a:effectRef idx="0">
-            <a:schemeClr val="accent1"/>
-          </a:effectRef>
-          <a:fontRef idx="minor">
-            <a:schemeClr val="tx1"/>
-          </a:fontRef>
-        </p:style>
-      </p:cxnSp>
-      <p:cxnSp>
-        <p:nvCxnSpPr>
-          <p:cNvPr id="35" name="Straight Arrow Connector 34"/>
-          <p:cNvCxnSpPr/>
-          <p:nvPr/>
-        </p:nvCxnSpPr>
-        <p:spPr>
-          <a:xfrm rot="10800000" flipV="1">
-            <a:off x="3492709" y="2078641"/>
-            <a:ext cx="1104281" cy="4992"/>
-          </a:xfrm>
-          <a:prstGeom prst="straightConnector1">
-            <a:avLst/>
-          </a:prstGeom>
-          <a:ln>
-            <a:tailEnd type="arrow"/>
-          </a:ln>
-        </p:spPr>
-        <p:style>
-          <a:lnRef idx="1">
-            <a:schemeClr val="accent1"/>
-          </a:lnRef>
-          <a:fillRef idx="0">
-            <a:schemeClr val="accent1"/>
-          </a:fillRef>
-          <a:effectRef idx="0">
-            <a:schemeClr val="accent1"/>
-          </a:effectRef>
-          <a:fontRef idx="minor">
-            <a:schemeClr val="tx1"/>
-          </a:fontRef>
-        </p:style>
-      </p:cxnSp>
-      <p:cxnSp>
-        <p:nvCxnSpPr>
-          <p:cNvPr id="38" name="Straight Arrow Connector 37"/>
-          <p:cNvCxnSpPr/>
-          <p:nvPr/>
-        </p:nvCxnSpPr>
-        <p:spPr>
-          <a:xfrm rot="5400000">
-            <a:off x="2718223" y="2885605"/>
-            <a:ext cx="841943" cy="552145"/>
-          </a:xfrm>
-          <a:prstGeom prst="straightConnector1">
-            <a:avLst/>
-          </a:prstGeom>
-          <a:ln>
-            <a:tailEnd type="arrow"/>
-          </a:ln>
-        </p:spPr>
-        <p:style>
-          <a:lnRef idx="1">
-            <a:schemeClr val="accent1"/>
-          </a:lnRef>
-          <a:fillRef idx="0">
-            <a:schemeClr val="accent1"/>
-          </a:fillRef>
-          <a:effectRef idx="0">
-            <a:schemeClr val="accent1"/>
-          </a:effectRef>
-          <a:fontRef idx="minor">
-            <a:schemeClr val="tx1"/>
-          </a:fontRef>
-        </p:style>
-      </p:cxnSp>
-      <p:cxnSp>
-        <p:nvCxnSpPr>
-          <p:cNvPr id="40" name="Straight Arrow Connector 39"/>
-          <p:cNvCxnSpPr/>
-          <p:nvPr/>
-        </p:nvCxnSpPr>
-        <p:spPr>
-          <a:xfrm rot="16200000" flipH="1">
-            <a:off x="2818158" y="3852478"/>
-            <a:ext cx="914395" cy="44962"/>
-          </a:xfrm>
-          <a:prstGeom prst="straightConnector1">
-            <a:avLst/>
-          </a:prstGeom>
-          <a:ln>
-            <a:tailEnd type="arrow"/>
-          </a:ln>
-        </p:spPr>
-        <p:style>
-          <a:lnRef idx="1">
-            <a:schemeClr val="accent1"/>
-          </a:lnRef>
-          <a:fillRef idx="0">
-            <a:schemeClr val="accent1"/>
-          </a:fillRef>
-          <a:effectRef idx="0">
-            <a:schemeClr val="accent1"/>
-          </a:effectRef>
-          <a:fontRef idx="minor">
-            <a:schemeClr val="tx1"/>
-          </a:fontRef>
-        </p:style>
-      </p:cxnSp>
-      <p:cxnSp>
-        <p:nvCxnSpPr>
-          <p:cNvPr id="42" name="Straight Arrow Connector 41"/>
-          <p:cNvCxnSpPr/>
-          <p:nvPr/>
-        </p:nvCxnSpPr>
-        <p:spPr>
-          <a:xfrm>
-            <a:off x="3839991" y="4469571"/>
-            <a:ext cx="806963" cy="477186"/>
-          </a:xfrm>
-          <a:prstGeom prst="straightConnector1">
-            <a:avLst/>
-          </a:prstGeom>
-          <a:ln>
-            <a:tailEnd type="arrow"/>
-          </a:ln>
-        </p:spPr>
-        <p:style>
-          <a:lnRef idx="1">
-            <a:schemeClr val="accent1"/>
-          </a:lnRef>
-          <a:fillRef idx="0">
-            <a:schemeClr val="accent1"/>
-          </a:fillRef>
-          <a:effectRef idx="0">
-            <a:schemeClr val="accent1"/>
-          </a:effectRef>
-          <a:fontRef idx="minor">
-            <a:schemeClr val="tx1"/>
-          </a:fontRef>
-        </p:style>
-      </p:cxnSp>
-      <p:sp>
-        <p:nvSpPr>
-          <p:cNvPr id="44" name="TextBox 43"/>
-          <p:cNvSpPr txBox="1"/>
-          <p:nvPr/>
-        </p:nvSpPr>
-        <p:spPr>
-          <a:xfrm>
-            <a:off x="5501390" y="1783830"/>
-            <a:ext cx="1505540" cy="523220"/>
-          </a:xfrm>
-          <a:prstGeom prst="rect">
-            <a:avLst/>
-          </a:prstGeom>
-          <a:noFill/>
-        </p:spPr>
-        <p:txBody>
-          <a:bodyPr wrap="none" rtlCol="0">
-            <a:spAutoFit/>
-          </a:bodyPr>
-          <a:lstStyle/>
-          <a:p>
-            <a:r>
-              <a:rPr lang="en-US" sz="2800" dirty="0"/>
-              <a:t>Top View</a:t>
-            </a:r>
-          </a:p>
-        </p:txBody>
-      </p:sp>
-    </p:spTree>
-  </p:cSld>
-  <p:clrMapOvr>
-    <a:masterClrMapping/>
-  </p:clrMapOvr>
-</p:sld>
-</file>
-
-<file path=ppt/slides/slide12.xml><?xml version="1.0" encoding="utf-8"?>
+<file path=ppt/slides/slide13.xml><?xml version="1.0" encoding="utf-8"?>
 <p:sld xmlns:a="http://schemas.openxmlformats.org/drawingml/2006/main" xmlns:r="http://schemas.openxmlformats.org/officeDocument/2006/relationships" xmlns:p="http://schemas.openxmlformats.org/presentationml/2006/main">
   <p:cSld>
     <p:spTree>
@@ -4673,14 +4494,14 @@
       </p:pic>
       <p:sp>
         <p:nvSpPr>
-          <p:cNvPr id="16" name="Arc 15"/>
+          <p:cNvPr id="20" name="Arc 19"/>
           <p:cNvSpPr/>
           <p:nvPr/>
         </p:nvSpPr>
         <p:spPr>
           <a:xfrm>
-            <a:off x="2458390" y="4631961"/>
-            <a:ext cx="4182257" cy="374754"/>
+            <a:off x="2008687" y="4542020"/>
+            <a:ext cx="5096655" cy="569626"/>
           </a:xfrm>
           <a:prstGeom prst="arc">
             <a:avLst>
@@ -4688,6 +4509,12 @@
               <a:gd name="adj2" fmla="val 14658499"/>
             </a:avLst>
           </a:prstGeom>
+          <a:ln>
+            <a:solidFill>
+              <a:schemeClr val="tx2"/>
+            </a:solidFill>
+            <a:prstDash val="dash"/>
+          </a:ln>
         </p:spPr>
         <p:style>
           <a:lnRef idx="1">
@@ -4712,23 +4539,26 @@
           </a:p>
         </p:txBody>
       </p:sp>
-      <p:sp>
-        <p:nvSpPr>
-          <p:cNvPr id="18" name="Arc 17"/>
-          <p:cNvSpPr/>
-          <p:nvPr/>
-        </p:nvSpPr>
-        <p:spPr>
-          <a:xfrm>
-            <a:off x="2908097" y="4736892"/>
-            <a:ext cx="3272852" cy="179882"/>
-          </a:xfrm>
-          <a:prstGeom prst="arc">
-            <a:avLst>
-              <a:gd name="adj1" fmla="val 19339024"/>
-              <a:gd name="adj2" fmla="val 12729707"/>
-            </a:avLst>
+      <p:cxnSp>
+        <p:nvCxnSpPr>
+          <p:cNvPr id="17" name="Straight Arrow Connector 16"/>
+          <p:cNvCxnSpPr/>
+          <p:nvPr/>
+        </p:nvCxnSpPr>
+        <p:spPr>
+          <a:xfrm>
+            <a:off x="2668249" y="5036695"/>
+            <a:ext cx="1094282" cy="149902"/>
+          </a:xfrm>
+          <a:prstGeom prst="straightConnector1">
+            <a:avLst/>
           </a:prstGeom>
+          <a:ln>
+            <a:solidFill>
+              <a:schemeClr val="tx2"/>
+            </a:solidFill>
+            <a:tailEnd type="arrow"/>
+          </a:ln>
         </p:spPr>
         <p:style>
           <a:lnRef idx="1">
@@ -4744,32 +4574,27 @@
             <a:schemeClr val="tx1"/>
           </a:fontRef>
         </p:style>
-        <p:txBody>
-          <a:bodyPr rtlCol="0" anchor="ctr"/>
-          <a:lstStyle/>
-          <a:p>
-            <a:pPr algn="ctr"/>
-            <a:endParaRPr lang="en-US"/>
-          </a:p>
-        </p:txBody>
-      </p:sp>
-      <p:sp>
-        <p:nvSpPr>
-          <p:cNvPr id="20" name="Arc 19"/>
-          <p:cNvSpPr/>
-          <p:nvPr/>
-        </p:nvSpPr>
-        <p:spPr>
-          <a:xfrm>
-            <a:off x="2008687" y="4542020"/>
-            <a:ext cx="5096655" cy="569626"/>
-          </a:xfrm>
-          <a:prstGeom prst="arc">
-            <a:avLst>
-              <a:gd name="adj1" fmla="val 17638889"/>
-              <a:gd name="adj2" fmla="val 14658499"/>
-            </a:avLst>
+      </p:cxnSp>
+      <p:cxnSp>
+        <p:nvCxnSpPr>
+          <p:cNvPr id="24" name="Straight Arrow Connector 23"/>
+          <p:cNvCxnSpPr/>
+          <p:nvPr/>
+        </p:nvCxnSpPr>
+        <p:spPr>
+          <a:xfrm>
+            <a:off x="4514537" y="5114144"/>
+            <a:ext cx="1391588" cy="57463"/>
+          </a:xfrm>
+          <a:prstGeom prst="straightConnector1">
+            <a:avLst/>
           </a:prstGeom>
+          <a:ln>
+            <a:solidFill>
+              <a:schemeClr val="tx2"/>
+            </a:solidFill>
+            <a:tailEnd type="arrow"/>
+          </a:ln>
         </p:spPr>
         <p:style>
           <a:lnRef idx="1">
@@ -4785,161 +4610,27 @@
             <a:schemeClr val="tx1"/>
           </a:fontRef>
         </p:style>
-        <p:txBody>
-          <a:bodyPr rtlCol="0" anchor="ctr"/>
-          <a:lstStyle/>
-          <a:p>
-            <a:pPr algn="ctr"/>
-            <a:endParaRPr lang="en-US"/>
-          </a:p>
-        </p:txBody>
-      </p:sp>
-      <p:sp>
-        <p:nvSpPr>
-          <p:cNvPr id="21" name="Isosceles Triangle 20"/>
-          <p:cNvSpPr/>
-          <p:nvPr/>
-        </p:nvSpPr>
-        <p:spPr>
-          <a:xfrm rot="5400000" flipH="1">
-            <a:off x="5042437" y="4835694"/>
-            <a:ext cx="164892" cy="149902"/>
-          </a:xfrm>
-          <a:prstGeom prst="triangle">
+      </p:cxnSp>
+      <p:cxnSp>
+        <p:nvCxnSpPr>
+          <p:cNvPr id="26" name="Straight Arrow Connector 25"/>
+          <p:cNvCxnSpPr/>
+          <p:nvPr/>
+        </p:nvCxnSpPr>
+        <p:spPr>
+          <a:xfrm flipV="1">
+            <a:off x="6420787" y="4901784"/>
+            <a:ext cx="819462" cy="124917"/>
+          </a:xfrm>
+          <a:prstGeom prst="straightConnector1">
             <a:avLst/>
           </a:prstGeom>
           <a:ln>
-            <a:noFill/>
+            <a:solidFill>
+              <a:schemeClr val="tx2"/>
+            </a:solidFill>
+            <a:tailEnd type="arrow"/>
           </a:ln>
-        </p:spPr>
-        <p:style>
-          <a:lnRef idx="2">
-            <a:schemeClr val="accent1">
-              <a:shade val="50000"/>
-            </a:schemeClr>
-          </a:lnRef>
-          <a:fillRef idx="1">
-            <a:schemeClr val="accent1"/>
-          </a:fillRef>
-          <a:effectRef idx="0">
-            <a:schemeClr val="accent1"/>
-          </a:effectRef>
-          <a:fontRef idx="minor">
-            <a:schemeClr val="lt1"/>
-          </a:fontRef>
-        </p:style>
-        <p:txBody>
-          <a:bodyPr rtlCol="0" anchor="ctr"/>
-          <a:lstStyle/>
-          <a:p>
-            <a:pPr algn="ctr"/>
-            <a:endParaRPr lang="en-US"/>
-          </a:p>
-        </p:txBody>
-      </p:sp>
-      <p:sp>
-        <p:nvSpPr>
-          <p:cNvPr id="22" name="Isosceles Triangle 21"/>
-          <p:cNvSpPr/>
-          <p:nvPr/>
-        </p:nvSpPr>
-        <p:spPr>
-          <a:xfrm rot="5400000" flipH="1">
-            <a:off x="5342085" y="4906665"/>
-            <a:ext cx="164892" cy="149902"/>
-          </a:xfrm>
-          <a:prstGeom prst="triangle">
-            <a:avLst/>
-          </a:prstGeom>
-          <a:ln>
-            <a:noFill/>
-          </a:ln>
-        </p:spPr>
-        <p:style>
-          <a:lnRef idx="2">
-            <a:schemeClr val="accent1">
-              <a:shade val="50000"/>
-            </a:schemeClr>
-          </a:lnRef>
-          <a:fillRef idx="1">
-            <a:schemeClr val="accent1"/>
-          </a:fillRef>
-          <a:effectRef idx="0">
-            <a:schemeClr val="accent1"/>
-          </a:effectRef>
-          <a:fontRef idx="minor">
-            <a:schemeClr val="lt1"/>
-          </a:fontRef>
-        </p:style>
-        <p:txBody>
-          <a:bodyPr rtlCol="0" anchor="ctr"/>
-          <a:lstStyle/>
-          <a:p>
-            <a:pPr algn="ctr"/>
-            <a:endParaRPr lang="en-US"/>
-          </a:p>
-        </p:txBody>
-      </p:sp>
-      <p:sp>
-        <p:nvSpPr>
-          <p:cNvPr id="23" name="Isosceles Triangle 22"/>
-          <p:cNvSpPr/>
-          <p:nvPr/>
-        </p:nvSpPr>
-        <p:spPr>
-          <a:xfrm rot="5400000" flipH="1">
-            <a:off x="5759818" y="5011405"/>
-            <a:ext cx="164892" cy="149902"/>
-          </a:xfrm>
-          <a:prstGeom prst="triangle">
-            <a:avLst/>
-          </a:prstGeom>
-          <a:ln>
-            <a:noFill/>
-          </a:ln>
-        </p:spPr>
-        <p:style>
-          <a:lnRef idx="2">
-            <a:schemeClr val="accent1">
-              <a:shade val="50000"/>
-            </a:schemeClr>
-          </a:lnRef>
-          <a:fillRef idx="1">
-            <a:schemeClr val="accent1"/>
-          </a:fillRef>
-          <a:effectRef idx="0">
-            <a:schemeClr val="accent1"/>
-          </a:effectRef>
-          <a:fontRef idx="minor">
-            <a:schemeClr val="lt1"/>
-          </a:fontRef>
-        </p:style>
-        <p:txBody>
-          <a:bodyPr rtlCol="0" anchor="ctr"/>
-          <a:lstStyle/>
-          <a:p>
-            <a:pPr algn="ctr"/>
-            <a:endParaRPr lang="en-US"/>
-          </a:p>
-        </p:txBody>
-      </p:sp>
-      <p:sp>
-        <p:nvSpPr>
-          <p:cNvPr id="19" name="Arc 18"/>
-          <p:cNvSpPr/>
-          <p:nvPr/>
-        </p:nvSpPr>
-        <p:spPr>
-          <a:xfrm>
-            <a:off x="3633090" y="4785839"/>
-            <a:ext cx="1843790" cy="74294"/>
-          </a:xfrm>
-          <a:prstGeom prst="arc">
-            <a:avLst>
-              <a:gd name="adj1" fmla="val 20584169"/>
-              <a:gd name="adj2" fmla="val 11804274"/>
-            </a:avLst>
-          </a:prstGeom>
         </p:spPr>
         <p:style>
           <a:lnRef idx="1">
@@ -4955,61 +4646,118 @@
             <a:schemeClr val="tx1"/>
           </a:fontRef>
         </p:style>
-        <p:txBody>
-          <a:bodyPr rtlCol="0" anchor="ctr"/>
-          <a:lstStyle/>
-          <a:p>
-            <a:pPr algn="ctr"/>
-            <a:endParaRPr lang="en-US"/>
-          </a:p>
-        </p:txBody>
-      </p:sp>
-      <p:sp>
-        <p:nvSpPr>
-          <p:cNvPr id="27" name="Isosceles Triangle 26"/>
-          <p:cNvSpPr/>
-          <p:nvPr/>
-        </p:nvSpPr>
-        <p:spPr>
-          <a:xfrm rot="5400000" flipH="1">
-            <a:off x="4697156" y="4783306"/>
-            <a:ext cx="164892" cy="149902"/>
-          </a:xfrm>
-          <a:prstGeom prst="triangle">
+      </p:cxnSp>
+      <p:cxnSp>
+        <p:nvCxnSpPr>
+          <p:cNvPr id="29" name="Straight Arrow Connector 28"/>
+          <p:cNvCxnSpPr/>
+          <p:nvPr/>
+        </p:nvCxnSpPr>
+        <p:spPr>
+          <a:xfrm rot="10800000">
+            <a:off x="5231568" y="4527030"/>
+            <a:ext cx="1071797" cy="97436"/>
+          </a:xfrm>
+          <a:prstGeom prst="straightConnector1">
             <a:avLst/>
           </a:prstGeom>
           <a:ln>
-            <a:noFill/>
+            <a:solidFill>
+              <a:schemeClr val="tx2"/>
+            </a:solidFill>
+            <a:tailEnd type="arrow"/>
           </a:ln>
         </p:spPr>
         <p:style>
-          <a:lnRef idx="2">
-            <a:schemeClr val="accent1">
-              <a:shade val="50000"/>
-            </a:schemeClr>
+          <a:lnRef idx="1">
+            <a:schemeClr val="accent1"/>
           </a:lnRef>
-          <a:fillRef idx="1">
+          <a:fillRef idx="0">
             <a:schemeClr val="accent1"/>
           </a:fillRef>
           <a:effectRef idx="0">
             <a:schemeClr val="accent1"/>
           </a:effectRef>
           <a:fontRef idx="minor">
-            <a:schemeClr val="lt1"/>
+            <a:schemeClr val="tx1"/>
           </a:fontRef>
         </p:style>
-        <p:txBody>
-          <a:bodyPr rtlCol="0" anchor="ctr"/>
-          <a:lstStyle/>
-          <a:p>
-            <a:pPr algn="ctr"/>
-            <a:endParaRPr lang="en-US"/>
-          </a:p>
-        </p:txBody>
-      </p:sp>
+      </p:cxnSp>
       <p:cxnSp>
         <p:nvCxnSpPr>
-          <p:cNvPr id="15" name="Straight Arrow Connector 14"/>
+          <p:cNvPr id="31" name="Straight Arrow Connector 30"/>
+          <p:cNvCxnSpPr/>
+          <p:nvPr/>
+        </p:nvCxnSpPr>
+        <p:spPr>
+          <a:xfrm rot="10800000">
+            <a:off x="3312827" y="4512040"/>
+            <a:ext cx="1194219" cy="24985"/>
+          </a:xfrm>
+          <a:prstGeom prst="straightConnector1">
+            <a:avLst/>
+          </a:prstGeom>
+          <a:ln>
+            <a:solidFill>
+              <a:schemeClr val="tx2"/>
+            </a:solidFill>
+            <a:tailEnd type="arrow"/>
+          </a:ln>
+        </p:spPr>
+        <p:style>
+          <a:lnRef idx="1">
+            <a:schemeClr val="accent1"/>
+          </a:lnRef>
+          <a:fillRef idx="0">
+            <a:schemeClr val="accent1"/>
+          </a:fillRef>
+          <a:effectRef idx="0">
+            <a:schemeClr val="accent1"/>
+          </a:effectRef>
+          <a:fontRef idx="minor">
+            <a:schemeClr val="tx1"/>
+          </a:fontRef>
+        </p:style>
+      </p:cxnSp>
+      <p:cxnSp>
+        <p:nvCxnSpPr>
+          <p:cNvPr id="33" name="Straight Arrow Connector 32"/>
+          <p:cNvCxnSpPr/>
+          <p:nvPr/>
+        </p:nvCxnSpPr>
+        <p:spPr>
+          <a:xfrm rot="10800000" flipV="1">
+            <a:off x="1558978" y="4614474"/>
+            <a:ext cx="1196719" cy="182377"/>
+          </a:xfrm>
+          <a:prstGeom prst="straightConnector1">
+            <a:avLst/>
+          </a:prstGeom>
+          <a:ln>
+            <a:solidFill>
+              <a:schemeClr val="tx2"/>
+            </a:solidFill>
+            <a:tailEnd type="arrow"/>
+          </a:ln>
+        </p:spPr>
+        <p:style>
+          <a:lnRef idx="1">
+            <a:schemeClr val="accent1"/>
+          </a:lnRef>
+          <a:fillRef idx="0">
+            <a:schemeClr val="accent1"/>
+          </a:fillRef>
+          <a:effectRef idx="0">
+            <a:schemeClr val="accent1"/>
+          </a:effectRef>
+          <a:fontRef idx="minor">
+            <a:schemeClr val="tx1"/>
+          </a:fontRef>
+        </p:style>
+      </p:cxnSp>
+      <p:cxnSp>
+        <p:nvCxnSpPr>
+          <p:cNvPr id="16" name="Straight Arrow Connector 15"/>
           <p:cNvCxnSpPr/>
           <p:nvPr/>
         </p:nvCxnSpPr>
@@ -5045,7 +4793,7 @@
       </p:cxnSp>
       <p:sp>
         <p:nvSpPr>
-          <p:cNvPr id="17" name="TextBox 16"/>
+          <p:cNvPr id="18" name="TextBox 17"/>
           <p:cNvSpPr txBox="1"/>
           <p:nvPr/>
         </p:nvSpPr>
@@ -5086,7 +4834,7 @@
 </p:sld>
 </file>
 
-<file path=ppt/slides/slide13.xml><?xml version="1.0" encoding="utf-8"?>
+<file path=ppt/slides/slide14.xml><?xml version="1.0" encoding="utf-8"?>
 <p:sld xmlns:a="http://schemas.openxmlformats.org/drawingml/2006/main" xmlns:r="http://schemas.openxmlformats.org/officeDocument/2006/relationships" xmlns:p="http://schemas.openxmlformats.org/presentationml/2006/main">
   <p:cSld>
     <p:spTree>
@@ -5105,6 +4853,1091 @@
       </p:grpSpPr>
       <p:sp>
         <p:nvSpPr>
+          <p:cNvPr id="15" name="Oval 14"/>
+          <p:cNvSpPr/>
+          <p:nvPr/>
+        </p:nvSpPr>
+        <p:spPr>
+          <a:xfrm>
+            <a:off x="4459574" y="3335311"/>
+            <a:ext cx="194872" cy="179882"/>
+          </a:xfrm>
+          <a:prstGeom prst="ellipse">
+            <a:avLst/>
+          </a:prstGeom>
+          <a:gradFill flip="none" rotWithShape="1">
+            <a:gsLst>
+              <a:gs pos="0">
+                <a:schemeClr val="bg1">
+                  <a:lumMod val="75000"/>
+                  <a:shade val="30000"/>
+                  <a:satMod val="115000"/>
+                </a:schemeClr>
+              </a:gs>
+              <a:gs pos="50000">
+                <a:schemeClr val="bg1">
+                  <a:lumMod val="75000"/>
+                  <a:shade val="67500"/>
+                  <a:satMod val="115000"/>
+                </a:schemeClr>
+              </a:gs>
+              <a:gs pos="100000">
+                <a:schemeClr val="bg1">
+                  <a:lumMod val="75000"/>
+                  <a:shade val="100000"/>
+                  <a:satMod val="115000"/>
+                </a:schemeClr>
+              </a:gs>
+            </a:gsLst>
+            <a:lin ang="2700000" scaled="1"/>
+            <a:tileRect/>
+          </a:gradFill>
+          <a:ln>
+            <a:noFill/>
+          </a:ln>
+        </p:spPr>
+        <p:style>
+          <a:lnRef idx="2">
+            <a:schemeClr val="accent1">
+              <a:shade val="50000"/>
+            </a:schemeClr>
+          </a:lnRef>
+          <a:fillRef idx="1">
+            <a:schemeClr val="accent1"/>
+          </a:fillRef>
+          <a:effectRef idx="0">
+            <a:schemeClr val="accent1"/>
+          </a:effectRef>
+          <a:fontRef idx="minor">
+            <a:schemeClr val="lt1"/>
+          </a:fontRef>
+        </p:style>
+        <p:txBody>
+          <a:bodyPr rtlCol="0" anchor="ctr"/>
+          <a:lstStyle/>
+          <a:p>
+            <a:pPr algn="ctr"/>
+            <a:endParaRPr lang="en-US"/>
+          </a:p>
+        </p:txBody>
+      </p:sp>
+      <p:sp>
+        <p:nvSpPr>
+          <p:cNvPr id="25" name="Oval 24"/>
+          <p:cNvSpPr/>
+          <p:nvPr/>
+        </p:nvSpPr>
+        <p:spPr>
+          <a:xfrm>
+            <a:off x="3267856" y="2098623"/>
+            <a:ext cx="2578308" cy="2608289"/>
+          </a:xfrm>
+          <a:prstGeom prst="ellipse">
+            <a:avLst/>
+          </a:prstGeom>
+          <a:noFill/>
+          <a:ln w="6350">
+            <a:prstDash val="dash"/>
+          </a:ln>
+        </p:spPr>
+        <p:style>
+          <a:lnRef idx="2">
+            <a:schemeClr val="accent1">
+              <a:shade val="50000"/>
+            </a:schemeClr>
+          </a:lnRef>
+          <a:fillRef idx="1">
+            <a:schemeClr val="accent1"/>
+          </a:fillRef>
+          <a:effectRef idx="0">
+            <a:schemeClr val="accent1"/>
+          </a:effectRef>
+          <a:fontRef idx="minor">
+            <a:schemeClr val="lt1"/>
+          </a:fontRef>
+        </p:style>
+        <p:txBody>
+          <a:bodyPr rtlCol="0" anchor="ctr"/>
+          <a:lstStyle/>
+          <a:p>
+            <a:pPr algn="ctr"/>
+            <a:endParaRPr lang="en-US"/>
+          </a:p>
+        </p:txBody>
+      </p:sp>
+      <p:cxnSp>
+        <p:nvCxnSpPr>
+          <p:cNvPr id="28" name="Straight Arrow Connector 27"/>
+          <p:cNvCxnSpPr>
+            <a:stCxn id="25" idx="4"/>
+          </p:cNvCxnSpPr>
+          <p:nvPr/>
+        </p:nvCxnSpPr>
+        <p:spPr>
+          <a:xfrm rot="16200000" flipH="1">
+            <a:off x="5029200" y="4234722"/>
+            <a:ext cx="14990" cy="959370"/>
+          </a:xfrm>
+          <a:prstGeom prst="straightConnector1">
+            <a:avLst/>
+          </a:prstGeom>
+          <a:ln>
+            <a:tailEnd type="arrow"/>
+          </a:ln>
+        </p:spPr>
+        <p:style>
+          <a:lnRef idx="1">
+            <a:schemeClr val="accent1"/>
+          </a:lnRef>
+          <a:fillRef idx="0">
+            <a:schemeClr val="accent1"/>
+          </a:fillRef>
+          <a:effectRef idx="0">
+            <a:schemeClr val="accent1"/>
+          </a:effectRef>
+          <a:fontRef idx="minor">
+            <a:schemeClr val="tx1"/>
+          </a:fontRef>
+        </p:style>
+      </p:cxnSp>
+      <p:cxnSp>
+        <p:nvCxnSpPr>
+          <p:cNvPr id="29" name="Straight Arrow Connector 28"/>
+          <p:cNvCxnSpPr/>
+          <p:nvPr/>
+        </p:nvCxnSpPr>
+        <p:spPr>
+          <a:xfrm rot="5400000" flipH="1" flipV="1">
+            <a:off x="5501390" y="3555169"/>
+            <a:ext cx="722027" cy="537147"/>
+          </a:xfrm>
+          <a:prstGeom prst="straightConnector1">
+            <a:avLst/>
+          </a:prstGeom>
+          <a:ln>
+            <a:tailEnd type="arrow"/>
+          </a:ln>
+        </p:spPr>
+        <p:style>
+          <a:lnRef idx="1">
+            <a:schemeClr val="accent1"/>
+          </a:lnRef>
+          <a:fillRef idx="0">
+            <a:schemeClr val="accent1"/>
+          </a:fillRef>
+          <a:effectRef idx="0">
+            <a:schemeClr val="accent1"/>
+          </a:effectRef>
+          <a:fontRef idx="minor">
+            <a:schemeClr val="tx1"/>
+          </a:fontRef>
+        </p:style>
+      </p:cxnSp>
+      <p:cxnSp>
+        <p:nvCxnSpPr>
+          <p:cNvPr id="31" name="Straight Arrow Connector 30"/>
+          <p:cNvCxnSpPr/>
+          <p:nvPr/>
+        </p:nvCxnSpPr>
+        <p:spPr>
+          <a:xfrm rot="16200000" flipV="1">
+            <a:off x="5358983" y="2945568"/>
+            <a:ext cx="979360" cy="4997"/>
+          </a:xfrm>
+          <a:prstGeom prst="straightConnector1">
+            <a:avLst/>
+          </a:prstGeom>
+          <a:ln>
+            <a:tailEnd type="arrow"/>
+          </a:ln>
+        </p:spPr>
+        <p:style>
+          <a:lnRef idx="1">
+            <a:schemeClr val="accent1"/>
+          </a:lnRef>
+          <a:fillRef idx="0">
+            <a:schemeClr val="accent1"/>
+          </a:fillRef>
+          <a:effectRef idx="0">
+            <a:schemeClr val="accent1"/>
+          </a:effectRef>
+          <a:fontRef idx="minor">
+            <a:schemeClr val="tx1"/>
+          </a:fontRef>
+        </p:style>
+      </p:cxnSp>
+      <p:cxnSp>
+        <p:nvCxnSpPr>
+          <p:cNvPr id="33" name="Straight Arrow Connector 32"/>
+          <p:cNvCxnSpPr/>
+          <p:nvPr/>
+        </p:nvCxnSpPr>
+        <p:spPr>
+          <a:xfrm rot="10800000">
+            <a:off x="4676932" y="1738860"/>
+            <a:ext cx="757007" cy="712035"/>
+          </a:xfrm>
+          <a:prstGeom prst="straightConnector1">
+            <a:avLst/>
+          </a:prstGeom>
+          <a:ln>
+            <a:tailEnd type="arrow"/>
+          </a:ln>
+        </p:spPr>
+        <p:style>
+          <a:lnRef idx="1">
+            <a:schemeClr val="accent1"/>
+          </a:lnRef>
+          <a:fillRef idx="0">
+            <a:schemeClr val="accent1"/>
+          </a:fillRef>
+          <a:effectRef idx="0">
+            <a:schemeClr val="accent1"/>
+          </a:effectRef>
+          <a:fontRef idx="minor">
+            <a:schemeClr val="tx1"/>
+          </a:fontRef>
+        </p:style>
+      </p:cxnSp>
+      <p:cxnSp>
+        <p:nvCxnSpPr>
+          <p:cNvPr id="35" name="Straight Arrow Connector 34"/>
+          <p:cNvCxnSpPr/>
+          <p:nvPr/>
+        </p:nvCxnSpPr>
+        <p:spPr>
+          <a:xfrm rot="10800000" flipV="1">
+            <a:off x="3492709" y="2078641"/>
+            <a:ext cx="1104281" cy="4992"/>
+          </a:xfrm>
+          <a:prstGeom prst="straightConnector1">
+            <a:avLst/>
+          </a:prstGeom>
+          <a:ln>
+            <a:tailEnd type="arrow"/>
+          </a:ln>
+        </p:spPr>
+        <p:style>
+          <a:lnRef idx="1">
+            <a:schemeClr val="accent1"/>
+          </a:lnRef>
+          <a:fillRef idx="0">
+            <a:schemeClr val="accent1"/>
+          </a:fillRef>
+          <a:effectRef idx="0">
+            <a:schemeClr val="accent1"/>
+          </a:effectRef>
+          <a:fontRef idx="minor">
+            <a:schemeClr val="tx1"/>
+          </a:fontRef>
+        </p:style>
+      </p:cxnSp>
+      <p:cxnSp>
+        <p:nvCxnSpPr>
+          <p:cNvPr id="38" name="Straight Arrow Connector 37"/>
+          <p:cNvCxnSpPr/>
+          <p:nvPr/>
+        </p:nvCxnSpPr>
+        <p:spPr>
+          <a:xfrm rot="5400000">
+            <a:off x="2718223" y="2885605"/>
+            <a:ext cx="841943" cy="552145"/>
+          </a:xfrm>
+          <a:prstGeom prst="straightConnector1">
+            <a:avLst/>
+          </a:prstGeom>
+          <a:ln>
+            <a:tailEnd type="arrow"/>
+          </a:ln>
+        </p:spPr>
+        <p:style>
+          <a:lnRef idx="1">
+            <a:schemeClr val="accent1"/>
+          </a:lnRef>
+          <a:fillRef idx="0">
+            <a:schemeClr val="accent1"/>
+          </a:fillRef>
+          <a:effectRef idx="0">
+            <a:schemeClr val="accent1"/>
+          </a:effectRef>
+          <a:fontRef idx="minor">
+            <a:schemeClr val="tx1"/>
+          </a:fontRef>
+        </p:style>
+      </p:cxnSp>
+      <p:cxnSp>
+        <p:nvCxnSpPr>
+          <p:cNvPr id="40" name="Straight Arrow Connector 39"/>
+          <p:cNvCxnSpPr/>
+          <p:nvPr/>
+        </p:nvCxnSpPr>
+        <p:spPr>
+          <a:xfrm rot="16200000" flipH="1">
+            <a:off x="2818158" y="3852478"/>
+            <a:ext cx="914395" cy="44962"/>
+          </a:xfrm>
+          <a:prstGeom prst="straightConnector1">
+            <a:avLst/>
+          </a:prstGeom>
+          <a:ln>
+            <a:tailEnd type="arrow"/>
+          </a:ln>
+        </p:spPr>
+        <p:style>
+          <a:lnRef idx="1">
+            <a:schemeClr val="accent1"/>
+          </a:lnRef>
+          <a:fillRef idx="0">
+            <a:schemeClr val="accent1"/>
+          </a:fillRef>
+          <a:effectRef idx="0">
+            <a:schemeClr val="accent1"/>
+          </a:effectRef>
+          <a:fontRef idx="minor">
+            <a:schemeClr val="tx1"/>
+          </a:fontRef>
+        </p:style>
+      </p:cxnSp>
+      <p:cxnSp>
+        <p:nvCxnSpPr>
+          <p:cNvPr id="42" name="Straight Arrow Connector 41"/>
+          <p:cNvCxnSpPr/>
+          <p:nvPr/>
+        </p:nvCxnSpPr>
+        <p:spPr>
+          <a:xfrm>
+            <a:off x="3839991" y="4469571"/>
+            <a:ext cx="806963" cy="477186"/>
+          </a:xfrm>
+          <a:prstGeom prst="straightConnector1">
+            <a:avLst/>
+          </a:prstGeom>
+          <a:ln>
+            <a:tailEnd type="arrow"/>
+          </a:ln>
+        </p:spPr>
+        <p:style>
+          <a:lnRef idx="1">
+            <a:schemeClr val="accent1"/>
+          </a:lnRef>
+          <a:fillRef idx="0">
+            <a:schemeClr val="accent1"/>
+          </a:fillRef>
+          <a:effectRef idx="0">
+            <a:schemeClr val="accent1"/>
+          </a:effectRef>
+          <a:fontRef idx="minor">
+            <a:schemeClr val="tx1"/>
+          </a:fontRef>
+        </p:style>
+      </p:cxnSp>
+      <p:sp>
+        <p:nvSpPr>
+          <p:cNvPr id="44" name="TextBox 43"/>
+          <p:cNvSpPr txBox="1"/>
+          <p:nvPr/>
+        </p:nvSpPr>
+        <p:spPr>
+          <a:xfrm>
+            <a:off x="5501390" y="1783830"/>
+            <a:ext cx="1505540" cy="523220"/>
+          </a:xfrm>
+          <a:prstGeom prst="rect">
+            <a:avLst/>
+          </a:prstGeom>
+          <a:noFill/>
+        </p:spPr>
+        <p:txBody>
+          <a:bodyPr wrap="none" rtlCol="0">
+            <a:spAutoFit/>
+          </a:bodyPr>
+          <a:lstStyle/>
+          <a:p>
+            <a:r>
+              <a:rPr lang="en-US" sz="2800" dirty="0"/>
+              <a:t>Top View</a:t>
+            </a:r>
+          </a:p>
+        </p:txBody>
+      </p:sp>
+    </p:spTree>
+  </p:cSld>
+  <p:clrMapOvr>
+    <a:masterClrMapping/>
+  </p:clrMapOvr>
+</p:sld>
+</file>
+
+<file path=ppt/slides/slide15.xml><?xml version="1.0" encoding="utf-8"?>
+<p:sld xmlns:a="http://schemas.openxmlformats.org/drawingml/2006/main" xmlns:r="http://schemas.openxmlformats.org/officeDocument/2006/relationships" xmlns:p="http://schemas.openxmlformats.org/presentationml/2006/main">
+  <p:cSld>
+    <p:spTree>
+      <p:nvGrpSpPr>
+        <p:cNvPr id="1" name=""/>
+        <p:cNvGrpSpPr/>
+        <p:nvPr/>
+      </p:nvGrpSpPr>
+      <p:grpSpPr>
+        <a:xfrm>
+          <a:off x="0" y="0"/>
+          <a:ext cx="0" cy="0"/>
+          <a:chOff x="0" y="0"/>
+          <a:chExt cx="0" cy="0"/>
+        </a:xfrm>
+      </p:grpSpPr>
+      <p:sp>
+        <p:nvSpPr>
+          <p:cNvPr id="14" name="Freeform 13"/>
+          <p:cNvSpPr/>
+          <p:nvPr/>
+        </p:nvSpPr>
+        <p:spPr>
+          <a:xfrm>
+            <a:off x="4476740" y="3810583"/>
+            <a:ext cx="186323" cy="329784"/>
+          </a:xfrm>
+          <a:custGeom>
+            <a:avLst/>
+            <a:gdLst>
+              <a:gd name="connsiteX0" fmla="*/ 554636 w 554636"/>
+              <a:gd name="connsiteY0" fmla="*/ 1124262 h 1124262"/>
+              <a:gd name="connsiteX1" fmla="*/ 164892 w 554636"/>
+              <a:gd name="connsiteY1" fmla="*/ 1079292 h 1124262"/>
+              <a:gd name="connsiteX2" fmla="*/ 0 w 554636"/>
+              <a:gd name="connsiteY2" fmla="*/ 44970 h 1124262"/>
+              <a:gd name="connsiteX3" fmla="*/ 464695 w 554636"/>
+              <a:gd name="connsiteY3" fmla="*/ 0 h 1124262"/>
+              <a:gd name="connsiteX4" fmla="*/ 554636 w 554636"/>
+              <a:gd name="connsiteY4" fmla="*/ 1124262 h 1124262"/>
+            </a:gdLst>
+            <a:ahLst/>
+            <a:cxnLst>
+              <a:cxn ang="0">
+                <a:pos x="connsiteX0" y="connsiteY0"/>
+              </a:cxn>
+              <a:cxn ang="0">
+                <a:pos x="connsiteX1" y="connsiteY1"/>
+              </a:cxn>
+              <a:cxn ang="0">
+                <a:pos x="connsiteX2" y="connsiteY2"/>
+              </a:cxn>
+              <a:cxn ang="0">
+                <a:pos x="connsiteX3" y="connsiteY3"/>
+              </a:cxn>
+              <a:cxn ang="0">
+                <a:pos x="connsiteX4" y="connsiteY4"/>
+              </a:cxn>
+            </a:cxnLst>
+            <a:rect l="l" t="t" r="r" b="b"/>
+            <a:pathLst>
+              <a:path w="554636" h="1124262">
+                <a:moveTo>
+                  <a:pt x="554636" y="1124262"/>
+                </a:moveTo>
+                <a:lnTo>
+                  <a:pt x="164892" y="1079292"/>
+                </a:lnTo>
+                <a:lnTo>
+                  <a:pt x="0" y="44970"/>
+                </a:lnTo>
+                <a:cubicBezTo>
+                  <a:pt x="154850" y="29485"/>
+                  <a:pt x="309073" y="0"/>
+                  <a:pt x="464695" y="0"/>
+                </a:cubicBezTo>
+                <a:lnTo>
+                  <a:pt x="554636" y="1124262"/>
+                </a:lnTo>
+                <a:close/>
+              </a:path>
+            </a:pathLst>
+          </a:custGeom>
+          <a:solidFill>
+            <a:schemeClr val="bg1">
+              <a:lumMod val="50000"/>
+            </a:schemeClr>
+          </a:solidFill>
+          <a:ln>
+            <a:noFill/>
+          </a:ln>
+        </p:spPr>
+        <p:style>
+          <a:lnRef idx="2">
+            <a:schemeClr val="accent1">
+              <a:shade val="50000"/>
+            </a:schemeClr>
+          </a:lnRef>
+          <a:fillRef idx="1">
+            <a:schemeClr val="accent1"/>
+          </a:fillRef>
+          <a:effectRef idx="0">
+            <a:schemeClr val="accent1"/>
+          </a:effectRef>
+          <a:fontRef idx="minor">
+            <a:schemeClr val="lt1"/>
+          </a:fontRef>
+        </p:style>
+        <p:txBody>
+          <a:bodyPr rtlCol="0" anchor="ctr"/>
+          <a:lstStyle/>
+          <a:p>
+            <a:pPr algn="ctr"/>
+            <a:endParaRPr lang="en-US"/>
+          </a:p>
+        </p:txBody>
+      </p:sp>
+      <p:sp>
+        <p:nvSpPr>
+          <p:cNvPr id="13" name="Rectangle 12"/>
+          <p:cNvSpPr/>
+          <p:nvPr/>
+        </p:nvSpPr>
+        <p:spPr>
+          <a:xfrm>
+            <a:off x="4500239" y="1081790"/>
+            <a:ext cx="101741" cy="5776210"/>
+          </a:xfrm>
+          <a:prstGeom prst="rect">
+            <a:avLst/>
+          </a:prstGeom>
+          <a:gradFill flip="none" rotWithShape="1">
+            <a:gsLst>
+              <a:gs pos="0">
+                <a:schemeClr val="bg1">
+                  <a:lumMod val="85000"/>
+                  <a:shade val="30000"/>
+                  <a:satMod val="115000"/>
+                </a:schemeClr>
+              </a:gs>
+              <a:gs pos="50000">
+                <a:schemeClr val="bg1">
+                  <a:lumMod val="85000"/>
+                  <a:shade val="67500"/>
+                  <a:satMod val="115000"/>
+                </a:schemeClr>
+              </a:gs>
+              <a:gs pos="100000">
+                <a:schemeClr val="bg1">
+                  <a:lumMod val="85000"/>
+                  <a:shade val="100000"/>
+                  <a:satMod val="115000"/>
+                </a:schemeClr>
+              </a:gs>
+            </a:gsLst>
+            <a:lin ang="18900000" scaled="1"/>
+            <a:tileRect/>
+          </a:gradFill>
+          <a:ln>
+            <a:noFill/>
+          </a:ln>
+        </p:spPr>
+        <p:style>
+          <a:lnRef idx="2">
+            <a:schemeClr val="accent1">
+              <a:shade val="50000"/>
+            </a:schemeClr>
+          </a:lnRef>
+          <a:fillRef idx="1">
+            <a:schemeClr val="accent1"/>
+          </a:fillRef>
+          <a:effectRef idx="0">
+            <a:schemeClr val="accent1"/>
+          </a:effectRef>
+          <a:fontRef idx="minor">
+            <a:schemeClr val="lt1"/>
+          </a:fontRef>
+        </p:style>
+        <p:txBody>
+          <a:bodyPr rtlCol="0" anchor="ctr"/>
+          <a:lstStyle/>
+          <a:p>
+            <a:pPr algn="ctr"/>
+            <a:endParaRPr lang="en-US"/>
+          </a:p>
+        </p:txBody>
+      </p:sp>
+      <p:pic>
+        <p:nvPicPr>
+          <p:cNvPr id="12" name="Picture 11" descr="rest of hand.gif"/>
+          <p:cNvPicPr>
+            <a:picLocks noChangeAspect="1"/>
+          </p:cNvPicPr>
+          <p:nvPr/>
+        </p:nvPicPr>
+        <p:blipFill>
+          <a:blip r:embed="rId2" cstate="print"/>
+          <a:stretch>
+            <a:fillRect/>
+          </a:stretch>
+        </p:blipFill>
+        <p:spPr>
+          <a:xfrm>
+            <a:off x="4141862" y="3456432"/>
+            <a:ext cx="1343918" cy="838200"/>
+          </a:xfrm>
+          <a:prstGeom prst="rect">
+            <a:avLst/>
+          </a:prstGeom>
+        </p:spPr>
+      </p:pic>
+      <p:pic>
+        <p:nvPicPr>
+          <p:cNvPr id="11" name="Picture 10" descr="fingers.gif"/>
+          <p:cNvPicPr>
+            <a:picLocks noChangeAspect="1"/>
+          </p:cNvPicPr>
+          <p:nvPr/>
+        </p:nvPicPr>
+        <p:blipFill>
+          <a:blip r:embed="rId3" cstate="print"/>
+          <a:stretch>
+            <a:fillRect/>
+          </a:stretch>
+        </p:blipFill>
+        <p:spPr>
+          <a:xfrm>
+            <a:off x="3847480" y="3557016"/>
+            <a:ext cx="1343918" cy="838200"/>
+          </a:xfrm>
+          <a:prstGeom prst="rect">
+            <a:avLst/>
+          </a:prstGeom>
+        </p:spPr>
+      </p:pic>
+      <p:sp>
+        <p:nvSpPr>
+          <p:cNvPr id="16" name="Arc 15"/>
+          <p:cNvSpPr/>
+          <p:nvPr/>
+        </p:nvSpPr>
+        <p:spPr>
+          <a:xfrm>
+            <a:off x="2458390" y="4631961"/>
+            <a:ext cx="4182257" cy="374754"/>
+          </a:xfrm>
+          <a:prstGeom prst="arc">
+            <a:avLst>
+              <a:gd name="adj1" fmla="val 17638889"/>
+              <a:gd name="adj2" fmla="val 14658499"/>
+            </a:avLst>
+          </a:prstGeom>
+        </p:spPr>
+        <p:style>
+          <a:lnRef idx="1">
+            <a:schemeClr val="accent1"/>
+          </a:lnRef>
+          <a:fillRef idx="0">
+            <a:schemeClr val="accent1"/>
+          </a:fillRef>
+          <a:effectRef idx="0">
+            <a:schemeClr val="accent1"/>
+          </a:effectRef>
+          <a:fontRef idx="minor">
+            <a:schemeClr val="tx1"/>
+          </a:fontRef>
+        </p:style>
+        <p:txBody>
+          <a:bodyPr rtlCol="0" anchor="ctr"/>
+          <a:lstStyle/>
+          <a:p>
+            <a:pPr algn="ctr"/>
+            <a:endParaRPr lang="en-US"/>
+          </a:p>
+        </p:txBody>
+      </p:sp>
+      <p:sp>
+        <p:nvSpPr>
+          <p:cNvPr id="18" name="Arc 17"/>
+          <p:cNvSpPr/>
+          <p:nvPr/>
+        </p:nvSpPr>
+        <p:spPr>
+          <a:xfrm>
+            <a:off x="2908097" y="4736892"/>
+            <a:ext cx="3272852" cy="179882"/>
+          </a:xfrm>
+          <a:prstGeom prst="arc">
+            <a:avLst>
+              <a:gd name="adj1" fmla="val 19339024"/>
+              <a:gd name="adj2" fmla="val 12729707"/>
+            </a:avLst>
+          </a:prstGeom>
+        </p:spPr>
+        <p:style>
+          <a:lnRef idx="1">
+            <a:schemeClr val="accent1"/>
+          </a:lnRef>
+          <a:fillRef idx="0">
+            <a:schemeClr val="accent1"/>
+          </a:fillRef>
+          <a:effectRef idx="0">
+            <a:schemeClr val="accent1"/>
+          </a:effectRef>
+          <a:fontRef idx="minor">
+            <a:schemeClr val="tx1"/>
+          </a:fontRef>
+        </p:style>
+        <p:txBody>
+          <a:bodyPr rtlCol="0" anchor="ctr"/>
+          <a:lstStyle/>
+          <a:p>
+            <a:pPr algn="ctr"/>
+            <a:endParaRPr lang="en-US"/>
+          </a:p>
+        </p:txBody>
+      </p:sp>
+      <p:sp>
+        <p:nvSpPr>
+          <p:cNvPr id="20" name="Arc 19"/>
+          <p:cNvSpPr/>
+          <p:nvPr/>
+        </p:nvSpPr>
+        <p:spPr>
+          <a:xfrm>
+            <a:off x="2008687" y="4542020"/>
+            <a:ext cx="5096655" cy="569626"/>
+          </a:xfrm>
+          <a:prstGeom prst="arc">
+            <a:avLst>
+              <a:gd name="adj1" fmla="val 17638889"/>
+              <a:gd name="adj2" fmla="val 14658499"/>
+            </a:avLst>
+          </a:prstGeom>
+        </p:spPr>
+        <p:style>
+          <a:lnRef idx="1">
+            <a:schemeClr val="accent1"/>
+          </a:lnRef>
+          <a:fillRef idx="0">
+            <a:schemeClr val="accent1"/>
+          </a:fillRef>
+          <a:effectRef idx="0">
+            <a:schemeClr val="accent1"/>
+          </a:effectRef>
+          <a:fontRef idx="minor">
+            <a:schemeClr val="tx1"/>
+          </a:fontRef>
+        </p:style>
+        <p:txBody>
+          <a:bodyPr rtlCol="0" anchor="ctr"/>
+          <a:lstStyle/>
+          <a:p>
+            <a:pPr algn="ctr"/>
+            <a:endParaRPr lang="en-US"/>
+          </a:p>
+        </p:txBody>
+      </p:sp>
+      <p:sp>
+        <p:nvSpPr>
+          <p:cNvPr id="21" name="Isosceles Triangle 20"/>
+          <p:cNvSpPr/>
+          <p:nvPr/>
+        </p:nvSpPr>
+        <p:spPr>
+          <a:xfrm rot="5400000" flipH="1">
+            <a:off x="5042437" y="4835694"/>
+            <a:ext cx="164892" cy="149902"/>
+          </a:xfrm>
+          <a:prstGeom prst="triangle">
+            <a:avLst/>
+          </a:prstGeom>
+          <a:ln>
+            <a:noFill/>
+          </a:ln>
+        </p:spPr>
+        <p:style>
+          <a:lnRef idx="2">
+            <a:schemeClr val="accent1">
+              <a:shade val="50000"/>
+            </a:schemeClr>
+          </a:lnRef>
+          <a:fillRef idx="1">
+            <a:schemeClr val="accent1"/>
+          </a:fillRef>
+          <a:effectRef idx="0">
+            <a:schemeClr val="accent1"/>
+          </a:effectRef>
+          <a:fontRef idx="minor">
+            <a:schemeClr val="lt1"/>
+          </a:fontRef>
+        </p:style>
+        <p:txBody>
+          <a:bodyPr rtlCol="0" anchor="ctr"/>
+          <a:lstStyle/>
+          <a:p>
+            <a:pPr algn="ctr"/>
+            <a:endParaRPr lang="en-US"/>
+          </a:p>
+        </p:txBody>
+      </p:sp>
+      <p:sp>
+        <p:nvSpPr>
+          <p:cNvPr id="22" name="Isosceles Triangle 21"/>
+          <p:cNvSpPr/>
+          <p:nvPr/>
+        </p:nvSpPr>
+        <p:spPr>
+          <a:xfrm rot="5400000" flipH="1">
+            <a:off x="5342085" y="4906665"/>
+            <a:ext cx="164892" cy="149902"/>
+          </a:xfrm>
+          <a:prstGeom prst="triangle">
+            <a:avLst/>
+          </a:prstGeom>
+          <a:ln>
+            <a:noFill/>
+          </a:ln>
+        </p:spPr>
+        <p:style>
+          <a:lnRef idx="2">
+            <a:schemeClr val="accent1">
+              <a:shade val="50000"/>
+            </a:schemeClr>
+          </a:lnRef>
+          <a:fillRef idx="1">
+            <a:schemeClr val="accent1"/>
+          </a:fillRef>
+          <a:effectRef idx="0">
+            <a:schemeClr val="accent1"/>
+          </a:effectRef>
+          <a:fontRef idx="minor">
+            <a:schemeClr val="lt1"/>
+          </a:fontRef>
+        </p:style>
+        <p:txBody>
+          <a:bodyPr rtlCol="0" anchor="ctr"/>
+          <a:lstStyle/>
+          <a:p>
+            <a:pPr algn="ctr"/>
+            <a:endParaRPr lang="en-US"/>
+          </a:p>
+        </p:txBody>
+      </p:sp>
+      <p:sp>
+        <p:nvSpPr>
+          <p:cNvPr id="23" name="Isosceles Triangle 22"/>
+          <p:cNvSpPr/>
+          <p:nvPr/>
+        </p:nvSpPr>
+        <p:spPr>
+          <a:xfrm rot="5400000" flipH="1">
+            <a:off x="5759818" y="5011405"/>
+            <a:ext cx="164892" cy="149902"/>
+          </a:xfrm>
+          <a:prstGeom prst="triangle">
+            <a:avLst/>
+          </a:prstGeom>
+          <a:ln>
+            <a:noFill/>
+          </a:ln>
+        </p:spPr>
+        <p:style>
+          <a:lnRef idx="2">
+            <a:schemeClr val="accent1">
+              <a:shade val="50000"/>
+            </a:schemeClr>
+          </a:lnRef>
+          <a:fillRef idx="1">
+            <a:schemeClr val="accent1"/>
+          </a:fillRef>
+          <a:effectRef idx="0">
+            <a:schemeClr val="accent1"/>
+          </a:effectRef>
+          <a:fontRef idx="minor">
+            <a:schemeClr val="lt1"/>
+          </a:fontRef>
+        </p:style>
+        <p:txBody>
+          <a:bodyPr rtlCol="0" anchor="ctr"/>
+          <a:lstStyle/>
+          <a:p>
+            <a:pPr algn="ctr"/>
+            <a:endParaRPr lang="en-US"/>
+          </a:p>
+        </p:txBody>
+      </p:sp>
+      <p:sp>
+        <p:nvSpPr>
+          <p:cNvPr id="19" name="Arc 18"/>
+          <p:cNvSpPr/>
+          <p:nvPr/>
+        </p:nvSpPr>
+        <p:spPr>
+          <a:xfrm>
+            <a:off x="3633090" y="4785839"/>
+            <a:ext cx="1843790" cy="74294"/>
+          </a:xfrm>
+          <a:prstGeom prst="arc">
+            <a:avLst>
+              <a:gd name="adj1" fmla="val 20584169"/>
+              <a:gd name="adj2" fmla="val 11804274"/>
+            </a:avLst>
+          </a:prstGeom>
+        </p:spPr>
+        <p:style>
+          <a:lnRef idx="1">
+            <a:schemeClr val="accent1"/>
+          </a:lnRef>
+          <a:fillRef idx="0">
+            <a:schemeClr val="accent1"/>
+          </a:fillRef>
+          <a:effectRef idx="0">
+            <a:schemeClr val="accent1"/>
+          </a:effectRef>
+          <a:fontRef idx="minor">
+            <a:schemeClr val="tx1"/>
+          </a:fontRef>
+        </p:style>
+        <p:txBody>
+          <a:bodyPr rtlCol="0" anchor="ctr"/>
+          <a:lstStyle/>
+          <a:p>
+            <a:pPr algn="ctr"/>
+            <a:endParaRPr lang="en-US"/>
+          </a:p>
+        </p:txBody>
+      </p:sp>
+      <p:sp>
+        <p:nvSpPr>
+          <p:cNvPr id="27" name="Isosceles Triangle 26"/>
+          <p:cNvSpPr/>
+          <p:nvPr/>
+        </p:nvSpPr>
+        <p:spPr>
+          <a:xfrm rot="5400000" flipH="1">
+            <a:off x="4697156" y="4783306"/>
+            <a:ext cx="164892" cy="149902"/>
+          </a:xfrm>
+          <a:prstGeom prst="triangle">
+            <a:avLst/>
+          </a:prstGeom>
+          <a:ln>
+            <a:noFill/>
+          </a:ln>
+        </p:spPr>
+        <p:style>
+          <a:lnRef idx="2">
+            <a:schemeClr val="accent1">
+              <a:shade val="50000"/>
+            </a:schemeClr>
+          </a:lnRef>
+          <a:fillRef idx="1">
+            <a:schemeClr val="accent1"/>
+          </a:fillRef>
+          <a:effectRef idx="0">
+            <a:schemeClr val="accent1"/>
+          </a:effectRef>
+          <a:fontRef idx="minor">
+            <a:schemeClr val="lt1"/>
+          </a:fontRef>
+        </p:style>
+        <p:txBody>
+          <a:bodyPr rtlCol="0" anchor="ctr"/>
+          <a:lstStyle/>
+          <a:p>
+            <a:pPr algn="ctr"/>
+            <a:endParaRPr lang="en-US"/>
+          </a:p>
+        </p:txBody>
+      </p:sp>
+      <p:cxnSp>
+        <p:nvCxnSpPr>
+          <p:cNvPr id="15" name="Straight Arrow Connector 14"/>
+          <p:cNvCxnSpPr/>
+          <p:nvPr/>
+        </p:nvCxnSpPr>
+        <p:spPr>
+          <a:xfrm flipV="1">
+            <a:off x="4846320" y="1478280"/>
+            <a:ext cx="15240" cy="548640"/>
+          </a:xfrm>
+          <a:prstGeom prst="straightConnector1">
+            <a:avLst/>
+          </a:prstGeom>
+          <a:ln w="28575">
+            <a:solidFill>
+              <a:srgbClr val="FF0000"/>
+            </a:solidFill>
+            <a:tailEnd type="arrow"/>
+          </a:ln>
+        </p:spPr>
+        <p:style>
+          <a:lnRef idx="1">
+            <a:schemeClr val="accent1"/>
+          </a:lnRef>
+          <a:fillRef idx="0">
+            <a:schemeClr val="accent1"/>
+          </a:fillRef>
+          <a:effectRef idx="0">
+            <a:schemeClr val="accent1"/>
+          </a:effectRef>
+          <a:fontRef idx="minor">
+            <a:schemeClr val="tx1"/>
+          </a:fontRef>
+        </p:style>
+      </p:cxnSp>
+      <p:sp>
+        <p:nvSpPr>
+          <p:cNvPr id="17" name="TextBox 16"/>
+          <p:cNvSpPr txBox="1"/>
+          <p:nvPr/>
+        </p:nvSpPr>
+        <p:spPr>
+          <a:xfrm>
+            <a:off x="4983480" y="1615440"/>
+            <a:ext cx="320922" cy="584775"/>
+          </a:xfrm>
+          <a:prstGeom prst="rect">
+            <a:avLst/>
+          </a:prstGeom>
+          <a:noFill/>
+        </p:spPr>
+        <p:txBody>
+          <a:bodyPr wrap="none" rtlCol="0">
+            <a:spAutoFit/>
+          </a:bodyPr>
+          <a:lstStyle/>
+          <a:p>
+            <a:r>
+              <a:rPr lang="en-US" sz="3200" dirty="0">
+                <a:solidFill>
+                  <a:srgbClr val="FF0000"/>
+                </a:solidFill>
+                <a:latin typeface="Times New Roman" pitchFamily="18" charset="0"/>
+                <a:cs typeface="Times New Roman" pitchFamily="18" charset="0"/>
+              </a:rPr>
+              <a:t>I</a:t>
+            </a:r>
+          </a:p>
+        </p:txBody>
+      </p:sp>
+    </p:spTree>
+  </p:cSld>
+  <p:clrMapOvr>
+    <a:masterClrMapping/>
+  </p:clrMapOvr>
+</p:sld>
+</file>
+
+<file path=ppt/slides/slide16.xml><?xml version="1.0" encoding="utf-8"?>
+<p:sld xmlns:a="http://schemas.openxmlformats.org/drawingml/2006/main" xmlns:r="http://schemas.openxmlformats.org/officeDocument/2006/relationships" xmlns:p="http://schemas.openxmlformats.org/presentationml/2006/main">
+  <p:cSld>
+    <p:spTree>
+      <p:nvGrpSpPr>
+        <p:cNvPr id="1" name=""/>
+        <p:cNvGrpSpPr/>
+        <p:nvPr/>
+      </p:nvGrpSpPr>
+      <p:grpSpPr>
+        <a:xfrm>
+          <a:off x="0" y="0"/>
+          <a:ext cx="0" cy="0"/>
+          <a:chOff x="0" y="0"/>
+          <a:chExt cx="0" cy="0"/>
+        </a:xfrm>
+      </p:grpSpPr>
+      <p:sp>
+        <p:nvSpPr>
           <p:cNvPr id="2" name="Title 1"/>
           <p:cNvSpPr>
             <a:spLocks noGrp="1"/>
@@ -5252,7 +6085,7 @@
               <a:pPr>
                 <a:defRPr/>
               </a:pPr>
-              <a:t>13</a:t>
+              <a:t>16</a:t>
             </a:fld>
             <a:endParaRPr lang="en-US"/>
           </a:p>
@@ -5299,7 +6132,7 @@
 </p:sld>
 </file>
 
-<file path=ppt/slides/slide14.xml><?xml version="1.0" encoding="utf-8"?>
+<file path=ppt/slides/slide17.xml><?xml version="1.0" encoding="utf-8"?>
 <p:sld xmlns:a="http://schemas.openxmlformats.org/drawingml/2006/main" xmlns:r="http://schemas.openxmlformats.org/officeDocument/2006/relationships" xmlns:p="http://schemas.openxmlformats.org/presentationml/2006/main">
   <p:cSld>
     <p:spTree>
@@ -6316,7 +7149,7 @@
 </p:sld>
 </file>
 
-<file path=ppt/slides/slide15.xml><?xml version="1.0" encoding="utf-8"?>
+<file path=ppt/slides/slide18.xml><?xml version="1.0" encoding="utf-8"?>
 <p:sld xmlns:a="http://schemas.openxmlformats.org/drawingml/2006/main" xmlns:r="http://schemas.openxmlformats.org/officeDocument/2006/relationships" xmlns:p="http://schemas.openxmlformats.org/presentationml/2006/main">
   <p:cSld>
     <p:spTree>
@@ -6500,7 +7333,7 @@
               <a:pPr>
                 <a:defRPr/>
               </a:pPr>
-              <a:t>15</a:t>
+              <a:t>18</a:t>
             </a:fld>
             <a:endParaRPr lang="en-US"/>
           </a:p>
@@ -6547,7 +7380,7 @@
 </p:sld>
 </file>
 
-<file path=ppt/slides/slide16.xml><?xml version="1.0" encoding="utf-8"?>
+<file path=ppt/slides/slide19.xml><?xml version="1.0" encoding="utf-8"?>
 <p:sld xmlns:a="http://schemas.openxmlformats.org/drawingml/2006/main" xmlns:r="http://schemas.openxmlformats.org/officeDocument/2006/relationships" xmlns:p="http://schemas.openxmlformats.org/presentationml/2006/main">
   <p:cSld>
     <p:spTree>
@@ -7752,7 +8585,123 @@
 </p:sld>
 </file>
 
-<file path=ppt/slides/slide17.xml><?xml version="1.0" encoding="utf-8"?>
+<file path=ppt/slides/slide2.xml><?xml version="1.0" encoding="utf-8"?>
+<p:sld xmlns:a="http://schemas.openxmlformats.org/drawingml/2006/main" xmlns:r="http://schemas.openxmlformats.org/officeDocument/2006/relationships" xmlns:p="http://schemas.openxmlformats.org/presentationml/2006/main">
+  <p:cSld>
+    <p:spTree>
+      <p:nvGrpSpPr>
+        <p:cNvPr id="1" name=""/>
+        <p:cNvGrpSpPr/>
+        <p:nvPr/>
+      </p:nvGrpSpPr>
+      <p:grpSpPr>
+        <a:xfrm>
+          <a:off x="0" y="0"/>
+          <a:ext cx="0" cy="0"/>
+          <a:chOff x="0" y="0"/>
+          <a:chExt cx="0" cy="0"/>
+        </a:xfrm>
+      </p:grpSpPr>
+      <p:sp>
+        <p:nvSpPr>
+          <p:cNvPr id="2" name="Title 1">
+            <a:extLst>
+              <a:ext uri="{FF2B5EF4-FFF2-40B4-BE49-F238E27FC236}">
+                <a16:creationId xmlns:a16="http://schemas.microsoft.com/office/drawing/2014/main" id="{B03D8388-3367-9D2A-7FD6-BBBE5822EF5D}"/>
+              </a:ext>
+            </a:extLst>
+          </p:cNvPr>
+          <p:cNvSpPr>
+            <a:spLocks noGrp="1"/>
+          </p:cNvSpPr>
+          <p:nvPr>
+            <p:ph type="title"/>
+          </p:nvPr>
+        </p:nvSpPr>
+        <p:spPr/>
+        <p:txBody>
+          <a:bodyPr/>
+          <a:lstStyle/>
+          <a:p>
+            <a:endParaRPr lang="en-US"/>
+          </a:p>
+        </p:txBody>
+      </p:sp>
+      <p:sp>
+        <p:nvSpPr>
+          <p:cNvPr id="3" name="Content Placeholder 2">
+            <a:extLst>
+              <a:ext uri="{FF2B5EF4-FFF2-40B4-BE49-F238E27FC236}">
+                <a16:creationId xmlns:a16="http://schemas.microsoft.com/office/drawing/2014/main" id="{6FA08FEE-A113-6D78-A404-733E84D99489}"/>
+              </a:ext>
+            </a:extLst>
+          </p:cNvPr>
+          <p:cNvSpPr>
+            <a:spLocks noGrp="1"/>
+          </p:cNvSpPr>
+          <p:nvPr>
+            <p:ph idx="1"/>
+          </p:nvPr>
+        </p:nvSpPr>
+        <p:spPr/>
+        <p:txBody>
+          <a:bodyPr/>
+          <a:lstStyle/>
+          <a:p>
+            <a:endParaRPr lang="en-US"/>
+          </a:p>
+        </p:txBody>
+      </p:sp>
+      <p:pic>
+        <p:nvPicPr>
+          <p:cNvPr id="5" name="Graphic 4">
+            <a:extLst>
+              <a:ext uri="{FF2B5EF4-FFF2-40B4-BE49-F238E27FC236}">
+                <a16:creationId xmlns:a16="http://schemas.microsoft.com/office/drawing/2014/main" id="{FA6FBA52-D007-A081-4D30-7B8228119B89}"/>
+              </a:ext>
+            </a:extLst>
+          </p:cNvPr>
+          <p:cNvPicPr>
+            <a:picLocks noChangeAspect="1"/>
+          </p:cNvPicPr>
+          <p:nvPr/>
+        </p:nvPicPr>
+        <p:blipFill>
+          <a:blip r:embed="rId2">
+            <a:extLst>
+              <a:ext uri="{96DAC541-7B7A-43D3-8B79-37D633B846F1}">
+                <asvg:svgBlip xmlns:asvg="http://schemas.microsoft.com/office/drawing/2016/SVG/main" r:embed="rId3"/>
+              </a:ext>
+            </a:extLst>
+          </a:blip>
+          <a:stretch>
+            <a:fillRect/>
+          </a:stretch>
+        </p:blipFill>
+        <p:spPr>
+          <a:xfrm>
+            <a:off x="0" y="1279311"/>
+            <a:ext cx="9144000" cy="4299378"/>
+          </a:xfrm>
+          <a:prstGeom prst="rect">
+            <a:avLst/>
+          </a:prstGeom>
+        </p:spPr>
+      </p:pic>
+    </p:spTree>
+    <p:extLst>
+      <p:ext uri="{BB962C8B-B14F-4D97-AF65-F5344CB8AC3E}">
+        <p14:creationId xmlns:p14="http://schemas.microsoft.com/office/powerpoint/2010/main" val="3452187060"/>
+      </p:ext>
+    </p:extLst>
+  </p:cSld>
+  <p:clrMapOvr>
+    <a:masterClrMapping/>
+  </p:clrMapOvr>
+</p:sld>
+</file>
+
+<file path=ppt/slides/slide20.xml><?xml version="1.0" encoding="utf-8"?>
 <p:sld xmlns:a="http://schemas.openxmlformats.org/drawingml/2006/main" xmlns:r="http://schemas.openxmlformats.org/officeDocument/2006/relationships" xmlns:p="http://schemas.openxmlformats.org/presentationml/2006/main">
   <p:cSld>
     <p:spTree>
@@ -8949,7 +9898,7 @@
 </p:sld>
 </file>
 
-<file path=ppt/slides/slide18.xml><?xml version="1.0" encoding="utf-8"?>
+<file path=ppt/slides/slide21.xml><?xml version="1.0" encoding="utf-8"?>
 <p:sld xmlns:a="http://schemas.openxmlformats.org/drawingml/2006/main" xmlns:r="http://schemas.openxmlformats.org/officeDocument/2006/relationships" xmlns:p="http://schemas.openxmlformats.org/presentationml/2006/main">
   <p:cSld>
     <p:spTree>
@@ -10676,7 +11625,7 @@
 </p:sld>
 </file>
 
-<file path=ppt/slides/slide19.xml><?xml version="1.0" encoding="utf-8"?>
+<file path=ppt/slides/slide22.xml><?xml version="1.0" encoding="utf-8"?>
 <p:sld xmlns:a="http://schemas.openxmlformats.org/drawingml/2006/main" xmlns:r="http://schemas.openxmlformats.org/officeDocument/2006/relationships" xmlns:p="http://schemas.openxmlformats.org/presentationml/2006/main">
   <p:cSld>
     <p:spTree>
@@ -10851,7 +11800,7 @@
               <a:pPr>
                 <a:defRPr/>
               </a:pPr>
-              <a:t>19</a:t>
+              <a:t>22</a:t>
             </a:fld>
             <a:endParaRPr lang="en-US"/>
           </a:p>
@@ -10898,7 +11847,7 @@
 </p:sld>
 </file>
 
-<file path=ppt/slides/slide2.xml><?xml version="1.0" encoding="utf-8"?>
+<file path=ppt/slides/slide23.xml><?xml version="1.0" encoding="utf-8"?>
 <p:sld xmlns:a="http://schemas.openxmlformats.org/drawingml/2006/main" xmlns:r="http://schemas.openxmlformats.org/officeDocument/2006/relationships" xmlns:p="http://schemas.openxmlformats.org/presentationml/2006/main">
   <p:cSld>
     <p:spTree>
@@ -10932,7 +11881,7 @@
           <a:p>
             <a:r>
               <a:rPr lang="en-US" dirty="0"/>
-              <a:t>Question 223.38.1</a:t>
+              <a:t>Question 223.38.6</a:t>
             </a:r>
           </a:p>
         </p:txBody>
@@ -10947,9 +11896,16 @@
             <p:ph idx="1"/>
           </p:nvPr>
         </p:nvSpPr>
-        <p:spPr/>
-        <p:txBody>
-          <a:bodyPr/>
+        <p:spPr>
+          <a:xfrm>
+            <a:off x="457200" y="1600200"/>
+            <a:ext cx="6781800" cy="4525963"/>
+          </a:xfrm>
+        </p:spPr>
+        <p:txBody>
+          <a:bodyPr>
+            <a:normAutofit lnSpcReduction="10000"/>
+          </a:bodyPr>
           <a:lstStyle/>
           <a:p>
             <a:pPr>
@@ -10957,45 +11913,78 @@
             </a:pPr>
             <a:r>
               <a:rPr lang="en-US" dirty="0"/>
-              <a:t>Electrons create an electric field around themselves. If they move, they also create…</a:t>
+              <a:t>The magnetic field due </a:t>
             </a:r>
           </a:p>
           <a:p>
-            <a:pPr marL="514350" indent="-514350">
-              <a:buAutoNum type="alphaLcParenR"/>
+            <a:pPr>
+              <a:buNone/>
             </a:pPr>
             <a:r>
               <a:rPr lang="en-US" dirty="0"/>
-              <a:t>Sound waves</a:t>
+              <a:t>to a long straight wire is </a:t>
             </a:r>
           </a:p>
           <a:p>
-            <a:pPr marL="514350" indent="-514350">
-              <a:buAutoNum type="alphaLcParenR"/>
+            <a:pPr>
+              <a:buNone/>
             </a:pPr>
             <a:r>
               <a:rPr lang="en-US" dirty="0"/>
-              <a:t>Laser beams</a:t>
+              <a:t>shown. What is making the field?</a:t>
             </a:r>
           </a:p>
           <a:p>
             <a:pPr marL="514350" indent="-514350">
-              <a:buAutoNum type="alphaLcParenR"/>
+              <a:buNone/>
             </a:pPr>
             <a:r>
               <a:rPr lang="en-US" dirty="0"/>
-              <a:t>Magnetic fields</a:t>
+              <a:t>a)   Moving electrons</a:t>
             </a:r>
           </a:p>
           <a:p>
             <a:pPr marL="514350" indent="-514350">
-              <a:buAutoNum type="alphaLcParenR"/>
+              <a:buNone/>
+            </a:pPr>
+            <a:r>
+              <a:rPr lang="en-US" dirty="0"/>
+              <a:t>b)  Dissipated energy from </a:t>
+            </a:r>
+          </a:p>
+          <a:p>
+            <a:pPr marL="514350" indent="-514350">
+              <a:buNone/>
+            </a:pPr>
+            <a:r>
+              <a:rPr lang="en-US" dirty="0"/>
+              <a:t>      resistance</a:t>
+            </a:r>
+          </a:p>
+          <a:p>
+            <a:pPr marL="514350" indent="-514350">
+              <a:buNone/>
+            </a:pPr>
+            <a:r>
+              <a:rPr lang="en-US" dirty="0"/>
+              <a:t>c)   The atoms from the wire form the field</a:t>
+            </a:r>
+          </a:p>
+          <a:p>
+            <a:pPr marL="514350" indent="-514350">
+              <a:buAutoNum type="alphaLcParenR" startAt="3"/>
             </a:pPr>
             <a:endParaRPr lang="en-US" dirty="0"/>
           </a:p>
           <a:p>
             <a:pPr marL="514350" indent="-514350">
-              <a:buAutoNum type="alphaLcParenR"/>
+              <a:buAutoNum type="arabicPeriod"/>
+            </a:pPr>
+            <a:endParaRPr lang="en-US" dirty="0"/>
+          </a:p>
+          <a:p>
+            <a:pPr marL="514350" indent="-514350">
+              <a:buAutoNum type="arabicPeriod"/>
             </a:pPr>
             <a:endParaRPr lang="en-US" dirty="0"/>
           </a:p>
@@ -11024,12 +12013,45 @@
               <a:pPr>
                 <a:defRPr/>
               </a:pPr>
-              <a:t>2</a:t>
+              <a:t>23</a:t>
             </a:fld>
             <a:endParaRPr lang="en-US"/>
           </a:p>
         </p:txBody>
       </p:sp>
+      <p:pic>
+        <p:nvPicPr>
+          <p:cNvPr id="4933634" name="Picture 2"/>
+          <p:cNvPicPr>
+            <a:picLocks noChangeAspect="1" noChangeArrowheads="1"/>
+          </p:cNvPicPr>
+          <p:nvPr/>
+        </p:nvPicPr>
+        <p:blipFill>
+          <a:blip r:embed="rId2" cstate="print"/>
+          <a:srcRect/>
+          <a:stretch>
+            <a:fillRect/>
+          </a:stretch>
+        </p:blipFill>
+        <p:spPr bwMode="auto">
+          <a:xfrm>
+            <a:off x="5789294" y="1787843"/>
+            <a:ext cx="2664637" cy="3027997"/>
+          </a:xfrm>
+          <a:prstGeom prst="rect">
+            <a:avLst/>
+          </a:prstGeom>
+          <a:noFill/>
+          <a:ln w="9525">
+            <a:noFill/>
+            <a:miter lim="800000"/>
+            <a:headEnd/>
+            <a:tailEnd/>
+          </a:ln>
+          <a:effectLst/>
+        </p:spPr>
+      </p:pic>
     </p:spTree>
   </p:cSld>
   <p:clrMapOvr>
@@ -11038,7 +12060,7 @@
 </p:sld>
 </file>
 
-<file path=ppt/slides/slide20.xml><?xml version="1.0" encoding="utf-8"?>
+<file path=ppt/slides/slide24.xml><?xml version="1.0" encoding="utf-8"?>
 <p:sld xmlns:a="http://schemas.openxmlformats.org/drawingml/2006/main" xmlns:r="http://schemas.openxmlformats.org/officeDocument/2006/relationships" xmlns:p="http://schemas.openxmlformats.org/presentationml/2006/main">
   <p:cSld>
     <p:spTree>
@@ -11072,7 +12094,7 @@
           <a:p>
             <a:r>
               <a:rPr lang="en-US" dirty="0"/>
-              <a:t>Question 223.38.6</a:t>
+              <a:t>Question 223.38.4</a:t>
             </a:r>
           </a:p>
         </p:txBody>
@@ -11095,7 +12117,7 @@
         </p:spPr>
         <p:txBody>
           <a:bodyPr>
-            <a:normAutofit lnSpcReduction="10000"/>
+            <a:normAutofit fontScale="92500" lnSpcReduction="20000"/>
           </a:bodyPr>
           <a:lstStyle/>
           <a:p>
@@ -11122,7 +12144,25 @@
             </a:pPr>
             <a:r>
               <a:rPr lang="en-US" dirty="0"/>
-              <a:t>shown. What is making the field?</a:t>
+              <a:t>shown. Where would you </a:t>
+            </a:r>
+          </a:p>
+          <a:p>
+            <a:pPr>
+              <a:buNone/>
+            </a:pPr>
+            <a:r>
+              <a:rPr lang="en-US" dirty="0"/>
+              <a:t>expect this field to have zero</a:t>
+            </a:r>
+          </a:p>
+          <a:p>
+            <a:pPr>
+              <a:buNone/>
+            </a:pPr>
+            <a:r>
+              <a:rPr lang="en-US" dirty="0"/>
+              <a:t>magnitude?</a:t>
             </a:r>
           </a:p>
           <a:p>
@@ -11131,7 +12171,7 @@
             </a:pPr>
             <a:r>
               <a:rPr lang="en-US" dirty="0"/>
-              <a:t>a)   Moving electrons</a:t>
+              <a:t>a)   At the wire location</a:t>
             </a:r>
           </a:p>
           <a:p>
@@ -11140,25 +12180,25 @@
             </a:pPr>
             <a:r>
               <a:rPr lang="en-US" dirty="0"/>
-              <a:t>b)  Dissipated energy from </a:t>
+              <a:t>b)   4 meters from the wire</a:t>
             </a:r>
           </a:p>
           <a:p>
             <a:pPr marL="514350" indent="-514350">
-              <a:buNone/>
+              <a:buAutoNum type="alphaLcParenR" startAt="3"/>
             </a:pPr>
             <a:r>
               <a:rPr lang="en-US" dirty="0"/>
-              <a:t>      resistance</a:t>
+              <a:t>Infinitely far away from the wire</a:t>
             </a:r>
           </a:p>
           <a:p>
             <a:pPr marL="514350" indent="-514350">
-              <a:buNone/>
+              <a:buAutoNum type="alphaLcParenR" startAt="3"/>
             </a:pPr>
             <a:r>
               <a:rPr lang="en-US" dirty="0"/>
-              <a:t>c)   The atoms from the wire form the field</a:t>
+              <a:t>Nowhere in the universe</a:t>
             </a:r>
           </a:p>
           <a:p>
@@ -11204,238 +12244,7 @@
               <a:pPr>
                 <a:defRPr/>
               </a:pPr>
-              <a:t>20</a:t>
-            </a:fld>
-            <a:endParaRPr lang="en-US"/>
-          </a:p>
-        </p:txBody>
-      </p:sp>
-      <p:pic>
-        <p:nvPicPr>
-          <p:cNvPr id="4933634" name="Picture 2"/>
-          <p:cNvPicPr>
-            <a:picLocks noChangeAspect="1" noChangeArrowheads="1"/>
-          </p:cNvPicPr>
-          <p:nvPr/>
-        </p:nvPicPr>
-        <p:blipFill>
-          <a:blip r:embed="rId2" cstate="print"/>
-          <a:srcRect/>
-          <a:stretch>
-            <a:fillRect/>
-          </a:stretch>
-        </p:blipFill>
-        <p:spPr bwMode="auto">
-          <a:xfrm>
-            <a:off x="5789294" y="1787843"/>
-            <a:ext cx="2664637" cy="3027997"/>
-          </a:xfrm>
-          <a:prstGeom prst="rect">
-            <a:avLst/>
-          </a:prstGeom>
-          <a:noFill/>
-          <a:ln w="9525">
-            <a:noFill/>
-            <a:miter lim="800000"/>
-            <a:headEnd/>
-            <a:tailEnd/>
-          </a:ln>
-          <a:effectLst/>
-        </p:spPr>
-      </p:pic>
-    </p:spTree>
-  </p:cSld>
-  <p:clrMapOvr>
-    <a:masterClrMapping/>
-  </p:clrMapOvr>
-</p:sld>
-</file>
-
-<file path=ppt/slides/slide21.xml><?xml version="1.0" encoding="utf-8"?>
-<p:sld xmlns:a="http://schemas.openxmlformats.org/drawingml/2006/main" xmlns:r="http://schemas.openxmlformats.org/officeDocument/2006/relationships" xmlns:p="http://schemas.openxmlformats.org/presentationml/2006/main">
-  <p:cSld>
-    <p:spTree>
-      <p:nvGrpSpPr>
-        <p:cNvPr id="1" name=""/>
-        <p:cNvGrpSpPr/>
-        <p:nvPr/>
-      </p:nvGrpSpPr>
-      <p:grpSpPr>
-        <a:xfrm>
-          <a:off x="0" y="0"/>
-          <a:ext cx="0" cy="0"/>
-          <a:chOff x="0" y="0"/>
-          <a:chExt cx="0" cy="0"/>
-        </a:xfrm>
-      </p:grpSpPr>
-      <p:sp>
-        <p:nvSpPr>
-          <p:cNvPr id="2" name="Title 1"/>
-          <p:cNvSpPr>
-            <a:spLocks noGrp="1"/>
-          </p:cNvSpPr>
-          <p:nvPr>
-            <p:ph type="title"/>
-          </p:nvPr>
-        </p:nvSpPr>
-        <p:spPr/>
-        <p:txBody>
-          <a:bodyPr/>
-          <a:lstStyle/>
-          <a:p>
-            <a:r>
-              <a:rPr lang="en-US" dirty="0"/>
-              <a:t>Question 223.38.4</a:t>
-            </a:r>
-          </a:p>
-        </p:txBody>
-      </p:sp>
-      <p:sp>
-        <p:nvSpPr>
-          <p:cNvPr id="3" name="Content Placeholder 2"/>
-          <p:cNvSpPr>
-            <a:spLocks noGrp="1"/>
-          </p:cNvSpPr>
-          <p:nvPr>
-            <p:ph idx="1"/>
-          </p:nvPr>
-        </p:nvSpPr>
-        <p:spPr>
-          <a:xfrm>
-            <a:off x="457200" y="1600200"/>
-            <a:ext cx="6781800" cy="4525963"/>
-          </a:xfrm>
-        </p:spPr>
-        <p:txBody>
-          <a:bodyPr>
-            <a:normAutofit fontScale="92500" lnSpcReduction="20000"/>
-          </a:bodyPr>
-          <a:lstStyle/>
-          <a:p>
-            <a:pPr>
-              <a:buNone/>
-            </a:pPr>
-            <a:r>
-              <a:rPr lang="en-US" dirty="0"/>
-              <a:t>The magnetic field due </a:t>
-            </a:r>
-          </a:p>
-          <a:p>
-            <a:pPr>
-              <a:buNone/>
-            </a:pPr>
-            <a:r>
-              <a:rPr lang="en-US" dirty="0"/>
-              <a:t>to a long straight wire is </a:t>
-            </a:r>
-          </a:p>
-          <a:p>
-            <a:pPr>
-              <a:buNone/>
-            </a:pPr>
-            <a:r>
-              <a:rPr lang="en-US" dirty="0"/>
-              <a:t>shown. Where would you </a:t>
-            </a:r>
-          </a:p>
-          <a:p>
-            <a:pPr>
-              <a:buNone/>
-            </a:pPr>
-            <a:r>
-              <a:rPr lang="en-US" dirty="0"/>
-              <a:t>expect this field to have zero</a:t>
-            </a:r>
-          </a:p>
-          <a:p>
-            <a:pPr>
-              <a:buNone/>
-            </a:pPr>
-            <a:r>
-              <a:rPr lang="en-US" dirty="0"/>
-              <a:t>magnitude?</a:t>
-            </a:r>
-          </a:p>
-          <a:p>
-            <a:pPr marL="514350" indent="-514350">
-              <a:buNone/>
-            </a:pPr>
-            <a:r>
-              <a:rPr lang="en-US" dirty="0"/>
-              <a:t>a)   At the wire location</a:t>
-            </a:r>
-          </a:p>
-          <a:p>
-            <a:pPr marL="514350" indent="-514350">
-              <a:buNone/>
-            </a:pPr>
-            <a:r>
-              <a:rPr lang="en-US" dirty="0"/>
-              <a:t>b)   4 meters from the wire</a:t>
-            </a:r>
-          </a:p>
-          <a:p>
-            <a:pPr marL="514350" indent="-514350">
-              <a:buAutoNum type="alphaLcParenR" startAt="3"/>
-            </a:pPr>
-            <a:r>
-              <a:rPr lang="en-US" dirty="0"/>
-              <a:t>Infinitely far away from the wire</a:t>
-            </a:r>
-          </a:p>
-          <a:p>
-            <a:pPr marL="514350" indent="-514350">
-              <a:buAutoNum type="alphaLcParenR" startAt="3"/>
-            </a:pPr>
-            <a:r>
-              <a:rPr lang="en-US" dirty="0"/>
-              <a:t>Nowhere in the universe</a:t>
-            </a:r>
-          </a:p>
-          <a:p>
-            <a:pPr marL="514350" indent="-514350">
-              <a:buAutoNum type="alphaLcParenR" startAt="3"/>
-            </a:pPr>
-            <a:endParaRPr lang="en-US" dirty="0"/>
-          </a:p>
-          <a:p>
-            <a:pPr marL="514350" indent="-514350">
-              <a:buAutoNum type="arabicPeriod"/>
-            </a:pPr>
-            <a:endParaRPr lang="en-US" dirty="0"/>
-          </a:p>
-          <a:p>
-            <a:pPr marL="514350" indent="-514350">
-              <a:buAutoNum type="arabicPeriod"/>
-            </a:pPr>
-            <a:endParaRPr lang="en-US" dirty="0"/>
-          </a:p>
-        </p:txBody>
-      </p:sp>
-      <p:sp>
-        <p:nvSpPr>
-          <p:cNvPr id="4" name="Slide Number Placeholder 3"/>
-          <p:cNvSpPr>
-            <a:spLocks noGrp="1"/>
-          </p:cNvSpPr>
-          <p:nvPr>
-            <p:ph type="sldNum" sz="quarter" idx="12"/>
-          </p:nvPr>
-        </p:nvSpPr>
-        <p:spPr/>
-        <p:txBody>
-          <a:bodyPr/>
-          <a:lstStyle/>
-          <a:p>
-            <a:pPr>
-              <a:defRPr/>
-            </a:pPr>
-            <a:fld id="{64137B81-8888-4253-92EC-0AED2A590749}" type="slidenum">
-              <a:rPr lang="en-US" smtClean="0"/>
-              <a:pPr>
-                <a:defRPr/>
-              </a:pPr>
-              <a:t>21</a:t>
+              <a:t>24</a:t>
             </a:fld>
             <a:endParaRPr lang="en-US"/>
           </a:p>
@@ -11487,7 +12296,7 @@
 </p:sld>
 </file>
 
-<file path=ppt/slides/slide22.xml><?xml version="1.0" encoding="utf-8"?>
+<file path=ppt/slides/slide25.xml><?xml version="1.0" encoding="utf-8"?>
 <p:sld xmlns:a="http://schemas.openxmlformats.org/drawingml/2006/main" xmlns:r="http://schemas.openxmlformats.org/officeDocument/2006/relationships" xmlns:p="http://schemas.openxmlformats.org/presentationml/2006/main">
   <p:cSld>
     <p:spTree>
@@ -11852,7 +12661,7 @@
 </p:sld>
 </file>
 
-<file path=ppt/slides/slide23.xml><?xml version="1.0" encoding="utf-8"?>
+<file path=ppt/slides/slide26.xml><?xml version="1.0" encoding="utf-8"?>
 <p:sld xmlns:a="http://schemas.openxmlformats.org/drawingml/2006/main" xmlns:r="http://schemas.openxmlformats.org/officeDocument/2006/relationships" xmlns:p="http://schemas.openxmlformats.org/presentationml/2006/main">
   <p:cSld>
     <p:spTree>
@@ -12247,7 +13056,7 @@
 </p:sld>
 </file>
 
-<file path=ppt/slides/slide24.xml><?xml version="1.0" encoding="utf-8"?>
+<file path=ppt/slides/slide27.xml><?xml version="1.0" encoding="utf-8"?>
 <p:sld xmlns:a="http://schemas.openxmlformats.org/drawingml/2006/main" xmlns:r="http://schemas.openxmlformats.org/officeDocument/2006/relationships" xmlns:p="http://schemas.openxmlformats.org/presentationml/2006/main">
   <p:cSld>
     <p:spTree>
@@ -12735,7 +13544,7 @@
 </p:sld>
 </file>
 
-<file path=ppt/slides/slide25.xml><?xml version="1.0" encoding="utf-8"?>
+<file path=ppt/slides/slide28.xml><?xml version="1.0" encoding="utf-8"?>
 <p:sld xmlns:a="http://schemas.openxmlformats.org/drawingml/2006/main" xmlns:r="http://schemas.openxmlformats.org/officeDocument/2006/relationships" xmlns:p="http://schemas.openxmlformats.org/presentationml/2006/main">
   <p:cSld>
     <p:spTree>
@@ -13060,7 +13869,7 @@
 </p:sld>
 </file>
 
-<file path=ppt/slides/slide26.xml><?xml version="1.0" encoding="utf-8"?>
+<file path=ppt/slides/slide29.xml><?xml version="1.0" encoding="utf-8"?>
 <p:sld xmlns:a="http://schemas.openxmlformats.org/drawingml/2006/main" xmlns:r="http://schemas.openxmlformats.org/officeDocument/2006/relationships" xmlns:p="http://schemas.openxmlformats.org/presentationml/2006/main">
   <p:cSld>
     <p:spTree>
@@ -13111,8 +13920,8 @@
           </a:p>
         </p:txBody>
       </p:sp>
-      <mc:AlternateContent xmlns:mc="http://schemas.openxmlformats.org/markup-compatibility/2006">
-        <mc:Choice xmlns:a14="http://schemas.microsoft.com/office/drawing/2010/main" Requires="a14">
+      <mc:AlternateContent xmlns:mc="http://schemas.openxmlformats.org/markup-compatibility/2006" xmlns:a14="http://schemas.microsoft.com/office/drawing/2010/main">
+        <mc:Choice Requires="a14">
           <p:sp>
             <p:nvSpPr>
               <p:cNvPr id="3" name="Content Placeholder 2">
@@ -13531,7 +14340,7 @@
             </p:txBody>
           </p:sp>
         </mc:Choice>
-        <mc:Fallback>
+        <mc:Fallback xmlns="">
           <p:sp>
             <p:nvSpPr>
               <p:cNvPr id="3" name="Content Placeholder 2">
@@ -13584,7 +14393,123 @@
 </p:sld>
 </file>
 
-<file path=ppt/slides/slide27.xml><?xml version="1.0" encoding="utf-8"?>
+<file path=ppt/slides/slide3.xml><?xml version="1.0" encoding="utf-8"?>
+<p:sld xmlns:a="http://schemas.openxmlformats.org/drawingml/2006/main" xmlns:r="http://schemas.openxmlformats.org/officeDocument/2006/relationships" xmlns:p="http://schemas.openxmlformats.org/presentationml/2006/main">
+  <p:cSld>
+    <p:spTree>
+      <p:nvGrpSpPr>
+        <p:cNvPr id="1" name=""/>
+        <p:cNvGrpSpPr/>
+        <p:nvPr/>
+      </p:nvGrpSpPr>
+      <p:grpSpPr>
+        <a:xfrm>
+          <a:off x="0" y="0"/>
+          <a:ext cx="0" cy="0"/>
+          <a:chOff x="0" y="0"/>
+          <a:chExt cx="0" cy="0"/>
+        </a:xfrm>
+      </p:grpSpPr>
+      <p:sp>
+        <p:nvSpPr>
+          <p:cNvPr id="2" name="Title 1">
+            <a:extLst>
+              <a:ext uri="{FF2B5EF4-FFF2-40B4-BE49-F238E27FC236}">
+                <a16:creationId xmlns:a16="http://schemas.microsoft.com/office/drawing/2014/main" id="{960448D1-E8C8-DBA8-CF32-310DFA6777F1}"/>
+              </a:ext>
+            </a:extLst>
+          </p:cNvPr>
+          <p:cNvSpPr>
+            <a:spLocks noGrp="1"/>
+          </p:cNvSpPr>
+          <p:nvPr>
+            <p:ph type="title"/>
+          </p:nvPr>
+        </p:nvSpPr>
+        <p:spPr/>
+        <p:txBody>
+          <a:bodyPr/>
+          <a:lstStyle/>
+          <a:p>
+            <a:endParaRPr lang="en-US"/>
+          </a:p>
+        </p:txBody>
+      </p:sp>
+      <p:sp>
+        <p:nvSpPr>
+          <p:cNvPr id="3" name="Content Placeholder 2">
+            <a:extLst>
+              <a:ext uri="{FF2B5EF4-FFF2-40B4-BE49-F238E27FC236}">
+                <a16:creationId xmlns:a16="http://schemas.microsoft.com/office/drawing/2014/main" id="{64FC4ACE-6071-94B7-56A6-B06666FB7ACE}"/>
+              </a:ext>
+            </a:extLst>
+          </p:cNvPr>
+          <p:cNvSpPr>
+            <a:spLocks noGrp="1"/>
+          </p:cNvSpPr>
+          <p:nvPr>
+            <p:ph idx="1"/>
+          </p:nvPr>
+        </p:nvSpPr>
+        <p:spPr/>
+        <p:txBody>
+          <a:bodyPr/>
+          <a:lstStyle/>
+          <a:p>
+            <a:endParaRPr lang="en-US"/>
+          </a:p>
+        </p:txBody>
+      </p:sp>
+      <p:pic>
+        <p:nvPicPr>
+          <p:cNvPr id="5" name="Graphic 4">
+            <a:extLst>
+              <a:ext uri="{FF2B5EF4-FFF2-40B4-BE49-F238E27FC236}">
+                <a16:creationId xmlns:a16="http://schemas.microsoft.com/office/drawing/2014/main" id="{605FCD64-3799-C8F4-15F5-6A6DA70545CA}"/>
+              </a:ext>
+            </a:extLst>
+          </p:cNvPr>
+          <p:cNvPicPr>
+            <a:picLocks noChangeAspect="1"/>
+          </p:cNvPicPr>
+          <p:nvPr/>
+        </p:nvPicPr>
+        <p:blipFill>
+          <a:blip r:embed="rId2">
+            <a:extLst>
+              <a:ext uri="{96DAC541-7B7A-43D3-8B79-37D633B846F1}">
+                <asvg:svgBlip xmlns:asvg="http://schemas.microsoft.com/office/drawing/2016/SVG/main" r:embed="rId3"/>
+              </a:ext>
+            </a:extLst>
+          </a:blip>
+          <a:stretch>
+            <a:fillRect/>
+          </a:stretch>
+        </p:blipFill>
+        <p:spPr>
+          <a:xfrm>
+            <a:off x="2828925" y="2319337"/>
+            <a:ext cx="3486150" cy="2219325"/>
+          </a:xfrm>
+          <a:prstGeom prst="rect">
+            <a:avLst/>
+          </a:prstGeom>
+        </p:spPr>
+      </p:pic>
+    </p:spTree>
+    <p:extLst>
+      <p:ext uri="{BB962C8B-B14F-4D97-AF65-F5344CB8AC3E}">
+        <p14:creationId xmlns:p14="http://schemas.microsoft.com/office/powerpoint/2010/main" val="3828300500"/>
+      </p:ext>
+    </p:extLst>
+  </p:cSld>
+  <p:clrMapOvr>
+    <a:masterClrMapping/>
+  </p:clrMapOvr>
+</p:sld>
+</file>
+
+<file path=ppt/slides/slide30.xml><?xml version="1.0" encoding="utf-8"?>
 <p:sld xmlns:a="http://schemas.openxmlformats.org/drawingml/2006/main" xmlns:r="http://schemas.openxmlformats.org/officeDocument/2006/relationships" xmlns:p="http://schemas.openxmlformats.org/presentationml/2006/main">
   <p:cSld>
     <p:spTree>
@@ -13635,8 +14560,8 @@
           </a:p>
         </p:txBody>
       </p:sp>
-      <mc:AlternateContent xmlns:mc="http://schemas.openxmlformats.org/markup-compatibility/2006">
-        <mc:Choice xmlns:a14="http://schemas.microsoft.com/office/drawing/2010/main" Requires="a14">
+      <mc:AlternateContent xmlns:mc="http://schemas.openxmlformats.org/markup-compatibility/2006" xmlns:a14="http://schemas.microsoft.com/office/drawing/2010/main">
+        <mc:Choice Requires="a14">
           <p:sp>
             <p:nvSpPr>
               <p:cNvPr id="3" name="Content Placeholder 2">
@@ -13917,7 +14842,7 @@
             </p:txBody>
           </p:sp>
         </mc:Choice>
-        <mc:Fallback>
+        <mc:Fallback xmlns="">
           <p:sp>
             <p:nvSpPr>
               <p:cNvPr id="3" name="Content Placeholder 2">
@@ -13970,7 +14895,7 @@
 </p:sld>
 </file>
 
-<file path=ppt/slides/slide28.xml><?xml version="1.0" encoding="utf-8"?>
+<file path=ppt/slides/slide31.xml><?xml version="1.0" encoding="utf-8"?>
 <p:sld xmlns:a="http://schemas.openxmlformats.org/drawingml/2006/main" xmlns:r="http://schemas.openxmlformats.org/officeDocument/2006/relationships" xmlns:p="http://schemas.openxmlformats.org/presentationml/2006/main">
   <p:cSld>
     <p:spTree>
@@ -14021,8 +14946,8 @@
           </a:p>
         </p:txBody>
       </p:sp>
-      <mc:AlternateContent xmlns:mc="http://schemas.openxmlformats.org/markup-compatibility/2006">
-        <mc:Choice xmlns:a14="http://schemas.microsoft.com/office/drawing/2010/main" Requires="a14">
+      <mc:AlternateContent xmlns:mc="http://schemas.openxmlformats.org/markup-compatibility/2006" xmlns:a14="http://schemas.microsoft.com/office/drawing/2010/main">
+        <mc:Choice Requires="a14">
           <p:sp>
             <p:nvSpPr>
               <p:cNvPr id="3" name="Content Placeholder 2">
@@ -14337,7 +15262,7 @@
             </p:txBody>
           </p:sp>
         </mc:Choice>
-        <mc:Fallback>
+        <mc:Fallback xmlns="">
           <p:sp>
             <p:nvSpPr>
               <p:cNvPr id="3" name="Content Placeholder 2">
@@ -14390,7 +15315,7 @@
 </p:sld>
 </file>
 
-<file path=ppt/slides/slide29.xml><?xml version="1.0" encoding="utf-8"?>
+<file path=ppt/slides/slide32.xml><?xml version="1.0" encoding="utf-8"?>
 <p:sld xmlns:a="http://schemas.openxmlformats.org/drawingml/2006/main" xmlns:r="http://schemas.openxmlformats.org/officeDocument/2006/relationships" xmlns:p="http://schemas.openxmlformats.org/presentationml/2006/main">
   <p:cSld>
     <p:spTree>
@@ -14519,7 +15444,7 @@
               <a:pPr>
                 <a:defRPr/>
               </a:pPr>
-              <a:t>29</a:t>
+              <a:t>32</a:t>
             </a:fld>
             <a:endParaRPr lang="en-US"/>
           </a:p>
@@ -15215,7 +16140,7 @@
 </p:sld>
 </file>
 
-<file path=ppt/slides/slide3.xml><?xml version="1.0" encoding="utf-8"?>
+<file path=ppt/slides/slide33.xml><?xml version="1.0" encoding="utf-8"?>
 <p:sld xmlns:a="http://schemas.openxmlformats.org/drawingml/2006/main" xmlns:r="http://schemas.openxmlformats.org/officeDocument/2006/relationships" xmlns:p="http://schemas.openxmlformats.org/presentationml/2006/main">
   <p:cSld>
     <p:spTree>
@@ -15232,64 +16157,6 @@
           <a:chExt cx="0" cy="0"/>
         </a:xfrm>
       </p:grpSpPr>
-      <p:pic>
-        <p:nvPicPr>
-          <p:cNvPr id="1026" name="Picture 2"/>
-          <p:cNvPicPr>
-            <a:picLocks noChangeAspect="1" noChangeArrowheads="1"/>
-          </p:cNvPicPr>
-          <p:nvPr/>
-        </p:nvPicPr>
-        <p:blipFill>
-          <a:blip r:embed="rId2" cstate="print"/>
-          <a:srcRect/>
-          <a:stretch>
-            <a:fillRect/>
-          </a:stretch>
-        </p:blipFill>
-        <p:spPr bwMode="auto">
-          <a:xfrm>
-            <a:off x="1423988" y="1338263"/>
-            <a:ext cx="6296025" cy="4181475"/>
-          </a:xfrm>
-          <a:prstGeom prst="rect">
-            <a:avLst/>
-          </a:prstGeom>
-          <a:noFill/>
-          <a:ln w="9525">
-            <a:noFill/>
-            <a:miter lim="800000"/>
-            <a:headEnd/>
-            <a:tailEnd/>
-          </a:ln>
-          <a:effectLst/>
-        </p:spPr>
-      </p:pic>
-    </p:spTree>
-  </p:cSld>
-  <p:clrMapOvr>
-    <a:masterClrMapping/>
-  </p:clrMapOvr>
-</p:sld>
-</file>
-
-<file path=ppt/slides/slide30.xml><?xml version="1.0" encoding="utf-8"?>
-<p:sld xmlns:a="http://schemas.openxmlformats.org/drawingml/2006/main" xmlns:r="http://schemas.openxmlformats.org/officeDocument/2006/relationships" xmlns:p="http://schemas.openxmlformats.org/presentationml/2006/main">
-  <p:cSld>
-    <p:spTree>
-      <p:nvGrpSpPr>
-        <p:cNvPr id="1" name=""/>
-        <p:cNvGrpSpPr/>
-        <p:nvPr/>
-      </p:nvGrpSpPr>
-      <p:grpSpPr>
-        <a:xfrm>
-          <a:off x="0" y="0"/>
-          <a:ext cx="0" cy="0"/>
-          <a:chOff x="0" y="0"/>
-          <a:chExt cx="0" cy="0"/>
-        </a:xfrm>
-      </p:grpSpPr>
       <p:sp>
         <p:nvSpPr>
           <p:cNvPr id="2" name="Title 1"/>
@@ -15411,7 +16278,7 @@
               <a:pPr>
                 <a:defRPr/>
               </a:pPr>
-              <a:t>30</a:t>
+              <a:t>33</a:t>
             </a:fld>
             <a:endParaRPr lang="en-US"/>
           </a:p>
@@ -16107,7 +16974,7 @@
 </p:sld>
 </file>
 
-<file path=ppt/slides/slide31.xml><?xml version="1.0" encoding="utf-8"?>
+<file path=ppt/slides/slide34.xml><?xml version="1.0" encoding="utf-8"?>
 <p:sld xmlns:a="http://schemas.openxmlformats.org/drawingml/2006/main" xmlns:r="http://schemas.openxmlformats.org/officeDocument/2006/relationships" xmlns:p="http://schemas.openxmlformats.org/presentationml/2006/main">
   <p:cSld>
     <p:spTree>
@@ -16753,38 +17620,46 @@
       </p:grpSpPr>
       <p:pic>
         <p:nvPicPr>
-          <p:cNvPr id="2051" name="Picture 3"/>
+          <p:cNvPr id="5" name="Graphic 4">
+            <a:extLst>
+              <a:ext uri="{FF2B5EF4-FFF2-40B4-BE49-F238E27FC236}">
+                <a16:creationId xmlns:a16="http://schemas.microsoft.com/office/drawing/2014/main" id="{6CF1B837-2C95-8F54-F938-A3C21FDE1393}"/>
+              </a:ext>
+            </a:extLst>
+          </p:cNvPr>
           <p:cNvPicPr>
-            <a:picLocks noChangeAspect="1" noChangeArrowheads="1"/>
+            <a:picLocks noChangeAspect="1"/>
           </p:cNvPicPr>
           <p:nvPr/>
         </p:nvPicPr>
         <p:blipFill>
-          <a:blip r:embed="rId2" cstate="print"/>
-          <a:srcRect/>
+          <a:blip r:embed="rId2">
+            <a:extLst>
+              <a:ext uri="{96DAC541-7B7A-43D3-8B79-37D633B846F1}">
+                <asvg:svgBlip xmlns:asvg="http://schemas.microsoft.com/office/drawing/2016/SVG/main" r:embed="rId3"/>
+              </a:ext>
+            </a:extLst>
+          </a:blip>
           <a:stretch>
             <a:fillRect/>
           </a:stretch>
         </p:blipFill>
-        <p:spPr bwMode="auto">
-          <a:xfrm>
-            <a:off x="1423988" y="823913"/>
-            <a:ext cx="6296025" cy="5210175"/>
+        <p:spPr>
+          <a:xfrm>
+            <a:off x="0" y="1371995"/>
+            <a:ext cx="9144000" cy="4114010"/>
           </a:xfrm>
           <a:prstGeom prst="rect">
             <a:avLst/>
           </a:prstGeom>
-          <a:noFill/>
-          <a:ln w="9525">
-            <a:noFill/>
-            <a:miter lim="800000"/>
-            <a:headEnd/>
-            <a:tailEnd/>
-          </a:ln>
-          <a:effectLst/>
         </p:spPr>
       </p:pic>
     </p:spTree>
+    <p:extLst>
+      <p:ext uri="{BB962C8B-B14F-4D97-AF65-F5344CB8AC3E}">
+        <p14:creationId xmlns:p14="http://schemas.microsoft.com/office/powerpoint/2010/main" val="3770458863"/>
+      </p:ext>
+    </p:extLst>
   </p:cSld>
   <p:clrMapOvr>
     <a:masterClrMapping/>
@@ -16809,619 +17684,118 @@
           <a:chExt cx="0" cy="0"/>
         </a:xfrm>
       </p:grpSpPr>
-      <p:pic>
-        <p:nvPicPr>
-          <p:cNvPr id="4098" name="Picture 2"/>
-          <p:cNvPicPr>
-            <a:picLocks noChangeAspect="1" noChangeArrowheads="1"/>
-          </p:cNvPicPr>
-          <p:nvPr/>
-        </p:nvPicPr>
-        <p:blipFill>
-          <a:blip r:embed="rId2" cstate="print"/>
-          <a:srcRect/>
-          <a:stretch>
-            <a:fillRect/>
-          </a:stretch>
-        </p:blipFill>
-        <p:spPr bwMode="auto">
-          <a:xfrm rot="1258604">
-            <a:off x="4748213" y="2362200"/>
-            <a:ext cx="646747" cy="2147888"/>
-          </a:xfrm>
-          <a:prstGeom prst="rect">
-            <a:avLst/>
-          </a:prstGeom>
-          <a:noFill/>
-          <a:ln w="9525">
-            <a:noFill/>
-            <a:miter lim="800000"/>
-            <a:headEnd/>
-            <a:tailEnd/>
-          </a:ln>
-          <a:effectLst/>
-        </p:spPr>
-      </p:pic>
-      <p:cxnSp>
-        <p:nvCxnSpPr>
-          <p:cNvPr id="4" name="Straight Arrow Connector 3"/>
-          <p:cNvCxnSpPr/>
-          <p:nvPr/>
-        </p:nvCxnSpPr>
-        <p:spPr>
-          <a:xfrm>
-            <a:off x="2712720" y="1569720"/>
-            <a:ext cx="960120" cy="0"/>
-          </a:xfrm>
-          <a:prstGeom prst="straightConnector1">
-            <a:avLst/>
-          </a:prstGeom>
-          <a:ln w="38100">
-            <a:tailEnd type="arrow"/>
-          </a:ln>
-        </p:spPr>
-        <p:style>
-          <a:lnRef idx="1">
-            <a:schemeClr val="accent1"/>
-          </a:lnRef>
-          <a:fillRef idx="0">
-            <a:schemeClr val="accent1"/>
-          </a:fillRef>
-          <a:effectRef idx="0">
-            <a:schemeClr val="accent1"/>
-          </a:effectRef>
-          <a:fontRef idx="minor">
-            <a:schemeClr val="tx1"/>
-          </a:fontRef>
-        </p:style>
-      </p:cxnSp>
-      <p:cxnSp>
-        <p:nvCxnSpPr>
-          <p:cNvPr id="8" name="Straight Arrow Connector 7"/>
-          <p:cNvCxnSpPr/>
-          <p:nvPr/>
-        </p:nvCxnSpPr>
-        <p:spPr>
-          <a:xfrm>
-            <a:off x="2712720" y="2499360"/>
-            <a:ext cx="960120" cy="0"/>
-          </a:xfrm>
-          <a:prstGeom prst="straightConnector1">
-            <a:avLst/>
-          </a:prstGeom>
-          <a:ln w="38100">
-            <a:tailEnd type="arrow"/>
-          </a:ln>
-        </p:spPr>
-        <p:style>
-          <a:lnRef idx="1">
-            <a:schemeClr val="accent1"/>
-          </a:lnRef>
-          <a:fillRef idx="0">
-            <a:schemeClr val="accent1"/>
-          </a:fillRef>
-          <a:effectRef idx="0">
-            <a:schemeClr val="accent1"/>
-          </a:effectRef>
-          <a:fontRef idx="minor">
-            <a:schemeClr val="tx1"/>
-          </a:fontRef>
-        </p:style>
-      </p:cxnSp>
-      <p:cxnSp>
-        <p:nvCxnSpPr>
-          <p:cNvPr id="9" name="Straight Arrow Connector 8"/>
-          <p:cNvCxnSpPr/>
-          <p:nvPr/>
-        </p:nvCxnSpPr>
-        <p:spPr>
-          <a:xfrm>
-            <a:off x="2712720" y="3429000"/>
-            <a:ext cx="960120" cy="0"/>
-          </a:xfrm>
-          <a:prstGeom prst="straightConnector1">
-            <a:avLst/>
-          </a:prstGeom>
-          <a:ln w="38100">
-            <a:tailEnd type="arrow"/>
-          </a:ln>
-        </p:spPr>
-        <p:style>
-          <a:lnRef idx="1">
-            <a:schemeClr val="accent1"/>
-          </a:lnRef>
-          <a:fillRef idx="0">
-            <a:schemeClr val="accent1"/>
-          </a:fillRef>
-          <a:effectRef idx="0">
-            <a:schemeClr val="accent1"/>
-          </a:effectRef>
-          <a:fontRef idx="minor">
-            <a:schemeClr val="tx1"/>
-          </a:fontRef>
-        </p:style>
-      </p:cxnSp>
-      <p:cxnSp>
-        <p:nvCxnSpPr>
-          <p:cNvPr id="10" name="Straight Arrow Connector 9"/>
-          <p:cNvCxnSpPr/>
-          <p:nvPr/>
-        </p:nvCxnSpPr>
-        <p:spPr>
-          <a:xfrm>
-            <a:off x="2712720" y="4328160"/>
-            <a:ext cx="960120" cy="0"/>
-          </a:xfrm>
-          <a:prstGeom prst="straightConnector1">
-            <a:avLst/>
-          </a:prstGeom>
-          <a:ln w="38100">
-            <a:tailEnd type="arrow"/>
-          </a:ln>
-        </p:spPr>
-        <p:style>
-          <a:lnRef idx="1">
-            <a:schemeClr val="accent1"/>
-          </a:lnRef>
-          <a:fillRef idx="0">
-            <a:schemeClr val="accent1"/>
-          </a:fillRef>
-          <a:effectRef idx="0">
-            <a:schemeClr val="accent1"/>
-          </a:effectRef>
-          <a:fontRef idx="minor">
-            <a:schemeClr val="tx1"/>
-          </a:fontRef>
-        </p:style>
-      </p:cxnSp>
-      <p:cxnSp>
-        <p:nvCxnSpPr>
-          <p:cNvPr id="11" name="Straight Arrow Connector 10"/>
-          <p:cNvCxnSpPr/>
-          <p:nvPr/>
-        </p:nvCxnSpPr>
-        <p:spPr>
-          <a:xfrm>
-            <a:off x="2712720" y="5242560"/>
-            <a:ext cx="960120" cy="0"/>
-          </a:xfrm>
-          <a:prstGeom prst="straightConnector1">
-            <a:avLst/>
-          </a:prstGeom>
-          <a:ln w="38100">
-            <a:tailEnd type="arrow"/>
-          </a:ln>
-        </p:spPr>
-        <p:style>
-          <a:lnRef idx="1">
-            <a:schemeClr val="accent1"/>
-          </a:lnRef>
-          <a:fillRef idx="0">
-            <a:schemeClr val="accent1"/>
-          </a:fillRef>
-          <a:effectRef idx="0">
-            <a:schemeClr val="accent1"/>
-          </a:effectRef>
-          <a:fontRef idx="minor">
-            <a:schemeClr val="tx1"/>
-          </a:fontRef>
-        </p:style>
-      </p:cxnSp>
-      <p:cxnSp>
-        <p:nvCxnSpPr>
-          <p:cNvPr id="12" name="Straight Arrow Connector 11"/>
-          <p:cNvCxnSpPr/>
-          <p:nvPr/>
-        </p:nvCxnSpPr>
-        <p:spPr>
-          <a:xfrm>
-            <a:off x="4572000" y="1584960"/>
-            <a:ext cx="960120" cy="0"/>
-          </a:xfrm>
-          <a:prstGeom prst="straightConnector1">
-            <a:avLst/>
-          </a:prstGeom>
-          <a:ln w="38100">
-            <a:tailEnd type="arrow"/>
-          </a:ln>
-        </p:spPr>
-        <p:style>
-          <a:lnRef idx="1">
-            <a:schemeClr val="accent1"/>
-          </a:lnRef>
-          <a:fillRef idx="0">
-            <a:schemeClr val="accent1"/>
-          </a:fillRef>
-          <a:effectRef idx="0">
-            <a:schemeClr val="accent1"/>
-          </a:effectRef>
-          <a:fontRef idx="minor">
-            <a:schemeClr val="tx1"/>
-          </a:fontRef>
-        </p:style>
-      </p:cxnSp>
-      <p:cxnSp>
-        <p:nvCxnSpPr>
-          <p:cNvPr id="16" name="Straight Arrow Connector 15"/>
-          <p:cNvCxnSpPr/>
-          <p:nvPr/>
-        </p:nvCxnSpPr>
-        <p:spPr>
-          <a:xfrm>
-            <a:off x="4572000" y="5257800"/>
-            <a:ext cx="960120" cy="0"/>
-          </a:xfrm>
-          <a:prstGeom prst="straightConnector1">
-            <a:avLst/>
-          </a:prstGeom>
-          <a:ln w="38100">
-            <a:tailEnd type="arrow"/>
-          </a:ln>
-        </p:spPr>
-        <p:style>
-          <a:lnRef idx="1">
-            <a:schemeClr val="accent1"/>
-          </a:lnRef>
-          <a:fillRef idx="0">
-            <a:schemeClr val="accent1"/>
-          </a:fillRef>
-          <a:effectRef idx="0">
-            <a:schemeClr val="accent1"/>
-          </a:effectRef>
-          <a:fontRef idx="minor">
-            <a:schemeClr val="tx1"/>
-          </a:fontRef>
-        </p:style>
-      </p:cxnSp>
-      <p:cxnSp>
-        <p:nvCxnSpPr>
-          <p:cNvPr id="17" name="Straight Arrow Connector 16"/>
-          <p:cNvCxnSpPr/>
-          <p:nvPr/>
-        </p:nvCxnSpPr>
-        <p:spPr>
-          <a:xfrm>
-            <a:off x="6355080" y="1584960"/>
-            <a:ext cx="960120" cy="0"/>
-          </a:xfrm>
-          <a:prstGeom prst="straightConnector1">
-            <a:avLst/>
-          </a:prstGeom>
-          <a:ln w="38100">
-            <a:tailEnd type="arrow"/>
-          </a:ln>
-        </p:spPr>
-        <p:style>
-          <a:lnRef idx="1">
-            <a:schemeClr val="accent1"/>
-          </a:lnRef>
-          <a:fillRef idx="0">
-            <a:schemeClr val="accent1"/>
-          </a:fillRef>
-          <a:effectRef idx="0">
-            <a:schemeClr val="accent1"/>
-          </a:effectRef>
-          <a:fontRef idx="minor">
-            <a:schemeClr val="tx1"/>
-          </a:fontRef>
-        </p:style>
-      </p:cxnSp>
-      <p:cxnSp>
-        <p:nvCxnSpPr>
-          <p:cNvPr id="18" name="Straight Arrow Connector 17"/>
-          <p:cNvCxnSpPr/>
-          <p:nvPr/>
-        </p:nvCxnSpPr>
-        <p:spPr>
-          <a:xfrm>
-            <a:off x="6355080" y="2514600"/>
-            <a:ext cx="960120" cy="0"/>
-          </a:xfrm>
-          <a:prstGeom prst="straightConnector1">
-            <a:avLst/>
-          </a:prstGeom>
-          <a:ln w="38100">
-            <a:tailEnd type="arrow"/>
-          </a:ln>
-        </p:spPr>
-        <p:style>
-          <a:lnRef idx="1">
-            <a:schemeClr val="accent1"/>
-          </a:lnRef>
-          <a:fillRef idx="0">
-            <a:schemeClr val="accent1"/>
-          </a:fillRef>
-          <a:effectRef idx="0">
-            <a:schemeClr val="accent1"/>
-          </a:effectRef>
-          <a:fontRef idx="minor">
-            <a:schemeClr val="tx1"/>
-          </a:fontRef>
-        </p:style>
-      </p:cxnSp>
-      <p:cxnSp>
-        <p:nvCxnSpPr>
-          <p:cNvPr id="19" name="Straight Arrow Connector 18"/>
-          <p:cNvCxnSpPr/>
-          <p:nvPr/>
-        </p:nvCxnSpPr>
-        <p:spPr>
-          <a:xfrm>
-            <a:off x="6355080" y="3444240"/>
-            <a:ext cx="960120" cy="0"/>
-          </a:xfrm>
-          <a:prstGeom prst="straightConnector1">
-            <a:avLst/>
-          </a:prstGeom>
-          <a:ln w="38100">
-            <a:tailEnd type="arrow"/>
-          </a:ln>
-        </p:spPr>
-        <p:style>
-          <a:lnRef idx="1">
-            <a:schemeClr val="accent1"/>
-          </a:lnRef>
-          <a:fillRef idx="0">
-            <a:schemeClr val="accent1"/>
-          </a:fillRef>
-          <a:effectRef idx="0">
-            <a:schemeClr val="accent1"/>
-          </a:effectRef>
-          <a:fontRef idx="minor">
-            <a:schemeClr val="tx1"/>
-          </a:fontRef>
-        </p:style>
-      </p:cxnSp>
-      <p:cxnSp>
-        <p:nvCxnSpPr>
-          <p:cNvPr id="20" name="Straight Arrow Connector 19"/>
-          <p:cNvCxnSpPr/>
-          <p:nvPr/>
-        </p:nvCxnSpPr>
-        <p:spPr>
-          <a:xfrm>
-            <a:off x="6355080" y="4343400"/>
-            <a:ext cx="960120" cy="0"/>
-          </a:xfrm>
-          <a:prstGeom prst="straightConnector1">
-            <a:avLst/>
-          </a:prstGeom>
-          <a:ln w="38100">
-            <a:tailEnd type="arrow"/>
-          </a:ln>
-        </p:spPr>
-        <p:style>
-          <a:lnRef idx="1">
-            <a:schemeClr val="accent1"/>
-          </a:lnRef>
-          <a:fillRef idx="0">
-            <a:schemeClr val="accent1"/>
-          </a:fillRef>
-          <a:effectRef idx="0">
-            <a:schemeClr val="accent1"/>
-          </a:effectRef>
-          <a:fontRef idx="minor">
-            <a:schemeClr val="tx1"/>
-          </a:fontRef>
-        </p:style>
-      </p:cxnSp>
-      <p:cxnSp>
-        <p:nvCxnSpPr>
-          <p:cNvPr id="21" name="Straight Arrow Connector 20"/>
-          <p:cNvCxnSpPr/>
-          <p:nvPr/>
-        </p:nvCxnSpPr>
-        <p:spPr>
-          <a:xfrm>
-            <a:off x="6355080" y="5257800"/>
-            <a:ext cx="960120" cy="0"/>
-          </a:xfrm>
-          <a:prstGeom prst="straightConnector1">
-            <a:avLst/>
-          </a:prstGeom>
-          <a:ln w="38100">
-            <a:tailEnd type="arrow"/>
-          </a:ln>
-        </p:spPr>
-        <p:style>
-          <a:lnRef idx="1">
-            <a:schemeClr val="accent1"/>
-          </a:lnRef>
-          <a:fillRef idx="0">
-            <a:schemeClr val="accent1"/>
-          </a:fillRef>
-          <a:effectRef idx="0">
-            <a:schemeClr val="accent1"/>
-          </a:effectRef>
-          <a:fontRef idx="minor">
-            <a:schemeClr val="tx1"/>
-          </a:fontRef>
-        </p:style>
-      </p:cxnSp>
-      <p:cxnSp>
-        <p:nvCxnSpPr>
-          <p:cNvPr id="22" name="Straight Arrow Connector 21"/>
-          <p:cNvCxnSpPr/>
-          <p:nvPr/>
-        </p:nvCxnSpPr>
-        <p:spPr>
-          <a:xfrm>
-            <a:off x="5334000" y="2743200"/>
-            <a:ext cx="960120" cy="0"/>
-          </a:xfrm>
-          <a:prstGeom prst="straightConnector1">
-            <a:avLst/>
-          </a:prstGeom>
-          <a:ln w="57150">
-            <a:solidFill>
-              <a:srgbClr val="FF0000"/>
-            </a:solidFill>
-            <a:tailEnd type="arrow"/>
-          </a:ln>
-        </p:spPr>
-        <p:style>
-          <a:lnRef idx="1">
-            <a:schemeClr val="accent1"/>
-          </a:lnRef>
-          <a:fillRef idx="0">
-            <a:schemeClr val="accent1"/>
-          </a:fillRef>
-          <a:effectRef idx="0">
-            <a:schemeClr val="accent1"/>
-          </a:effectRef>
-          <a:fontRef idx="minor">
-            <a:schemeClr val="tx1"/>
-          </a:fontRef>
-        </p:style>
-      </p:cxnSp>
-      <p:cxnSp>
-        <p:nvCxnSpPr>
-          <p:cNvPr id="23" name="Straight Arrow Connector 22"/>
-          <p:cNvCxnSpPr/>
-          <p:nvPr/>
-        </p:nvCxnSpPr>
-        <p:spPr>
-          <a:xfrm flipH="1">
-            <a:off x="3855720" y="4206240"/>
-            <a:ext cx="960120" cy="0"/>
-          </a:xfrm>
-          <a:prstGeom prst="straightConnector1">
-            <a:avLst/>
-          </a:prstGeom>
-          <a:ln w="57150">
-            <a:solidFill>
-              <a:srgbClr val="FF0000"/>
-            </a:solidFill>
-            <a:tailEnd type="arrow"/>
-          </a:ln>
-        </p:spPr>
-        <p:style>
-          <a:lnRef idx="1">
-            <a:schemeClr val="accent1"/>
-          </a:lnRef>
-          <a:fillRef idx="0">
-            <a:schemeClr val="accent1"/>
-          </a:fillRef>
-          <a:effectRef idx="0">
-            <a:schemeClr val="accent1"/>
-          </a:effectRef>
-          <a:fontRef idx="minor">
-            <a:schemeClr val="tx1"/>
-          </a:fontRef>
-        </p:style>
-      </p:cxnSp>
-      <p:sp>
-        <p:nvSpPr>
-          <p:cNvPr id="24" name="TextBox 23"/>
-          <p:cNvSpPr txBox="1"/>
-          <p:nvPr/>
-        </p:nvSpPr>
-        <p:spPr>
-          <a:xfrm>
-            <a:off x="5608320" y="1965960"/>
-            <a:ext cx="591829" cy="584775"/>
-          </a:xfrm>
-          <a:prstGeom prst="rect">
-            <a:avLst/>
-          </a:prstGeom>
-          <a:noFill/>
-        </p:spPr>
-        <p:txBody>
-          <a:bodyPr wrap="none" rtlCol="0">
-            <a:spAutoFit/>
-          </a:bodyPr>
+      <p:sp>
+        <p:nvSpPr>
+          <p:cNvPr id="2" name="Title 1"/>
+          <p:cNvSpPr>
+            <a:spLocks noGrp="1"/>
+          </p:cNvSpPr>
+          <p:nvPr>
+            <p:ph type="title"/>
+          </p:nvPr>
+        </p:nvSpPr>
+        <p:spPr/>
+        <p:txBody>
+          <a:bodyPr/>
           <a:lstStyle/>
           <a:p>
             <a:r>
-              <a:rPr lang="en-US" sz="3200" dirty="0">
-                <a:solidFill>
-                  <a:srgbClr val="FF0000"/>
-                </a:solidFill>
-              </a:rPr>
-              <a:t>F</a:t>
+              <a:rPr lang="en-US" dirty="0"/>
+              <a:t>Question 223.38.1</a:t>
             </a:r>
+          </a:p>
+        </p:txBody>
+      </p:sp>
+      <p:sp>
+        <p:nvSpPr>
+          <p:cNvPr id="3" name="Content Placeholder 2"/>
+          <p:cNvSpPr>
+            <a:spLocks noGrp="1"/>
+          </p:cNvSpPr>
+          <p:nvPr>
+            <p:ph idx="1"/>
+          </p:nvPr>
+        </p:nvSpPr>
+        <p:spPr/>
+        <p:txBody>
+          <a:bodyPr/>
+          <a:lstStyle/>
+          <a:p>
+            <a:pPr>
+              <a:buNone/>
+            </a:pPr>
             <a:r>
-              <a:rPr lang="en-US" sz="3200" baseline="-25000" dirty="0">
-                <a:solidFill>
-                  <a:srgbClr val="FF0000"/>
-                </a:solidFill>
-              </a:rPr>
-              <a:t>m</a:t>
+              <a:rPr lang="en-US" dirty="0"/>
+              <a:t>Electrons create an electric field around themselves. If they move, they also create…</a:t>
             </a:r>
           </a:p>
-        </p:txBody>
-      </p:sp>
-      <p:sp>
-        <p:nvSpPr>
-          <p:cNvPr id="25" name="TextBox 24"/>
-          <p:cNvSpPr txBox="1"/>
-          <p:nvPr/>
-        </p:nvSpPr>
-        <p:spPr>
-          <a:xfrm>
-            <a:off x="3962400" y="4328160"/>
-            <a:ext cx="591829" cy="584775"/>
-          </a:xfrm>
-          <a:prstGeom prst="rect">
-            <a:avLst/>
-          </a:prstGeom>
-          <a:noFill/>
-        </p:spPr>
-        <p:txBody>
-          <a:bodyPr wrap="none" rtlCol="0">
-            <a:spAutoFit/>
-          </a:bodyPr>
-          <a:lstStyle/>
-          <a:p>
+          <a:p>
+            <a:pPr marL="514350" indent="-514350">
+              <a:buAutoNum type="alphaLcParenR"/>
+            </a:pPr>
             <a:r>
-              <a:rPr lang="en-US" sz="3200" dirty="0">
-                <a:solidFill>
-                  <a:srgbClr val="FF0000"/>
-                </a:solidFill>
-              </a:rPr>
-              <a:t>F</a:t>
+              <a:rPr lang="en-US" dirty="0"/>
+              <a:t>Sound waves</a:t>
             </a:r>
+          </a:p>
+          <a:p>
+            <a:pPr marL="514350" indent="-514350">
+              <a:buAutoNum type="alphaLcParenR"/>
+            </a:pPr>
             <a:r>
-              <a:rPr lang="en-US" sz="3200" baseline="-25000" dirty="0">
-                <a:solidFill>
-                  <a:srgbClr val="FF0000"/>
-                </a:solidFill>
-              </a:rPr>
-              <a:t>m</a:t>
+              <a:rPr lang="en-US" dirty="0"/>
+              <a:t>Laser beams</a:t>
             </a:r>
           </a:p>
-        </p:txBody>
-      </p:sp>
-      <p:sp>
-        <p:nvSpPr>
-          <p:cNvPr id="26" name="TextBox 25"/>
-          <p:cNvSpPr txBox="1"/>
-          <p:nvPr/>
-        </p:nvSpPr>
-        <p:spPr>
-          <a:xfrm>
-            <a:off x="2865120" y="899160"/>
-            <a:ext cx="457200" cy="707886"/>
-          </a:xfrm>
-          <a:prstGeom prst="rect">
-            <a:avLst/>
-          </a:prstGeom>
-          <a:noFill/>
-        </p:spPr>
-        <p:txBody>
-          <a:bodyPr wrap="square" rtlCol="0">
-            <a:spAutoFit/>
-          </a:bodyPr>
-          <a:lstStyle/>
-          <a:p>
+          <a:p>
+            <a:pPr marL="514350" indent="-514350">
+              <a:buAutoNum type="alphaLcParenR"/>
+            </a:pPr>
             <a:r>
-              <a:rPr lang="en-US" sz="4000" dirty="0">
-                <a:solidFill>
-                  <a:schemeClr val="accent1"/>
-                </a:solidFill>
-              </a:rPr>
-              <a:t>B</a:t>
+              <a:rPr lang="en-US" dirty="0"/>
+              <a:t>Magnetic fields</a:t>
             </a:r>
+          </a:p>
+          <a:p>
+            <a:pPr marL="514350" indent="-514350">
+              <a:buAutoNum type="alphaLcParenR"/>
+            </a:pPr>
+            <a:endParaRPr lang="en-US" dirty="0"/>
+          </a:p>
+          <a:p>
+            <a:pPr marL="514350" indent="-514350">
+              <a:buAutoNum type="alphaLcParenR"/>
+            </a:pPr>
+            <a:endParaRPr lang="en-US" dirty="0"/>
+          </a:p>
+        </p:txBody>
+      </p:sp>
+      <p:sp>
+        <p:nvSpPr>
+          <p:cNvPr id="4" name="Slide Number Placeholder 3"/>
+          <p:cNvSpPr>
+            <a:spLocks noGrp="1"/>
+          </p:cNvSpPr>
+          <p:nvPr>
+            <p:ph type="sldNum" sz="quarter" idx="12"/>
+          </p:nvPr>
+        </p:nvSpPr>
+        <p:spPr/>
+        <p:txBody>
+          <a:bodyPr/>
+          <a:lstStyle/>
+          <a:p>
+            <a:pPr>
+              <a:defRPr/>
+            </a:pPr>
+            <a:fld id="{64137B81-8888-4253-92EC-0AED2A590749}" type="slidenum">
+              <a:rPr lang="en-US" smtClean="0"/>
+              <a:pPr>
+                <a:defRPr/>
+              </a:pPr>
+              <a:t>5</a:t>
+            </a:fld>
+            <a:endParaRPr lang="en-US"/>
           </a:p>
         </p:txBody>
       </p:sp>
@@ -17452,7 +17826,7 @@
       </p:grpSpPr>
       <p:pic>
         <p:nvPicPr>
-          <p:cNvPr id="3076" name="Picture 4"/>
+          <p:cNvPr id="1026" name="Picture 2"/>
           <p:cNvPicPr>
             <a:picLocks noChangeAspect="1" noChangeArrowheads="1"/>
           </p:cNvPicPr>
@@ -17467,8 +17841,8 @@
         </p:blipFill>
         <p:spPr bwMode="auto">
           <a:xfrm>
-            <a:off x="1423988" y="138113"/>
-            <a:ext cx="6296025" cy="6581775"/>
+            <a:off x="1423988" y="1338263"/>
+            <a:ext cx="6296025" cy="4181475"/>
           </a:xfrm>
           <a:prstGeom prst="rect">
             <a:avLst/>
@@ -17508,167 +17882,9 @@
           <a:chExt cx="0" cy="0"/>
         </a:xfrm>
       </p:grpSpPr>
-      <p:sp>
-        <p:nvSpPr>
-          <p:cNvPr id="2" name="Title 1"/>
-          <p:cNvSpPr>
-            <a:spLocks noGrp="1"/>
-          </p:cNvSpPr>
-          <p:nvPr>
-            <p:ph type="title"/>
-          </p:nvPr>
-        </p:nvSpPr>
-        <p:spPr/>
-        <p:txBody>
-          <a:bodyPr/>
-          <a:lstStyle/>
-          <a:p>
-            <a:r>
-              <a:rPr lang="en-US" dirty="0"/>
-              <a:t>Question 223.38.2</a:t>
-            </a:r>
-          </a:p>
-        </p:txBody>
-      </p:sp>
-      <p:sp>
-        <p:nvSpPr>
-          <p:cNvPr id="3" name="Content Placeholder 2"/>
-          <p:cNvSpPr>
-            <a:spLocks noGrp="1"/>
-          </p:cNvSpPr>
-          <p:nvPr>
-            <p:ph idx="1"/>
-          </p:nvPr>
-        </p:nvSpPr>
-        <p:spPr>
-          <a:xfrm>
-            <a:off x="457200" y="1600200"/>
-            <a:ext cx="6781800" cy="4525963"/>
-          </a:xfrm>
-        </p:spPr>
-        <p:txBody>
-          <a:bodyPr>
-            <a:normAutofit fontScale="92500" lnSpcReduction="20000"/>
-          </a:bodyPr>
-          <a:lstStyle/>
-          <a:p>
-            <a:pPr>
-              <a:buNone/>
-            </a:pPr>
-            <a:r>
-              <a:rPr lang="en-US" dirty="0"/>
-              <a:t>The magnetic field due </a:t>
-            </a:r>
-          </a:p>
-          <a:p>
-            <a:pPr>
-              <a:buNone/>
-            </a:pPr>
-            <a:r>
-              <a:rPr lang="en-US" dirty="0"/>
-              <a:t>to a long straight wire is </a:t>
-            </a:r>
-          </a:p>
-          <a:p>
-            <a:pPr>
-              <a:buNone/>
-            </a:pPr>
-            <a:r>
-              <a:rPr lang="en-US" dirty="0"/>
-              <a:t>shown. The blue circle means</a:t>
-            </a:r>
-          </a:p>
-          <a:p>
-            <a:pPr marL="514350" indent="-514350">
-              <a:buNone/>
-            </a:pPr>
-            <a:r>
-              <a:rPr lang="en-US" dirty="0"/>
-              <a:t>a)   The magnetic field forms </a:t>
-            </a:r>
-          </a:p>
-          <a:p>
-            <a:pPr marL="514350" indent="-514350">
-              <a:buNone/>
-            </a:pPr>
-            <a:r>
-              <a:rPr lang="en-US" dirty="0"/>
-              <a:t>	a complete loop around </a:t>
-            </a:r>
-          </a:p>
-          <a:p>
-            <a:pPr marL="514350" indent="-514350">
-              <a:buNone/>
-            </a:pPr>
-            <a:r>
-              <a:rPr lang="en-US" dirty="0"/>
-              <a:t>	the wire</a:t>
-            </a:r>
-          </a:p>
-          <a:p>
-            <a:pPr marL="514350" indent="-514350">
-              <a:buNone/>
-            </a:pPr>
-            <a:r>
-              <a:rPr lang="en-US" dirty="0"/>
-              <a:t>b)   The magnetic field circulates around the wire</a:t>
-            </a:r>
-          </a:p>
-          <a:p>
-            <a:pPr marL="514350" indent="-514350">
-              <a:buNone/>
-            </a:pPr>
-            <a:r>
-              <a:rPr lang="en-US" dirty="0"/>
-              <a:t>c)    The magnetic field is tangent to the circle at every point on the circle</a:t>
-            </a:r>
-          </a:p>
-          <a:p>
-            <a:pPr marL="514350" indent="-514350">
-              <a:buAutoNum type="arabicPeriod"/>
-            </a:pPr>
-            <a:endParaRPr lang="en-US" dirty="0"/>
-          </a:p>
-          <a:p>
-            <a:pPr marL="514350" indent="-514350">
-              <a:buAutoNum type="arabicPeriod"/>
-            </a:pPr>
-            <a:endParaRPr lang="en-US" dirty="0"/>
-          </a:p>
-        </p:txBody>
-      </p:sp>
-      <p:sp>
-        <p:nvSpPr>
-          <p:cNvPr id="4" name="Slide Number Placeholder 3"/>
-          <p:cNvSpPr>
-            <a:spLocks noGrp="1"/>
-          </p:cNvSpPr>
-          <p:nvPr>
-            <p:ph type="sldNum" sz="quarter" idx="12"/>
-          </p:nvPr>
-        </p:nvSpPr>
-        <p:spPr/>
-        <p:txBody>
-          <a:bodyPr/>
-          <a:lstStyle/>
-          <a:p>
-            <a:pPr>
-              <a:defRPr/>
-            </a:pPr>
-            <a:fld id="{64137B81-8888-4253-92EC-0AED2A590749}" type="slidenum">
-              <a:rPr lang="en-US" smtClean="0"/>
-              <a:pPr>
-                <a:defRPr/>
-              </a:pPr>
-              <a:t>7</a:t>
-            </a:fld>
-            <a:endParaRPr lang="en-US"/>
-          </a:p>
-        </p:txBody>
-      </p:sp>
       <p:pic>
         <p:nvPicPr>
-          <p:cNvPr id="4932610" name="Picture 2"/>
+          <p:cNvPr id="2051" name="Picture 3"/>
           <p:cNvPicPr>
             <a:picLocks noChangeAspect="1" noChangeArrowheads="1"/>
           </p:cNvPicPr>
@@ -17683,8 +17899,8 @@
         </p:blipFill>
         <p:spPr bwMode="auto">
           <a:xfrm>
-            <a:off x="5900738" y="1241108"/>
-            <a:ext cx="2524125" cy="2638425"/>
+            <a:off x="1423988" y="823913"/>
+            <a:ext cx="6296025" cy="5210175"/>
           </a:xfrm>
           <a:prstGeom prst="rect">
             <a:avLst/>
@@ -17724,128 +17940,9 @@
           <a:chExt cx="0" cy="0"/>
         </a:xfrm>
       </p:grpSpPr>
-      <p:sp>
-        <p:nvSpPr>
-          <p:cNvPr id="2" name="Title 1"/>
-          <p:cNvSpPr>
-            <a:spLocks noGrp="1"/>
-          </p:cNvSpPr>
-          <p:nvPr>
-            <p:ph type="title"/>
-          </p:nvPr>
-        </p:nvSpPr>
-        <p:spPr/>
-        <p:txBody>
-          <a:bodyPr/>
-          <a:lstStyle/>
-          <a:p>
-            <a:r>
-              <a:rPr lang="en-US" dirty="0"/>
-              <a:t>Question 223.38.2.1</a:t>
-            </a:r>
-          </a:p>
-        </p:txBody>
-      </p:sp>
-      <p:sp>
-        <p:nvSpPr>
-          <p:cNvPr id="3" name="Content Placeholder 2"/>
-          <p:cNvSpPr>
-            <a:spLocks noGrp="1"/>
-          </p:cNvSpPr>
-          <p:nvPr>
-            <p:ph idx="1"/>
-          </p:nvPr>
-        </p:nvSpPr>
-        <p:spPr>
-          <a:xfrm>
-            <a:off x="457200" y="1600200"/>
-            <a:ext cx="5632515" cy="4525963"/>
-          </a:xfrm>
-        </p:spPr>
-        <p:txBody>
-          <a:bodyPr>
-            <a:normAutofit/>
-          </a:bodyPr>
-          <a:lstStyle/>
-          <a:p>
-            <a:pPr>
-              <a:buNone/>
-            </a:pPr>
-            <a:r>
-              <a:rPr lang="en-US" dirty="0"/>
-              <a:t>What does it mean that the magnetic field forms loops around the wire?</a:t>
-            </a:r>
-          </a:p>
-          <a:p>
-            <a:pPr marL="514350" indent="-514350">
-              <a:buFont typeface="+mj-lt"/>
-              <a:buAutoNum type="alphaLcParenR"/>
-            </a:pPr>
-            <a:r>
-              <a:rPr lang="en-US" dirty="0"/>
-              <a:t>The magnetic field only exists along the circle.</a:t>
-            </a:r>
-          </a:p>
-          <a:p>
-            <a:pPr marL="514350" indent="-514350">
-              <a:buFont typeface="+mj-lt"/>
-              <a:buAutoNum type="alphaLcParenR"/>
-            </a:pPr>
-            <a:r>
-              <a:rPr lang="en-US" dirty="0"/>
-              <a:t>The magnitude of the B-field is constant at a given radius</a:t>
-            </a:r>
-          </a:p>
-          <a:p>
-            <a:pPr marL="514350" indent="-514350">
-              <a:buFont typeface="+mj-lt"/>
-              <a:buAutoNum type="alphaLcParenR"/>
-            </a:pPr>
-            <a:r>
-              <a:rPr lang="en-US" dirty="0"/>
-              <a:t>The magnetic field is toroidal.</a:t>
-            </a:r>
-          </a:p>
-          <a:p>
-            <a:pPr marL="514350" indent="-514350">
-              <a:buAutoNum type="arabicPeriod"/>
-            </a:pPr>
-            <a:endParaRPr lang="en-US" dirty="0"/>
-          </a:p>
-        </p:txBody>
-      </p:sp>
-      <p:sp>
-        <p:nvSpPr>
-          <p:cNvPr id="4" name="Slide Number Placeholder 3"/>
-          <p:cNvSpPr>
-            <a:spLocks noGrp="1"/>
-          </p:cNvSpPr>
-          <p:nvPr>
-            <p:ph type="sldNum" sz="quarter" idx="12"/>
-          </p:nvPr>
-        </p:nvSpPr>
-        <p:spPr/>
-        <p:txBody>
-          <a:bodyPr/>
-          <a:lstStyle/>
-          <a:p>
-            <a:pPr>
-              <a:defRPr/>
-            </a:pPr>
-            <a:fld id="{64137B81-8888-4253-92EC-0AED2A590749}" type="slidenum">
-              <a:rPr lang="en-US" smtClean="0"/>
-              <a:pPr>
-                <a:defRPr/>
-              </a:pPr>
-              <a:t>8</a:t>
-            </a:fld>
-            <a:endParaRPr lang="en-US"/>
-          </a:p>
-        </p:txBody>
-      </p:sp>
       <p:pic>
         <p:nvPicPr>
-          <p:cNvPr id="4932610" name="Picture 2"/>
+          <p:cNvPr id="4098" name="Picture 2"/>
           <p:cNvPicPr>
             <a:picLocks noChangeAspect="1" noChangeArrowheads="1"/>
           </p:cNvPicPr>
@@ -17859,9 +17956,9 @@
           </a:stretch>
         </p:blipFill>
         <p:spPr bwMode="auto">
-          <a:xfrm>
-            <a:off x="6357937" y="1354410"/>
-            <a:ext cx="2524125" cy="2638425"/>
+          <a:xfrm rot="1258604">
+            <a:off x="4748213" y="2362200"/>
+            <a:ext cx="646747" cy="2147888"/>
           </a:xfrm>
           <a:prstGeom prst="rect">
             <a:avLst/>
@@ -17876,12 +17973,590 @@
           <a:effectLst/>
         </p:spPr>
       </p:pic>
+      <p:cxnSp>
+        <p:nvCxnSpPr>
+          <p:cNvPr id="4" name="Straight Arrow Connector 3"/>
+          <p:cNvCxnSpPr/>
+          <p:nvPr/>
+        </p:nvCxnSpPr>
+        <p:spPr>
+          <a:xfrm>
+            <a:off x="2712720" y="1569720"/>
+            <a:ext cx="960120" cy="0"/>
+          </a:xfrm>
+          <a:prstGeom prst="straightConnector1">
+            <a:avLst/>
+          </a:prstGeom>
+          <a:ln w="38100">
+            <a:tailEnd type="arrow"/>
+          </a:ln>
+        </p:spPr>
+        <p:style>
+          <a:lnRef idx="1">
+            <a:schemeClr val="accent1"/>
+          </a:lnRef>
+          <a:fillRef idx="0">
+            <a:schemeClr val="accent1"/>
+          </a:fillRef>
+          <a:effectRef idx="0">
+            <a:schemeClr val="accent1"/>
+          </a:effectRef>
+          <a:fontRef idx="minor">
+            <a:schemeClr val="tx1"/>
+          </a:fontRef>
+        </p:style>
+      </p:cxnSp>
+      <p:cxnSp>
+        <p:nvCxnSpPr>
+          <p:cNvPr id="8" name="Straight Arrow Connector 7"/>
+          <p:cNvCxnSpPr/>
+          <p:nvPr/>
+        </p:nvCxnSpPr>
+        <p:spPr>
+          <a:xfrm>
+            <a:off x="2712720" y="2499360"/>
+            <a:ext cx="960120" cy="0"/>
+          </a:xfrm>
+          <a:prstGeom prst="straightConnector1">
+            <a:avLst/>
+          </a:prstGeom>
+          <a:ln w="38100">
+            <a:tailEnd type="arrow"/>
+          </a:ln>
+        </p:spPr>
+        <p:style>
+          <a:lnRef idx="1">
+            <a:schemeClr val="accent1"/>
+          </a:lnRef>
+          <a:fillRef idx="0">
+            <a:schemeClr val="accent1"/>
+          </a:fillRef>
+          <a:effectRef idx="0">
+            <a:schemeClr val="accent1"/>
+          </a:effectRef>
+          <a:fontRef idx="minor">
+            <a:schemeClr val="tx1"/>
+          </a:fontRef>
+        </p:style>
+      </p:cxnSp>
+      <p:cxnSp>
+        <p:nvCxnSpPr>
+          <p:cNvPr id="9" name="Straight Arrow Connector 8"/>
+          <p:cNvCxnSpPr/>
+          <p:nvPr/>
+        </p:nvCxnSpPr>
+        <p:spPr>
+          <a:xfrm>
+            <a:off x="2712720" y="3429000"/>
+            <a:ext cx="960120" cy="0"/>
+          </a:xfrm>
+          <a:prstGeom prst="straightConnector1">
+            <a:avLst/>
+          </a:prstGeom>
+          <a:ln w="38100">
+            <a:tailEnd type="arrow"/>
+          </a:ln>
+        </p:spPr>
+        <p:style>
+          <a:lnRef idx="1">
+            <a:schemeClr val="accent1"/>
+          </a:lnRef>
+          <a:fillRef idx="0">
+            <a:schemeClr val="accent1"/>
+          </a:fillRef>
+          <a:effectRef idx="0">
+            <a:schemeClr val="accent1"/>
+          </a:effectRef>
+          <a:fontRef idx="minor">
+            <a:schemeClr val="tx1"/>
+          </a:fontRef>
+        </p:style>
+      </p:cxnSp>
+      <p:cxnSp>
+        <p:nvCxnSpPr>
+          <p:cNvPr id="10" name="Straight Arrow Connector 9"/>
+          <p:cNvCxnSpPr/>
+          <p:nvPr/>
+        </p:nvCxnSpPr>
+        <p:spPr>
+          <a:xfrm>
+            <a:off x="2712720" y="4328160"/>
+            <a:ext cx="960120" cy="0"/>
+          </a:xfrm>
+          <a:prstGeom prst="straightConnector1">
+            <a:avLst/>
+          </a:prstGeom>
+          <a:ln w="38100">
+            <a:tailEnd type="arrow"/>
+          </a:ln>
+        </p:spPr>
+        <p:style>
+          <a:lnRef idx="1">
+            <a:schemeClr val="accent1"/>
+          </a:lnRef>
+          <a:fillRef idx="0">
+            <a:schemeClr val="accent1"/>
+          </a:fillRef>
+          <a:effectRef idx="0">
+            <a:schemeClr val="accent1"/>
+          </a:effectRef>
+          <a:fontRef idx="minor">
+            <a:schemeClr val="tx1"/>
+          </a:fontRef>
+        </p:style>
+      </p:cxnSp>
+      <p:cxnSp>
+        <p:nvCxnSpPr>
+          <p:cNvPr id="11" name="Straight Arrow Connector 10"/>
+          <p:cNvCxnSpPr/>
+          <p:nvPr/>
+        </p:nvCxnSpPr>
+        <p:spPr>
+          <a:xfrm>
+            <a:off x="2712720" y="5242560"/>
+            <a:ext cx="960120" cy="0"/>
+          </a:xfrm>
+          <a:prstGeom prst="straightConnector1">
+            <a:avLst/>
+          </a:prstGeom>
+          <a:ln w="38100">
+            <a:tailEnd type="arrow"/>
+          </a:ln>
+        </p:spPr>
+        <p:style>
+          <a:lnRef idx="1">
+            <a:schemeClr val="accent1"/>
+          </a:lnRef>
+          <a:fillRef idx="0">
+            <a:schemeClr val="accent1"/>
+          </a:fillRef>
+          <a:effectRef idx="0">
+            <a:schemeClr val="accent1"/>
+          </a:effectRef>
+          <a:fontRef idx="minor">
+            <a:schemeClr val="tx1"/>
+          </a:fontRef>
+        </p:style>
+      </p:cxnSp>
+      <p:cxnSp>
+        <p:nvCxnSpPr>
+          <p:cNvPr id="12" name="Straight Arrow Connector 11"/>
+          <p:cNvCxnSpPr/>
+          <p:nvPr/>
+        </p:nvCxnSpPr>
+        <p:spPr>
+          <a:xfrm>
+            <a:off x="4572000" y="1584960"/>
+            <a:ext cx="960120" cy="0"/>
+          </a:xfrm>
+          <a:prstGeom prst="straightConnector1">
+            <a:avLst/>
+          </a:prstGeom>
+          <a:ln w="38100">
+            <a:tailEnd type="arrow"/>
+          </a:ln>
+        </p:spPr>
+        <p:style>
+          <a:lnRef idx="1">
+            <a:schemeClr val="accent1"/>
+          </a:lnRef>
+          <a:fillRef idx="0">
+            <a:schemeClr val="accent1"/>
+          </a:fillRef>
+          <a:effectRef idx="0">
+            <a:schemeClr val="accent1"/>
+          </a:effectRef>
+          <a:fontRef idx="minor">
+            <a:schemeClr val="tx1"/>
+          </a:fontRef>
+        </p:style>
+      </p:cxnSp>
+      <p:cxnSp>
+        <p:nvCxnSpPr>
+          <p:cNvPr id="16" name="Straight Arrow Connector 15"/>
+          <p:cNvCxnSpPr/>
+          <p:nvPr/>
+        </p:nvCxnSpPr>
+        <p:spPr>
+          <a:xfrm>
+            <a:off x="4572000" y="5257800"/>
+            <a:ext cx="960120" cy="0"/>
+          </a:xfrm>
+          <a:prstGeom prst="straightConnector1">
+            <a:avLst/>
+          </a:prstGeom>
+          <a:ln w="38100">
+            <a:tailEnd type="arrow"/>
+          </a:ln>
+        </p:spPr>
+        <p:style>
+          <a:lnRef idx="1">
+            <a:schemeClr val="accent1"/>
+          </a:lnRef>
+          <a:fillRef idx="0">
+            <a:schemeClr val="accent1"/>
+          </a:fillRef>
+          <a:effectRef idx="0">
+            <a:schemeClr val="accent1"/>
+          </a:effectRef>
+          <a:fontRef idx="minor">
+            <a:schemeClr val="tx1"/>
+          </a:fontRef>
+        </p:style>
+      </p:cxnSp>
+      <p:cxnSp>
+        <p:nvCxnSpPr>
+          <p:cNvPr id="17" name="Straight Arrow Connector 16"/>
+          <p:cNvCxnSpPr/>
+          <p:nvPr/>
+        </p:nvCxnSpPr>
+        <p:spPr>
+          <a:xfrm>
+            <a:off x="6355080" y="1584960"/>
+            <a:ext cx="960120" cy="0"/>
+          </a:xfrm>
+          <a:prstGeom prst="straightConnector1">
+            <a:avLst/>
+          </a:prstGeom>
+          <a:ln w="38100">
+            <a:tailEnd type="arrow"/>
+          </a:ln>
+        </p:spPr>
+        <p:style>
+          <a:lnRef idx="1">
+            <a:schemeClr val="accent1"/>
+          </a:lnRef>
+          <a:fillRef idx="0">
+            <a:schemeClr val="accent1"/>
+          </a:fillRef>
+          <a:effectRef idx="0">
+            <a:schemeClr val="accent1"/>
+          </a:effectRef>
+          <a:fontRef idx="minor">
+            <a:schemeClr val="tx1"/>
+          </a:fontRef>
+        </p:style>
+      </p:cxnSp>
+      <p:cxnSp>
+        <p:nvCxnSpPr>
+          <p:cNvPr id="18" name="Straight Arrow Connector 17"/>
+          <p:cNvCxnSpPr/>
+          <p:nvPr/>
+        </p:nvCxnSpPr>
+        <p:spPr>
+          <a:xfrm>
+            <a:off x="6355080" y="2514600"/>
+            <a:ext cx="960120" cy="0"/>
+          </a:xfrm>
+          <a:prstGeom prst="straightConnector1">
+            <a:avLst/>
+          </a:prstGeom>
+          <a:ln w="38100">
+            <a:tailEnd type="arrow"/>
+          </a:ln>
+        </p:spPr>
+        <p:style>
+          <a:lnRef idx="1">
+            <a:schemeClr val="accent1"/>
+          </a:lnRef>
+          <a:fillRef idx="0">
+            <a:schemeClr val="accent1"/>
+          </a:fillRef>
+          <a:effectRef idx="0">
+            <a:schemeClr val="accent1"/>
+          </a:effectRef>
+          <a:fontRef idx="minor">
+            <a:schemeClr val="tx1"/>
+          </a:fontRef>
+        </p:style>
+      </p:cxnSp>
+      <p:cxnSp>
+        <p:nvCxnSpPr>
+          <p:cNvPr id="19" name="Straight Arrow Connector 18"/>
+          <p:cNvCxnSpPr/>
+          <p:nvPr/>
+        </p:nvCxnSpPr>
+        <p:spPr>
+          <a:xfrm>
+            <a:off x="6355080" y="3444240"/>
+            <a:ext cx="960120" cy="0"/>
+          </a:xfrm>
+          <a:prstGeom prst="straightConnector1">
+            <a:avLst/>
+          </a:prstGeom>
+          <a:ln w="38100">
+            <a:tailEnd type="arrow"/>
+          </a:ln>
+        </p:spPr>
+        <p:style>
+          <a:lnRef idx="1">
+            <a:schemeClr val="accent1"/>
+          </a:lnRef>
+          <a:fillRef idx="0">
+            <a:schemeClr val="accent1"/>
+          </a:fillRef>
+          <a:effectRef idx="0">
+            <a:schemeClr val="accent1"/>
+          </a:effectRef>
+          <a:fontRef idx="minor">
+            <a:schemeClr val="tx1"/>
+          </a:fontRef>
+        </p:style>
+      </p:cxnSp>
+      <p:cxnSp>
+        <p:nvCxnSpPr>
+          <p:cNvPr id="20" name="Straight Arrow Connector 19"/>
+          <p:cNvCxnSpPr/>
+          <p:nvPr/>
+        </p:nvCxnSpPr>
+        <p:spPr>
+          <a:xfrm>
+            <a:off x="6355080" y="4343400"/>
+            <a:ext cx="960120" cy="0"/>
+          </a:xfrm>
+          <a:prstGeom prst="straightConnector1">
+            <a:avLst/>
+          </a:prstGeom>
+          <a:ln w="38100">
+            <a:tailEnd type="arrow"/>
+          </a:ln>
+        </p:spPr>
+        <p:style>
+          <a:lnRef idx="1">
+            <a:schemeClr val="accent1"/>
+          </a:lnRef>
+          <a:fillRef idx="0">
+            <a:schemeClr val="accent1"/>
+          </a:fillRef>
+          <a:effectRef idx="0">
+            <a:schemeClr val="accent1"/>
+          </a:effectRef>
+          <a:fontRef idx="minor">
+            <a:schemeClr val="tx1"/>
+          </a:fontRef>
+        </p:style>
+      </p:cxnSp>
+      <p:cxnSp>
+        <p:nvCxnSpPr>
+          <p:cNvPr id="21" name="Straight Arrow Connector 20"/>
+          <p:cNvCxnSpPr/>
+          <p:nvPr/>
+        </p:nvCxnSpPr>
+        <p:spPr>
+          <a:xfrm>
+            <a:off x="6355080" y="5257800"/>
+            <a:ext cx="960120" cy="0"/>
+          </a:xfrm>
+          <a:prstGeom prst="straightConnector1">
+            <a:avLst/>
+          </a:prstGeom>
+          <a:ln w="38100">
+            <a:tailEnd type="arrow"/>
+          </a:ln>
+        </p:spPr>
+        <p:style>
+          <a:lnRef idx="1">
+            <a:schemeClr val="accent1"/>
+          </a:lnRef>
+          <a:fillRef idx="0">
+            <a:schemeClr val="accent1"/>
+          </a:fillRef>
+          <a:effectRef idx="0">
+            <a:schemeClr val="accent1"/>
+          </a:effectRef>
+          <a:fontRef idx="minor">
+            <a:schemeClr val="tx1"/>
+          </a:fontRef>
+        </p:style>
+      </p:cxnSp>
+      <p:cxnSp>
+        <p:nvCxnSpPr>
+          <p:cNvPr id="22" name="Straight Arrow Connector 21"/>
+          <p:cNvCxnSpPr/>
+          <p:nvPr/>
+        </p:nvCxnSpPr>
+        <p:spPr>
+          <a:xfrm>
+            <a:off x="5334000" y="2743200"/>
+            <a:ext cx="960120" cy="0"/>
+          </a:xfrm>
+          <a:prstGeom prst="straightConnector1">
+            <a:avLst/>
+          </a:prstGeom>
+          <a:ln w="57150">
+            <a:solidFill>
+              <a:srgbClr val="FF0000"/>
+            </a:solidFill>
+            <a:tailEnd type="arrow"/>
+          </a:ln>
+        </p:spPr>
+        <p:style>
+          <a:lnRef idx="1">
+            <a:schemeClr val="accent1"/>
+          </a:lnRef>
+          <a:fillRef idx="0">
+            <a:schemeClr val="accent1"/>
+          </a:fillRef>
+          <a:effectRef idx="0">
+            <a:schemeClr val="accent1"/>
+          </a:effectRef>
+          <a:fontRef idx="minor">
+            <a:schemeClr val="tx1"/>
+          </a:fontRef>
+        </p:style>
+      </p:cxnSp>
+      <p:cxnSp>
+        <p:nvCxnSpPr>
+          <p:cNvPr id="23" name="Straight Arrow Connector 22"/>
+          <p:cNvCxnSpPr/>
+          <p:nvPr/>
+        </p:nvCxnSpPr>
+        <p:spPr>
+          <a:xfrm flipH="1">
+            <a:off x="3855720" y="4206240"/>
+            <a:ext cx="960120" cy="0"/>
+          </a:xfrm>
+          <a:prstGeom prst="straightConnector1">
+            <a:avLst/>
+          </a:prstGeom>
+          <a:ln w="57150">
+            <a:solidFill>
+              <a:srgbClr val="FF0000"/>
+            </a:solidFill>
+            <a:tailEnd type="arrow"/>
+          </a:ln>
+        </p:spPr>
+        <p:style>
+          <a:lnRef idx="1">
+            <a:schemeClr val="accent1"/>
+          </a:lnRef>
+          <a:fillRef idx="0">
+            <a:schemeClr val="accent1"/>
+          </a:fillRef>
+          <a:effectRef idx="0">
+            <a:schemeClr val="accent1"/>
+          </a:effectRef>
+          <a:fontRef idx="minor">
+            <a:schemeClr val="tx1"/>
+          </a:fontRef>
+        </p:style>
+      </p:cxnSp>
+      <p:sp>
+        <p:nvSpPr>
+          <p:cNvPr id="24" name="TextBox 23"/>
+          <p:cNvSpPr txBox="1"/>
+          <p:nvPr/>
+        </p:nvSpPr>
+        <p:spPr>
+          <a:xfrm>
+            <a:off x="5608320" y="1965960"/>
+            <a:ext cx="591829" cy="584775"/>
+          </a:xfrm>
+          <a:prstGeom prst="rect">
+            <a:avLst/>
+          </a:prstGeom>
+          <a:noFill/>
+        </p:spPr>
+        <p:txBody>
+          <a:bodyPr wrap="none" rtlCol="0">
+            <a:spAutoFit/>
+          </a:bodyPr>
+          <a:lstStyle/>
+          <a:p>
+            <a:r>
+              <a:rPr lang="en-US" sz="3200" dirty="0">
+                <a:solidFill>
+                  <a:srgbClr val="FF0000"/>
+                </a:solidFill>
+              </a:rPr>
+              <a:t>F</a:t>
+            </a:r>
+            <a:r>
+              <a:rPr lang="en-US" sz="3200" baseline="-25000" dirty="0">
+                <a:solidFill>
+                  <a:srgbClr val="FF0000"/>
+                </a:solidFill>
+              </a:rPr>
+              <a:t>m</a:t>
+            </a:r>
+          </a:p>
+        </p:txBody>
+      </p:sp>
+      <p:sp>
+        <p:nvSpPr>
+          <p:cNvPr id="25" name="TextBox 24"/>
+          <p:cNvSpPr txBox="1"/>
+          <p:nvPr/>
+        </p:nvSpPr>
+        <p:spPr>
+          <a:xfrm>
+            <a:off x="3962400" y="4328160"/>
+            <a:ext cx="591829" cy="584775"/>
+          </a:xfrm>
+          <a:prstGeom prst="rect">
+            <a:avLst/>
+          </a:prstGeom>
+          <a:noFill/>
+        </p:spPr>
+        <p:txBody>
+          <a:bodyPr wrap="none" rtlCol="0">
+            <a:spAutoFit/>
+          </a:bodyPr>
+          <a:lstStyle/>
+          <a:p>
+            <a:r>
+              <a:rPr lang="en-US" sz="3200" dirty="0">
+                <a:solidFill>
+                  <a:srgbClr val="FF0000"/>
+                </a:solidFill>
+              </a:rPr>
+              <a:t>F</a:t>
+            </a:r>
+            <a:r>
+              <a:rPr lang="en-US" sz="3200" baseline="-25000" dirty="0">
+                <a:solidFill>
+                  <a:srgbClr val="FF0000"/>
+                </a:solidFill>
+              </a:rPr>
+              <a:t>m</a:t>
+            </a:r>
+          </a:p>
+        </p:txBody>
+      </p:sp>
+      <p:sp>
+        <p:nvSpPr>
+          <p:cNvPr id="26" name="TextBox 25"/>
+          <p:cNvSpPr txBox="1"/>
+          <p:nvPr/>
+        </p:nvSpPr>
+        <p:spPr>
+          <a:xfrm>
+            <a:off x="2865120" y="899160"/>
+            <a:ext cx="457200" cy="707886"/>
+          </a:xfrm>
+          <a:prstGeom prst="rect">
+            <a:avLst/>
+          </a:prstGeom>
+          <a:noFill/>
+        </p:spPr>
+        <p:txBody>
+          <a:bodyPr wrap="square" rtlCol="0">
+            <a:spAutoFit/>
+          </a:bodyPr>
+          <a:lstStyle/>
+          <a:p>
+            <a:r>
+              <a:rPr lang="en-US" sz="4000" dirty="0">
+                <a:solidFill>
+                  <a:schemeClr val="accent1"/>
+                </a:solidFill>
+              </a:rPr>
+              <a:t>B</a:t>
+            </a:r>
+          </a:p>
+        </p:txBody>
+      </p:sp>
     </p:spTree>
-    <p:extLst>
-      <p:ext uri="{BB962C8B-B14F-4D97-AF65-F5344CB8AC3E}">
-        <p14:creationId xmlns:p14="http://schemas.microsoft.com/office/powerpoint/2010/main" val="1308381551"/>
-      </p:ext>
-    </p:extLst>
   </p:cSld>
   <p:clrMapOvr>
     <a:masterClrMapping/>
@@ -17906,383 +18581,39 @@
           <a:chExt cx="0" cy="0"/>
         </a:xfrm>
       </p:grpSpPr>
-      <p:sp>
-        <p:nvSpPr>
-          <p:cNvPr id="14" name="Freeform 13"/>
-          <p:cNvSpPr/>
-          <p:nvPr/>
-        </p:nvSpPr>
-        <p:spPr>
-          <a:xfrm>
-            <a:off x="4133973" y="3335114"/>
-            <a:ext cx="429650" cy="739900"/>
-          </a:xfrm>
-          <a:custGeom>
-            <a:avLst/>
-            <a:gdLst>
-              <a:gd name="connsiteX0" fmla="*/ 554636 w 554636"/>
-              <a:gd name="connsiteY0" fmla="*/ 1124262 h 1124262"/>
-              <a:gd name="connsiteX1" fmla="*/ 164892 w 554636"/>
-              <a:gd name="connsiteY1" fmla="*/ 1079292 h 1124262"/>
-              <a:gd name="connsiteX2" fmla="*/ 0 w 554636"/>
-              <a:gd name="connsiteY2" fmla="*/ 44970 h 1124262"/>
-              <a:gd name="connsiteX3" fmla="*/ 464695 w 554636"/>
-              <a:gd name="connsiteY3" fmla="*/ 0 h 1124262"/>
-              <a:gd name="connsiteX4" fmla="*/ 554636 w 554636"/>
-              <a:gd name="connsiteY4" fmla="*/ 1124262 h 1124262"/>
-            </a:gdLst>
-            <a:ahLst/>
-            <a:cxnLst>
-              <a:cxn ang="0">
-                <a:pos x="connsiteX0" y="connsiteY0"/>
-              </a:cxn>
-              <a:cxn ang="0">
-                <a:pos x="connsiteX1" y="connsiteY1"/>
-              </a:cxn>
-              <a:cxn ang="0">
-                <a:pos x="connsiteX2" y="connsiteY2"/>
-              </a:cxn>
-              <a:cxn ang="0">
-                <a:pos x="connsiteX3" y="connsiteY3"/>
-              </a:cxn>
-              <a:cxn ang="0">
-                <a:pos x="connsiteX4" y="connsiteY4"/>
-              </a:cxn>
-            </a:cxnLst>
-            <a:rect l="l" t="t" r="r" b="b"/>
-            <a:pathLst>
-              <a:path w="554636" h="1124262">
-                <a:moveTo>
-                  <a:pt x="554636" y="1124262"/>
-                </a:moveTo>
-                <a:lnTo>
-                  <a:pt x="164892" y="1079292"/>
-                </a:lnTo>
-                <a:lnTo>
-                  <a:pt x="0" y="44970"/>
-                </a:lnTo>
-                <a:cubicBezTo>
-                  <a:pt x="154850" y="29485"/>
-                  <a:pt x="309073" y="0"/>
-                  <a:pt x="464695" y="0"/>
-                </a:cubicBezTo>
-                <a:lnTo>
-                  <a:pt x="554636" y="1124262"/>
-                </a:lnTo>
-                <a:close/>
-              </a:path>
-            </a:pathLst>
-          </a:custGeom>
-          <a:solidFill>
-            <a:schemeClr val="bg1">
-              <a:lumMod val="50000"/>
-            </a:schemeClr>
-          </a:solidFill>
-          <a:ln>
-            <a:noFill/>
-          </a:ln>
-        </p:spPr>
-        <p:style>
-          <a:lnRef idx="2">
-            <a:schemeClr val="accent1">
-              <a:shade val="50000"/>
-            </a:schemeClr>
-          </a:lnRef>
-          <a:fillRef idx="1">
-            <a:schemeClr val="accent1"/>
-          </a:fillRef>
-          <a:effectRef idx="0">
-            <a:schemeClr val="accent1"/>
-          </a:effectRef>
-          <a:fontRef idx="minor">
-            <a:schemeClr val="lt1"/>
-          </a:fontRef>
-        </p:style>
-        <p:txBody>
-          <a:bodyPr rtlCol="0" anchor="ctr"/>
-          <a:lstStyle/>
-          <a:p>
-            <a:pPr algn="ctr"/>
-            <a:endParaRPr lang="en-US"/>
-          </a:p>
-        </p:txBody>
-      </p:sp>
-      <p:sp>
-        <p:nvSpPr>
-          <p:cNvPr id="13" name="Rectangle 12"/>
-          <p:cNvSpPr/>
-          <p:nvPr/>
-        </p:nvSpPr>
-        <p:spPr>
-          <a:xfrm>
-            <a:off x="4188160" y="839450"/>
-            <a:ext cx="269175" cy="5246556"/>
-          </a:xfrm>
-          <a:prstGeom prst="rect">
-            <a:avLst/>
-          </a:prstGeom>
-          <a:gradFill flip="none" rotWithShape="1">
-            <a:gsLst>
-              <a:gs pos="0">
-                <a:schemeClr val="bg1">
-                  <a:lumMod val="85000"/>
-                  <a:shade val="30000"/>
-                  <a:satMod val="115000"/>
-                </a:schemeClr>
-              </a:gs>
-              <a:gs pos="50000">
-                <a:schemeClr val="bg1">
-                  <a:lumMod val="85000"/>
-                  <a:shade val="67500"/>
-                  <a:satMod val="115000"/>
-                </a:schemeClr>
-              </a:gs>
-              <a:gs pos="100000">
-                <a:schemeClr val="bg1">
-                  <a:lumMod val="85000"/>
-                  <a:shade val="100000"/>
-                  <a:satMod val="115000"/>
-                </a:schemeClr>
-              </a:gs>
-            </a:gsLst>
-            <a:lin ang="18900000" scaled="1"/>
-            <a:tileRect/>
-          </a:gradFill>
-          <a:ln>
-            <a:noFill/>
-          </a:ln>
-        </p:spPr>
-        <p:style>
-          <a:lnRef idx="2">
-            <a:schemeClr val="accent1">
-              <a:shade val="50000"/>
-            </a:schemeClr>
-          </a:lnRef>
-          <a:fillRef idx="1">
-            <a:schemeClr val="accent1"/>
-          </a:fillRef>
-          <a:effectRef idx="0">
-            <a:schemeClr val="accent1"/>
-          </a:effectRef>
-          <a:fontRef idx="minor">
-            <a:schemeClr val="lt1"/>
-          </a:fontRef>
-        </p:style>
-        <p:txBody>
-          <a:bodyPr rtlCol="0" anchor="ctr"/>
-          <a:lstStyle/>
-          <a:p>
-            <a:pPr algn="ctr"/>
-            <a:endParaRPr lang="en-US"/>
-          </a:p>
-        </p:txBody>
-      </p:sp>
       <p:pic>
         <p:nvPicPr>
-          <p:cNvPr id="12" name="Picture 11" descr="rest of hand.gif"/>
+          <p:cNvPr id="3076" name="Picture 4"/>
           <p:cNvPicPr>
-            <a:picLocks noChangeAspect="1"/>
+            <a:picLocks noChangeAspect="1" noChangeArrowheads="1"/>
           </p:cNvPicPr>
           <p:nvPr/>
         </p:nvPicPr>
         <p:blipFill>
           <a:blip r:embed="rId2" cstate="print"/>
+          <a:srcRect/>
           <a:stretch>
             <a:fillRect/>
           </a:stretch>
         </p:blipFill>
-        <p:spPr>
-          <a:xfrm>
-            <a:off x="3361764" y="2540544"/>
-            <a:ext cx="3098997" cy="1880577"/>
-          </a:xfrm>
-          <a:prstGeom prst="rect">
-            <a:avLst/>
-          </a:prstGeom>
-        </p:spPr>
-      </p:pic>
-      <p:pic>
-        <p:nvPicPr>
-          <p:cNvPr id="11" name="Picture 10" descr="fingers.gif"/>
-          <p:cNvPicPr>
-            <a:picLocks noChangeAspect="1"/>
-          </p:cNvPicPr>
-          <p:nvPr/>
-        </p:nvPicPr>
-        <p:blipFill>
-          <a:blip r:embed="rId3" cstate="print"/>
-          <a:stretch>
-            <a:fillRect/>
-          </a:stretch>
-        </p:blipFill>
-        <p:spPr>
-          <a:xfrm>
-            <a:off x="2635114" y="2768315"/>
-            <a:ext cx="3098997" cy="1880577"/>
-          </a:xfrm>
-          <a:prstGeom prst="rect">
-            <a:avLst/>
-          </a:prstGeom>
-        </p:spPr>
-      </p:pic>
-      <p:sp>
-        <p:nvSpPr>
-          <p:cNvPr id="19" name="Arc 18"/>
-          <p:cNvSpPr/>
-          <p:nvPr/>
-        </p:nvSpPr>
-        <p:spPr>
-          <a:xfrm>
-            <a:off x="2188565" y="5523188"/>
-            <a:ext cx="4251673" cy="166685"/>
-          </a:xfrm>
-          <a:prstGeom prst="arc">
-            <a:avLst>
-              <a:gd name="adj1" fmla="val 20584169"/>
-              <a:gd name="adj2" fmla="val 11804274"/>
-            </a:avLst>
-          </a:prstGeom>
-        </p:spPr>
-        <p:style>
-          <a:lnRef idx="1">
-            <a:schemeClr val="accent1"/>
-          </a:lnRef>
-          <a:fillRef idx="0">
-            <a:schemeClr val="accent1"/>
-          </a:fillRef>
-          <a:effectRef idx="0">
-            <a:schemeClr val="accent1"/>
-          </a:effectRef>
-          <a:fontRef idx="minor">
-            <a:schemeClr val="tx1"/>
-          </a:fontRef>
-        </p:style>
-        <p:txBody>
-          <a:bodyPr rtlCol="0" anchor="ctr"/>
-          <a:lstStyle/>
-          <a:p>
-            <a:pPr algn="ctr"/>
-            <a:endParaRPr lang="en-US"/>
-          </a:p>
-        </p:txBody>
-      </p:sp>
-      <p:sp>
-        <p:nvSpPr>
-          <p:cNvPr id="27" name="Isosceles Triangle 26"/>
-          <p:cNvSpPr/>
-          <p:nvPr/>
-        </p:nvSpPr>
-        <p:spPr>
-          <a:xfrm rot="5400000" flipH="1">
-            <a:off x="5052114" y="5527823"/>
-            <a:ext cx="369950" cy="345665"/>
-          </a:xfrm>
-          <a:prstGeom prst="triangle">
-            <a:avLst/>
-          </a:prstGeom>
-          <a:solidFill>
-            <a:schemeClr val="accent1"/>
-          </a:solidFill>
-          <a:ln>
-            <a:noFill/>
-          </a:ln>
-        </p:spPr>
-        <p:style>
-          <a:lnRef idx="2">
-            <a:schemeClr val="accent1">
-              <a:shade val="50000"/>
-            </a:schemeClr>
-          </a:lnRef>
-          <a:fillRef idx="1">
-            <a:schemeClr val="accent1"/>
-          </a:fillRef>
-          <a:effectRef idx="0">
-            <a:schemeClr val="accent1"/>
-          </a:effectRef>
-          <a:fontRef idx="minor">
-            <a:schemeClr val="lt1"/>
-          </a:fontRef>
-        </p:style>
-        <p:txBody>
-          <a:bodyPr rtlCol="0" anchor="ctr"/>
-          <a:lstStyle/>
-          <a:p>
-            <a:pPr algn="ctr"/>
-            <a:endParaRPr lang="en-US"/>
-          </a:p>
-        </p:txBody>
-      </p:sp>
-      <p:cxnSp>
-        <p:nvCxnSpPr>
-          <p:cNvPr id="8" name="Straight Arrow Connector 7"/>
-          <p:cNvCxnSpPr/>
-          <p:nvPr/>
-        </p:nvCxnSpPr>
-        <p:spPr>
-          <a:xfrm flipV="1">
-            <a:off x="4770120" y="960120"/>
-            <a:ext cx="15240" cy="548640"/>
-          </a:xfrm>
-          <a:prstGeom prst="straightConnector1">
-            <a:avLst/>
-          </a:prstGeom>
-          <a:ln w="28575">
-            <a:solidFill>
-              <a:srgbClr val="FF0000"/>
-            </a:solidFill>
-            <a:tailEnd type="arrow"/>
-          </a:ln>
-        </p:spPr>
-        <p:style>
-          <a:lnRef idx="1">
-            <a:schemeClr val="accent1"/>
-          </a:lnRef>
-          <a:fillRef idx="0">
-            <a:schemeClr val="accent1"/>
-          </a:fillRef>
-          <a:effectRef idx="0">
-            <a:schemeClr val="accent1"/>
-          </a:effectRef>
-          <a:fontRef idx="minor">
-            <a:schemeClr val="tx1"/>
-          </a:fontRef>
-        </p:style>
-      </p:cxnSp>
-      <p:sp>
-        <p:nvSpPr>
-          <p:cNvPr id="9" name="TextBox 8"/>
-          <p:cNvSpPr txBox="1"/>
-          <p:nvPr/>
-        </p:nvSpPr>
-        <p:spPr>
-          <a:xfrm>
-            <a:off x="4907280" y="1097280"/>
-            <a:ext cx="320922" cy="584775"/>
+        <p:spPr bwMode="auto">
+          <a:xfrm>
+            <a:off x="1423988" y="138113"/>
+            <a:ext cx="6296025" cy="6581775"/>
           </a:xfrm>
           <a:prstGeom prst="rect">
             <a:avLst/>
           </a:prstGeom>
           <a:noFill/>
-        </p:spPr>
-        <p:txBody>
-          <a:bodyPr wrap="none" rtlCol="0">
-            <a:spAutoFit/>
-          </a:bodyPr>
-          <a:lstStyle/>
-          <a:p>
-            <a:r>
-              <a:rPr lang="en-US" sz="3200" dirty="0">
-                <a:solidFill>
-                  <a:srgbClr val="FF0000"/>
-                </a:solidFill>
-                <a:latin typeface="Times New Roman" pitchFamily="18" charset="0"/>
-                <a:cs typeface="Times New Roman" pitchFamily="18" charset="0"/>
-              </a:rPr>
-              <a:t>I</a:t>
-            </a:r>
-          </a:p>
-        </p:txBody>
-      </p:sp>
+          <a:ln w="9525">
+            <a:noFill/>
+            <a:miter lim="800000"/>
+            <a:headEnd/>
+            <a:tailEnd/>
+          </a:ln>
+          <a:effectLst/>
+        </p:spPr>
+      </p:pic>
     </p:spTree>
   </p:cSld>
   <p:clrMapOvr>
